--- a/Assets/Class/NavMesh Obstacle/PPT Data/NavMesh Obstacle Example.pptx
+++ b/Assets/Class/NavMesh Obstacle/PPT Data/NavMesh Obstacle Example.pptx
@@ -2,7 +2,7 @@
 <file path=ppt/presentation.xml><?xml version="1.0" encoding="utf-8"?>
 <p:presentation xmlns:a="http://schemas.openxmlformats.org/drawingml/2006/main" xmlns:r="http://schemas.openxmlformats.org/officeDocument/2006/relationships" xmlns:p="http://schemas.openxmlformats.org/presentationml/2006/main" xmlns:p14="http://schemas.microsoft.com/office/powerpoint/2010/main" saveSubsetFonts="1" firstSlideNum="0">
   <p:sldMasterIdLst>
-    <p:sldMasterId id="2147486208" r:id="rId12"/>
+    <p:sldMasterId id="2147486242" r:id="rId12"/>
   </p:sldMasterIdLst>
   <p:notesMasterIdLst>
     <p:notesMasterId r:id="rId14"/>
@@ -10,15 +10,16 @@
   <p:sldIdLst>
     <p:sldId id="287" r:id="rId16"/>
     <p:sldId id="300" r:id="rId17"/>
-    <p:sldId id="301" r:id="rId18"/>
-    <p:sldId id="302" r:id="rId19"/>
-    <p:sldId id="298" r:id="rId20"/>
-    <p:sldId id="305" r:id="rId21"/>
-    <p:sldId id="304" r:id="rId22"/>
-    <p:sldId id="308" r:id="rId23"/>
-    <p:sldId id="306" r:id="rId24"/>
-    <p:sldId id="309" r:id="rId25"/>
-    <p:sldId id="307" r:id="rId26"/>
+    <p:sldId id="310" r:id="rId18"/>
+    <p:sldId id="301" r:id="rId19"/>
+    <p:sldId id="302" r:id="rId20"/>
+    <p:sldId id="298" r:id="rId21"/>
+    <p:sldId id="305" r:id="rId22"/>
+    <p:sldId id="304" r:id="rId23"/>
+    <p:sldId id="308" r:id="rId24"/>
+    <p:sldId id="306" r:id="rId25"/>
+    <p:sldId id="309" r:id="rId26"/>
+    <p:sldId id="307" r:id="rId27"/>
   </p:sldIdLst>
   <p:sldSz cx="12192000" cy="6858000"/>
   <p:notesSz cx="6858000" cy="9144000"/>
@@ -649,7 +650,7 @@
         <p:spPr>
           <a:xfrm rot="0">
             <a:off x="685800" y="1143000"/>
-            <a:ext cx="5490845" cy="3090545"/>
+            <a:ext cx="5490210" cy="3089910"/>
           </a:xfrm>
           <a:prstGeom prst="rect"/>
           <a:noFill/>
@@ -688,7 +689,7 @@
         <p:spPr>
           <a:xfrm rot="0">
             <a:off x="685800" y="4400550"/>
-            <a:ext cx="5490845" cy="3604895"/>
+            <a:ext cx="5490210" cy="3604260"/>
           </a:xfrm>
           <a:prstGeom prst="rect"/>
         </p:spPr>
@@ -718,7 +719,7 @@
         <p:spPr>
           <a:xfrm rot="0">
             <a:off x="3884930" y="8685530"/>
-            <a:ext cx="2976245" cy="462915"/>
+            <a:ext cx="2975610" cy="462280"/>
           </a:xfrm>
           <a:prstGeom prst="rect"/>
         </p:spPr>
@@ -791,6 +792,148 @@
         <p:spPr>
           <a:xfrm rot="0">
             <a:off x="685800" y="1143000"/>
+            <a:ext cx="5490845" cy="3090545"/>
+          </a:xfrm>
+          <a:prstGeom prst="rect"/>
+          <a:noFill/>
+          <a:ln w="12700" cap="flat" cmpd="sng">
+            <a:solidFill>
+              <a:srgbClr val="000000">
+                <a:alpha val="100000"/>
+              </a:srgbClr>
+            </a:solidFill>
+            <a:prstDash val="solid"/>
+          </a:ln>
+        </p:spPr>
+        <p:txBody>
+          <a:bodyPr wrap="square" lIns="91440" tIns="45720" rIns="91440" bIns="45720" numCol="1" vert="horz" anchor="ctr">
+            <a:noAutofit/>
+          </a:bodyPr>
+          <a:lstStyle/>
+          <a:p>
+            <a:pPr marL="0" indent="0" latinLnBrk="0">
+              <a:buFontTx/>
+              <a:buNone/>
+            </a:pPr>
+          </a:p>
+        </p:txBody>
+      </p:sp>
+      <p:sp>
+        <p:nvSpPr>
+          <p:cNvPr id="3" name="슬라이드 노트 개체 틀 4"/>
+          <p:cNvSpPr txBox="1">
+            <a:spLocks/>
+          </p:cNvSpPr>
+          <p:nvPr>
+            <p:ph type="body" idx="3"/>
+          </p:nvPr>
+        </p:nvSpPr>
+        <p:spPr>
+          <a:xfrm rot="0">
+            <a:off x="685800" y="4400550"/>
+            <a:ext cx="5490845" cy="3604895"/>
+          </a:xfrm>
+          <a:prstGeom prst="rect"/>
+        </p:spPr>
+        <p:txBody>
+          <a:bodyPr wrap="square" lIns="91440" tIns="45720" rIns="91440" bIns="45720" numCol="1" vert="horz" anchor="t">
+            <a:noAutofit/>
+          </a:bodyPr>
+          <a:lstStyle/>
+          <a:p>
+            <a:pPr marL="0" indent="0" latinLnBrk="0">
+              <a:buFontTx/>
+              <a:buNone/>
+            </a:pPr>
+          </a:p>
+        </p:txBody>
+      </p:sp>
+      <p:sp>
+        <p:nvSpPr>
+          <p:cNvPr id="4" name="슬라이드 번호 개체 틀 6"/>
+          <p:cNvSpPr txBox="1">
+            <a:spLocks/>
+          </p:cNvSpPr>
+          <p:nvPr>
+            <p:ph type="sldNum" idx="5"/>
+          </p:nvPr>
+        </p:nvSpPr>
+        <p:spPr>
+          <a:xfrm rot="0">
+            <a:off x="3884930" y="8685530"/>
+            <a:ext cx="2976245" cy="462915"/>
+          </a:xfrm>
+          <a:prstGeom prst="rect"/>
+        </p:spPr>
+        <p:txBody>
+          <a:bodyPr wrap="square" lIns="91440" tIns="45720" rIns="91440" bIns="45720" numCol="1" vert="horz" anchor="b">
+            <a:noAutofit/>
+          </a:bodyPr>
+          <a:lstStyle>
+            <a:lvl1pPr marL="0" indent="0" algn="r" latinLnBrk="0">
+              <a:buFontTx/>
+              <a:buNone/>
+              <a:defRPr lang="en-GB" altLang="en-US" sz="1200"/>
+            </a:lvl1pPr>
+          </a:lstStyle>
+          <a:p>
+            <a:pPr marL="0" indent="0" latinLnBrk="0">
+              <a:buFontTx/>
+              <a:buNone/>
+            </a:pPr>
+            <a:fld id="{B9320F77-B9A0-41C5-862A-B4B631284C64}" type="slidenum">
+              <a:rPr lang="ko-KR" altLang="en-US"/>
+              <a:t>‹#›</a:t>
+            </a:fld>
+          </a:p>
+        </p:txBody>
+      </p:sp>
+    </p:spTree>
+  </p:cSld>
+  <p:clrMapOvr>
+    <a:masterClrMapping/>
+  </p:clrMapOvr>
+  <mc:AlternateContent xmlns:mc="http://schemas.openxmlformats.org/markup-compatibility/2006">
+    <mc:Choice xmlns:p14="http://schemas.microsoft.com/office/powerpoint/2010/main" Requires="p14">
+      <p:transition spd="slow" p14:dur="0"/>
+    </mc:Choice>
+    <mc:Fallback>
+      <p:transition spd="slow"/>
+    </mc:Fallback>
+  </mc:AlternateContent>
+</p:notes>
+</file>
+
+<file path=ppt/notesSlides/notesSlide12.xml><?xml version="1.0" encoding="utf-8"?>
+<p:notes xmlns:a="http://schemas.openxmlformats.org/drawingml/2006/main" xmlns:r="http://schemas.openxmlformats.org/officeDocument/2006/relationships" xmlns:p="http://schemas.openxmlformats.org/presentationml/2006/main">
+  <p:cSld>
+    <p:spTree>
+      <p:nvGrpSpPr>
+        <p:cNvPr id="1" name=""/>
+        <p:cNvGrpSpPr/>
+        <p:nvPr/>
+      </p:nvGrpSpPr>
+      <p:grpSpPr>
+        <a:xfrm>
+          <a:off x="0" y="0"/>
+          <a:ext cx="0" cy="0"/>
+          <a:chOff x="0" y="0"/>
+          <a:chExt cx="0" cy="0"/>
+        </a:xfrm>
+      </p:grpSpPr>
+      <p:sp>
+        <p:nvSpPr>
+          <p:cNvPr id="2" name="슬라이드 이미지 개체 틀 3"/>
+          <p:cNvSpPr>
+            <a:spLocks noChangeAspect="1"/>
+          </p:cNvSpPr>
+          <p:nvPr>
+            <p:ph type="sldImg" idx="2"/>
+          </p:nvPr>
+        </p:nvSpPr>
+        <p:spPr>
+          <a:xfrm rot="0">
+            <a:off x="685800" y="1143000"/>
             <a:ext cx="5490210" cy="3089910"/>
           </a:xfrm>
           <a:prstGeom prst="rect"/>
@@ -1075,7 +1218,7 @@
         <p:spPr>
           <a:xfrm rot="0">
             <a:off x="685800" y="1143000"/>
-            <a:ext cx="5489575" cy="3089275"/>
+            <a:ext cx="5490210" cy="3089910"/>
           </a:xfrm>
           <a:prstGeom prst="rect"/>
           <a:noFill/>
@@ -1114,7 +1257,7 @@
         <p:spPr>
           <a:xfrm rot="0">
             <a:off x="685800" y="4400550"/>
-            <a:ext cx="5489575" cy="3603625"/>
+            <a:ext cx="5490210" cy="3604260"/>
           </a:xfrm>
           <a:prstGeom prst="rect"/>
         </p:spPr>
@@ -1144,7 +1287,7 @@
         <p:spPr>
           <a:xfrm rot="0">
             <a:off x="3884930" y="8685530"/>
-            <a:ext cx="2974975" cy="461645"/>
+            <a:ext cx="2975610" cy="462280"/>
           </a:xfrm>
           <a:prstGeom prst="rect"/>
         </p:spPr>
@@ -1217,7 +1360,7 @@
         <p:spPr>
           <a:xfrm rot="0">
             <a:off x="685800" y="1143000"/>
-            <a:ext cx="5490210" cy="3089910"/>
+            <a:ext cx="5489575" cy="3089275"/>
           </a:xfrm>
           <a:prstGeom prst="rect"/>
           <a:noFill/>
@@ -1256,7 +1399,7 @@
         <p:spPr>
           <a:xfrm rot="0">
             <a:off x="685800" y="4400550"/>
-            <a:ext cx="5490210" cy="3604260"/>
+            <a:ext cx="5489575" cy="3603625"/>
           </a:xfrm>
           <a:prstGeom prst="rect"/>
         </p:spPr>
@@ -1286,7 +1429,7 @@
         <p:spPr>
           <a:xfrm rot="0">
             <a:off x="3884930" y="8685530"/>
-            <a:ext cx="2975610" cy="462280"/>
+            <a:ext cx="2974975" cy="461645"/>
           </a:xfrm>
           <a:prstGeom prst="rect"/>
         </p:spPr>
@@ -1359,7 +1502,7 @@
         <p:spPr>
           <a:xfrm rot="0">
             <a:off x="685800" y="1143000"/>
-            <a:ext cx="5489575" cy="3089275"/>
+            <a:ext cx="5490210" cy="3089910"/>
           </a:xfrm>
           <a:prstGeom prst="rect"/>
           <a:noFill/>
@@ -1398,7 +1541,7 @@
         <p:spPr>
           <a:xfrm rot="0">
             <a:off x="685800" y="4400550"/>
-            <a:ext cx="5489575" cy="3603625"/>
+            <a:ext cx="5490210" cy="3604260"/>
           </a:xfrm>
           <a:prstGeom prst="rect"/>
         </p:spPr>
@@ -1428,7 +1571,7 @@
         <p:spPr>
           <a:xfrm rot="0">
             <a:off x="3884930" y="8685530"/>
-            <a:ext cx="2974975" cy="461645"/>
+            <a:ext cx="2975610" cy="462280"/>
           </a:xfrm>
           <a:prstGeom prst="rect"/>
         </p:spPr>
@@ -1501,7 +1644,7 @@
         <p:spPr>
           <a:xfrm rot="0">
             <a:off x="685800" y="1143000"/>
-            <a:ext cx="5490210" cy="3089910"/>
+            <a:ext cx="5489575" cy="3089275"/>
           </a:xfrm>
           <a:prstGeom prst="rect"/>
           <a:noFill/>
@@ -1540,7 +1683,7 @@
         <p:spPr>
           <a:xfrm rot="0">
             <a:off x="685800" y="4400550"/>
-            <a:ext cx="5490210" cy="3604260"/>
+            <a:ext cx="5489575" cy="3603625"/>
           </a:xfrm>
           <a:prstGeom prst="rect"/>
         </p:spPr>
@@ -1570,7 +1713,7 @@
         <p:spPr>
           <a:xfrm rot="0">
             <a:off x="3884930" y="8685530"/>
-            <a:ext cx="2975610" cy="462280"/>
+            <a:ext cx="2974975" cy="461645"/>
           </a:xfrm>
           <a:prstGeom prst="rect"/>
         </p:spPr>
@@ -7108,7 +7251,7 @@
       </p:sp>
       <p:pic>
         <p:nvPicPr>
-          <p:cNvPr id="1165" name="그림 58"/>
+          <p:cNvPr id="1165" name="그림 58" descr="C:/Users/Admin1/AppData/Roaming/PolarisOffice/ETemp/20556_22124416/fImage725725741.png"/>
           <p:cNvPicPr>
             <a:picLocks noChangeAspect="1"/>
           </p:cNvPicPr>
@@ -7129,10 +7272,12 @@
         <p:spPr>
           <a:xfrm rot="0">
             <a:off x="1083945" y="1288415"/>
-            <a:ext cx="1802765" cy="1675130"/>
-          </a:xfrm>
-          <a:prstGeom prst="rect"/>
-          <a:noFill/>
+            <a:ext cx="1803400" cy="1675765"/>
+          </a:xfrm>
+          <a:prstGeom prst="roundRect"/>
+          <a:solidFill>
+            <a:srgbClr val="EDEDED"/>
+          </a:solidFill>
         </p:spPr>
       </p:pic>
       <p:pic>
@@ -7166,7 +7311,7 @@
       </p:pic>
       <p:pic>
         <p:nvPicPr>
-          <p:cNvPr id="1167" name="그림 60"/>
+          <p:cNvPr id="1167" name="그림 60" descr="C:/Users/Admin1/AppData/Roaming/PolarisOffice/ETemp/20556_22124416/fImage51372596334.png"/>
           <p:cNvPicPr>
             <a:picLocks noChangeAspect="1"/>
           </p:cNvPicPr>
@@ -7187,70 +7332,14 @@
         <p:spPr>
           <a:xfrm rot="0">
             <a:off x="3808095" y="1282700"/>
-            <a:ext cx="1569085" cy="1680845"/>
-          </a:xfrm>
-          <a:prstGeom prst="rect"/>
-          <a:noFill/>
+            <a:ext cx="1569720" cy="1681480"/>
+          </a:xfrm>
+          <a:prstGeom prst="roundRect"/>
+          <a:solidFill>
+            <a:srgbClr val="EDEDED"/>
+          </a:solidFill>
         </p:spPr>
       </p:pic>
-      <p:sp>
-        <p:nvSpPr>
-          <p:cNvPr id="1170" name="도형 64"/>
-          <p:cNvSpPr>
-            <a:spLocks/>
-          </p:cNvSpPr>
-          <p:nvPr/>
-        </p:nvSpPr>
-        <p:spPr>
-          <a:xfrm rot="0">
-            <a:off x="3011805" y="4204335"/>
-            <a:ext cx="361950" cy="280670"/>
-          </a:xfrm>
-          <a:prstGeom prst="notchedRightArrow"/>
-          <a:scene3d>
-            <a:camera prst="orthographicFront"/>
-            <a:lightRig rig="threePt" dir="t"/>
-          </a:scene3d>
-          <a:sp3d prstMaterial="warmMatte">
-            <a:bevelT w="76200" h="76200" prst="circle"/>
-            <a:contourClr>
-              <a:srgbClr val="000000"/>
-            </a:contourClr>
-          </a:sp3d>
-        </p:spPr>
-        <p:style>
-          <a:lnRef idx="2">
-            <a:schemeClr val="accent1">
-              <a:shade val="50000"/>
-            </a:schemeClr>
-          </a:lnRef>
-          <a:fillRef idx="1">
-            <a:schemeClr val="accent1"/>
-          </a:fillRef>
-          <a:effectRef idx="0">
-            <a:schemeClr val="accent1"/>
-          </a:effectRef>
-          <a:fontRef idx="minor">
-            <a:schemeClr val="lt1"/>
-          </a:fontRef>
-        </p:style>
-        <p:txBody>
-          <a:bodyPr wrap="square" lIns="91440" tIns="45720" rIns="91440" bIns="45720" numCol="1" vert="horz" anchor="ctr">
-            <a:noAutofit/>
-          </a:bodyPr>
-          <a:lstStyle/>
-          <a:p>
-            <a:pPr marL="0" indent="0" algn="ctr" latinLnBrk="0" hangingPunct="1">
-              <a:buFontTx/>
-              <a:buNone/>
-            </a:pPr>
-            <a:endParaRPr lang="ko-KR" altLang="en-US" sz="1800">
-              <a:latin typeface="맑은 고딕" charset="0"/>
-              <a:ea typeface="맑은 고딕" charset="0"/>
-            </a:endParaRPr>
-          </a:p>
-        </p:txBody>
-      </p:sp>
       <p:sp>
         <p:nvSpPr>
           <p:cNvPr id="1173" name="텍스트 상자 67"/>
@@ -7261,8 +7350,8 @@
         </p:nvSpPr>
         <p:spPr>
           <a:xfrm rot="0">
-            <a:off x="1082040" y="4939030"/>
-            <a:ext cx="4295140" cy="1200785"/>
+            <a:off x="1082040" y="4996180"/>
+            <a:ext cx="4295775" cy="1201420"/>
           </a:xfrm>
           <a:prstGeom prst="rect"/>
           <a:noFill/>
@@ -7303,175 +7392,7 @@
                 <a:latin typeface="맑은 고딕" charset="0"/>
                 <a:ea typeface="맑은 고딕" charset="0"/>
               </a:rPr>
-              <a:t>고</a:t>
-            </a:r>
-            <a:r>
-              <a:rPr lang="ko-KR" sz="1800">
-                <a:latin typeface="맑은 고딕" charset="0"/>
-                <a:ea typeface="맑은 고딕" charset="0"/>
-              </a:rPr>
-              <a:t> </a:t>
-            </a:r>
-            <a:r>
-              <a:rPr lang="ko-KR" sz="1800">
-                <a:latin typeface="맑은 고딕" charset="0"/>
-                <a:ea typeface="맑은 고딕" charset="0"/>
-              </a:rPr>
-              <a:t>Character라는</a:t>
-            </a:r>
-            <a:r>
-              <a:rPr lang="ko-KR" sz="1800">
-                <a:latin typeface="맑은 고딕" charset="0"/>
-                <a:ea typeface="맑은 고딕" charset="0"/>
-              </a:rPr>
-              <a:t> </a:t>
-            </a:r>
-            <a:r>
-              <a:rPr lang="ko-KR" sz="1800">
-                <a:latin typeface="맑은 고딕" charset="0"/>
-                <a:ea typeface="맑은 고딕" charset="0"/>
-              </a:rPr>
-              <a:t>이름으로</a:t>
-            </a:r>
-            <a:r>
-              <a:rPr lang="ko-KR" sz="1800">
-                <a:latin typeface="맑은 고딕" charset="0"/>
-                <a:ea typeface="맑은 고딕" charset="0"/>
-              </a:rPr>
-              <a:t> </a:t>
-            </a:r>
-            <a:r>
-              <a:rPr lang="ko-KR" sz="1800">
-                <a:latin typeface="맑은 고딕" charset="0"/>
-                <a:ea typeface="맑은 고딕" charset="0"/>
-              </a:rPr>
-              <a:t>변경한</a:t>
-            </a:r>
-            <a:r>
-              <a:rPr lang="ko-KR" sz="1800">
-                <a:latin typeface="맑은 고딕" charset="0"/>
-                <a:ea typeface="맑은 고딕" charset="0"/>
-              </a:rPr>
-              <a:t> </a:t>
-            </a:r>
-            <a:r>
-              <a:rPr lang="ko-KR" sz="1800">
-                <a:latin typeface="맑은 고딕" charset="0"/>
-                <a:ea typeface="맑은 고딕" charset="0"/>
-              </a:rPr>
-              <a:t>다음</a:t>
-            </a:r>
-            <a:r>
-              <a:rPr lang="ko-KR" sz="1800">
-                <a:latin typeface="맑은 고딕" charset="0"/>
-                <a:ea typeface="맑은 고딕" charset="0"/>
-              </a:rPr>
-              <a:t> </a:t>
-            </a:r>
-            <a:r>
-              <a:rPr lang="ko-KR" sz="1800">
-                <a:latin typeface="맑은 고딕" charset="0"/>
-                <a:ea typeface="맑은 고딕" charset="0"/>
-              </a:rPr>
-              <a:t>Main</a:t>
-            </a:r>
-            <a:r>
-              <a:rPr lang="ko-KR" sz="1800">
-                <a:latin typeface="맑은 고딕" charset="0"/>
-                <a:ea typeface="맑은 고딕" charset="0"/>
-              </a:rPr>
-              <a:t> </a:t>
-            </a:r>
-            <a:r>
-              <a:rPr lang="ko-KR" sz="1800">
-                <a:latin typeface="맑은 고딕" charset="0"/>
-                <a:ea typeface="맑은 고딕" charset="0"/>
-              </a:rPr>
-              <a:t>Camera</a:t>
-            </a:r>
-            <a:r>
-              <a:rPr lang="ko-KR" sz="1800">
-                <a:latin typeface="맑은 고딕" charset="0"/>
-                <a:ea typeface="맑은 고딕" charset="0"/>
-              </a:rPr>
-              <a:t> </a:t>
-            </a:r>
-            <a:r>
-              <a:rPr lang="ko-KR" sz="1800">
-                <a:latin typeface="맑은 고딕" charset="0"/>
-                <a:ea typeface="맑은 고딕" charset="0"/>
-              </a:rPr>
-              <a:t>오브젝트를</a:t>
-            </a:r>
-            <a:r>
-              <a:rPr lang="ko-KR" sz="1800">
-                <a:latin typeface="맑은 고딕" charset="0"/>
-                <a:ea typeface="맑은 고딕" charset="0"/>
-              </a:rPr>
-              <a:t> </a:t>
-            </a:r>
-            <a:r>
-              <a:rPr lang="ko-KR" sz="1800">
-                <a:latin typeface="맑은 고딕" charset="0"/>
-                <a:ea typeface="맑은 고딕" charset="0"/>
-              </a:rPr>
-              <a:t>Character</a:t>
-            </a:r>
-            <a:r>
-              <a:rPr lang="ko-KR" sz="1800">
-                <a:latin typeface="맑은 고딕" charset="0"/>
-                <a:ea typeface="맑은 고딕" charset="0"/>
-              </a:rPr>
-              <a:t> </a:t>
-            </a:r>
-            <a:r>
-              <a:rPr lang="ko-KR" sz="1800">
-                <a:latin typeface="맑은 고딕" charset="0"/>
-                <a:ea typeface="맑은 고딕" charset="0"/>
-              </a:rPr>
-              <a:t>오브젝트의</a:t>
-            </a:r>
-            <a:r>
-              <a:rPr lang="ko-KR" sz="1800">
-                <a:latin typeface="맑은 고딕" charset="0"/>
-                <a:ea typeface="맑은 고딕" charset="0"/>
-              </a:rPr>
-              <a:t> </a:t>
-            </a:r>
-            <a:r>
-              <a:rPr lang="ko-KR" sz="1800">
-                <a:latin typeface="맑은 고딕" charset="0"/>
-                <a:ea typeface="맑은 고딕" charset="0"/>
-              </a:rPr>
-              <a:t>하위</a:t>
-            </a:r>
-            <a:r>
-              <a:rPr lang="ko-KR" sz="1800">
-                <a:latin typeface="맑은 고딕" charset="0"/>
-                <a:ea typeface="맑은 고딕" charset="0"/>
-              </a:rPr>
-              <a:t> </a:t>
-            </a:r>
-            <a:r>
-              <a:rPr lang="ko-KR" sz="1800">
-                <a:latin typeface="맑은 고딕" charset="0"/>
-                <a:ea typeface="맑은 고딕" charset="0"/>
-              </a:rPr>
-              <a:t>오브젝트로</a:t>
-            </a:r>
-            <a:r>
-              <a:rPr lang="ko-KR" sz="1800">
-                <a:latin typeface="맑은 고딕" charset="0"/>
-                <a:ea typeface="맑은 고딕" charset="0"/>
-              </a:rPr>
-              <a:t> </a:t>
-            </a:r>
-            <a:r>
-              <a:rPr lang="ko-KR" sz="1800">
-                <a:latin typeface="맑은 고딕" charset="0"/>
-                <a:ea typeface="맑은 고딕" charset="0"/>
-              </a:rPr>
-              <a:t>넣어줍니다.</a:t>
+              <a:t>고 Character라는 이름으로 변경한 다음 Main Camera 오브젝트를 Character 오브젝트의 하위 오브젝트로 넣어줍니다.</a:t>
             </a:r>
             <a:endParaRPr lang="ko-KR" altLang="en-US" sz="1800">
               <a:latin typeface="맑은 고딕" charset="0"/>
@@ -7490,8 +7411,8 @@
         </p:nvSpPr>
         <p:spPr>
           <a:xfrm rot="0">
-            <a:off x="6815455" y="2959100"/>
-            <a:ext cx="4307840" cy="647065"/>
+            <a:off x="6796405" y="3187065"/>
+            <a:ext cx="4308475" cy="647700"/>
           </a:xfrm>
           <a:prstGeom prst="rect"/>
           <a:noFill/>
@@ -7550,9 +7471,9 @@
           <p:nvPr/>
         </p:nvSpPr>
         <p:spPr>
-          <a:xfrm>
-            <a:off x="6826250" y="5205730"/>
-            <a:ext cx="4284345" cy="923925"/>
+          <a:xfrm rot="0">
+            <a:off x="6800850" y="5262880"/>
+            <a:ext cx="4310380" cy="923925"/>
           </a:xfrm>
           <a:prstGeom prst="rect"/>
           <a:noFill/>
@@ -7593,21 +7514,7 @@
                 <a:latin typeface="맑은 고딕" charset="0"/>
                 <a:ea typeface="맑은 고딕" charset="0"/>
               </a:rPr>
-              <a:t>다음으로 </a:t>
-            </a:r>
-            <a:r>
-              <a:rPr lang="ko-KR" sz="1800">
-                <a:latin typeface="맑은 고딕" charset="0"/>
-                <a:ea typeface="맑은 고딕" charset="0"/>
-              </a:rPr>
-              <a:t>Arrival</a:t>
-            </a:r>
-            <a:r>
-              <a:rPr lang="ko-KR" sz="1800">
-                <a:latin typeface="맑은 고딕" charset="0"/>
-                <a:ea typeface="맑은 고딕" charset="0"/>
-              </a:rPr>
-              <a:t> 스크립트를 생성하여 Character 오브젝트에 넣어줍니다. </a:t>
+              <a:t>다음으로 Arrival 스크립트를 생성하여 Character 오브젝트에 넣어줍니다. </a:t>
             </a:r>
             <a:endParaRPr lang="ko-KR" altLang="en-US" sz="1800">
               <a:latin typeface="맑은 고딕" charset="0"/>
@@ -7618,17 +7525,17 @@
       </p:sp>
       <p:pic>
         <p:nvPicPr>
-          <p:cNvPr id="1187" name="그림 1" descr="C:/Users/Admin1/AppData/Roaming/PolarisOffice/ETemp/2392_18456704/fImage1449518941.png"/>
+          <p:cNvPr id="1187" name="그림 1" descr="C:/Users/Admin1/AppData/Roaming/PolarisOffice/ETemp/20556_22124416/fImage1449518941.png"/>
           <p:cNvPicPr>
             <a:picLocks noChangeAspect="1"/>
           </p:cNvPicPr>
           <p:nvPr/>
         </p:nvPicPr>
         <p:blipFill rotWithShape="1">
-          <a:blip r:embed="rId47" cstate="print">
+          <a:blip r:embed="rId47" cstate="hqprint">
             <a:extLst>
               <a:ext uri="{28A0092B-C50C-407E-A947-70E740481C1C}">
-                <a14:useLocalDpi xmlns:a14="http://schemas.microsoft.com/office/drawing/2010/main" val="0"/>
+                <a14:useLocalDpi xmlns:a14="http://schemas.microsoft.com/office/drawing/2010/main"/>
               </a:ext>
             </a:extLst>
           </a:blip>
@@ -7639,7 +7546,7 @@
         <p:spPr>
           <a:xfrm rot="0">
             <a:off x="6808470" y="1280795"/>
-            <a:ext cx="4314825" cy="1619885"/>
+            <a:ext cx="4315460" cy="1737360"/>
           </a:xfrm>
           <a:prstGeom prst="roundRect"/>
           <a:solidFill>
@@ -7649,17 +7556,17 @@
       </p:pic>
       <p:pic>
         <p:nvPicPr>
-          <p:cNvPr id="1189" name="그림 5" descr="C:/Users/Admin1/AppData/Roaming/PolarisOffice/ETemp/2392_18456704/fImage44831918467.png"/>
+          <p:cNvPr id="1189" name="그림 5" descr="C:/Users/Admin1/AppData/Roaming/PolarisOffice/ETemp/20556_22124416/fImage44831918467.png"/>
           <p:cNvPicPr>
             <a:picLocks noChangeAspect="1"/>
           </p:cNvPicPr>
           <p:nvPr/>
         </p:nvPicPr>
         <p:blipFill rotWithShape="1">
-          <a:blip r:embed="rId48" cstate="print">
+          <a:blip r:embed="rId48" cstate="hqprint">
             <a:extLst>
               <a:ext uri="{28A0092B-C50C-407E-A947-70E740481C1C}">
-                <a14:useLocalDpi xmlns:a14="http://schemas.microsoft.com/office/drawing/2010/main" val="0"/>
+                <a14:useLocalDpi xmlns:a14="http://schemas.microsoft.com/office/drawing/2010/main"/>
               </a:ext>
             </a:extLst>
           </a:blip>
@@ -7670,7 +7577,7 @@
         <p:spPr>
           <a:xfrm rot="0">
             <a:off x="1077595" y="3900805"/>
-            <a:ext cx="1743710" cy="899160"/>
+            <a:ext cx="1744345" cy="1005205"/>
           </a:xfrm>
           <a:prstGeom prst="roundRect"/>
           <a:solidFill>
@@ -7680,17 +7587,17 @@
       </p:pic>
       <p:pic>
         <p:nvPicPr>
-          <p:cNvPr id="1190" name="그림 7" descr="C:/Users/Admin1/AppData/Roaming/PolarisOffice/ETemp/2392_18456704/fImage45561926334.png"/>
+          <p:cNvPr id="1190" name="그림 7" descr="C:/Users/Admin1/AppData/Roaming/PolarisOffice/ETemp/20556_22124416/fImage45561926334.png"/>
           <p:cNvPicPr>
             <a:picLocks noChangeAspect="1"/>
           </p:cNvPicPr>
           <p:nvPr/>
         </p:nvPicPr>
         <p:blipFill rotWithShape="1">
-          <a:blip r:embed="rId49" cstate="print">
+          <a:blip r:embed="rId49" cstate="hqprint">
             <a:extLst>
               <a:ext uri="{28A0092B-C50C-407E-A947-70E740481C1C}">
-                <a14:useLocalDpi xmlns:a14="http://schemas.microsoft.com/office/drawing/2010/main" val="0"/>
+                <a14:useLocalDpi xmlns:a14="http://schemas.microsoft.com/office/drawing/2010/main"/>
               </a:ext>
             </a:extLst>
           </a:blip>
@@ -7701,7 +7608,7 @@
         <p:spPr>
           <a:xfrm rot="0">
             <a:off x="3548380" y="3900805"/>
-            <a:ext cx="1820545" cy="910590"/>
+            <a:ext cx="1821180" cy="1005205"/>
           </a:xfrm>
           <a:prstGeom prst="roundRect"/>
           <a:solidFill>
@@ -7711,17 +7618,17 @@
       </p:pic>
       <p:pic>
         <p:nvPicPr>
-          <p:cNvPr id="1191" name="그림 11" descr="C:/Users/Admin1/AppData/Roaming/PolarisOffice/ETemp/2392_18456704/fImage19101936500.png"/>
+          <p:cNvPr id="1191" name="그림 11" descr="C:/Users/Admin1/AppData/Roaming/PolarisOffice/ETemp/20556_22124416/fImage19101936500.png"/>
           <p:cNvPicPr>
             <a:picLocks noChangeAspect="1"/>
           </p:cNvPicPr>
           <p:nvPr/>
         </p:nvPicPr>
         <p:blipFill rotWithShape="1">
-          <a:blip r:embed="rId50" cstate="print">
+          <a:blip r:embed="rId50" cstate="hqprint">
             <a:extLst>
               <a:ext uri="{28A0092B-C50C-407E-A947-70E740481C1C}">
-                <a14:useLocalDpi xmlns:a14="http://schemas.microsoft.com/office/drawing/2010/main" val="0"/>
+                <a14:useLocalDpi xmlns:a14="http://schemas.microsoft.com/office/drawing/2010/main"/>
               </a:ext>
             </a:extLst>
           </a:blip>
@@ -7731,8 +7638,8 @@
         </p:blipFill>
         <p:spPr>
           <a:xfrm rot="0">
-            <a:off x="6819265" y="4037330"/>
-            <a:ext cx="755650" cy="990600"/>
+            <a:off x="6810375" y="4132580"/>
+            <a:ext cx="765175" cy="991235"/>
           </a:xfrm>
           <a:prstGeom prst="roundRect"/>
           <a:solidFill>
@@ -7742,17 +7649,17 @@
       </p:pic>
       <p:pic>
         <p:nvPicPr>
-          <p:cNvPr id="1192" name="그림 13" descr="C:/Users/Admin1/AppData/Roaming/PolarisOffice/ETemp/2392_18456704/fImage46501949169.png"/>
+          <p:cNvPr id="1192" name="그림 13" descr="C:/Users/Admin1/AppData/Roaming/PolarisOffice/ETemp/20556_22124416/fImage46501949169.png"/>
           <p:cNvPicPr>
             <a:picLocks noChangeAspect="1"/>
           </p:cNvPicPr>
           <p:nvPr/>
         </p:nvPicPr>
         <p:blipFill rotWithShape="1">
-          <a:blip r:embed="rId51" cstate="print">
+          <a:blip r:embed="rId51" cstate="hqprint">
             <a:extLst>
               <a:ext uri="{28A0092B-C50C-407E-A947-70E740481C1C}">
-                <a14:useLocalDpi xmlns:a14="http://schemas.microsoft.com/office/drawing/2010/main" val="0"/>
+                <a14:useLocalDpi xmlns:a14="http://schemas.microsoft.com/office/drawing/2010/main"/>
               </a:ext>
             </a:extLst>
           </a:blip>
@@ -7762,8 +7669,8 @@
         </p:blipFill>
         <p:spPr>
           <a:xfrm rot="0">
-            <a:off x="8246745" y="3890645"/>
-            <a:ext cx="2876550" cy="1147445"/>
+            <a:off x="8246745" y="3985895"/>
+            <a:ext cx="2877185" cy="1148080"/>
           </a:xfrm>
           <a:prstGeom prst="roundRect"/>
           <a:solidFill>
@@ -7774,15 +7681,13 @@
       <p:cxnSp>
         <p:nvCxnSpPr>
           <p:cNvPr id="1185" name="도형 28"/>
-          <p:cNvCxnSpPr>
-            <a:stCxn id="1191" idx="3"/>
-          </p:cNvCxnSpPr>
+          <p:cNvCxnSpPr/>
           <p:nvPr/>
         </p:nvCxnSpPr>
         <p:spPr>
           <a:xfrm rot="0" flipV="1">
-            <a:off x="7574280" y="4530725"/>
-            <a:ext cx="930910" cy="1905"/>
+            <a:off x="7574280" y="4625975"/>
+            <a:ext cx="931545" cy="2540"/>
           </a:xfrm>
           <a:prstGeom prst="straightConnector1"/>
           <a:ln w="6350" cap="flat" cmpd="sng">
@@ -7805,6 +7710,35 @@
           </a:fontRef>
         </p:style>
       </p:cxnSp>
+      <p:pic>
+        <p:nvPicPr>
+          <p:cNvPr id="1193" name="그림 5" descr="C:/Users/Admin1/AppData/Roaming/PolarisOffice/ETemp/20556_22124416/fImage1437532588467.png"/>
+          <p:cNvPicPr>
+            <a:picLocks noChangeAspect="1"/>
+          </p:cNvPicPr>
+          <p:nvPr/>
+        </p:nvPicPr>
+        <p:blipFill rotWithShape="1">
+          <a:blip r:embed="rId38" cstate="hqprint">
+            <a:extLst>
+              <a:ext uri="{28A0092B-C50C-407E-A947-70E740481C1C}">
+                <a14:useLocalDpi xmlns:a14="http://schemas.microsoft.com/office/drawing/2010/main"/>
+              </a:ext>
+            </a:extLst>
+          </a:blip>
+          <a:stretch>
+            <a:fillRect/>
+          </a:stretch>
+        </p:blipFill>
+        <p:spPr>
+          <a:xfrm rot="0">
+            <a:off x="2933700" y="4218940"/>
+            <a:ext cx="520700" cy="349885"/>
+          </a:xfrm>
+          <a:prstGeom prst="rect"/>
+          <a:noFill/>
+        </p:spPr>
+      </p:pic>
     </p:spTree>
   </p:cSld>
   <p:clrMapOvr>
@@ -7829,7 +7763,7 @@
 </file>
 
 <file path=ppt/slides/slide10.xml><?xml version="1.0" encoding="utf-8"?>
-<p:sld xmlns:a="http://schemas.openxmlformats.org/drawingml/2006/main" xmlns:r="http://schemas.openxmlformats.org/officeDocument/2006/relationships" xmlns:p="http://schemas.openxmlformats.org/presentationml/2006/main">
+<p:sld xmlns:a="http://schemas.openxmlformats.org/drawingml/2006/main" xmlns:r="http://schemas.openxmlformats.org/officeDocument/2006/relationships" xmlns:p="http://schemas.openxmlformats.org/presentationml/2006/main" xmlns:p14="http://schemas.microsoft.com/office/powerpoint/2010/main">
   <p:cSld>
     <p:spTree>
       <p:nvGrpSpPr>
@@ -7856,7 +7790,7 @@
         <p:spPr>
           <a:xfrm rot="0">
             <a:off x="4804410" y="346075"/>
-            <a:ext cx="2594610" cy="478155"/>
+            <a:ext cx="2701925" cy="478155"/>
           </a:xfrm>
           <a:prstGeom prst="rect"/>
           <a:noFill/>
@@ -7907,7 +7841,7 @@
       </p:sp>
       <p:sp>
         <p:nvSpPr>
-          <p:cNvPr id="1200" name="Rect 0"/>
+          <p:cNvPr id="1192" name="Rect 0"/>
           <p:cNvSpPr txBox="1">
             <a:spLocks/>
           </p:cNvSpPr>
@@ -7915,8 +7849,8 @@
         </p:nvSpPr>
         <p:spPr>
           <a:xfrm rot="0">
-            <a:off x="6848475" y="3425190"/>
-            <a:ext cx="4124960" cy="2308225"/>
+            <a:off x="1247140" y="2592705"/>
+            <a:ext cx="4139565" cy="923925"/>
           </a:xfrm>
           <a:prstGeom prst="rect"/>
           <a:noFill/>
@@ -7946,16 +7880,6 @@
               <a:t>2</a:t>
             </a:r>
             <a:r>
-              <a:rPr lang="ko-KR" sz="1800" b="1">
-                <a:solidFill>
-                  <a:srgbClr val="0611F2"/>
-                </a:solidFill>
-                <a:latin typeface="맑은 고딕" charset="0"/>
-                <a:ea typeface="맑은 고딕" charset="0"/>
-              </a:rPr>
-              <a:t>4</a:t>
-            </a:r>
-            <a:r>
               <a:rPr sz="1800" b="1">
                 <a:solidFill>
                   <a:srgbClr val="0611F2"/>
@@ -7963,10 +7887,20 @@
                 <a:latin typeface="맑은 고딕" charset="0"/>
                 <a:ea typeface="맑은 고딕" charset="0"/>
               </a:rPr>
+              <a:t>5</a:t>
+            </a:r>
+            <a:r>
+              <a:rPr sz="1800" b="1">
+                <a:solidFill>
+                  <a:srgbClr val="0611F2"/>
+                </a:solidFill>
+                <a:latin typeface="맑은 고딕" charset="0"/>
+                <a:ea typeface="맑은 고딕" charset="0"/>
+              </a:rPr>
               <a:t>.</a:t>
             </a:r>
             <a:r>
-              <a:rPr sz="1800">
+              <a:rPr lang="ko-KR" sz="1800">
                 <a:latin typeface="맑은 고딕" charset="0"/>
                 <a:ea typeface="맑은 고딕" charset="0"/>
               </a:rPr>
@@ -7977,45 +7911,46 @@
                 <a:latin typeface="맑은 고딕" charset="0"/>
                 <a:ea typeface="맑은 고딕" charset="0"/>
               </a:rPr>
-              <a:t>최종적으로 자기 자신의 위치를  Mathf.PingPong( )함수를 사용하여 좌ㆍ우로 반복적인 움직임을 할 수 있도록 설정합니다.</a:t>
+              <a:t>그</a:t>
+            </a:r>
+            <a:r>
+              <a:rPr lang="ko-KR" sz="1800">
+                <a:latin typeface="맑은 고딕" charset="0"/>
+                <a:ea typeface="맑은 고딕" charset="0"/>
+              </a:rPr>
+              <a:t>런 다음 Obstacle 오브젝트에</a:t>
+            </a:r>
+            <a:r>
+              <a:rPr lang="ko-KR" sz="1800">
+                <a:latin typeface="맑은 고딕" charset="0"/>
+                <a:ea typeface="맑은 고딕" charset="0"/>
+              </a:rPr>
+              <a:t> Navmesh Obstacle 컴포넌트</a:t>
+            </a:r>
+            <a:r>
+              <a:rPr lang="ko-KR" sz="1800">
+                <a:latin typeface="맑은 고딕" charset="0"/>
+                <a:ea typeface="맑은 고딕" charset="0"/>
+              </a:rPr>
+              <a:t>를 </a:t>
+            </a:r>
+            <a:r>
+              <a:rPr lang="ko-KR" sz="1800">
+                <a:latin typeface="맑은 고딕" charset="0"/>
+                <a:ea typeface="맑은 고딕" charset="0"/>
+              </a:rPr>
+              <a:t>추가합니다.</a:t>
             </a:r>
             <a:endParaRPr lang="ko-KR" altLang="en-US" sz="1800">
               <a:latin typeface="맑은 고딕" charset="0"/>
               <a:ea typeface="맑은 고딕" charset="0"/>
             </a:endParaRPr>
           </a:p>
-          <a:p>
-            <a:pPr marL="0" indent="0" rtl="0" algn="l" defTabSz="914400" eaLnBrk="1" latinLnBrk="0" hangingPunct="1">
-              <a:buFontTx/>
-              <a:buNone/>
-            </a:pPr>
-            <a:endParaRPr lang="ko-KR" altLang="en-US" sz="1800">
-              <a:latin typeface="맑은 고딕" charset="0"/>
-              <a:ea typeface="맑은 고딕" charset="0"/>
-            </a:endParaRPr>
-          </a:p>
-          <a:p>
-            <a:pPr marL="0" indent="0" rtl="0" algn="l" defTabSz="914400" eaLnBrk="1" latinLnBrk="0" hangingPunct="1">
-              <a:buFontTx/>
-              <a:buNone/>
-            </a:pPr>
-            <a:r>
-              <a:rPr lang="ko-KR" sz="1800">
-                <a:latin typeface="맑은 고딕" charset="0"/>
-                <a:ea typeface="맑은 고딕" charset="0"/>
-              </a:rPr>
-              <a:t>그리고 최소값에는 게임이 시작했을 때 시간을 설정하고 최대값에는 3이라는 값으로 설정합니다.</a:t>
-            </a:r>
-            <a:endParaRPr lang="ko-KR" altLang="en-US" sz="1800">
-              <a:latin typeface="맑은 고딕" charset="0"/>
-              <a:ea typeface="맑은 고딕" charset="0"/>
-            </a:endParaRPr>
-          </a:p>
-        </p:txBody>
-      </p:sp>
-      <p:sp>
-        <p:nvSpPr>
-          <p:cNvPr id="1221" name="텍스트 상자 192"/>
+        </p:txBody>
+      </p:sp>
+      <p:sp>
+        <p:nvSpPr>
+          <p:cNvPr id="1200" name="Rect 0"/>
           <p:cNvSpPr txBox="1">
             <a:spLocks/>
           </p:cNvSpPr>
@@ -8023,8 +7958,8 @@
         </p:nvSpPr>
         <p:spPr>
           <a:xfrm rot="0">
-            <a:off x="1228725" y="1207135"/>
-            <a:ext cx="4139565" cy="1754505"/>
+            <a:off x="6858000" y="5339715"/>
+            <a:ext cx="4144645" cy="923925"/>
           </a:xfrm>
           <a:prstGeom prst="rect"/>
           <a:noFill/>
@@ -8034,7 +7969,7 @@
           </a:ln>
         </p:spPr>
         <p:txBody>
-          <a:bodyPr wrap="square" lIns="89535" tIns="46355" rIns="89535" bIns="46355" vert="horz" anchor="t">
+          <a:bodyPr wrap="square" lIns="89535" tIns="46355" rIns="89535" bIns="46355" numCol="1" vert="horz" anchor="t">
             <a:spAutoFit/>
           </a:bodyPr>
           <a:lstStyle/>
@@ -8044,126 +7979,128 @@
               <a:buNone/>
             </a:pPr>
             <a:r>
+              <a:rPr sz="1800" b="1">
+                <a:solidFill>
+                  <a:srgbClr val="0611F2"/>
+                </a:solidFill>
+                <a:latin typeface="맑은 고딕" charset="0"/>
+                <a:ea typeface="맑은 고딕" charset="0"/>
+              </a:rPr>
+              <a:t>2</a:t>
+            </a:r>
+            <a:r>
+              <a:rPr sz="1800" b="1">
+                <a:solidFill>
+                  <a:srgbClr val="0611F2"/>
+                </a:solidFill>
+                <a:latin typeface="맑은 고딕" charset="0"/>
+                <a:ea typeface="맑은 고딕" charset="0"/>
+              </a:rPr>
+              <a:t>8</a:t>
+            </a:r>
+            <a:r>
+              <a:rPr sz="1800" b="1">
+                <a:solidFill>
+                  <a:srgbClr val="0611F2"/>
+                </a:solidFill>
+                <a:latin typeface="맑은 고딕" charset="0"/>
+                <a:ea typeface="맑은 고딕" charset="0"/>
+              </a:rPr>
+              <a:t>.</a:t>
+            </a:r>
+            <a:r>
               <a:rPr sz="1800">
                 <a:latin typeface="맑은 고딕" charset="0"/>
                 <a:ea typeface="맑은 고딕" charset="0"/>
               </a:rPr>
-              <a:t>Mathf.PingPong</a:t>
-            </a:r>
-            <a:r>
-              <a:rPr sz="1800">
-                <a:latin typeface="맑은 고딕" charset="0"/>
-                <a:ea typeface="맑은 고딕" charset="0"/>
-              </a:rPr>
-              <a:t>( )</a:t>
+              <a:t> </a:t>
             </a:r>
             <a:r>
               <a:rPr lang="ko-KR" sz="1800">
                 <a:latin typeface="맑은 고딕" charset="0"/>
                 <a:ea typeface="맑은 고딕" charset="0"/>
               </a:rPr>
-              <a:t>함수는</a:t>
-            </a:r>
-            <a:r>
-              <a:rPr sz="1800">
-                <a:latin typeface="맑은 고딕" charset="0"/>
-                <a:ea typeface="맑은 고딕" charset="0"/>
-              </a:rPr>
-              <a:t> </a:t>
-            </a:r>
-            <a:r>
-              <a:rPr lang="ko-KR" sz="1800">
-                <a:latin typeface="맑은 고딕" charset="0"/>
-                <a:ea typeface="맑은 고딕" charset="0"/>
-              </a:rPr>
-              <a:t>지정한 </a:t>
-            </a:r>
-            <a:r>
-              <a:rPr sz="1800">
-                <a:latin typeface="맑은 고딕" charset="0"/>
-                <a:ea typeface="맑은 고딕" charset="0"/>
-              </a:rPr>
-              <a:t>값이 최대값에 도달하게 되면 -값이 </a:t>
-            </a:r>
-            <a:r>
-              <a:rPr sz="1800">
-                <a:latin typeface="맑은 고딕" charset="0"/>
-                <a:ea typeface="맑은 고딕" charset="0"/>
-              </a:rPr>
-              <a:t>됩니</a:t>
-            </a:r>
-            <a:r>
-              <a:rPr lang="ko-KR" sz="1800">
-                <a:latin typeface="맑은 고딕" charset="0"/>
-                <a:ea typeface="맑은 고딕" charset="0"/>
-              </a:rPr>
-              <a:t>다.</a:t>
+              <a:t>이제 AutoMove 스크립트를 생성하고 Obstacle 오브젝트에 넣어줍니다.</a:t>
             </a:r>
             <a:endParaRPr lang="ko-KR" altLang="en-US" sz="1800">
               <a:latin typeface="맑은 고딕" charset="0"/>
               <a:ea typeface="맑은 고딕" charset="0"/>
             </a:endParaRPr>
           </a:p>
-          <a:p>
-            <a:pPr marL="0" indent="0" rtl="0" algn="l" defTabSz="914400" eaLnBrk="1" latinLnBrk="0" hangingPunct="1">
-              <a:buFontTx/>
-              <a:buNone/>
-            </a:pPr>
-            <a:endParaRPr lang="ko-KR" altLang="en-US" sz="1800">
-              <a:latin typeface="맑은 고딕" charset="0"/>
-              <a:ea typeface="맑은 고딕" charset="0"/>
-            </a:endParaRPr>
-          </a:p>
-          <a:p>
-            <a:pPr marL="0" indent="0" rtl="0" algn="l" defTabSz="914400" eaLnBrk="1" latinLnBrk="0" hangingPunct="1">
-              <a:buFontTx/>
-              <a:buNone/>
-            </a:pPr>
-            <a:r>
-              <a:rPr lang="ko-KR" sz="1800">
-                <a:latin typeface="맑은 고딕" charset="0"/>
-                <a:ea typeface="맑은 고딕" charset="0"/>
-              </a:rPr>
-              <a:t>그리고</a:t>
-            </a:r>
-            <a:r>
-              <a:rPr sz="1800">
-                <a:latin typeface="맑은 고딕" charset="0"/>
-                <a:ea typeface="맑은 고딕" charset="0"/>
-              </a:rPr>
-              <a:t> 만약 0으로 값이 초기화가 되면 다시 최대값까지 +값이</a:t>
-            </a:r>
-            <a:r>
-              <a:rPr sz="1800">
-                <a:latin typeface="맑은 고딕" charset="0"/>
-                <a:ea typeface="맑은 고딕" charset="0"/>
-              </a:rPr>
-              <a:t> </a:t>
-            </a:r>
-            <a:r>
-              <a:rPr lang="ko-KR" sz="1800">
-                <a:latin typeface="맑은 고딕" charset="0"/>
-                <a:ea typeface="맑은 고딕" charset="0"/>
-              </a:rPr>
-              <a:t>되며, 계속 값이 증가와 감소를 반복합니다.</a:t>
-            </a:r>
-            <a:endParaRPr lang="ko-KR" altLang="en-US" sz="1800">
-              <a:latin typeface="맑은 고딕" charset="0"/>
-              <a:ea typeface="맑은 고딕" charset="0"/>
-            </a:endParaRPr>
-          </a:p>
         </p:txBody>
       </p:sp>
       <p:pic>
         <p:nvPicPr>
-          <p:cNvPr id="1222" name="그림 193" descr="C:/Users/Admin1/AppData/Roaming/PolarisOffice/ETemp/2392_18456704/fImage4061418333.png"/>
+          <p:cNvPr id="1214" name="그림 174" descr="C:/Users/Admin1/AppData/Roaming/PolarisOffice/ETemp/20556_22124416/fImage54593197035.png"/>
           <p:cNvPicPr>
             <a:picLocks noChangeAspect="1"/>
           </p:cNvPicPr>
           <p:nvPr/>
         </p:nvPicPr>
         <p:blipFill rotWithShape="1">
-          <a:blip r:embed="rId2" cstate="print">
+          <a:blip r:embed="rId10" cstate="hqprint">
+            <a:extLst>
+              <a:ext uri="{28A0092B-C50C-407E-A947-70E740481C1C}">
+                <a14:useLocalDpi xmlns:a14="http://schemas.microsoft.com/office/drawing/2010/main"/>
+              </a:ext>
+            </a:extLst>
+          </a:blip>
+          <a:stretch>
+            <a:fillRect/>
+          </a:stretch>
+        </p:blipFill>
+        <p:spPr>
+          <a:xfrm rot="0">
+            <a:off x="1243330" y="1323340"/>
+            <a:ext cx="4144645" cy="1127760"/>
+          </a:xfrm>
+          <a:prstGeom prst="roundRect"/>
+          <a:solidFill>
+            <a:srgbClr val="EDEDED"/>
+          </a:solidFill>
+        </p:spPr>
+      </p:pic>
+      <p:pic>
+        <p:nvPicPr>
+          <p:cNvPr id="1215" name="그림 178"/>
+          <p:cNvPicPr>
+            <a:picLocks noChangeAspect="1"/>
+          </p:cNvPicPr>
+          <p:nvPr/>
+        </p:nvPicPr>
+        <p:blipFill rotWithShape="1">
+          <a:blip r:embed="rId11" cstate="hqprint">
+            <a:extLst>
+              <a:ext uri="{28A0092B-C50C-407E-A947-70E740481C1C}">
+                <a14:useLocalDpi xmlns:a14="http://schemas.microsoft.com/office/drawing/2010/main"/>
+              </a:ext>
+            </a:extLst>
+          </a:blip>
+          <a:stretch>
+            <a:fillRect/>
+          </a:stretch>
+        </p:blipFill>
+        <p:spPr>
+          <a:xfrm rot="0">
+            <a:off x="10029825" y="3990975"/>
+            <a:ext cx="963295" cy="1029335"/>
+          </a:xfrm>
+          <a:prstGeom prst="roundRect"/>
+          <a:solidFill>
+            <a:srgbClr val="EDEDED"/>
+          </a:solidFill>
+        </p:spPr>
+      </p:pic>
+      <p:pic>
+        <p:nvPicPr>
+          <p:cNvPr id="1216" name="그림 179"/>
+          <p:cNvPicPr>
+            <a:picLocks noChangeAspect="1"/>
+          </p:cNvPicPr>
+          <p:nvPr/>
+        </p:nvPicPr>
+        <p:blipFill rotWithShape="1">
+          <a:blip r:embed="rId12" cstate="print">
             <a:extLst>
               <a:ext uri="{28A0092B-C50C-407E-A947-70E740481C1C}">
                 <a14:useLocalDpi xmlns:a14="http://schemas.microsoft.com/office/drawing/2010/main" val="0"/>
@@ -8176,8 +8113,8 @@
         </p:blipFill>
         <p:spPr>
           <a:xfrm rot="0">
-            <a:off x="6852920" y="1209675"/>
-            <a:ext cx="4130040" cy="2077085"/>
+            <a:off x="6862445" y="1147445"/>
+            <a:ext cx="1248410" cy="1263015"/>
           </a:xfrm>
           <a:prstGeom prst="roundRect"/>
           <a:solidFill>
@@ -8187,14 +8124,14 @@
       </p:pic>
       <p:pic>
         <p:nvPicPr>
-          <p:cNvPr id="1223" name="그림 196" descr="C:/Users/Admin1/AppData/Roaming/PolarisOffice/ETemp/2392_18456704/fImage129584197673.png"/>
+          <p:cNvPr id="1217" name="그림 180"/>
           <p:cNvPicPr>
             <a:picLocks noChangeAspect="1"/>
           </p:cNvPicPr>
           <p:nvPr/>
         </p:nvPicPr>
         <p:blipFill rotWithShape="1">
-          <a:blip r:embed="rId3" cstate="print">
+          <a:blip r:embed="rId13" cstate="print">
             <a:extLst>
               <a:ext uri="{28A0092B-C50C-407E-A947-70E740481C1C}">
                 <a14:useLocalDpi xmlns:a14="http://schemas.microsoft.com/office/drawing/2010/main" val="0"/>
@@ -8207,8 +8144,8 @@
         </p:blipFill>
         <p:spPr>
           <a:xfrm rot="0">
-            <a:off x="1228725" y="3171825"/>
-            <a:ext cx="4134485" cy="2572385"/>
+            <a:off x="8343900" y="1143000"/>
+            <a:ext cx="2658110" cy="1262380"/>
           </a:xfrm>
           <a:prstGeom prst="roundRect"/>
           <a:solidFill>
@@ -8216,6 +8153,288 @@
           </a:solidFill>
         </p:spPr>
       </p:pic>
+      <p:sp>
+        <p:nvSpPr>
+          <p:cNvPr id="1218" name="텍스트 상자 185"/>
+          <p:cNvSpPr txBox="1">
+            <a:spLocks/>
+          </p:cNvSpPr>
+          <p:nvPr/>
+        </p:nvSpPr>
+        <p:spPr>
+          <a:xfrm>
+            <a:off x="6853555" y="2630170"/>
+            <a:ext cx="4158615" cy="923925"/>
+          </a:xfrm>
+          <a:prstGeom prst="rect"/>
+          <a:noFill/>
+          <a:ln w="0">
+            <a:noFill/>
+            <a:prstDash/>
+          </a:ln>
+        </p:spPr>
+        <p:txBody>
+          <a:bodyPr wrap="square" lIns="89535" tIns="46355" rIns="89535" bIns="46355" numCol="1" vert="horz" anchor="t">
+            <a:spAutoFit/>
+          </a:bodyPr>
+          <a:lstStyle/>
+          <a:p>
+            <a:pPr marL="0" indent="0" rtl="0" algn="l" defTabSz="914400" eaLnBrk="1" latinLnBrk="0" hangingPunct="1">
+              <a:buFontTx/>
+              <a:buNone/>
+            </a:pPr>
+            <a:r>
+              <a:rPr lang="ko-KR" sz="1800" b="1">
+                <a:solidFill>
+                  <a:srgbClr val="0611F2"/>
+                </a:solidFill>
+                <a:latin typeface="맑은 고딕" charset="0"/>
+                <a:ea typeface="맑은 고딕" charset="0"/>
+              </a:rPr>
+              <a:t>2</a:t>
+            </a:r>
+            <a:r>
+              <a:rPr lang="ko-KR" sz="1800" b="1">
+                <a:solidFill>
+                  <a:srgbClr val="0611F2"/>
+                </a:solidFill>
+                <a:latin typeface="맑은 고딕" charset="0"/>
+                <a:ea typeface="맑은 고딕" charset="0"/>
+              </a:rPr>
+              <a:t>7</a:t>
+            </a:r>
+            <a:r>
+              <a:rPr sz="1800" b="1">
+                <a:solidFill>
+                  <a:srgbClr val="0611F2"/>
+                </a:solidFill>
+                <a:latin typeface="맑은 고딕" charset="0"/>
+                <a:ea typeface="맑은 고딕" charset="0"/>
+              </a:rPr>
+              <a:t>.</a:t>
+            </a:r>
+            <a:r>
+              <a:rPr sz="1800">
+                <a:latin typeface="맑은 고딕" charset="0"/>
+                <a:ea typeface="맑은 고딕" charset="0"/>
+              </a:rPr>
+              <a:t> </a:t>
+            </a:r>
+            <a:r>
+              <a:rPr lang="ko-KR" sz="1800">
+                <a:latin typeface="맑은 고딕" charset="0"/>
+                <a:ea typeface="맑은 고딕" charset="0"/>
+              </a:rPr>
+              <a:t>그런 다음 Project 폴더에서 Texture에 Panel_D 텍스처를 선택하고 Obstacle 오브젝트에 넣어줍니다.</a:t>
+            </a:r>
+            <a:endParaRPr lang="ko-KR" altLang="en-US" sz="1800">
+              <a:latin typeface="맑은 고딕" charset="0"/>
+              <a:ea typeface="맑은 고딕" charset="0"/>
+            </a:endParaRPr>
+          </a:p>
+        </p:txBody>
+      </p:sp>
+      <p:pic>
+        <p:nvPicPr>
+          <p:cNvPr id="1219" name="그림 186" descr="C:/Users/Admin1/AppData/Roaming/PolarisOffice/ETemp/20556_22124416/fImage62243261322.png"/>
+          <p:cNvPicPr>
+            <a:picLocks noChangeAspect="1"/>
+          </p:cNvPicPr>
+          <p:nvPr/>
+        </p:nvPicPr>
+        <p:blipFill rotWithShape="1">
+          <a:blip r:embed="rId14" cstate="hqprint">
+            <a:extLst>
+              <a:ext uri="{28A0092B-C50C-407E-A947-70E740481C1C}">
+                <a14:useLocalDpi xmlns:a14="http://schemas.microsoft.com/office/drawing/2010/main"/>
+              </a:ext>
+            </a:extLst>
+          </a:blip>
+          <a:stretch>
+            <a:fillRect/>
+          </a:stretch>
+        </p:blipFill>
+        <p:spPr>
+          <a:xfrm rot="0">
+            <a:off x="6858000" y="3715385"/>
+            <a:ext cx="2676525" cy="1524635"/>
+          </a:xfrm>
+          <a:prstGeom prst="roundRect"/>
+          <a:solidFill>
+            <a:srgbClr val="EDEDED"/>
+          </a:solidFill>
+        </p:spPr>
+      </p:pic>
+      <p:cxnSp>
+        <p:nvCxnSpPr>
+          <p:cNvPr id="1220" name="도형 187"/>
+          <p:cNvCxnSpPr/>
+          <p:nvPr/>
+        </p:nvCxnSpPr>
+        <p:spPr>
+          <a:xfrm rot="0" flipH="1">
+            <a:off x="8564245" y="4505325"/>
+            <a:ext cx="1466850" cy="630555"/>
+          </a:xfrm>
+          <a:prstGeom prst="straightConnector1"/>
+          <a:ln w="6350" cap="flat" cmpd="sng">
+            <a:prstDash/>
+            <a:tailEnd type="triangle" w="med" len="med"/>
+          </a:ln>
+        </p:spPr>
+        <p:style>
+          <a:lnRef idx="1">
+            <a:schemeClr val="accent1"/>
+          </a:lnRef>
+          <a:fillRef idx="0">
+            <a:schemeClr val="accent1"/>
+          </a:fillRef>
+          <a:effectRef idx="0">
+            <a:schemeClr val="accent1"/>
+          </a:effectRef>
+          <a:fontRef idx="minor">
+            <a:schemeClr val="tx1"/>
+          </a:fontRef>
+        </p:style>
+      </p:cxnSp>
+      <p:pic>
+        <p:nvPicPr>
+          <p:cNvPr id="1221" name="그림 55" descr="C:/Users/Admin1/AppData/Roaming/PolarisOffice/ETemp/20556_22124416/fImage126303139358.png"/>
+          <p:cNvPicPr>
+            <a:picLocks noChangeAspect="1"/>
+          </p:cNvPicPr>
+          <p:nvPr/>
+        </p:nvPicPr>
+        <p:blipFill rotWithShape="1">
+          <a:blip r:embed="rId15" cstate="print">
+            <a:extLst>
+              <a:ext uri="{28A0092B-C50C-407E-A947-70E740481C1C}">
+                <a14:useLocalDpi xmlns:a14="http://schemas.microsoft.com/office/drawing/2010/main" val="0"/>
+              </a:ext>
+            </a:extLst>
+          </a:blip>
+          <a:stretch>
+            <a:fillRect/>
+          </a:stretch>
+        </p:blipFill>
+        <p:spPr>
+          <a:xfrm rot="0">
+            <a:off x="1259205" y="3654425"/>
+            <a:ext cx="4119245" cy="1819275"/>
+          </a:xfrm>
+          <a:prstGeom prst="roundRect"/>
+          <a:solidFill>
+            <a:srgbClr val="EDEDED"/>
+          </a:solidFill>
+        </p:spPr>
+      </p:pic>
+      <p:sp>
+        <p:nvSpPr>
+          <p:cNvPr id="1222" name="텍스트 상자 58"/>
+          <p:cNvSpPr txBox="1">
+            <a:spLocks/>
+          </p:cNvSpPr>
+          <p:nvPr/>
+        </p:nvSpPr>
+        <p:spPr>
+          <a:xfrm rot="0">
+            <a:off x="1249680" y="5626100"/>
+            <a:ext cx="4139565" cy="647065"/>
+          </a:xfrm>
+          <a:prstGeom prst="rect"/>
+          <a:noFill/>
+          <a:ln w="0">
+            <a:noFill/>
+            <a:prstDash/>
+          </a:ln>
+        </p:spPr>
+        <p:txBody>
+          <a:bodyPr wrap="square" lIns="89535" tIns="46355" rIns="89535" bIns="46355" numCol="1" vert="horz" anchor="t">
+            <a:spAutoFit/>
+          </a:bodyPr>
+          <a:lstStyle/>
+          <a:p>
+            <a:pPr marL="0" indent="0" rtl="0" algn="l" defTabSz="914400" eaLnBrk="1" latinLnBrk="0" hangingPunct="1">
+              <a:buFontTx/>
+              <a:buNone/>
+            </a:pPr>
+            <a:r>
+              <a:rPr sz="1800" b="1">
+                <a:solidFill>
+                  <a:srgbClr val="0611F2"/>
+                </a:solidFill>
+                <a:latin typeface="맑은 고딕" charset="0"/>
+                <a:ea typeface="맑은 고딕" charset="0"/>
+              </a:rPr>
+              <a:t>2</a:t>
+            </a:r>
+            <a:r>
+              <a:rPr lang="ko-KR" sz="1800" b="1">
+                <a:solidFill>
+                  <a:srgbClr val="0611F2"/>
+                </a:solidFill>
+                <a:latin typeface="맑은 고딕" charset="0"/>
+                <a:ea typeface="맑은 고딕" charset="0"/>
+              </a:rPr>
+              <a:t>6</a:t>
+            </a:r>
+            <a:r>
+              <a:rPr sz="1800" b="1">
+                <a:solidFill>
+                  <a:srgbClr val="0611F2"/>
+                </a:solidFill>
+                <a:latin typeface="맑은 고딕" charset="0"/>
+                <a:ea typeface="맑은 고딕" charset="0"/>
+              </a:rPr>
+              <a:t>.</a:t>
+            </a:r>
+            <a:r>
+              <a:rPr lang="ko-KR" sz="1800">
+                <a:latin typeface="맑은 고딕" charset="0"/>
+                <a:ea typeface="맑은 고딕" charset="0"/>
+              </a:rPr>
+              <a:t> 이제 Obstacle 오브젝트의 위치를 설정합니다.</a:t>
+            </a:r>
+            <a:endParaRPr lang="ko-KR" altLang="en-US" sz="1800">
+              <a:latin typeface="맑은 고딕" charset="0"/>
+              <a:ea typeface="맑은 고딕" charset="0"/>
+            </a:endParaRPr>
+          </a:p>
+        </p:txBody>
+      </p:sp>
+      <p:cxnSp>
+        <p:nvCxnSpPr>
+          <p:cNvPr id="1223" name="도형 59"/>
+          <p:cNvCxnSpPr/>
+          <p:nvPr/>
+        </p:nvCxnSpPr>
+        <p:spPr>
+          <a:xfrm rot="0" flipH="1">
+            <a:off x="7654925" y="1861820"/>
+            <a:ext cx="1550670" cy="450850"/>
+          </a:xfrm>
+          <a:prstGeom prst="straightConnector1"/>
+          <a:ln w="6350" cap="flat" cmpd="sng">
+            <a:prstDash/>
+            <a:headEnd type="none" w="med" len="med"/>
+            <a:tailEnd type="triangle" w="med" len="med"/>
+          </a:ln>
+        </p:spPr>
+        <p:style>
+          <a:lnRef idx="1">
+            <a:schemeClr val="accent1"/>
+          </a:lnRef>
+          <a:fillRef idx="0">
+            <a:schemeClr val="accent1"/>
+          </a:fillRef>
+          <a:effectRef idx="0">
+            <a:schemeClr val="accent1"/>
+          </a:effectRef>
+          <a:fontRef idx="minor">
+            <a:schemeClr val="tx1"/>
+          </a:fontRef>
+        </p:style>
+      </p:cxnSp>
     </p:spTree>
   </p:cSld>
   <p:clrMapOvr>
@@ -8258,6 +8477,396 @@
       </p:grpSpPr>
       <p:sp>
         <p:nvSpPr>
+          <p:cNvPr id="1031" name="Rect 0"/>
+          <p:cNvSpPr txBox="1">
+            <a:spLocks/>
+          </p:cNvSpPr>
+          <p:nvPr/>
+        </p:nvSpPr>
+        <p:spPr>
+          <a:xfrm rot="0">
+            <a:off x="4804410" y="346075"/>
+            <a:ext cx="2749550" cy="478155"/>
+          </a:xfrm>
+          <a:prstGeom prst="rect"/>
+          <a:noFill/>
+          <a:ln w="0">
+            <a:noFill/>
+            <a:prstDash/>
+          </a:ln>
+        </p:spPr>
+        <p:txBody>
+          <a:bodyPr wrap="square" lIns="89535" tIns="46355" rIns="89535" bIns="46355" numCol="1" vert="horz" anchor="t">
+            <a:spAutoFit/>
+          </a:bodyPr>
+          <a:lstStyle/>
+          <a:p>
+            <a:pPr marL="0" indent="0" algn="l" latinLnBrk="0">
+              <a:buFontTx/>
+              <a:buNone/>
+            </a:pPr>
+            <a:r>
+              <a:rPr lang="ko-KR" altLang="en-US" sz="2500" b="1">
+                <a:solidFill>
+                  <a:schemeClr val="tx1"/>
+                </a:solidFill>
+                <a:latin typeface="나눔바른고딕" charset="0"/>
+                <a:ea typeface="나눔바른고딕" charset="0"/>
+              </a:rPr>
+              <a:t>아홉</a:t>
+            </a:r>
+            <a:r>
+              <a:rPr lang="ko-KR" altLang="en-US" sz="2500" b="1">
+                <a:solidFill>
+                  <a:schemeClr val="tx1"/>
+                </a:solidFill>
+                <a:latin typeface="나눔바른고딕" charset="0"/>
+                <a:ea typeface="나눔바른고딕" charset="0"/>
+              </a:rPr>
+              <a:t> 번째 튜토리얼</a:t>
+            </a:r>
+            <a:endParaRPr lang="ko-KR" altLang="en-US" sz="2500" b="1">
+              <a:solidFill>
+                <a:schemeClr val="tx1"/>
+              </a:solidFill>
+              <a:latin typeface="나눔바른고딕" charset="0"/>
+              <a:ea typeface="나눔바른고딕" charset="0"/>
+            </a:endParaRPr>
+          </a:p>
+        </p:txBody>
+      </p:sp>
+      <p:sp>
+        <p:nvSpPr>
+          <p:cNvPr id="1200" name="Rect 0"/>
+          <p:cNvSpPr txBox="1">
+            <a:spLocks/>
+          </p:cNvSpPr>
+          <p:nvPr/>
+        </p:nvSpPr>
+        <p:spPr>
+          <a:xfrm rot="0">
+            <a:off x="6838950" y="3682365"/>
+            <a:ext cx="4125595" cy="2308225"/>
+          </a:xfrm>
+          <a:prstGeom prst="rect"/>
+          <a:noFill/>
+          <a:ln w="0">
+            <a:noFill/>
+            <a:prstDash/>
+          </a:ln>
+        </p:spPr>
+        <p:txBody>
+          <a:bodyPr wrap="square" lIns="89535" tIns="46355" rIns="89535" bIns="46355" numCol="1" vert="horz" anchor="t">
+            <a:spAutoFit/>
+          </a:bodyPr>
+          <a:lstStyle/>
+          <a:p>
+            <a:pPr marL="0" indent="0" rtl="0" algn="l" defTabSz="914400" eaLnBrk="1" latinLnBrk="0" hangingPunct="1">
+              <a:buFontTx/>
+              <a:buNone/>
+            </a:pPr>
+            <a:r>
+              <a:rPr sz="1800" b="1">
+                <a:solidFill>
+                  <a:srgbClr val="0611F2"/>
+                </a:solidFill>
+                <a:latin typeface="맑은 고딕" charset="0"/>
+                <a:ea typeface="맑은 고딕" charset="0"/>
+              </a:rPr>
+              <a:t>2</a:t>
+            </a:r>
+            <a:r>
+              <a:rPr lang="ko-KR" sz="1800" b="1">
+                <a:solidFill>
+                  <a:srgbClr val="0611F2"/>
+                </a:solidFill>
+                <a:latin typeface="맑은 고딕" charset="0"/>
+                <a:ea typeface="맑은 고딕" charset="0"/>
+              </a:rPr>
+              <a:t>9</a:t>
+            </a:r>
+            <a:r>
+              <a:rPr sz="1800" b="1">
+                <a:solidFill>
+                  <a:srgbClr val="0611F2"/>
+                </a:solidFill>
+                <a:latin typeface="맑은 고딕" charset="0"/>
+                <a:ea typeface="맑은 고딕" charset="0"/>
+              </a:rPr>
+              <a:t>.</a:t>
+            </a:r>
+            <a:r>
+              <a:rPr sz="1800">
+                <a:latin typeface="맑은 고딕" charset="0"/>
+                <a:ea typeface="맑은 고딕" charset="0"/>
+              </a:rPr>
+              <a:t> </a:t>
+            </a:r>
+            <a:r>
+              <a:rPr lang="ko-KR" sz="1800">
+                <a:latin typeface="맑은 고딕" charset="0"/>
+                <a:ea typeface="맑은 고딕" charset="0"/>
+              </a:rPr>
+              <a:t>최종적으로 자기 자신의 위치를  Mathf.PingPong( )함수를 사용하여 좌ㆍ우로 반복적인 움직임을 할 수 있도록 설정합니다.</a:t>
+            </a:r>
+            <a:endParaRPr lang="ko-KR" altLang="en-US" sz="1800">
+              <a:latin typeface="맑은 고딕" charset="0"/>
+              <a:ea typeface="맑은 고딕" charset="0"/>
+            </a:endParaRPr>
+          </a:p>
+          <a:p>
+            <a:pPr marL="0" indent="0" rtl="0" algn="l" defTabSz="914400" eaLnBrk="1" latinLnBrk="0" hangingPunct="1">
+              <a:buFontTx/>
+              <a:buNone/>
+            </a:pPr>
+            <a:endParaRPr lang="ko-KR" altLang="en-US" sz="1800">
+              <a:latin typeface="맑은 고딕" charset="0"/>
+              <a:ea typeface="맑은 고딕" charset="0"/>
+            </a:endParaRPr>
+          </a:p>
+          <a:p>
+            <a:pPr marL="0" indent="0" rtl="0" algn="l" defTabSz="914400" eaLnBrk="1" latinLnBrk="0" hangingPunct="1">
+              <a:buFontTx/>
+              <a:buNone/>
+            </a:pPr>
+            <a:r>
+              <a:rPr lang="ko-KR" sz="1800">
+                <a:latin typeface="맑은 고딕" charset="0"/>
+                <a:ea typeface="맑은 고딕" charset="0"/>
+              </a:rPr>
+              <a:t>그리고 최소값에는 게임이 시작했을 때 시간을 설정하고 최대값에는 3이라는 값으로 설정합니다.</a:t>
+            </a:r>
+            <a:endParaRPr lang="ko-KR" altLang="en-US" sz="1800">
+              <a:latin typeface="맑은 고딕" charset="0"/>
+              <a:ea typeface="맑은 고딕" charset="0"/>
+            </a:endParaRPr>
+          </a:p>
+        </p:txBody>
+      </p:sp>
+      <p:sp>
+        <p:nvSpPr>
+          <p:cNvPr id="1221" name="텍스트 상자 192"/>
+          <p:cNvSpPr txBox="1">
+            <a:spLocks/>
+          </p:cNvSpPr>
+          <p:nvPr/>
+        </p:nvSpPr>
+        <p:spPr>
+          <a:xfrm rot="0">
+            <a:off x="1238250" y="4236085"/>
+            <a:ext cx="4140200" cy="1755140"/>
+          </a:xfrm>
+          <a:prstGeom prst="rect"/>
+          <a:noFill/>
+          <a:ln w="0">
+            <a:noFill/>
+            <a:prstDash/>
+          </a:ln>
+        </p:spPr>
+        <p:txBody>
+          <a:bodyPr wrap="square" lIns="89535" tIns="46355" rIns="89535" bIns="46355" numCol="1" vert="horz" anchor="t">
+            <a:spAutoFit/>
+          </a:bodyPr>
+          <a:lstStyle/>
+          <a:p>
+            <a:pPr marL="0" indent="0" rtl="0" algn="l" defTabSz="914400" eaLnBrk="1" latinLnBrk="0" hangingPunct="1">
+              <a:buFontTx/>
+              <a:buNone/>
+            </a:pPr>
+            <a:r>
+              <a:rPr sz="1800">
+                <a:latin typeface="맑은 고딕" charset="0"/>
+                <a:ea typeface="맑은 고딕" charset="0"/>
+              </a:rPr>
+              <a:t>Mathf.PingPong( )</a:t>
+            </a:r>
+            <a:r>
+              <a:rPr lang="ko-KR" sz="1800">
+                <a:latin typeface="맑은 고딕" charset="0"/>
+                <a:ea typeface="맑은 고딕" charset="0"/>
+              </a:rPr>
+              <a:t>함수는</a:t>
+            </a:r>
+            <a:r>
+              <a:rPr sz="1800">
+                <a:latin typeface="맑은 고딕" charset="0"/>
+                <a:ea typeface="맑은 고딕" charset="0"/>
+              </a:rPr>
+              <a:t> </a:t>
+            </a:r>
+            <a:r>
+              <a:rPr lang="ko-KR" sz="1800">
+                <a:latin typeface="맑은 고딕" charset="0"/>
+                <a:ea typeface="맑은 고딕" charset="0"/>
+              </a:rPr>
+              <a:t>지정한 </a:t>
+            </a:r>
+            <a:r>
+              <a:rPr sz="1800">
+                <a:latin typeface="맑은 고딕" charset="0"/>
+                <a:ea typeface="맑은 고딕" charset="0"/>
+              </a:rPr>
+              <a:t>값이 최대값에 도달하게 되면 -값이 됩니</a:t>
+            </a:r>
+            <a:r>
+              <a:rPr lang="ko-KR" sz="1800">
+                <a:latin typeface="맑은 고딕" charset="0"/>
+                <a:ea typeface="맑은 고딕" charset="0"/>
+              </a:rPr>
+              <a:t>다.</a:t>
+            </a:r>
+            <a:endParaRPr lang="ko-KR" altLang="en-US" sz="1800">
+              <a:latin typeface="맑은 고딕" charset="0"/>
+              <a:ea typeface="맑은 고딕" charset="0"/>
+            </a:endParaRPr>
+          </a:p>
+          <a:p>
+            <a:pPr marL="0" indent="0" rtl="0" algn="l" defTabSz="914400" eaLnBrk="1" latinLnBrk="0" hangingPunct="1">
+              <a:buFontTx/>
+              <a:buNone/>
+            </a:pPr>
+            <a:endParaRPr lang="ko-KR" altLang="en-US" sz="1800">
+              <a:latin typeface="맑은 고딕" charset="0"/>
+              <a:ea typeface="맑은 고딕" charset="0"/>
+            </a:endParaRPr>
+          </a:p>
+          <a:p>
+            <a:pPr marL="0" indent="0" rtl="0" algn="l" defTabSz="914400" eaLnBrk="1" latinLnBrk="0" hangingPunct="1">
+              <a:buFontTx/>
+              <a:buNone/>
+            </a:pPr>
+            <a:r>
+              <a:rPr lang="ko-KR" sz="1800">
+                <a:latin typeface="맑은 고딕" charset="0"/>
+                <a:ea typeface="맑은 고딕" charset="0"/>
+              </a:rPr>
+              <a:t>그리고</a:t>
+            </a:r>
+            <a:r>
+              <a:rPr sz="1800">
+                <a:latin typeface="맑은 고딕" charset="0"/>
+                <a:ea typeface="맑은 고딕" charset="0"/>
+              </a:rPr>
+              <a:t> 만약 0으로 값이 초기화가 되면 다시 최대값까지 +값이 </a:t>
+            </a:r>
+            <a:r>
+              <a:rPr lang="ko-KR" sz="1800">
+                <a:latin typeface="맑은 고딕" charset="0"/>
+                <a:ea typeface="맑은 고딕" charset="0"/>
+              </a:rPr>
+              <a:t>되며, 계속 값이 증가와 감소를 반복합니다.</a:t>
+            </a:r>
+            <a:endParaRPr lang="ko-KR" altLang="en-US" sz="1800">
+              <a:latin typeface="맑은 고딕" charset="0"/>
+              <a:ea typeface="맑은 고딕" charset="0"/>
+            </a:endParaRPr>
+          </a:p>
+        </p:txBody>
+      </p:sp>
+      <p:pic>
+        <p:nvPicPr>
+          <p:cNvPr id="1222" name="그림 193" descr="C:/Users/Admin1/AppData/Roaming/PolarisOffice/ETemp/20556_22124416/fImage4061418333.png"/>
+          <p:cNvPicPr>
+            <a:picLocks noChangeAspect="1"/>
+          </p:cNvPicPr>
+          <p:nvPr/>
+        </p:nvPicPr>
+        <p:blipFill rotWithShape="1">
+          <a:blip r:embed="rId2" cstate="hqprint">
+            <a:extLst>
+              <a:ext uri="{28A0092B-C50C-407E-A947-70E740481C1C}">
+                <a14:useLocalDpi xmlns:a14="http://schemas.microsoft.com/office/drawing/2010/main"/>
+              </a:ext>
+            </a:extLst>
+          </a:blip>
+          <a:stretch>
+            <a:fillRect/>
+          </a:stretch>
+        </p:blipFill>
+        <p:spPr>
+          <a:xfrm rot="0">
+            <a:off x="6852920" y="1209675"/>
+            <a:ext cx="4101465" cy="2343785"/>
+          </a:xfrm>
+          <a:prstGeom prst="roundRect"/>
+          <a:solidFill>
+            <a:srgbClr val="EDEDED"/>
+          </a:solidFill>
+        </p:spPr>
+      </p:pic>
+      <p:pic>
+        <p:nvPicPr>
+          <p:cNvPr id="1223" name="그림 196" descr="C:/Users/Admin1/AppData/Roaming/PolarisOffice/ETemp/20556_22124416/fImage129584197673.png"/>
+          <p:cNvPicPr>
+            <a:picLocks noChangeAspect="1"/>
+          </p:cNvPicPr>
+          <p:nvPr/>
+        </p:nvPicPr>
+        <p:blipFill rotWithShape="1">
+          <a:blip r:embed="rId3" cstate="hqprint">
+            <a:extLst>
+              <a:ext uri="{28A0092B-C50C-407E-A947-70E740481C1C}">
+                <a14:useLocalDpi xmlns:a14="http://schemas.microsoft.com/office/drawing/2010/main"/>
+              </a:ext>
+            </a:extLst>
+          </a:blip>
+          <a:stretch>
+            <a:fillRect/>
+          </a:stretch>
+        </p:blipFill>
+        <p:spPr>
+          <a:xfrm rot="0">
+            <a:off x="1228725" y="1209675"/>
+            <a:ext cx="4153535" cy="2877185"/>
+          </a:xfrm>
+          <a:prstGeom prst="roundRect"/>
+          <a:solidFill>
+            <a:srgbClr val="EDEDED"/>
+          </a:solidFill>
+        </p:spPr>
+      </p:pic>
+    </p:spTree>
+  </p:cSld>
+  <p:clrMapOvr>
+    <a:masterClrMapping/>
+  </p:clrMapOvr>
+  <mc:AlternateContent xmlns:mc="http://schemas.openxmlformats.org/markup-compatibility/2006">
+    <mc:Choice xmlns:p14="http://schemas.microsoft.com/office/powerpoint/2010/main" Requires="p14">
+      <p:transition spd="slow" p14:dur="2000"/>
+    </mc:Choice>
+    <mc:Fallback>
+      <p:transition spd="slow"/>
+    </mc:Fallback>
+  </mc:AlternateContent>
+  <p:timing>
+    <p:tnLst>
+      <p:par>
+        <p:cTn id="1" dur="indefinite" restart="never" nodeType="tmRoot"/>
+      </p:par>
+    </p:tnLst>
+  </p:timing>
+</p:sld>
+</file>
+
+<file path=ppt/slides/slide12.xml><?xml version="1.0" encoding="utf-8"?>
+<p:sld xmlns:a="http://schemas.openxmlformats.org/drawingml/2006/main" xmlns:r="http://schemas.openxmlformats.org/officeDocument/2006/relationships" xmlns:p="http://schemas.openxmlformats.org/presentationml/2006/main" xmlns:p14="http://schemas.microsoft.com/office/powerpoint/2010/main">
+  <p:cSld>
+    <p:spTree>
+      <p:nvGrpSpPr>
+        <p:cNvPr id="1" name=""/>
+        <p:cNvGrpSpPr/>
+        <p:nvPr/>
+      </p:nvGrpSpPr>
+      <p:grpSpPr>
+        <a:xfrm>
+          <a:off x="0" y="0"/>
+          <a:ext cx="0" cy="0"/>
+          <a:chOff x="0" y="0"/>
+          <a:chExt cx="0" cy="0"/>
+        </a:xfrm>
+      </p:grpSpPr>
+      <p:sp>
+        <p:nvSpPr>
           <p:cNvPr id="2" name="텍스트 상자 113"/>
           <p:cNvSpPr txBox="1">
             <a:spLocks/>
@@ -8440,7 +9049,7 @@
       </p:sp>
       <p:pic>
         <p:nvPicPr>
-          <p:cNvPr id="6" name="그림 117" descr="C:/Users/Admin1/AppData/Roaming/PolarisOffice/ETemp/2392_18456704/fImage84722754664.png"/>
+          <p:cNvPr id="6" name="그림 117"/>
           <p:cNvPicPr>
             <a:picLocks noChangeAspect="1"/>
           </p:cNvPicPr>
@@ -8515,7 +9124,7 @@
       </p:sp>
       <p:pic>
         <p:nvPicPr>
-          <p:cNvPr id="9" name="그림 120" descr="C:/Users/Admin1/AppData/Roaming/PolarisOffice/ETemp/2392_18456704/fImage24202785141.png"/>
+          <p:cNvPr id="9" name="그림 120"/>
           <p:cNvPicPr>
             <a:picLocks noChangeAspect="1"/>
           </p:cNvPicPr>
@@ -8546,7 +9155,7 @@
       </p:pic>
       <p:pic>
         <p:nvPicPr>
-          <p:cNvPr id="10" name="그림 189" descr="C:/Users/Admin1/AppData/Roaming/PolarisOffice/ETemp/2392_18456704/fImage80643297711.png"/>
+          <p:cNvPr id="10" name="그림 189"/>
           <p:cNvPicPr>
             <a:picLocks noChangeAspect="1"/>
           </p:cNvPicPr>
@@ -8626,7 +9235,7 @@
         <p:spPr>
           <a:xfrm rot="0">
             <a:off x="4943475" y="346075"/>
-            <a:ext cx="2306955" cy="478155"/>
+            <a:ext cx="2439035" cy="478155"/>
           </a:xfrm>
           <a:prstGeom prst="rect"/>
           <a:noFill/>
@@ -8653,17 +9262,7 @@
                 <a:latin typeface="나눔바른고딕" charset="0"/>
                 <a:ea typeface="나눔바른고딕" charset="0"/>
               </a:rPr>
-              <a:t>두</a:t>
-            </a:r>
-            <a:r>
-              <a:rPr lang="ko-KR" altLang="en-US" sz="2500" b="1">
-                <a:solidFill>
-                  <a:schemeClr val="tx1"/>
-                </a:solidFill>
-                <a:latin typeface="나눔바른고딕" charset="0"/>
-                <a:ea typeface="나눔바른고딕" charset="0"/>
-              </a:rPr>
-              <a:t> 번째 튜토리얼</a:t>
+              <a:t>두 번째 튜토리얼</a:t>
             </a:r>
             <a:endParaRPr lang="ko-KR" altLang="en-US" sz="2500" b="1">
               <a:solidFill>
@@ -8685,8 +9284,8 @@
         </p:nvSpPr>
         <p:spPr>
           <a:xfrm rot="0">
-            <a:off x="1344295" y="3320415"/>
-            <a:ext cx="4010025" cy="647065"/>
+            <a:off x="1401445" y="4634865"/>
+            <a:ext cx="3961765" cy="1477645"/>
           </a:xfrm>
           <a:prstGeom prst="rect"/>
           <a:noFill/>
@@ -8727,60 +9326,59 @@
                 <a:latin typeface="맑은 고딕" charset="0"/>
                 <a:ea typeface="맑은 고딕" charset="0"/>
               </a:rPr>
-              <a:t>고 3D Object</a:t>
+              <a:t>고 3D Object에 Plane</a:t>
             </a:r>
             <a:r>
               <a:rPr lang="ko-KR" sz="1800">
                 <a:latin typeface="맑은 고딕" charset="0"/>
                 <a:ea typeface="맑은 고딕" charset="0"/>
               </a:rPr>
-              <a:t>에</a:t>
-            </a:r>
-            <a:r>
-              <a:rPr lang="ko-KR" sz="1800">
-                <a:latin typeface="맑은 고딕" charset="0"/>
-                <a:ea typeface="맑은 고딕" charset="0"/>
-              </a:rPr>
-              <a:t> Plane</a:t>
-            </a:r>
-            <a:r>
-              <a:rPr lang="ko-KR" sz="1800">
-                <a:latin typeface="맑은 고딕" charset="0"/>
-                <a:ea typeface="맑은 고딕" charset="0"/>
-              </a:rPr>
-              <a:t> 선택하고 이름</a:t>
-            </a:r>
-            <a:r>
-              <a:rPr lang="ko-KR" sz="1800">
-                <a:latin typeface="맑은 고딕" charset="0"/>
-                <a:ea typeface="맑은 고딕" charset="0"/>
-              </a:rPr>
-              <a:t>을</a:t>
-            </a:r>
-            <a:r>
-              <a:rPr lang="ko-KR" sz="1800">
-                <a:latin typeface="맑은 고딕" charset="0"/>
-                <a:ea typeface="맑은 고딕" charset="0"/>
-              </a:rPr>
-              <a:t> Floor로</a:t>
-            </a:r>
-            <a:r>
-              <a:rPr lang="ko-KR" sz="1800">
-                <a:latin typeface="맑은 고딕" charset="0"/>
-                <a:ea typeface="맑은 고딕" charset="0"/>
-              </a:rPr>
-              <a:t> 정의합니다. </a:t>
+              <a:t> 오브젝트를 생성합니다.</a:t>
             </a:r>
             <a:endParaRPr lang="ko-KR" altLang="en-US" sz="1800">
               <a:latin typeface="맑은 고딕" charset="0"/>
               <a:ea typeface="맑은 고딕" charset="0"/>
             </a:endParaRPr>
           </a:p>
+          <a:p>
+            <a:pPr marL="0" indent="0" rtl="0" algn="l" defTabSz="914400" eaLnBrk="1" latinLnBrk="0" hangingPunct="1">
+              <a:buFontTx/>
+              <a:buNone/>
+            </a:pPr>
+            <a:endParaRPr lang="ko-KR" altLang="en-US" sz="1800">
+              <a:latin typeface="맑은 고딕" charset="0"/>
+              <a:ea typeface="맑은 고딕" charset="0"/>
+            </a:endParaRPr>
+          </a:p>
+          <a:p>
+            <a:pPr marL="0" indent="0" rtl="0" algn="l" defTabSz="914400" eaLnBrk="1" latinLnBrk="0" hangingPunct="1">
+              <a:buFontTx/>
+              <a:buNone/>
+            </a:pPr>
+            <a:r>
+              <a:rPr lang="ko-KR" sz="1800">
+                <a:latin typeface="맑은 고딕" charset="0"/>
+                <a:ea typeface="맑은 고딕" charset="0"/>
+              </a:rPr>
+              <a:t>그런 다음</a:t>
+            </a:r>
+            <a:r>
+              <a:rPr lang="ko-KR" sz="1800">
+                <a:latin typeface="맑은 고딕" charset="0"/>
+                <a:ea typeface="맑은 고딕" charset="0"/>
+              </a:rPr>
+              <a:t> 이름을 Floor로 정의합니다. </a:t>
+            </a:r>
+            <a:endParaRPr lang="ko-KR" altLang="en-US" sz="1800">
+              <a:latin typeface="맑은 고딕" charset="0"/>
+              <a:ea typeface="맑은 고딕" charset="0"/>
+            </a:endParaRPr>
+          </a:p>
         </p:txBody>
       </p:sp>
       <p:pic>
         <p:nvPicPr>
-          <p:cNvPr id="1183" name="그림 25" descr="C:/Users/Admin1/AppData/Roaming/PolarisOffice/ETemp/2392_18456704/fImage159532179169.png"/>
+          <p:cNvPr id="1183" name="그림 25" descr="C:/Users/Admin1/AppData/Roaming/PolarisOffice/ETemp/20556_22124416/fImage159532179169.png"/>
           <p:cNvPicPr>
             <a:picLocks noChangeAspect="1"/>
           </p:cNvPicPr>
@@ -8800,8 +9398,8 @@
         </p:blipFill>
         <p:spPr>
           <a:xfrm rot="0">
-            <a:off x="1343660" y="1227455"/>
-            <a:ext cx="2730500" cy="2023745"/>
+            <a:off x="1400810" y="1236980"/>
+            <a:ext cx="2581275" cy="3221355"/>
           </a:xfrm>
           <a:prstGeom prst="roundRect"/>
           <a:solidFill>
@@ -8811,185 +9409,7 @@
       </p:pic>
       <p:pic>
         <p:nvPicPr>
-          <p:cNvPr id="1193" name="그림 19" descr="C:/Users/Admin1/AppData/Roaming/PolarisOffice/ETemp/2392_18456704/fImage26841965724.png"/>
-          <p:cNvPicPr>
-            <a:picLocks noChangeAspect="1"/>
-          </p:cNvPicPr>
-          <p:nvPr/>
-        </p:nvPicPr>
-        <p:blipFill rotWithShape="1">
-          <a:blip r:embed="rId9" cstate="print">
-            <a:extLst>
-              <a:ext uri="{28A0092B-C50C-407E-A947-70E740481C1C}">
-                <a14:useLocalDpi xmlns:a14="http://schemas.microsoft.com/office/drawing/2010/main" val="0"/>
-              </a:ext>
-            </a:extLst>
-          </a:blip>
-          <a:stretch>
-            <a:fillRect/>
-          </a:stretch>
-        </p:blipFill>
-        <p:spPr>
-          <a:xfrm rot="0">
-            <a:off x="4248150" y="1812290"/>
-            <a:ext cx="1109980" cy="865505"/>
-          </a:xfrm>
-          <a:prstGeom prst="roundRect"/>
-          <a:solidFill>
-            <a:srgbClr val="EDEDED"/>
-          </a:solidFill>
-        </p:spPr>
-      </p:pic>
-      <p:pic>
-        <p:nvPicPr>
-          <p:cNvPr id="1195" name="그림 23" descr="C:/Users/Admin1/AppData/Roaming/PolarisOffice/ETemp/2392_18456704/fImage26841981478.png"/>
-          <p:cNvPicPr>
-            <a:picLocks noChangeAspect="1"/>
-          </p:cNvPicPr>
-          <p:nvPr/>
-        </p:nvPicPr>
-        <p:blipFill rotWithShape="1">
-          <a:blip r:embed="rId10" cstate="print">
-            <a:extLst>
-              <a:ext uri="{28A0092B-C50C-407E-A947-70E740481C1C}">
-                <a14:useLocalDpi xmlns:a14="http://schemas.microsoft.com/office/drawing/2010/main" val="0"/>
-              </a:ext>
-            </a:extLst>
-          </a:blip>
-          <a:stretch>
-            <a:fillRect/>
-          </a:stretch>
-        </p:blipFill>
-        <p:spPr>
-          <a:xfrm rot="0">
-            <a:off x="1343660" y="4174490"/>
-            <a:ext cx="1109980" cy="817880"/>
-          </a:xfrm>
-          <a:prstGeom prst="roundRect"/>
-          <a:solidFill>
-            <a:srgbClr val="EDEDED"/>
-          </a:solidFill>
-        </p:spPr>
-      </p:pic>
-      <p:pic>
-        <p:nvPicPr>
-          <p:cNvPr id="1196" name="그림 24" descr="C:/Users/Admin1/AppData/Roaming/PolarisOffice/ETemp/2392_18456704/fImage168521999358.png"/>
-          <p:cNvPicPr>
-            <a:picLocks noChangeAspect="1"/>
-          </p:cNvPicPr>
-          <p:nvPr/>
-        </p:nvPicPr>
-        <p:blipFill rotWithShape="1">
-          <a:blip r:embed="rId11" cstate="print">
-            <a:extLst>
-              <a:ext uri="{28A0092B-C50C-407E-A947-70E740481C1C}">
-                <a14:useLocalDpi xmlns:a14="http://schemas.microsoft.com/office/drawing/2010/main" val="0"/>
-              </a:ext>
-            </a:extLst>
-          </a:blip>
-          <a:stretch>
-            <a:fillRect/>
-          </a:stretch>
-        </p:blipFill>
-        <p:spPr>
-          <a:xfrm rot="0">
-            <a:off x="2747645" y="4171950"/>
-            <a:ext cx="2606040" cy="819785"/>
-          </a:xfrm>
-          <a:prstGeom prst="roundRect"/>
-          <a:solidFill>
-            <a:srgbClr val="EDEDED"/>
-          </a:solidFill>
-        </p:spPr>
-      </p:pic>
-      <p:sp>
-        <p:nvSpPr>
-          <p:cNvPr id="1197" name="텍스트 상자 27"/>
-          <p:cNvSpPr txBox="1">
-            <a:spLocks/>
-          </p:cNvSpPr>
-          <p:nvPr/>
-        </p:nvSpPr>
-        <p:spPr>
-          <a:xfrm rot="0">
-            <a:off x="1339850" y="5144770"/>
-            <a:ext cx="4010025" cy="923925"/>
-          </a:xfrm>
-          <a:prstGeom prst="rect"/>
-          <a:noFill/>
-          <a:ln w="0">
-            <a:noFill/>
-            <a:prstDash/>
-          </a:ln>
-        </p:spPr>
-        <p:txBody>
-          <a:bodyPr wrap="square" lIns="89535" tIns="46355" rIns="89535" bIns="46355" numCol="1" vert="horz" anchor="t">
-            <a:spAutoFit/>
-          </a:bodyPr>
-          <a:lstStyle/>
-          <a:p>
-            <a:pPr marL="0" indent="0" rtl="0" algn="l" defTabSz="914400" eaLnBrk="1" latinLnBrk="0" hangingPunct="1">
-              <a:buFontTx/>
-              <a:buNone/>
-            </a:pPr>
-            <a:r>
-              <a:rPr sz="1800" b="1">
-                <a:solidFill>
-                  <a:srgbClr val="0611F2"/>
-                </a:solidFill>
-                <a:latin typeface="맑은 고딕" charset="0"/>
-                <a:ea typeface="맑은 고딕" charset="0"/>
-              </a:rPr>
-              <a:t>6</a:t>
-            </a:r>
-            <a:r>
-              <a:rPr sz="1800" b="1">
-                <a:solidFill>
-                  <a:srgbClr val="0611F2"/>
-                </a:solidFill>
-                <a:latin typeface="맑은 고딕" charset="0"/>
-                <a:ea typeface="맑은 고딕" charset="0"/>
-              </a:rPr>
-              <a:t>.</a:t>
-            </a:r>
-            <a:r>
-              <a:rPr sz="1800">
-                <a:latin typeface="맑은 고딕" charset="0"/>
-                <a:ea typeface="맑은 고딕" charset="0"/>
-              </a:rPr>
-              <a:t> </a:t>
-            </a:r>
-            <a:r>
-              <a:rPr lang="ko-KR" sz="1800">
-                <a:latin typeface="맑은 고딕" charset="0"/>
-                <a:ea typeface="맑은 고딕" charset="0"/>
-              </a:rPr>
-              <a:t>이제</a:t>
-            </a:r>
-            <a:r>
-              <a:rPr lang="ko-KR" sz="1800">
-                <a:latin typeface="맑은 고딕" charset="0"/>
-                <a:ea typeface="맑은 고딕" charset="0"/>
-              </a:rPr>
-              <a:t> </a:t>
-            </a:r>
-            <a:r>
-              <a:rPr lang="ko-KR" sz="1800">
-                <a:latin typeface="맑은 고딕" charset="0"/>
-                <a:ea typeface="맑은 고딕" charset="0"/>
-              </a:rPr>
-              <a:t>Project 폴더에서 Texture에 Wood 텍스처를 선택하고 Floor 오브젝트에 넣어줍니다.</a:t>
-            </a:r>
-            <a:endParaRPr lang="ko-KR" altLang="en-US" sz="1800">
-              <a:latin typeface="맑은 고딕" charset="0"/>
-              <a:ea typeface="맑은 고딕" charset="0"/>
-            </a:endParaRPr>
-          </a:p>
-        </p:txBody>
-      </p:sp>
-      <p:pic>
-        <p:nvPicPr>
-          <p:cNvPr id="1198" name="그림 29" descr="C:/Users/Admin1/AppData/Roaming/PolarisOffice/ETemp/2392_18456704/fImage4270318491.png"/>
+          <p:cNvPr id="1198" name="그림 29"/>
           <p:cNvPicPr>
             <a:picLocks noChangeAspect="1"/>
           </p:cNvPicPr>
@@ -9027,9 +9447,9 @@
           <p:nvPr/>
         </p:nvSpPr>
         <p:spPr>
-          <a:xfrm rot="0">
+          <a:xfrm>
             <a:off x="6812280" y="2926715"/>
-            <a:ext cx="4199255" cy="647065"/>
+            <a:ext cx="4199890" cy="647065"/>
           </a:xfrm>
           <a:prstGeom prst="rect"/>
           <a:noFill/>
@@ -9056,7 +9476,7 @@
                 <a:latin typeface="맑은 고딕" charset="0"/>
                 <a:ea typeface="맑은 고딕" charset="0"/>
               </a:rPr>
-              <a:t>7</a:t>
+              <a:t>6</a:t>
             </a:r>
             <a:r>
               <a:rPr sz="1800" b="1">
@@ -9091,7 +9511,7 @@
       </p:sp>
       <p:pic>
         <p:nvPicPr>
-          <p:cNvPr id="1200" name="그림 31" descr="C:/Users/Admin1/AppData/Roaming/PolarisOffice/ETemp/2392_18456704/fImage7803212995.png"/>
+          <p:cNvPr id="1200" name="그림 31"/>
           <p:cNvPicPr>
             <a:picLocks noChangeAspect="1"/>
           </p:cNvPicPr>
@@ -9188,8 +9608,8 @@
         </p:nvSpPr>
         <p:spPr>
           <a:xfrm rot="0">
-            <a:off x="6812915" y="5419090"/>
-            <a:ext cx="4164965" cy="647065"/>
+            <a:off x="6812915" y="5457190"/>
+            <a:ext cx="4165600" cy="647065"/>
           </a:xfrm>
           <a:prstGeom prst="rect"/>
           <a:noFill/>
@@ -9216,21 +9636,38 @@
                 <a:latin typeface="맑은 고딕" charset="0"/>
                 <a:ea typeface="맑은 고딕" charset="0"/>
               </a:rPr>
-              <a:t>8.</a:t>
+              <a:t>7</a:t>
+            </a:r>
+            <a:r>
+              <a:rPr sz="1800" b="1">
+                <a:solidFill>
+                  <a:srgbClr val="0611F2"/>
+                </a:solidFill>
+                <a:latin typeface="맑은 고딕" charset="0"/>
+                <a:ea typeface="맑은 고딕" charset="0"/>
+              </a:rPr>
+              <a:t>.</a:t>
             </a:r>
             <a:r>
               <a:rPr sz="1800">
                 <a:latin typeface="맑은 고딕" charset="0"/>
                 <a:ea typeface="맑은 고딕" charset="0"/>
               </a:rPr>
-              <a:t> 그리</a:t>
+              <a:t> </a:t>
             </a:r>
             <a:r>
               <a:rPr lang="ko-KR" sz="1800">
                 <a:latin typeface="맑은 고딕" charset="0"/>
                 <a:ea typeface="맑은 고딕" charset="0"/>
               </a:rPr>
-              <a:t>고 Character</a:t>
+              <a:t>이제</a:t>
+            </a:r>
+            <a:r>
+              <a:rPr lang="ko-KR" sz="1800">
+                <a:latin typeface="맑은 고딕" charset="0"/>
+                <a:ea typeface="맑은 고딕" charset="0"/>
+              </a:rPr>
+              <a:t> Character</a:t>
             </a:r>
             <a:r>
               <a:rPr sz="1800">
@@ -9255,7 +9692,7 @@
       </p:sp>
       <p:pic>
         <p:nvPicPr>
-          <p:cNvPr id="1203" name="그림 34" descr="C:/Users/Admin1/AppData/Roaming/PolarisOffice/ETemp/2392_18456704/fImage53352906962.png"/>
+          <p:cNvPr id="1203" name="그림 34" descr="C:/Users/Admin1/AppData/Roaming/PolarisOffice/ETemp/20556_22124416/fImage53352906962.png"/>
           <p:cNvPicPr>
             <a:picLocks noChangeAspect="1"/>
           </p:cNvPicPr>
@@ -9275,8 +9712,39 @@
         </p:blipFill>
         <p:spPr>
           <a:xfrm rot="0">
-            <a:off x="6819900" y="3876675"/>
-            <a:ext cx="4239260" cy="1271270"/>
+            <a:off x="6819900" y="3743325"/>
+            <a:ext cx="4239895" cy="1572260"/>
+          </a:xfrm>
+          <a:prstGeom prst="roundRect"/>
+          <a:solidFill>
+            <a:srgbClr val="EDEDED"/>
+          </a:solidFill>
+        </p:spPr>
+      </p:pic>
+      <p:pic>
+        <p:nvPicPr>
+          <p:cNvPr id="1204" name="그림 6" descr="C:/Users/Admin1/AppData/Roaming/PolarisOffice/ETemp/20556_22124416/fImage481428641.png"/>
+          <p:cNvPicPr>
+            <a:picLocks noChangeAspect="1"/>
+          </p:cNvPicPr>
+          <p:nvPr/>
+        </p:nvPicPr>
+        <p:blipFill rotWithShape="1">
+          <a:blip r:embed="rId13" cstate="print">
+            <a:extLst>
+              <a:ext uri="{28A0092B-C50C-407E-A947-70E740481C1C}">
+                <a14:useLocalDpi xmlns:a14="http://schemas.microsoft.com/office/drawing/2010/main" val="0"/>
+              </a:ext>
+            </a:extLst>
+          </a:blip>
+          <a:stretch>
+            <a:fillRect/>
+          </a:stretch>
+        </p:blipFill>
+        <p:spPr>
+          <a:xfrm rot="0">
+            <a:off x="4124325" y="1990725"/>
+            <a:ext cx="1238885" cy="1734185"/>
           </a:xfrm>
           <a:prstGeom prst="roundRect"/>
           <a:solidFill>
@@ -9308,7 +9776,7 @@
 </file>
 
 <file path=ppt/slides/slide3.xml><?xml version="1.0" encoding="utf-8"?>
-<p:sld xmlns:a="http://schemas.openxmlformats.org/drawingml/2006/main" xmlns:r="http://schemas.openxmlformats.org/officeDocument/2006/relationships" xmlns:p="http://schemas.openxmlformats.org/presentationml/2006/main" xmlns:p14="http://schemas.microsoft.com/office/powerpoint/2010/main">
+<p:sld xmlns:a="http://schemas.openxmlformats.org/drawingml/2006/main" xmlns:r="http://schemas.openxmlformats.org/officeDocument/2006/relationships" xmlns:p="http://schemas.openxmlformats.org/presentationml/2006/main">
   <p:cSld>
     <p:spTree>
       <p:nvGrpSpPr>
@@ -9335,7 +9803,7 @@
         <p:spPr>
           <a:xfrm rot="0">
             <a:off x="4943475" y="346075"/>
-            <a:ext cx="2306955" cy="478155"/>
+            <a:ext cx="2439035" cy="478155"/>
           </a:xfrm>
           <a:prstGeom prst="rect"/>
           <a:noFill/>
@@ -9384,231 +9852,291 @@
           </a:p>
         </p:txBody>
       </p:sp>
-      <p:sp>
-        <p:nvSpPr>
-          <p:cNvPr id="1181" name="Rect 0"/>
-          <p:cNvSpPr txBox="1">
-            <a:spLocks/>
-          </p:cNvSpPr>
-          <p:nvPr/>
-        </p:nvSpPr>
-        <p:spPr>
-          <a:xfrm rot="0">
-            <a:off x="6835775" y="3210560"/>
-            <a:ext cx="4080510" cy="923925"/>
-          </a:xfrm>
-          <a:prstGeom prst="rect"/>
-          <a:noFill/>
-          <a:ln w="0">
-            <a:noFill/>
-            <a:prstDash/>
-          </a:ln>
-        </p:spPr>
-        <p:txBody>
-          <a:bodyPr wrap="square" lIns="89535" tIns="46355" rIns="89535" bIns="46355" numCol="1" vert="horz" anchor="t">
-            <a:spAutoFit/>
-          </a:bodyPr>
-          <a:lstStyle/>
-          <a:p>
-            <a:pPr marL="0" indent="0" rtl="0" algn="l" defTabSz="914400" eaLnBrk="1" latinLnBrk="0" hangingPunct="1">
-              <a:buFontTx/>
-              <a:buNone/>
-            </a:pPr>
-            <a:r>
-              <a:rPr lang="ko-KR" sz="1800" b="1">
-                <a:solidFill>
-                  <a:srgbClr val="0611F2"/>
-                </a:solidFill>
-                <a:latin typeface="맑은 고딕" charset="0"/>
-                <a:ea typeface="맑은 고딕" charset="0"/>
-              </a:rPr>
-              <a:t>1</a:t>
-            </a:r>
-            <a:r>
-              <a:rPr lang="ko-KR" sz="1800" b="1">
-                <a:solidFill>
-                  <a:srgbClr val="0611F2"/>
-                </a:solidFill>
-                <a:latin typeface="맑은 고딕" charset="0"/>
-                <a:ea typeface="맑은 고딕" charset="0"/>
-              </a:rPr>
-              <a:t>1</a:t>
-            </a:r>
-            <a:r>
-              <a:rPr sz="1800" b="1">
-                <a:solidFill>
-                  <a:srgbClr val="0611F2"/>
-                </a:solidFill>
-                <a:latin typeface="맑은 고딕" charset="0"/>
-                <a:ea typeface="맑은 고딕" charset="0"/>
-              </a:rPr>
-              <a:t>.</a:t>
-            </a:r>
-            <a:r>
-              <a:rPr sz="1800">
-                <a:latin typeface="맑은 고딕" charset="0"/>
-                <a:ea typeface="맑은 고딕" charset="0"/>
-              </a:rPr>
-              <a:t> </a:t>
-            </a:r>
-            <a:r>
-              <a:rPr lang="ko-KR" sz="1800">
-                <a:latin typeface="맑은 고딕" charset="0"/>
-                <a:ea typeface="맑은 고딕" charset="0"/>
-              </a:rPr>
-              <a:t>그</a:t>
-            </a:r>
-            <a:r>
-              <a:rPr lang="ko-KR" sz="1800">
-                <a:latin typeface="맑은 고딕" charset="0"/>
-                <a:ea typeface="맑은 고딕" charset="0"/>
-              </a:rPr>
-              <a:t>리고 Arrival </a:t>
-            </a:r>
-            <a:r>
-              <a:rPr lang="ko-KR" sz="1800">
-                <a:latin typeface="맑은 고딕" charset="0"/>
-                <a:ea typeface="맑은 고딕" charset="0"/>
-              </a:rPr>
-              <a:t>스크립트에서</a:t>
-            </a:r>
-            <a:r>
-              <a:rPr lang="ko-KR" sz="1800">
-                <a:latin typeface="맑은 고딕" charset="0"/>
-                <a:ea typeface="맑은 고딕" charset="0"/>
-              </a:rPr>
-              <a:t> 방향</a:t>
-            </a:r>
-            <a:r>
-              <a:rPr lang="ko-KR" sz="1800">
-                <a:latin typeface="맑은 고딕" charset="0"/>
-                <a:ea typeface="맑은 고딕" charset="0"/>
-              </a:rPr>
-              <a:t> 변수</a:t>
-            </a:r>
-            <a:r>
-              <a:rPr lang="ko-KR" sz="1800">
-                <a:latin typeface="맑은 고딕" charset="0"/>
-                <a:ea typeface="맑은 고딕" charset="0"/>
-              </a:rPr>
-              <a:t>를 선언하고 </a:t>
-            </a:r>
-            <a:r>
-              <a:rPr lang="ko-KR" sz="1800">
-                <a:latin typeface="맑은 고딕" charset="0"/>
-                <a:ea typeface="맑은 고딕" charset="0"/>
-              </a:rPr>
-              <a:t>NavMeshAgent 컴포넌트를 가져옵니다.</a:t>
-            </a:r>
-            <a:endParaRPr lang="ko-KR" altLang="en-US" sz="1800">
-              <a:latin typeface="맑은 고딕" charset="0"/>
-              <a:ea typeface="맑은 고딕" charset="0"/>
-            </a:endParaRPr>
-          </a:p>
-        </p:txBody>
-      </p:sp>
-      <p:sp>
-        <p:nvSpPr>
-          <p:cNvPr id="1186" name="텍스트 상자 59"/>
-          <p:cNvSpPr txBox="1">
-            <a:spLocks/>
-          </p:cNvSpPr>
-          <p:nvPr/>
-        </p:nvSpPr>
-        <p:spPr>
-          <a:xfrm rot="0">
-            <a:off x="1409700" y="2146935"/>
-            <a:ext cx="3974465" cy="923925"/>
-          </a:xfrm>
-          <a:prstGeom prst="rect"/>
-          <a:noFill/>
-          <a:ln w="0">
-            <a:noFill/>
-            <a:prstDash/>
-          </a:ln>
-        </p:spPr>
-        <p:txBody>
-          <a:bodyPr wrap="square" lIns="89535" tIns="46355" rIns="89535" bIns="46355" numCol="1" vert="horz" anchor="t">
-            <a:spAutoFit/>
-          </a:bodyPr>
-          <a:lstStyle/>
-          <a:p>
-            <a:pPr marL="0" indent="0" rtl="0" algn="l" defTabSz="914400" eaLnBrk="1" latinLnBrk="0" hangingPunct="1">
-              <a:buFontTx/>
-              <a:buNone/>
-            </a:pPr>
-            <a:r>
-              <a:rPr lang="ko-KR" sz="1800" b="1">
-                <a:solidFill>
-                  <a:srgbClr val="0611F2"/>
-                </a:solidFill>
-                <a:latin typeface="맑은 고딕" charset="0"/>
-                <a:ea typeface="맑은 고딕" charset="0"/>
-              </a:rPr>
-              <a:t>9</a:t>
-            </a:r>
-            <a:r>
-              <a:rPr sz="1800" b="1">
-                <a:solidFill>
-                  <a:srgbClr val="0611F2"/>
-                </a:solidFill>
-                <a:latin typeface="맑은 고딕" charset="0"/>
-                <a:ea typeface="맑은 고딕" charset="0"/>
-              </a:rPr>
-              <a:t>.</a:t>
-            </a:r>
-            <a:r>
-              <a:rPr sz="1800">
-                <a:latin typeface="맑은 고딕" charset="0"/>
-                <a:ea typeface="맑은 고딕" charset="0"/>
-              </a:rPr>
-              <a:t> 그</a:t>
-            </a:r>
-            <a:r>
-              <a:rPr lang="ko-KR" sz="1800">
-                <a:latin typeface="맑은 고딕" charset="0"/>
-                <a:ea typeface="맑은 고딕" charset="0"/>
-              </a:rPr>
-              <a:t>런 다음</a:t>
-            </a:r>
-            <a:r>
-              <a:rPr lang="ko-KR" sz="1800">
-                <a:latin typeface="맑은 고딕" charset="0"/>
-                <a:ea typeface="맑은 고딕" charset="0"/>
-              </a:rPr>
-              <a:t> Floor 오브젝트를 선택</a:t>
-            </a:r>
-            <a:r>
-              <a:rPr lang="ko-KR" sz="1800">
-                <a:latin typeface="맑은 고딕" charset="0"/>
-                <a:ea typeface="맑은 고딕" charset="0"/>
-              </a:rPr>
-              <a:t>한 다음</a:t>
-            </a:r>
-            <a:r>
-              <a:rPr lang="ko-KR" sz="1800">
-                <a:latin typeface="맑은 고딕" charset="0"/>
-                <a:ea typeface="맑은 고딕" charset="0"/>
-              </a:rPr>
-              <a:t> Navigation Static을 선택합니다.</a:t>
-            </a:r>
-            <a:endParaRPr lang="ko-KR" altLang="en-US" sz="1800">
-              <a:latin typeface="맑은 고딕" charset="0"/>
-              <a:ea typeface="맑은 고딕" charset="0"/>
-            </a:endParaRPr>
-          </a:p>
-        </p:txBody>
-      </p:sp>
       <p:pic>
         <p:nvPicPr>
-          <p:cNvPr id="1191" name="그림 35" descr="C:/Users/Admin1/AppData/Roaming/PolarisOffice/ETemp/2392_18456704/fImage70502106962.png"/>
+          <p:cNvPr id="1195" name="Picture " descr="C:/Users/Admin1/AppData/Roaming/PolarisOffice/ETemp/20556_22124416/fImage26841981478.png"/>
           <p:cNvPicPr>
             <a:picLocks noChangeAspect="1"/>
           </p:cNvPicPr>
           <p:nvPr/>
         </p:nvPicPr>
         <p:blipFill rotWithShape="1">
-          <a:blip r:embed="rId9" cstate="print">
+          <a:blip r:embed="rId2" cstate="hqprint">
+            <a:extLst>
+              <a:ext uri="{28A0092B-C50C-407E-A947-70E740481C1C}">
+                <a14:useLocalDpi xmlns:a14="http://schemas.microsoft.com/office/drawing/2010/main"/>
+              </a:ext>
+            </a:extLst>
+          </a:blip>
+          <a:stretch>
+            <a:fillRect/>
+          </a:stretch>
+        </p:blipFill>
+        <p:spPr>
+          <a:xfrm rot="0">
+            <a:off x="1391285" y="1355090"/>
+            <a:ext cx="1276350" cy="1124585"/>
+          </a:xfrm>
+          <a:prstGeom prst="roundRect"/>
+          <a:solidFill>
+            <a:srgbClr val="EDEDED"/>
+          </a:solidFill>
+        </p:spPr>
+      </p:pic>
+      <p:pic>
+        <p:nvPicPr>
+          <p:cNvPr id="1196" name="Picture " descr="C:/Users/Admin1/AppData/Roaming/PolarisOffice/ETemp/20556_22124416/fImage168521999358.png"/>
+          <p:cNvPicPr>
+            <a:picLocks noChangeAspect="1"/>
+          </p:cNvPicPr>
+          <p:nvPr/>
+        </p:nvPicPr>
+        <p:blipFill rotWithShape="1">
+          <a:blip r:embed="rId3" cstate="hqprint">
+            <a:extLst>
+              <a:ext uri="{28A0092B-C50C-407E-A947-70E740481C1C}">
+                <a14:useLocalDpi xmlns:a14="http://schemas.microsoft.com/office/drawing/2010/main"/>
+              </a:ext>
+            </a:extLst>
+          </a:blip>
+          <a:stretch>
+            <a:fillRect/>
+          </a:stretch>
+        </p:blipFill>
+        <p:spPr>
+          <a:xfrm rot="0">
+            <a:off x="2886075" y="1352550"/>
+            <a:ext cx="2486660" cy="1096010"/>
+          </a:xfrm>
+          <a:prstGeom prst="roundRect"/>
+          <a:solidFill>
+            <a:srgbClr val="EDEDED"/>
+          </a:solidFill>
+        </p:spPr>
+      </p:pic>
+      <p:sp>
+        <p:nvSpPr>
+          <p:cNvPr id="1197" name="Rect 0"/>
+          <p:cNvSpPr txBox="1">
+            <a:spLocks/>
+          </p:cNvSpPr>
+          <p:nvPr/>
+        </p:nvSpPr>
+        <p:spPr>
+          <a:xfrm rot="0">
+            <a:off x="1387475" y="2677795"/>
+            <a:ext cx="3975735" cy="923925"/>
+          </a:xfrm>
+          <a:prstGeom prst="rect"/>
+          <a:noFill/>
+          <a:ln w="0">
+            <a:noFill/>
+            <a:prstDash/>
+          </a:ln>
+        </p:spPr>
+        <p:txBody>
+          <a:bodyPr wrap="square" lIns="89535" tIns="46355" rIns="89535" bIns="46355" numCol="1" vert="horz" anchor="t">
+            <a:spAutoFit/>
+          </a:bodyPr>
+          <a:lstStyle/>
+          <a:p>
+            <a:pPr marL="0" indent="0" rtl="0" algn="l" defTabSz="914400" eaLnBrk="1" latinLnBrk="0" hangingPunct="1">
+              <a:buFontTx/>
+              <a:buNone/>
+            </a:pPr>
+            <a:r>
+              <a:rPr sz="1800" b="1">
+                <a:solidFill>
+                  <a:srgbClr val="0611F2"/>
+                </a:solidFill>
+                <a:latin typeface="맑은 고딕" charset="0"/>
+                <a:ea typeface="맑은 고딕" charset="0"/>
+              </a:rPr>
+              <a:t>8</a:t>
+            </a:r>
+            <a:r>
+              <a:rPr sz="1800" b="1">
+                <a:solidFill>
+                  <a:srgbClr val="0611F2"/>
+                </a:solidFill>
+                <a:latin typeface="맑은 고딕" charset="0"/>
+                <a:ea typeface="맑은 고딕" charset="0"/>
+              </a:rPr>
+              <a:t>.</a:t>
+            </a:r>
+            <a:r>
+              <a:rPr sz="1800">
+                <a:latin typeface="맑은 고딕" charset="0"/>
+                <a:ea typeface="맑은 고딕" charset="0"/>
+              </a:rPr>
+              <a:t> </a:t>
+            </a:r>
+            <a:r>
+              <a:rPr lang="ko-KR" sz="1800">
+                <a:latin typeface="맑은 고딕" charset="0"/>
+                <a:ea typeface="맑은 고딕" charset="0"/>
+              </a:rPr>
+              <a:t>그다음</a:t>
+            </a:r>
+            <a:r>
+              <a:rPr lang="ko-KR" sz="1800">
+                <a:latin typeface="맑은 고딕" charset="0"/>
+                <a:ea typeface="맑은 고딕" charset="0"/>
+              </a:rPr>
+              <a:t> Project 폴더에서 Texture에 Wood 텍스처를 선택하고 Floor 오브젝트에 넣어줍니다.</a:t>
+            </a:r>
+            <a:endParaRPr lang="ko-KR" altLang="en-US" sz="1800">
+              <a:latin typeface="맑은 고딕" charset="0"/>
+              <a:ea typeface="맑은 고딕" charset="0"/>
+            </a:endParaRPr>
+          </a:p>
+        </p:txBody>
+      </p:sp>
+      <p:cxnSp>
+        <p:nvCxnSpPr>
+          <p:cNvPr id="1204" name="도형 9"/>
+          <p:cNvCxnSpPr/>
+          <p:nvPr/>
+        </p:nvCxnSpPr>
+        <p:spPr>
+          <a:xfrm rot="0" flipH="1">
+            <a:off x="2057400" y="1952625"/>
+            <a:ext cx="1610360" cy="267335"/>
+          </a:xfrm>
+          <a:prstGeom prst="straightConnector1"/>
+          <a:ln w="6350" cap="flat" cmpd="sng">
+            <a:prstDash/>
+            <a:headEnd type="none" w="med" len="med"/>
+            <a:tailEnd type="triangle" w="med" len="med"/>
+          </a:ln>
+        </p:spPr>
+        <p:style>
+          <a:lnRef idx="1">
+            <a:schemeClr val="accent1"/>
+          </a:lnRef>
+          <a:fillRef idx="0">
+            <a:schemeClr val="accent1"/>
+          </a:fillRef>
+          <a:effectRef idx="0">
+            <a:schemeClr val="accent1"/>
+          </a:effectRef>
+          <a:fontRef idx="minor">
+            <a:schemeClr val="tx1"/>
+          </a:fontRef>
+        </p:style>
+      </p:cxnSp>
+      <p:sp>
+        <p:nvSpPr>
+          <p:cNvPr id="1205" name="텍스트 상자 10"/>
+          <p:cNvSpPr txBox="1">
+            <a:spLocks/>
+          </p:cNvSpPr>
+          <p:nvPr/>
+        </p:nvSpPr>
+        <p:spPr>
+          <a:xfrm rot="0">
+            <a:off x="1390650" y="5233035"/>
+            <a:ext cx="3975100" cy="924560"/>
+          </a:xfrm>
+          <a:prstGeom prst="rect"/>
+          <a:noFill/>
+          <a:ln w="0">
+            <a:noFill/>
+            <a:prstDash/>
+          </a:ln>
+        </p:spPr>
+        <p:txBody>
+          <a:bodyPr wrap="square" lIns="89535" tIns="46355" rIns="89535" bIns="46355" numCol="1" vert="horz" anchor="t">
+            <a:spAutoFit/>
+          </a:bodyPr>
+          <a:lstStyle/>
+          <a:p>
+            <a:pPr marL="0" indent="0" rtl="0" algn="l" defTabSz="914400" eaLnBrk="1" latinLnBrk="0" hangingPunct="1">
+              <a:buFontTx/>
+              <a:buNone/>
+            </a:pPr>
+            <a:r>
+              <a:rPr lang="ko-KR" sz="1800" b="1">
+                <a:solidFill>
+                  <a:srgbClr val="0611F2"/>
+                </a:solidFill>
+                <a:latin typeface="맑은 고딕" charset="0"/>
+                <a:ea typeface="맑은 고딕" charset="0"/>
+              </a:rPr>
+              <a:t>9</a:t>
+            </a:r>
+            <a:r>
+              <a:rPr sz="1800" b="1">
+                <a:solidFill>
+                  <a:srgbClr val="0611F2"/>
+                </a:solidFill>
+                <a:latin typeface="맑은 고딕" charset="0"/>
+                <a:ea typeface="맑은 고딕" charset="0"/>
+              </a:rPr>
+              <a:t>.</a:t>
+            </a:r>
+            <a:r>
+              <a:rPr sz="1800">
+                <a:latin typeface="맑은 고딕" charset="0"/>
+                <a:ea typeface="맑은 고딕" charset="0"/>
+              </a:rPr>
+              <a:t> 그</a:t>
+            </a:r>
+            <a:r>
+              <a:rPr lang="ko-KR" sz="1800">
+                <a:latin typeface="맑은 고딕" charset="0"/>
+                <a:ea typeface="맑은 고딕" charset="0"/>
+              </a:rPr>
+              <a:t>런 다음 Floor 오브젝트를 선택한 다음 Navigation Static을 선택합니다.</a:t>
+            </a:r>
+            <a:endParaRPr lang="ko-KR" altLang="en-US" sz="1800">
+              <a:latin typeface="맑은 고딕" charset="0"/>
+              <a:ea typeface="맑은 고딕" charset="0"/>
+            </a:endParaRPr>
+          </a:p>
+        </p:txBody>
+      </p:sp>
+      <p:pic>
+        <p:nvPicPr>
+          <p:cNvPr id="1206" name="그림 11" descr="C:/Users/Admin1/AppData/Roaming/PolarisOffice/ETemp/20556_22124416/fImage70502106962.png"/>
+          <p:cNvPicPr>
+            <a:picLocks noChangeAspect="1"/>
+          </p:cNvPicPr>
+          <p:nvPr/>
+        </p:nvPicPr>
+        <p:blipFill rotWithShape="1">
+          <a:blip r:embed="rId4" cstate="hqprint">
+            <a:extLst>
+              <a:ext uri="{28A0092B-C50C-407E-A947-70E740481C1C}">
+                <a14:useLocalDpi xmlns:a14="http://schemas.microsoft.com/office/drawing/2010/main"/>
+              </a:ext>
+            </a:extLst>
+          </a:blip>
+          <a:stretch>
+            <a:fillRect/>
+          </a:stretch>
+        </p:blipFill>
+        <p:spPr>
+          <a:xfrm rot="0">
+            <a:off x="1390650" y="3790950"/>
+            <a:ext cx="3963670" cy="1286510"/>
+          </a:xfrm>
+          <a:prstGeom prst="roundRect"/>
+          <a:solidFill>
+            <a:srgbClr val="EDEDED"/>
+          </a:solidFill>
+        </p:spPr>
+      </p:pic>
+      <p:pic>
+        <p:nvPicPr>
+          <p:cNvPr id="1207" name="그림 12" descr="C:/Users/Admin1/AppData/Roaming/PolarisOffice/ETemp/20556_22124416/fImage122752908467.png"/>
+          <p:cNvPicPr>
+            <a:picLocks noChangeAspect="1"/>
+          </p:cNvPicPr>
+          <p:nvPr/>
+        </p:nvPicPr>
+        <p:blipFill rotWithShape="1">
+          <a:blip r:embed="rId5" cstate="print">
             <a:extLst>
               <a:ext uri="{28A0092B-C50C-407E-A947-70E740481C1C}">
                 <a14:useLocalDpi xmlns:a14="http://schemas.microsoft.com/office/drawing/2010/main" val="0"/>
@@ -9621,8 +10149,8 @@
         </p:blipFill>
         <p:spPr>
           <a:xfrm rot="0">
-            <a:off x="1409700" y="1261745"/>
-            <a:ext cx="3963035" cy="805815"/>
+            <a:off x="6810375" y="1352550"/>
+            <a:ext cx="4067810" cy="1286510"/>
           </a:xfrm>
           <a:prstGeom prst="roundRect"/>
           <a:solidFill>
@@ -9630,19 +10158,168 @@
           </a:solidFill>
         </p:spPr>
       </p:pic>
+      <p:sp>
+        <p:nvSpPr>
+          <p:cNvPr id="1208" name="텍스트 상자 15"/>
+          <p:cNvSpPr txBox="1">
+            <a:spLocks/>
+          </p:cNvSpPr>
+          <p:nvPr/>
+        </p:nvSpPr>
+        <p:spPr>
+          <a:xfrm rot="0">
+            <a:off x="6821805" y="2749550"/>
+            <a:ext cx="4046855" cy="647065"/>
+          </a:xfrm>
+          <a:prstGeom prst="rect"/>
+          <a:noFill/>
+          <a:ln w="0">
+            <a:noFill/>
+            <a:prstDash/>
+          </a:ln>
+        </p:spPr>
+        <p:txBody>
+          <a:bodyPr wrap="square" lIns="89535" tIns="46355" rIns="89535" bIns="46355" numCol="1" vert="horz" anchor="t">
+            <a:spAutoFit/>
+          </a:bodyPr>
+          <a:lstStyle/>
+          <a:p>
+            <a:pPr marL="0" indent="0" rtl="0" algn="l" defTabSz="914400" eaLnBrk="1" latinLnBrk="0" hangingPunct="1">
+              <a:buFontTx/>
+              <a:buNone/>
+            </a:pPr>
+            <a:r>
+              <a:rPr lang="ko-KR" sz="1800" b="1">
+                <a:solidFill>
+                  <a:srgbClr val="0611F2"/>
+                </a:solidFill>
+                <a:latin typeface="맑은 고딕" charset="0"/>
+                <a:ea typeface="맑은 고딕" charset="0"/>
+              </a:rPr>
+              <a:t>10</a:t>
+            </a:r>
+            <a:r>
+              <a:rPr sz="1800" b="1">
+                <a:solidFill>
+                  <a:srgbClr val="0611F2"/>
+                </a:solidFill>
+                <a:latin typeface="맑은 고딕" charset="0"/>
+                <a:ea typeface="맑은 고딕" charset="0"/>
+              </a:rPr>
+              <a:t>.</a:t>
+            </a:r>
+            <a:r>
+              <a:rPr sz="1800">
+                <a:latin typeface="맑은 고딕" charset="0"/>
+                <a:ea typeface="맑은 고딕" charset="0"/>
+              </a:rPr>
+              <a:t> </a:t>
+            </a:r>
+            <a:r>
+              <a:rPr lang="ko-KR" sz="1800">
+                <a:latin typeface="맑은 고딕" charset="0"/>
+                <a:ea typeface="맑은 고딕" charset="0"/>
+              </a:rPr>
+              <a:t>그리고 Character 오브젝트의 위치를 설정합니다.</a:t>
+            </a:r>
+            <a:endParaRPr lang="ko-KR" altLang="en-US" sz="1800">
+              <a:latin typeface="맑은 고딕" charset="0"/>
+              <a:ea typeface="맑은 고딕" charset="0"/>
+            </a:endParaRPr>
+          </a:p>
+        </p:txBody>
+      </p:sp>
+      <p:sp>
+        <p:nvSpPr>
+          <p:cNvPr id="1209" name="텍스트 상자 24"/>
+          <p:cNvSpPr txBox="1">
+            <a:spLocks/>
+          </p:cNvSpPr>
+          <p:nvPr/>
+        </p:nvSpPr>
+        <p:spPr>
+          <a:xfrm rot="0">
+            <a:off x="6797675" y="5229860"/>
+            <a:ext cx="4080510" cy="923925"/>
+          </a:xfrm>
+          <a:prstGeom prst="rect"/>
+          <a:noFill/>
+          <a:ln w="0">
+            <a:noFill/>
+            <a:prstDash/>
+          </a:ln>
+        </p:spPr>
+        <p:txBody>
+          <a:bodyPr wrap="square" lIns="89535" tIns="46355" rIns="89535" bIns="46355" numCol="1" vert="horz" anchor="t">
+            <a:spAutoFit/>
+          </a:bodyPr>
+          <a:lstStyle/>
+          <a:p>
+            <a:pPr marL="0" indent="0" rtl="0" algn="l" defTabSz="914400" eaLnBrk="1" latinLnBrk="0" hangingPunct="1">
+              <a:buFontTx/>
+              <a:buNone/>
+            </a:pPr>
+            <a:r>
+              <a:rPr lang="ko-KR" sz="1800" b="1">
+                <a:solidFill>
+                  <a:srgbClr val="0611F2"/>
+                </a:solidFill>
+                <a:latin typeface="맑은 고딕" charset="0"/>
+                <a:ea typeface="맑은 고딕" charset="0"/>
+              </a:rPr>
+              <a:t>11</a:t>
+            </a:r>
+            <a:r>
+              <a:rPr sz="1800" b="1">
+                <a:solidFill>
+                  <a:srgbClr val="0611F2"/>
+                </a:solidFill>
+                <a:latin typeface="맑은 고딕" charset="0"/>
+                <a:ea typeface="맑은 고딕" charset="0"/>
+              </a:rPr>
+              <a:t>.</a:t>
+            </a:r>
+            <a:r>
+              <a:rPr sz="1800">
+                <a:latin typeface="맑은 고딕" charset="0"/>
+                <a:ea typeface="맑은 고딕" charset="0"/>
+              </a:rPr>
+              <a:t> </a:t>
+            </a:r>
+            <a:r>
+              <a:rPr lang="ko-KR" sz="1800">
+                <a:latin typeface="맑은 고딕" charset="0"/>
+                <a:ea typeface="맑은 고딕" charset="0"/>
+              </a:rPr>
+              <a:t>이제</a:t>
+            </a:r>
+            <a:r>
+              <a:rPr lang="ko-KR" sz="1800">
+                <a:latin typeface="맑은 고딕" charset="0"/>
+                <a:ea typeface="맑은 고딕" charset="0"/>
+              </a:rPr>
+              <a:t> Arrival 스크립트에서 방향 변수를 선언하고 NavMeshAgent 컴포넌트를 가져옵니다.</a:t>
+            </a:r>
+            <a:endParaRPr lang="ko-KR" altLang="en-US" sz="1800">
+              <a:latin typeface="맑은 고딕" charset="0"/>
+              <a:ea typeface="맑은 고딕" charset="0"/>
+            </a:endParaRPr>
+          </a:p>
+        </p:txBody>
+      </p:sp>
       <p:pic>
         <p:nvPicPr>
-          <p:cNvPr id="1192" name="그림 38" descr="C:/Users/Admin1/AppData/Roaming/PolarisOffice/ETemp/2392_18456704/fImage33252114464.png"/>
+          <p:cNvPr id="1210" name="그림 25" descr="C:/Users/Admin1/AppData/Roaming/PolarisOffice/ETemp/20556_22124416/fImage47262148145.png"/>
           <p:cNvPicPr>
             <a:picLocks noChangeAspect="1"/>
           </p:cNvPicPr>
           <p:nvPr/>
         </p:nvPicPr>
         <p:blipFill rotWithShape="1">
-          <a:blip r:embed="rId10" cstate="print">
+          <a:blip r:embed="rId6" cstate="hqprint">
             <a:extLst>
               <a:ext uri="{28A0092B-C50C-407E-A947-70E740481C1C}">
-                <a14:useLocalDpi xmlns:a14="http://schemas.microsoft.com/office/drawing/2010/main" val="0"/>
+                <a14:useLocalDpi xmlns:a14="http://schemas.microsoft.com/office/drawing/2010/main"/>
               </a:ext>
             </a:extLst>
           </a:blip>
@@ -9652,274 +10329,13 @@
         </p:blipFill>
         <p:spPr>
           <a:xfrm rot="0">
-            <a:off x="3419475" y="3533775"/>
-            <a:ext cx="1953260" cy="1153160"/>
-          </a:xfrm>
-          <a:prstGeom prst="roundRect"/>
-          <a:solidFill>
-            <a:srgbClr val="EDEDED"/>
-          </a:solidFill>
+            <a:off x="6810375" y="3543300"/>
+            <a:ext cx="4067810" cy="1562735"/>
+          </a:xfrm>
+          <a:prstGeom prst="rect"/>
+          <a:noFill/>
         </p:spPr>
       </p:pic>
-      <p:pic>
-        <p:nvPicPr>
-          <p:cNvPr id="1193" name="그림 41" descr="C:/Users/Admin1/AppData/Roaming/PolarisOffice/ETemp/2392_18456704/fImage85062125705.png"/>
-          <p:cNvPicPr>
-            <a:picLocks noChangeAspect="1"/>
-          </p:cNvPicPr>
-          <p:nvPr/>
-        </p:nvPicPr>
-        <p:blipFill rotWithShape="1">
-          <a:blip r:embed="rId11" cstate="print">
-            <a:extLst>
-              <a:ext uri="{28A0092B-C50C-407E-A947-70E740481C1C}">
-                <a14:useLocalDpi xmlns:a14="http://schemas.microsoft.com/office/drawing/2010/main" val="0"/>
-              </a:ext>
-            </a:extLst>
-          </a:blip>
-          <a:stretch>
-            <a:fillRect/>
-          </a:stretch>
-        </p:blipFill>
-        <p:spPr>
-          <a:xfrm rot="0">
-            <a:off x="1414145" y="3181350"/>
-            <a:ext cx="1682115" cy="1867535"/>
-          </a:xfrm>
-          <a:prstGeom prst="roundRect"/>
-          <a:solidFill>
-            <a:srgbClr val="EDEDED"/>
-          </a:solidFill>
-        </p:spPr>
-      </p:pic>
-      <p:sp>
-        <p:nvSpPr>
-          <p:cNvPr id="1194" name="텍스트 상자 44"/>
-          <p:cNvSpPr txBox="1">
-            <a:spLocks/>
-          </p:cNvSpPr>
-          <p:nvPr/>
-        </p:nvSpPr>
-        <p:spPr>
-          <a:xfrm rot="0">
-            <a:off x="1405255" y="5200015"/>
-            <a:ext cx="3967480" cy="923925"/>
-          </a:xfrm>
-          <a:prstGeom prst="rect"/>
-          <a:noFill/>
-          <a:ln w="0">
-            <a:noFill/>
-            <a:prstDash/>
-          </a:ln>
-        </p:spPr>
-        <p:txBody>
-          <a:bodyPr wrap="square" lIns="89535" tIns="46355" rIns="89535" bIns="46355" numCol="1" vert="horz" anchor="t">
-            <a:spAutoFit/>
-          </a:bodyPr>
-          <a:lstStyle/>
-          <a:p>
-            <a:pPr marL="0" indent="0" rtl="0" algn="l" defTabSz="914400" eaLnBrk="1" latinLnBrk="0" hangingPunct="1">
-              <a:buFontTx/>
-              <a:buNone/>
-            </a:pPr>
-            <a:r>
-              <a:rPr lang="ko-KR" sz="1800" b="1">
-                <a:solidFill>
-                  <a:srgbClr val="0611F2"/>
-                </a:solidFill>
-                <a:latin typeface="맑은 고딕" charset="0"/>
-                <a:ea typeface="맑은 고딕" charset="0"/>
-              </a:rPr>
-              <a:t>10</a:t>
-            </a:r>
-            <a:r>
-              <a:rPr sz="1800" b="1">
-                <a:solidFill>
-                  <a:srgbClr val="0611F2"/>
-                </a:solidFill>
-                <a:latin typeface="맑은 고딕" charset="0"/>
-                <a:ea typeface="맑은 고딕" charset="0"/>
-              </a:rPr>
-              <a:t>.</a:t>
-            </a:r>
-            <a:r>
-              <a:rPr sz="1800">
-                <a:latin typeface="맑은 고딕" charset="0"/>
-                <a:ea typeface="맑은 고딕" charset="0"/>
-              </a:rPr>
-              <a:t> </a:t>
-            </a:r>
-            <a:r>
-              <a:rPr sz="1800">
-                <a:latin typeface="맑은 고딕" charset="0"/>
-                <a:ea typeface="맑은 고딕" charset="0"/>
-              </a:rPr>
-              <a:t>이</a:t>
-            </a:r>
-            <a:r>
-              <a:rPr lang="ko-KR" sz="1800">
-                <a:latin typeface="맑은 고딕" charset="0"/>
-                <a:ea typeface="맑은 고딕" charset="0"/>
-              </a:rPr>
-              <a:t>제 빈 게임 오브젝트를 생성한 다음 Arrive Point로 이름을 정의합니다</a:t>
-            </a:r>
-            <a:r>
-              <a:rPr lang="ko-KR" sz="1800">
-                <a:latin typeface="맑은 고딕" charset="0"/>
-                <a:ea typeface="맑은 고딕" charset="0"/>
-              </a:rPr>
-              <a:t>.</a:t>
-            </a:r>
-            <a:endParaRPr lang="ko-KR" altLang="en-US" sz="1800">
-              <a:latin typeface="맑은 고딕" charset="0"/>
-              <a:ea typeface="맑은 고딕" charset="0"/>
-            </a:endParaRPr>
-          </a:p>
-        </p:txBody>
-      </p:sp>
-      <p:pic>
-        <p:nvPicPr>
-          <p:cNvPr id="1195" name="그림 45" descr="C:/Users/Admin1/AppData/Roaming/PolarisOffice/ETemp/2392_18456704/fImage47262148145.png"/>
-          <p:cNvPicPr>
-            <a:picLocks noChangeAspect="1"/>
-          </p:cNvPicPr>
-          <p:nvPr/>
-        </p:nvPicPr>
-        <p:blipFill rotWithShape="1">
-          <a:blip r:embed="rId12" cstate="print">
-            <a:extLst>
-              <a:ext uri="{28A0092B-C50C-407E-A947-70E740481C1C}">
-                <a14:useLocalDpi xmlns:a14="http://schemas.microsoft.com/office/drawing/2010/main" val="0"/>
-              </a:ext>
-            </a:extLst>
-          </a:blip>
-          <a:stretch>
-            <a:fillRect/>
-          </a:stretch>
-        </p:blipFill>
-        <p:spPr>
-          <a:xfrm rot="0">
-            <a:off x="6829425" y="1266825"/>
-            <a:ext cx="4077335" cy="1772285"/>
-          </a:xfrm>
-          <a:prstGeom prst="roundRect"/>
-          <a:solidFill>
-            <a:srgbClr val="EDEDED"/>
-          </a:solidFill>
-        </p:spPr>
-      </p:pic>
-      <p:pic>
-        <p:nvPicPr>
-          <p:cNvPr id="1196" name="그림 48" descr="C:/Users/Admin1/AppData/Roaming/PolarisOffice/ETemp/2392_18456704/fImage20042153281.png"/>
-          <p:cNvPicPr>
-            <a:picLocks noChangeAspect="1"/>
-          </p:cNvPicPr>
-          <p:nvPr/>
-        </p:nvPicPr>
-        <p:blipFill rotWithShape="1">
-          <a:blip r:embed="rId13" cstate="print">
-            <a:extLst>
-              <a:ext uri="{28A0092B-C50C-407E-A947-70E740481C1C}">
-                <a14:useLocalDpi xmlns:a14="http://schemas.microsoft.com/office/drawing/2010/main" val="0"/>
-              </a:ext>
-            </a:extLst>
-          </a:blip>
-          <a:stretch>
-            <a:fillRect/>
-          </a:stretch>
-        </p:blipFill>
-        <p:spPr>
-          <a:xfrm rot="0">
-            <a:off x="6829425" y="4333875"/>
-            <a:ext cx="4067810" cy="991235"/>
-          </a:xfrm>
-          <a:prstGeom prst="roundRect"/>
-          <a:solidFill>
-            <a:srgbClr val="EDEDED"/>
-          </a:solidFill>
-        </p:spPr>
-      </p:pic>
-      <p:sp>
-        <p:nvSpPr>
-          <p:cNvPr id="1197" name="텍스트 상자 51"/>
-          <p:cNvSpPr txBox="1">
-            <a:spLocks/>
-          </p:cNvSpPr>
-          <p:nvPr/>
-        </p:nvSpPr>
-        <p:spPr>
-          <a:xfrm rot="0">
-            <a:off x="6831330" y="5473065"/>
-            <a:ext cx="4080510" cy="647065"/>
-          </a:xfrm>
-          <a:prstGeom prst="rect"/>
-          <a:noFill/>
-          <a:ln w="0">
-            <a:noFill/>
-            <a:prstDash/>
-          </a:ln>
-        </p:spPr>
-        <p:txBody>
-          <a:bodyPr wrap="square" lIns="89535" tIns="46355" rIns="89535" bIns="46355" numCol="1" vert="horz" anchor="t">
-            <a:spAutoFit/>
-          </a:bodyPr>
-          <a:lstStyle/>
-          <a:p>
-            <a:pPr marL="0" indent="0" rtl="0" algn="l" defTabSz="914400" eaLnBrk="1" latinLnBrk="0" hangingPunct="1">
-              <a:buFontTx/>
-              <a:buNone/>
-            </a:pPr>
-            <a:r>
-              <a:rPr lang="ko-KR" sz="1800" b="1">
-                <a:solidFill>
-                  <a:srgbClr val="0611F2"/>
-                </a:solidFill>
-                <a:latin typeface="맑은 고딕" charset="0"/>
-                <a:ea typeface="맑은 고딕" charset="0"/>
-              </a:rPr>
-              <a:t>1</a:t>
-            </a:r>
-            <a:r>
-              <a:rPr lang="ko-KR" sz="1800" b="1">
-                <a:solidFill>
-                  <a:srgbClr val="0611F2"/>
-                </a:solidFill>
-                <a:latin typeface="맑은 고딕" charset="0"/>
-                <a:ea typeface="맑은 고딕" charset="0"/>
-              </a:rPr>
-              <a:t>2</a:t>
-            </a:r>
-            <a:r>
-              <a:rPr sz="1800" b="1">
-                <a:solidFill>
-                  <a:srgbClr val="0611F2"/>
-                </a:solidFill>
-                <a:latin typeface="맑은 고딕" charset="0"/>
-                <a:ea typeface="맑은 고딕" charset="0"/>
-              </a:rPr>
-              <a:t>.</a:t>
-            </a:r>
-            <a:r>
-              <a:rPr sz="1800">
-                <a:latin typeface="맑은 고딕" charset="0"/>
-                <a:ea typeface="맑은 고딕" charset="0"/>
-              </a:rPr>
-              <a:t> </a:t>
-            </a:r>
-            <a:r>
-              <a:rPr lang="ko-KR" sz="1800">
-                <a:latin typeface="맑은 고딕" charset="0"/>
-                <a:ea typeface="맑은 고딕" charset="0"/>
-              </a:rPr>
-              <a:t>그다음으로 Update( ) 함수에서 방향 변수를 도착 지점을 설정합니다.</a:t>
-            </a:r>
-            <a:endParaRPr lang="ko-KR" altLang="en-US" sz="1800">
-              <a:latin typeface="맑은 고딕" charset="0"/>
-              <a:ea typeface="맑은 고딕" charset="0"/>
-            </a:endParaRPr>
-          </a:p>
-        </p:txBody>
-      </p:sp>
     </p:spTree>
   </p:cSld>
   <p:clrMapOvr>
@@ -9971,7 +10387,7 @@
         <p:spPr>
           <a:xfrm rot="0">
             <a:off x="4943475" y="346075"/>
-            <a:ext cx="2306955" cy="478155"/>
+            <a:ext cx="2448560" cy="478155"/>
           </a:xfrm>
           <a:prstGeom prst="rect"/>
           <a:noFill/>
@@ -10022,7 +10438,7 @@
       </p:sp>
       <p:sp>
         <p:nvSpPr>
-          <p:cNvPr id="1188" name="텍스트 상자 72"/>
+          <p:cNvPr id="1181" name="Rect 0"/>
           <p:cNvSpPr txBox="1">
             <a:spLocks/>
           </p:cNvSpPr>
@@ -10030,8 +10446,8 @@
         </p:nvSpPr>
         <p:spPr>
           <a:xfrm rot="0">
-            <a:off x="1304925" y="4594860"/>
-            <a:ext cx="4058285" cy="1477645"/>
+            <a:off x="6826250" y="2972435"/>
+            <a:ext cx="4081145" cy="647065"/>
           </a:xfrm>
           <a:prstGeom prst="rect"/>
           <a:noFill/>
@@ -10051,6 +10467,26 @@
               <a:buNone/>
             </a:pPr>
             <a:r>
+              <a:rPr lang="ko-KR" sz="1800" b="1">
+                <a:solidFill>
+                  <a:srgbClr val="0611F2"/>
+                </a:solidFill>
+                <a:latin typeface="맑은 고딕" charset="0"/>
+                <a:ea typeface="맑은 고딕" charset="0"/>
+              </a:rPr>
+              <a:t>1</a:t>
+            </a:r>
+            <a:r>
+              <a:rPr lang="ko-KR" sz="1800" b="1">
+                <a:solidFill>
+                  <a:srgbClr val="0611F2"/>
+                </a:solidFill>
+                <a:latin typeface="맑은 고딕" charset="0"/>
+                <a:ea typeface="맑은 고딕" charset="0"/>
+              </a:rPr>
+              <a:t>3</a:t>
+            </a:r>
+            <a:r>
               <a:rPr sz="1800" b="1">
                 <a:solidFill>
                   <a:srgbClr val="0611F2"/>
@@ -10058,26 +10494,6 @@
                 <a:latin typeface="맑은 고딕" charset="0"/>
                 <a:ea typeface="맑은 고딕" charset="0"/>
               </a:rPr>
-              <a:t>1</a:t>
-            </a:r>
-            <a:r>
-              <a:rPr sz="1800" b="1">
-                <a:solidFill>
-                  <a:srgbClr val="0611F2"/>
-                </a:solidFill>
-                <a:latin typeface="맑은 고딕" charset="0"/>
-                <a:ea typeface="맑은 고딕" charset="0"/>
-              </a:rPr>
-              <a:t>3</a:t>
-            </a:r>
-            <a:r>
-              <a:rPr sz="1800" b="1">
-                <a:solidFill>
-                  <a:srgbClr val="0611F2"/>
-                </a:solidFill>
-                <a:latin typeface="맑은 고딕" charset="0"/>
-                <a:ea typeface="맑은 고딕" charset="0"/>
-              </a:rPr>
               <a:t>.</a:t>
             </a:r>
             <a:r>
@@ -10092,59 +10508,263 @@
                 <a:latin typeface="맑은 고딕" charset="0"/>
                 <a:ea typeface="맑은 고딕" charset="0"/>
               </a:rPr>
-              <a:t>그</a:t>
+              <a:t>그리고 Arrival </a:t>
             </a:r>
             <a:r>
               <a:rPr lang="ko-KR" sz="1800">
                 <a:latin typeface="맑은 고딕" charset="0"/>
                 <a:ea typeface="맑은 고딕" charset="0"/>
               </a:rPr>
-              <a:t>런 다음 3D Object를 선택하고 Cube를 2개 생성합니다.</a:t>
+              <a:t>Point 오브젝트의 위치를 설정합니다.</a:t>
             </a:r>
             <a:endParaRPr lang="ko-KR" altLang="en-US" sz="1800">
               <a:latin typeface="맑은 고딕" charset="0"/>
               <a:ea typeface="맑은 고딕" charset="0"/>
             </a:endParaRPr>
           </a:p>
-          <a:p>
-            <a:pPr marL="0" indent="0" rtl="0" algn="l" defTabSz="914400" eaLnBrk="1" latinLnBrk="0" hangingPunct="1">
-              <a:buFontTx/>
-              <a:buNone/>
-            </a:pPr>
-            <a:endParaRPr lang="ko-KR" altLang="en-US" sz="1800">
-              <a:latin typeface="맑은 고딕" charset="0"/>
-              <a:ea typeface="맑은 고딕" charset="0"/>
-            </a:endParaRPr>
-          </a:p>
-          <a:p>
-            <a:pPr marL="0" indent="0" rtl="0" algn="l" defTabSz="914400" eaLnBrk="1" latinLnBrk="0" hangingPunct="1">
-              <a:buFontTx/>
-              <a:buNone/>
-            </a:pPr>
-            <a:r>
-              <a:rPr lang="ko-KR" sz="1800">
-                <a:latin typeface="맑은 고딕" charset="0"/>
-                <a:ea typeface="맑은 고딕" charset="0"/>
-              </a:rPr>
-              <a:t>그리고 Right Wall과 Left Wall이라는 이름으로 각각 정의합니다. </a:t>
-            </a:r>
-            <a:endParaRPr lang="ko-KR" altLang="en-US" sz="1800">
-              <a:latin typeface="맑은 고딕" charset="0"/>
-              <a:ea typeface="맑은 고딕" charset="0"/>
-            </a:endParaRPr>
-          </a:p>
         </p:txBody>
       </p:sp>
       <p:pic>
         <p:nvPicPr>
-          <p:cNvPr id="1189" name="그림 52" descr="C:/Users/Admin1/AppData/Roaming/PolarisOffice/ETemp/2392_18456704/fImage44132176827.png"/>
+          <p:cNvPr id="1193" name="그림 41" descr="C:/Users/Admin1/AppData/Roaming/PolarisOffice/ETemp/20556_22124416/fImage85062125705.png"/>
           <p:cNvPicPr>
             <a:picLocks noChangeAspect="1"/>
           </p:cNvPicPr>
           <p:nvPr/>
         </p:nvPicPr>
         <p:blipFill rotWithShape="1">
-          <a:blip r:embed="rId6" cstate="print">
+          <a:blip r:embed="rId11" cstate="hqprint">
+            <a:extLst>
+              <a:ext uri="{28A0092B-C50C-407E-A947-70E740481C1C}">
+                <a14:useLocalDpi xmlns:a14="http://schemas.microsoft.com/office/drawing/2010/main"/>
+              </a:ext>
+            </a:extLst>
+          </a:blip>
+          <a:stretch>
+            <a:fillRect/>
+          </a:stretch>
+        </p:blipFill>
+        <p:spPr>
+          <a:xfrm rot="0">
+            <a:off x="1414145" y="1381125"/>
+            <a:ext cx="2406015" cy="3668395"/>
+          </a:xfrm>
+          <a:prstGeom prst="roundRect"/>
+          <a:solidFill>
+            <a:srgbClr val="EDEDED"/>
+          </a:solidFill>
+        </p:spPr>
+      </p:pic>
+      <p:sp>
+        <p:nvSpPr>
+          <p:cNvPr id="1194" name="텍스트 상자 44"/>
+          <p:cNvSpPr txBox="1">
+            <a:spLocks/>
+          </p:cNvSpPr>
+          <p:nvPr/>
+        </p:nvSpPr>
+        <p:spPr>
+          <a:xfrm rot="0">
+            <a:off x="1405255" y="5200015"/>
+            <a:ext cx="3957955" cy="923925"/>
+          </a:xfrm>
+          <a:prstGeom prst="rect"/>
+          <a:noFill/>
+          <a:ln w="0">
+            <a:noFill/>
+            <a:prstDash/>
+          </a:ln>
+        </p:spPr>
+        <p:txBody>
+          <a:bodyPr wrap="square" lIns="89535" tIns="46355" rIns="89535" bIns="46355" numCol="1" vert="horz" anchor="t">
+            <a:spAutoFit/>
+          </a:bodyPr>
+          <a:lstStyle/>
+          <a:p>
+            <a:pPr marL="0" indent="0" rtl="0" algn="l" defTabSz="914400" eaLnBrk="1" latinLnBrk="0" hangingPunct="1">
+              <a:buFontTx/>
+              <a:buNone/>
+            </a:pPr>
+            <a:r>
+              <a:rPr lang="ko-KR" sz="1800" b="1">
+                <a:solidFill>
+                  <a:srgbClr val="0611F2"/>
+                </a:solidFill>
+                <a:latin typeface="맑은 고딕" charset="0"/>
+                <a:ea typeface="맑은 고딕" charset="0"/>
+              </a:rPr>
+              <a:t>1</a:t>
+            </a:r>
+            <a:r>
+              <a:rPr lang="ko-KR" sz="1800" b="1">
+                <a:solidFill>
+                  <a:srgbClr val="0611F2"/>
+                </a:solidFill>
+                <a:latin typeface="맑은 고딕" charset="0"/>
+                <a:ea typeface="맑은 고딕" charset="0"/>
+              </a:rPr>
+              <a:t>2</a:t>
+            </a:r>
+            <a:r>
+              <a:rPr sz="1800" b="1">
+                <a:solidFill>
+                  <a:srgbClr val="0611F2"/>
+                </a:solidFill>
+                <a:latin typeface="맑은 고딕" charset="0"/>
+                <a:ea typeface="맑은 고딕" charset="0"/>
+              </a:rPr>
+              <a:t>.</a:t>
+            </a:r>
+            <a:r>
+              <a:rPr sz="1800">
+                <a:latin typeface="맑은 고딕" charset="0"/>
+                <a:ea typeface="맑은 고딕" charset="0"/>
+              </a:rPr>
+              <a:t> </a:t>
+            </a:r>
+            <a:r>
+              <a:rPr lang="ko-KR" sz="1800">
+                <a:latin typeface="맑은 고딕" charset="0"/>
+                <a:ea typeface="맑은 고딕" charset="0"/>
+              </a:rPr>
+              <a:t>마지막으로</a:t>
+            </a:r>
+            <a:r>
+              <a:rPr lang="ko-KR" sz="1800">
+                <a:latin typeface="맑은 고딕" charset="0"/>
+                <a:ea typeface="맑은 고딕" charset="0"/>
+              </a:rPr>
+              <a:t> 빈 게임 오브젝트를 생성한 다음 Arrive Point로 이름을 정의합니다.</a:t>
+            </a:r>
+            <a:endParaRPr lang="ko-KR" altLang="en-US" sz="1800">
+              <a:latin typeface="맑은 고딕" charset="0"/>
+              <a:ea typeface="맑은 고딕" charset="0"/>
+            </a:endParaRPr>
+          </a:p>
+        </p:txBody>
+      </p:sp>
+      <p:pic>
+        <p:nvPicPr>
+          <p:cNvPr id="1196" name="그림 48" descr="C:/Users/Admin1/AppData/Roaming/PolarisOffice/ETemp/20556_22124416/fImage20042153281.png"/>
+          <p:cNvPicPr>
+            <a:picLocks noChangeAspect="1"/>
+          </p:cNvPicPr>
+          <p:nvPr/>
+        </p:nvPicPr>
+        <p:blipFill rotWithShape="1">
+          <a:blip r:embed="rId13" cstate="hqprint">
+            <a:extLst>
+              <a:ext uri="{28A0092B-C50C-407E-A947-70E740481C1C}">
+                <a14:useLocalDpi xmlns:a14="http://schemas.microsoft.com/office/drawing/2010/main"/>
+              </a:ext>
+            </a:extLst>
+          </a:blip>
+          <a:stretch>
+            <a:fillRect/>
+          </a:stretch>
+        </p:blipFill>
+        <p:spPr>
+          <a:xfrm rot="0">
+            <a:off x="6829425" y="3810000"/>
+            <a:ext cx="4068445" cy="1515745"/>
+          </a:xfrm>
+          <a:prstGeom prst="roundRect"/>
+          <a:solidFill>
+            <a:srgbClr val="EDEDED"/>
+          </a:solidFill>
+        </p:spPr>
+      </p:pic>
+      <p:sp>
+        <p:nvSpPr>
+          <p:cNvPr id="1197" name="텍스트 상자 51"/>
+          <p:cNvSpPr txBox="1">
+            <a:spLocks/>
+          </p:cNvSpPr>
+          <p:nvPr/>
+        </p:nvSpPr>
+        <p:spPr>
+          <a:xfrm>
+            <a:off x="6831330" y="5473065"/>
+            <a:ext cx="4081145" cy="647065"/>
+          </a:xfrm>
+          <a:prstGeom prst="rect"/>
+          <a:noFill/>
+          <a:ln w="0">
+            <a:noFill/>
+            <a:prstDash/>
+          </a:ln>
+        </p:spPr>
+        <p:txBody>
+          <a:bodyPr wrap="square" lIns="89535" tIns="46355" rIns="89535" bIns="46355" numCol="1" vert="horz" anchor="t">
+            <a:spAutoFit/>
+          </a:bodyPr>
+          <a:lstStyle/>
+          <a:p>
+            <a:pPr marL="0" indent="0" rtl="0" algn="l" defTabSz="914400" eaLnBrk="1" latinLnBrk="0" hangingPunct="1">
+              <a:buFontTx/>
+              <a:buNone/>
+            </a:pPr>
+            <a:r>
+              <a:rPr lang="ko-KR" sz="1800" b="1">
+                <a:solidFill>
+                  <a:srgbClr val="0611F2"/>
+                </a:solidFill>
+                <a:latin typeface="맑은 고딕" charset="0"/>
+                <a:ea typeface="맑은 고딕" charset="0"/>
+              </a:rPr>
+              <a:t>1</a:t>
+            </a:r>
+            <a:r>
+              <a:rPr lang="ko-KR" sz="1800" b="1">
+                <a:solidFill>
+                  <a:srgbClr val="0611F2"/>
+                </a:solidFill>
+                <a:latin typeface="맑은 고딕" charset="0"/>
+                <a:ea typeface="맑은 고딕" charset="0"/>
+              </a:rPr>
+              <a:t>4</a:t>
+            </a:r>
+            <a:r>
+              <a:rPr sz="1800" b="1">
+                <a:solidFill>
+                  <a:srgbClr val="0611F2"/>
+                </a:solidFill>
+                <a:latin typeface="맑은 고딕" charset="0"/>
+                <a:ea typeface="맑은 고딕" charset="0"/>
+              </a:rPr>
+              <a:t>.</a:t>
+            </a:r>
+            <a:r>
+              <a:rPr sz="1800">
+                <a:latin typeface="맑은 고딕" charset="0"/>
+                <a:ea typeface="맑은 고딕" charset="0"/>
+              </a:rPr>
+              <a:t> </a:t>
+            </a:r>
+            <a:r>
+              <a:rPr lang="ko-KR" sz="1800">
+                <a:latin typeface="맑은 고딕" charset="0"/>
+                <a:ea typeface="맑은 고딕" charset="0"/>
+              </a:rPr>
+              <a:t>그다음으로 Update( ) 함수에서 방향 변수를 도착 지점을 설정합니다.</a:t>
+            </a:r>
+            <a:endParaRPr lang="ko-KR" altLang="en-US" sz="1800">
+              <a:latin typeface="맑은 고딕" charset="0"/>
+              <a:ea typeface="맑은 고딕" charset="0"/>
+            </a:endParaRPr>
+          </a:p>
+        </p:txBody>
+      </p:sp>
+      <p:pic>
+        <p:nvPicPr>
+          <p:cNvPr id="1198" name="그림 21" descr="C:/Users/Admin1/AppData/Roaming/PolarisOffice/ETemp/20556_22124416/fImage54192976334.png"/>
+          <p:cNvPicPr>
+            <a:picLocks noChangeAspect="1"/>
+          </p:cNvPicPr>
+          <p:nvPr/>
+        </p:nvPicPr>
+        <p:blipFill rotWithShape="1">
+          <a:blip r:embed="rId14" cstate="print">
             <a:extLst>
               <a:ext uri="{28A0092B-C50C-407E-A947-70E740481C1C}">
                 <a14:useLocalDpi xmlns:a14="http://schemas.microsoft.com/office/drawing/2010/main" val="0"/>
@@ -10157,8 +10777,8 @@
         </p:blipFill>
         <p:spPr>
           <a:xfrm rot="0">
-            <a:off x="4052570" y="1995170"/>
-            <a:ext cx="1310640" cy="1510665"/>
+            <a:off x="4010025" y="2009775"/>
+            <a:ext cx="1362710" cy="2315210"/>
           </a:xfrm>
           <a:prstGeom prst="roundRect"/>
           <a:solidFill>
@@ -10168,45 +10788,14 @@
       </p:pic>
       <p:pic>
         <p:nvPicPr>
-          <p:cNvPr id="1190" name="그림 56" descr="C:/Users/Admin1/AppData/Roaming/PolarisOffice/ETemp/2392_18456704/fImage161052209961.png"/>
+          <p:cNvPr id="1199" name="그림 28" descr="C:/Users/Admin1/AppData/Roaming/PolarisOffice/ETemp/20556_22124416/fImage123683006500.png"/>
           <p:cNvPicPr>
             <a:picLocks noChangeAspect="1"/>
           </p:cNvPicPr>
           <p:nvPr/>
         </p:nvPicPr>
         <p:blipFill rotWithShape="1">
-          <a:blip r:embed="rId7" cstate="hqprint">
-            <a:extLst>
-              <a:ext uri="{28A0092B-C50C-407E-A947-70E740481C1C}">
-                <a14:useLocalDpi xmlns:a14="http://schemas.microsoft.com/office/drawing/2010/main"/>
-              </a:ext>
-            </a:extLst>
-          </a:blip>
-          <a:stretch>
-            <a:fillRect/>
-          </a:stretch>
-        </p:blipFill>
-        <p:spPr>
-          <a:xfrm rot="0">
-            <a:off x="1313815" y="1143000"/>
-            <a:ext cx="2392045" cy="3220085"/>
-          </a:xfrm>
-          <a:prstGeom prst="roundRect"/>
-          <a:solidFill>
-            <a:srgbClr val="EDEDED"/>
-          </a:solidFill>
-        </p:spPr>
-      </p:pic>
-      <p:pic>
-        <p:nvPicPr>
-          <p:cNvPr id="1192" name="그림 82" descr="C:/Users/Admin1/AppData/Roaming/PolarisOffice/ETemp/2392_18456704/fImage12025244491.png"/>
-          <p:cNvPicPr>
-            <a:picLocks noChangeAspect="1"/>
-          </p:cNvPicPr>
-          <p:nvPr/>
-        </p:nvPicPr>
-        <p:blipFill rotWithShape="1">
-          <a:blip r:embed="rId8" cstate="print">
+          <a:blip r:embed="rId15" cstate="print">
             <a:extLst>
               <a:ext uri="{28A0092B-C50C-407E-A947-70E740481C1C}">
                 <a14:useLocalDpi xmlns:a14="http://schemas.microsoft.com/office/drawing/2010/main" val="0"/>
@@ -10219,8 +10808,8 @@
         </p:blipFill>
         <p:spPr>
           <a:xfrm rot="0">
-            <a:off x="6829425" y="2590800"/>
-            <a:ext cx="4105910" cy="1267460"/>
+            <a:off x="6838950" y="1371600"/>
+            <a:ext cx="4081780" cy="1429385"/>
           </a:xfrm>
           <a:prstGeom prst="roundRect"/>
           <a:solidFill>
@@ -10228,159 +10817,6 @@
           </a:solidFill>
         </p:spPr>
       </p:pic>
-      <p:pic>
-        <p:nvPicPr>
-          <p:cNvPr id="1193" name="그림 85" descr="C:/Users/Admin1/AppData/Roaming/PolarisOffice/ETemp/2392_18456704/fImage121772452995.png"/>
-          <p:cNvPicPr>
-            <a:picLocks noChangeAspect="1"/>
-          </p:cNvPicPr>
-          <p:nvPr/>
-        </p:nvPicPr>
-        <p:blipFill rotWithShape="1">
-          <a:blip r:embed="rId9" cstate="print">
-            <a:extLst>
-              <a:ext uri="{28A0092B-C50C-407E-A947-70E740481C1C}">
-                <a14:useLocalDpi xmlns:a14="http://schemas.microsoft.com/office/drawing/2010/main" val="0"/>
-              </a:ext>
-            </a:extLst>
-          </a:blip>
-          <a:stretch>
-            <a:fillRect/>
-          </a:stretch>
-        </p:blipFill>
-        <p:spPr>
-          <a:xfrm rot="0">
-            <a:off x="6829425" y="1143000"/>
-            <a:ext cx="4105910" cy="1276985"/>
-          </a:xfrm>
-          <a:prstGeom prst="roundRect"/>
-          <a:solidFill>
-            <a:srgbClr val="EDEDED"/>
-          </a:solidFill>
-        </p:spPr>
-      </p:pic>
-      <p:sp>
-        <p:nvSpPr>
-          <p:cNvPr id="1194" name="텍스트 상자 88"/>
-          <p:cNvSpPr txBox="1">
-            <a:spLocks/>
-          </p:cNvSpPr>
-          <p:nvPr/>
-        </p:nvSpPr>
-        <p:spPr>
-          <a:xfrm rot="0">
-            <a:off x="6815455" y="4037965"/>
-            <a:ext cx="4119880" cy="2031365"/>
-          </a:xfrm>
-          <a:prstGeom prst="rect"/>
-          <a:noFill/>
-          <a:ln w="0">
-            <a:noFill/>
-            <a:prstDash/>
-          </a:ln>
-        </p:spPr>
-        <p:txBody>
-          <a:bodyPr wrap="square" lIns="89535" tIns="46355" rIns="89535" bIns="46355" numCol="1" vert="horz" anchor="t">
-            <a:spAutoFit/>
-          </a:bodyPr>
-          <a:lstStyle/>
-          <a:p>
-            <a:pPr marL="0" indent="0" rtl="0" algn="l" defTabSz="914400" eaLnBrk="1" latinLnBrk="0" hangingPunct="1">
-              <a:buFontTx/>
-              <a:buNone/>
-            </a:pPr>
-            <a:r>
-              <a:rPr sz="1800" b="1">
-                <a:solidFill>
-                  <a:srgbClr val="0611F2"/>
-                </a:solidFill>
-                <a:latin typeface="맑은 고딕" charset="0"/>
-                <a:ea typeface="맑은 고딕" charset="0"/>
-              </a:rPr>
-              <a:t>1</a:t>
-            </a:r>
-            <a:r>
-              <a:rPr lang="ko-KR" sz="1800" b="1">
-                <a:solidFill>
-                  <a:srgbClr val="0611F2"/>
-                </a:solidFill>
-                <a:latin typeface="맑은 고딕" charset="0"/>
-                <a:ea typeface="맑은 고딕" charset="0"/>
-              </a:rPr>
-              <a:t>4</a:t>
-            </a:r>
-            <a:r>
-              <a:rPr sz="1800" b="1">
-                <a:solidFill>
-                  <a:srgbClr val="0611F2"/>
-                </a:solidFill>
-                <a:latin typeface="맑은 고딕" charset="0"/>
-                <a:ea typeface="맑은 고딕" charset="0"/>
-              </a:rPr>
-              <a:t>.</a:t>
-            </a:r>
-            <a:r>
-              <a:rPr sz="1800">
-                <a:latin typeface="맑은 고딕" charset="0"/>
-                <a:ea typeface="맑은 고딕" charset="0"/>
-              </a:rPr>
-              <a:t> </a:t>
-            </a:r>
-            <a:r>
-              <a:rPr lang="ko-KR" sz="1800">
-                <a:latin typeface="맑은 고딕" charset="0"/>
-                <a:ea typeface="맑은 고딕" charset="0"/>
-              </a:rPr>
-              <a:t>그</a:t>
-            </a:r>
-            <a:r>
-              <a:rPr lang="ko-KR" sz="1800">
-                <a:latin typeface="맑은 고딕" charset="0"/>
-                <a:ea typeface="맑은 고딕" charset="0"/>
-              </a:rPr>
-              <a:t>다음 Right Wall 오브젝트와 Left Wall 오브젝트의 위치와 크기 값을 설정합니다.</a:t>
-            </a:r>
-            <a:endParaRPr lang="ko-KR" altLang="en-US" sz="1800">
-              <a:latin typeface="맑은 고딕" charset="0"/>
-              <a:ea typeface="맑은 고딕" charset="0"/>
-            </a:endParaRPr>
-          </a:p>
-          <a:p>
-            <a:pPr marL="0" indent="0" rtl="0" algn="l" defTabSz="914400" eaLnBrk="1" latinLnBrk="0" hangingPunct="1">
-              <a:buFontTx/>
-              <a:buNone/>
-            </a:pPr>
-            <a:endParaRPr lang="ko-KR" altLang="en-US" sz="1800">
-              <a:latin typeface="맑은 고딕" charset="0"/>
-              <a:ea typeface="맑은 고딕" charset="0"/>
-            </a:endParaRPr>
-          </a:p>
-          <a:p>
-            <a:pPr marL="0" indent="0" rtl="0" algn="l" defTabSz="914400" eaLnBrk="1" latinLnBrk="0" hangingPunct="1">
-              <a:buFontTx/>
-              <a:buNone/>
-            </a:pPr>
-            <a:r>
-              <a:rPr lang="ko-KR" sz="1800">
-                <a:latin typeface="맑은 고딕" charset="0"/>
-                <a:ea typeface="맑은 고딕" charset="0"/>
-              </a:rPr>
-              <a:t>마지막으로 Right Wall 오브젝트와 Left Wall 오브젝트에</a:t>
-            </a:r>
-            <a:r>
-              <a:rPr lang="ko-KR" sz="1800">
-                <a:latin typeface="맑은 고딕" charset="0"/>
-                <a:ea typeface="맑은 고딕" charset="0"/>
-              </a:rPr>
-              <a:t> Navigation Static을 선택합니다.</a:t>
-            </a:r>
-            <a:endParaRPr lang="ko-KR" altLang="en-US" sz="1800">
-              <a:latin typeface="맑은 고딕" charset="0"/>
-              <a:ea typeface="맑은 고딕" charset="0"/>
-            </a:endParaRPr>
-          </a:p>
-        </p:txBody>
-      </p:sp>
     </p:spTree>
   </p:cSld>
   <p:clrMapOvr>
@@ -10431,8 +10867,8 @@
         </p:nvSpPr>
         <p:spPr>
           <a:xfrm rot="0">
-            <a:off x="4804410" y="346075"/>
-            <a:ext cx="2593975" cy="478155"/>
+            <a:off x="4905375" y="346075"/>
+            <a:ext cx="2620010" cy="478155"/>
           </a:xfrm>
           <a:prstGeom prst="rect"/>
           <a:noFill/>
@@ -10483,16 +10919,16 @@
       </p:sp>
       <p:sp>
         <p:nvSpPr>
-          <p:cNvPr id="1192" name="Rect 0"/>
+          <p:cNvPr id="1188" name="텍스트 상자 72"/>
           <p:cNvSpPr txBox="1">
             <a:spLocks/>
           </p:cNvSpPr>
           <p:nvPr/>
         </p:nvSpPr>
         <p:spPr>
-          <a:xfrm rot="0">
-            <a:off x="6838950" y="5342255"/>
-            <a:ext cx="3847465" cy="923925"/>
+          <a:xfrm>
+            <a:off x="1304925" y="4594860"/>
+            <a:ext cx="4058920" cy="1477645"/>
           </a:xfrm>
           <a:prstGeom prst="rect"/>
           <a:noFill/>
@@ -10529,7 +10965,7 @@
                 <a:latin typeface="맑은 고딕" charset="0"/>
                 <a:ea typeface="맑은 고딕" charset="0"/>
               </a:rPr>
-              <a:t>7</a:t>
+              <a:t>5</a:t>
             </a:r>
             <a:r>
               <a:rPr sz="1800" b="1">
@@ -10553,67 +10989,83 @@
                 <a:latin typeface="맑은 고딕" charset="0"/>
                 <a:ea typeface="맑은 고딕" charset="0"/>
               </a:rPr>
-              <a:t>그</a:t>
-            </a:r>
-            <a:r>
-              <a:rPr lang="ko-KR" sz="1800">
-                <a:latin typeface="맑은 고딕" charset="0"/>
-                <a:ea typeface="맑은 고딕" charset="0"/>
-              </a:rPr>
-              <a:t>다음</a:t>
-            </a:r>
-            <a:r>
-              <a:rPr lang="ko-KR" sz="1800">
-                <a:latin typeface="맑은 고딕" charset="0"/>
-                <a:ea typeface="맑은 고딕" charset="0"/>
-              </a:rPr>
-              <a:t> NavMeshAgent가 이동</a:t>
-            </a:r>
-            <a:r>
-              <a:rPr lang="ko-KR" sz="1800">
-                <a:latin typeface="맑은 고딕" charset="0"/>
-                <a:ea typeface="맑은 고딕" charset="0"/>
-              </a:rPr>
-              <a:t>할 수 있는 범위를</a:t>
-            </a:r>
-            <a:r>
-              <a:rPr lang="ko-KR" sz="1800">
-                <a:latin typeface="맑은 고딕" charset="0"/>
-                <a:ea typeface="맑은 고딕" charset="0"/>
-              </a:rPr>
-              <a:t> 설정</a:t>
-            </a:r>
-            <a:r>
-              <a:rPr lang="ko-KR" sz="1800">
-                <a:latin typeface="맑은 고딕" charset="0"/>
-                <a:ea typeface="맑은 고딕" charset="0"/>
-              </a:rPr>
-              <a:t>한 상태에서</a:t>
-            </a:r>
-            <a:r>
-              <a:rPr lang="ko-KR" sz="1800">
-                <a:latin typeface="맑은 고딕" charset="0"/>
-                <a:ea typeface="맑은 고딕" charset="0"/>
-              </a:rPr>
-              <a:t> Bake를 선택합니다.</a:t>
+              <a:t>그런 다음 3D Object를 선택하고 Cube를 2개 생성합니다.</a:t>
             </a:r>
             <a:endParaRPr lang="ko-KR" altLang="en-US" sz="1800">
               <a:latin typeface="맑은 고딕" charset="0"/>
               <a:ea typeface="맑은 고딕" charset="0"/>
             </a:endParaRPr>
           </a:p>
+          <a:p>
+            <a:pPr marL="0" indent="0" rtl="0" algn="l" defTabSz="914400" eaLnBrk="1" latinLnBrk="0" hangingPunct="1">
+              <a:buFontTx/>
+              <a:buNone/>
+            </a:pPr>
+            <a:endParaRPr lang="ko-KR" altLang="en-US" sz="1800">
+              <a:latin typeface="맑은 고딕" charset="0"/>
+              <a:ea typeface="맑은 고딕" charset="0"/>
+            </a:endParaRPr>
+          </a:p>
+          <a:p>
+            <a:pPr marL="0" indent="0" rtl="0" algn="l" defTabSz="914400" eaLnBrk="1" latinLnBrk="0" hangingPunct="1">
+              <a:buFontTx/>
+              <a:buNone/>
+            </a:pPr>
+            <a:r>
+              <a:rPr lang="ko-KR" sz="1800">
+                <a:latin typeface="맑은 고딕" charset="0"/>
+                <a:ea typeface="맑은 고딕" charset="0"/>
+              </a:rPr>
+              <a:t>그리고 Right Wall과 Left Wall이라는 이름으로 각각 정의합니다. </a:t>
+            </a:r>
+            <a:endParaRPr lang="ko-KR" altLang="en-US" sz="1800">
+              <a:latin typeface="맑은 고딕" charset="0"/>
+              <a:ea typeface="맑은 고딕" charset="0"/>
+            </a:endParaRPr>
+          </a:p>
         </p:txBody>
       </p:sp>
       <p:pic>
         <p:nvPicPr>
-          <p:cNvPr id="1199" name="그림 127" descr="C:/Users/Admin1/AppData/Roaming/PolarisOffice/ETemp/2392_18456704/fImage243783454827.png"/>
+          <p:cNvPr id="1189" name="그림 52"/>
           <p:cNvPicPr>
             <a:picLocks noChangeAspect="1"/>
           </p:cNvPicPr>
           <p:nvPr/>
         </p:nvPicPr>
         <p:blipFill rotWithShape="1">
-          <a:blip r:embed="rId3" cstate="hqprint">
+          <a:blip r:embed="rId6" cstate="print">
+            <a:extLst>
+              <a:ext uri="{28A0092B-C50C-407E-A947-70E740481C1C}">
+                <a14:useLocalDpi xmlns:a14="http://schemas.microsoft.com/office/drawing/2010/main" val="0"/>
+              </a:ext>
+            </a:extLst>
+          </a:blip>
+          <a:stretch>
+            <a:fillRect/>
+          </a:stretch>
+        </p:blipFill>
+        <p:spPr>
+          <a:xfrm rot="0">
+            <a:off x="4052570" y="1995170"/>
+            <a:ext cx="1310640" cy="1510665"/>
+          </a:xfrm>
+          <a:prstGeom prst="roundRect"/>
+          <a:solidFill>
+            <a:srgbClr val="EDEDED"/>
+          </a:solidFill>
+        </p:spPr>
+      </p:pic>
+      <p:pic>
+        <p:nvPicPr>
+          <p:cNvPr id="1190" name="그림 56"/>
+          <p:cNvPicPr>
+            <a:picLocks noChangeAspect="1"/>
+          </p:cNvPicPr>
+          <p:nvPr/>
+        </p:nvPicPr>
+        <p:blipFill rotWithShape="1">
+          <a:blip r:embed="rId7" cstate="hqprint">
             <a:extLst>
               <a:ext uri="{28A0092B-C50C-407E-A947-70E740481C1C}">
                 <a14:useLocalDpi xmlns:a14="http://schemas.microsoft.com/office/drawing/2010/main"/>
@@ -10626,37 +11078,8 @@
         </p:blipFill>
         <p:spPr>
           <a:xfrm rot="0">
-            <a:off x="6838950" y="1329055"/>
-            <a:ext cx="3837305" cy="3815080"/>
-          </a:xfrm>
-          <a:prstGeom prst="rect"/>
-          <a:noFill/>
-        </p:spPr>
-      </p:pic>
-      <p:pic>
-        <p:nvPicPr>
-          <p:cNvPr id="1200" name="그림 110" descr="C:/Users/Admin1/AppData/Roaming/PolarisOffice/ETemp/2392_18456704/fImage168522681942.png"/>
-          <p:cNvPicPr>
-            <a:picLocks noChangeAspect="1"/>
-          </p:cNvPicPr>
-          <p:nvPr/>
-        </p:nvPicPr>
-        <p:blipFill rotWithShape="1">
-          <a:blip r:embed="rId7" cstate="print">
-            <a:extLst>
-              <a:ext uri="{28A0092B-C50C-407E-A947-70E740481C1C}">
-                <a14:useLocalDpi xmlns:a14="http://schemas.microsoft.com/office/drawing/2010/main" val="0"/>
-              </a:ext>
-            </a:extLst>
-          </a:blip>
-          <a:stretch>
-            <a:fillRect/>
-          </a:stretch>
-        </p:blipFill>
-        <p:spPr>
-          <a:xfrm rot="0">
-            <a:off x="2661920" y="1333500"/>
-            <a:ext cx="2710815" cy="1200785"/>
+            <a:off x="1313815" y="1143000"/>
+            <a:ext cx="2392045" cy="3220085"/>
           </a:xfrm>
           <a:prstGeom prst="roundRect"/>
           <a:solidFill>
@@ -10666,7 +11089,7 @@
       </p:pic>
       <p:pic>
         <p:nvPicPr>
-          <p:cNvPr id="1201" name="그림 111" descr="C:/Users/Admin1/AppData/Roaming/PolarisOffice/ETemp/2392_18456704/fImage44132694827.png"/>
+          <p:cNvPr id="1192" name="그림 82"/>
           <p:cNvPicPr>
             <a:picLocks noChangeAspect="1"/>
           </p:cNvPicPr>
@@ -10686,8 +11109,8 @@
         </p:blipFill>
         <p:spPr>
           <a:xfrm rot="0">
-            <a:off x="1223645" y="1337945"/>
-            <a:ext cx="1310640" cy="1196340"/>
+            <a:off x="6829425" y="2590800"/>
+            <a:ext cx="4105910" cy="1267460"/>
           </a:xfrm>
           <a:prstGeom prst="roundRect"/>
           <a:solidFill>
@@ -10695,209 +11118,19 @@
           </a:solidFill>
         </p:spPr>
       </p:pic>
-      <p:sp>
-        <p:nvSpPr>
-          <p:cNvPr id="1202" name="텍스트 상자 112"/>
-          <p:cNvSpPr txBox="1">
-            <a:spLocks/>
-          </p:cNvSpPr>
-          <p:nvPr/>
-        </p:nvSpPr>
-        <p:spPr>
-          <a:xfrm rot="0">
-            <a:off x="1206500" y="2649220"/>
-            <a:ext cx="4166235" cy="1477645"/>
-          </a:xfrm>
-          <a:prstGeom prst="rect"/>
-          <a:noFill/>
-          <a:ln w="0">
-            <a:noFill/>
-            <a:prstDash/>
-          </a:ln>
-        </p:spPr>
-        <p:txBody>
-          <a:bodyPr wrap="square" lIns="89535" tIns="46355" rIns="89535" bIns="46355" numCol="1" vert="horz" anchor="t">
-            <a:spAutoFit/>
-          </a:bodyPr>
-          <a:lstStyle/>
-          <a:p>
-            <a:pPr marL="0" indent="0" rtl="0" algn="l" defTabSz="914400" eaLnBrk="1" latinLnBrk="0" hangingPunct="1">
-              <a:buFontTx/>
-              <a:buNone/>
-            </a:pPr>
-            <a:r>
-              <a:rPr lang="ko-KR" sz="1800" b="1">
-                <a:solidFill>
-                  <a:srgbClr val="0611F2"/>
-                </a:solidFill>
-                <a:latin typeface="맑은 고딕" charset="0"/>
-                <a:ea typeface="맑은 고딕" charset="0"/>
-              </a:rPr>
-              <a:t>15</a:t>
-            </a:r>
-            <a:r>
-              <a:rPr sz="1800" b="1">
-                <a:solidFill>
-                  <a:srgbClr val="0611F2"/>
-                </a:solidFill>
-                <a:latin typeface="맑은 고딕" charset="0"/>
-                <a:ea typeface="맑은 고딕" charset="0"/>
-              </a:rPr>
-              <a:t>.</a:t>
-            </a:r>
-            <a:r>
-              <a:rPr sz="1800">
-                <a:latin typeface="맑은 고딕" charset="0"/>
-                <a:ea typeface="맑은 고딕" charset="0"/>
-              </a:rPr>
-              <a:t> </a:t>
-            </a:r>
-            <a:r>
-              <a:rPr lang="ko-KR" sz="1800">
-                <a:latin typeface="맑은 고딕" charset="0"/>
-                <a:ea typeface="맑은 고딕" charset="0"/>
-              </a:rPr>
-              <a:t>이제</a:t>
-            </a:r>
-            <a:r>
-              <a:rPr lang="ko-KR" sz="1800">
-                <a:latin typeface="맑은 고딕" charset="0"/>
-                <a:ea typeface="맑은 고딕" charset="0"/>
-              </a:rPr>
-              <a:t> </a:t>
-            </a:r>
-            <a:r>
-              <a:rPr lang="ko-KR" sz="1800">
-                <a:latin typeface="맑은 고딕" charset="0"/>
-                <a:ea typeface="맑은 고딕" charset="0"/>
-              </a:rPr>
-              <a:t>Project 폴더에서 Texture에 Wood 텍스처를 선택합니다.</a:t>
-            </a:r>
-            <a:endParaRPr lang="ko-KR" altLang="en-US" sz="1800">
-              <a:latin typeface="맑은 고딕" charset="0"/>
-              <a:ea typeface="맑은 고딕" charset="0"/>
-            </a:endParaRPr>
-          </a:p>
-          <a:p>
-            <a:pPr marL="0" indent="0" rtl="0" algn="l" defTabSz="914400" eaLnBrk="1" latinLnBrk="0" hangingPunct="1">
-              <a:buFontTx/>
-              <a:buNone/>
-            </a:pPr>
-            <a:endParaRPr lang="ko-KR" altLang="en-US" sz="1800">
-              <a:latin typeface="맑은 고딕" charset="0"/>
-              <a:ea typeface="맑은 고딕" charset="0"/>
-            </a:endParaRPr>
-          </a:p>
-          <a:p>
-            <a:pPr marL="0" indent="0" rtl="0" algn="l" defTabSz="914400" eaLnBrk="1" latinLnBrk="0" hangingPunct="1">
-              <a:buFontTx/>
-              <a:buNone/>
-            </a:pPr>
-            <a:r>
-              <a:rPr lang="ko-KR" sz="1800">
-                <a:latin typeface="맑은 고딕" charset="0"/>
-                <a:ea typeface="맑은 고딕" charset="0"/>
-              </a:rPr>
-              <a:t>그리고 Right Wall 오브젝트와 Left Wall 오브젝트에 넣어줍니다.</a:t>
-            </a:r>
-            <a:endParaRPr lang="ko-KR" altLang="en-US" sz="1800">
-              <a:latin typeface="맑은 고딕" charset="0"/>
-              <a:ea typeface="맑은 고딕" charset="0"/>
-            </a:endParaRPr>
-          </a:p>
-        </p:txBody>
-      </p:sp>
-      <p:sp>
-        <p:nvSpPr>
-          <p:cNvPr id="1203" name="텍스트 상자 129"/>
-          <p:cNvSpPr txBox="1">
-            <a:spLocks/>
-          </p:cNvSpPr>
-          <p:nvPr/>
-        </p:nvSpPr>
-        <p:spPr>
-          <a:xfrm rot="0">
-            <a:off x="1223645" y="5589905"/>
-            <a:ext cx="3943350" cy="677545"/>
-          </a:xfrm>
-          <a:prstGeom prst="rect"/>
-          <a:noFill/>
-          <a:ln w="0">
-            <a:noFill/>
-            <a:prstDash/>
-          </a:ln>
-        </p:spPr>
-        <p:txBody>
-          <a:bodyPr wrap="square" lIns="89535" tIns="46355" rIns="89535" bIns="46355" vert="horz" anchor="t">
-            <a:spAutoFit/>
-          </a:bodyPr>
-          <a:lstStyle/>
-          <a:p>
-            <a:pPr marL="0" indent="0" rtl="0" algn="l" defTabSz="914400" eaLnBrk="1" latinLnBrk="0" hangingPunct="1">
-              <a:buFontTx/>
-              <a:buNone/>
-            </a:pPr>
-            <a:r>
-              <a:rPr sz="2000" b="1">
-                <a:solidFill>
-                  <a:srgbClr val="0611F2"/>
-                </a:solidFill>
-                <a:latin typeface="맑은 고딕" charset="0"/>
-                <a:ea typeface="맑은 고딕" charset="0"/>
-              </a:rPr>
-              <a:t>16</a:t>
-            </a:r>
-            <a:r>
-              <a:rPr sz="2000" b="1">
-                <a:solidFill>
-                  <a:srgbClr val="0611F2"/>
-                </a:solidFill>
-                <a:latin typeface="맑은 고딕" charset="0"/>
-                <a:ea typeface="맑은 고딕" charset="0"/>
-              </a:rPr>
-              <a:t>. </a:t>
-            </a:r>
-            <a:r>
-              <a:rPr sz="1800">
-                <a:latin typeface="맑은 고딕" charset="0"/>
-                <a:ea typeface="맑은 고딕" charset="0"/>
-              </a:rPr>
-              <a:t>그런 다음 </a:t>
-            </a:r>
-            <a:r>
-              <a:rPr lang="ko-KR" sz="1800">
-                <a:latin typeface="맑은 고딕" charset="0"/>
-                <a:ea typeface="맑은 고딕" charset="0"/>
-              </a:rPr>
-              <a:t>Character</a:t>
-            </a:r>
-            <a:r>
-              <a:rPr sz="1800">
-                <a:latin typeface="맑은 고딕" charset="0"/>
-                <a:ea typeface="맑은 고딕" charset="0"/>
-              </a:rPr>
-              <a:t> 오브젝트에 Rigidbody 컴포넌트를 추가합니다.</a:t>
-            </a:r>
-            <a:endParaRPr lang="ko-KR" altLang="en-US" sz="1800">
-              <a:latin typeface="맑은 고딕" charset="0"/>
-              <a:ea typeface="맑은 고딕" charset="0"/>
-            </a:endParaRPr>
-          </a:p>
-        </p:txBody>
-      </p:sp>
       <p:pic>
         <p:nvPicPr>
-          <p:cNvPr id="1204" name="그림 130" descr="C:/Users/Admin1/AppData/Roaming/PolarisOffice/ETemp/2392_18456704/fImage57282885436.png"/>
+          <p:cNvPr id="1193" name="그림 85"/>
           <p:cNvPicPr>
             <a:picLocks noChangeAspect="1"/>
           </p:cNvPicPr>
           <p:nvPr/>
         </p:nvPicPr>
         <p:blipFill rotWithShape="1">
-          <a:blip r:embed="rId9" cstate="hqprint">
+          <a:blip r:embed="rId9" cstate="print">
             <a:extLst>
               <a:ext uri="{28A0092B-C50C-407E-A947-70E740481C1C}">
-                <a14:useLocalDpi xmlns:a14="http://schemas.microsoft.com/office/drawing/2010/main"/>
+                <a14:useLocalDpi xmlns:a14="http://schemas.microsoft.com/office/drawing/2010/main" val="0"/>
               </a:ext>
             </a:extLst>
           </a:blip>
@@ -10907,8 +11140,8 @@
         </p:blipFill>
         <p:spPr>
           <a:xfrm rot="0">
-            <a:off x="1229995" y="4304665"/>
-            <a:ext cx="4133215" cy="1096645"/>
+            <a:off x="6829425" y="1143000"/>
+            <a:ext cx="4105910" cy="1276985"/>
           </a:xfrm>
           <a:prstGeom prst="roundRect"/>
           <a:solidFill>
@@ -10916,6 +11149,114 @@
           </a:solidFill>
         </p:spPr>
       </p:pic>
+      <p:sp>
+        <p:nvSpPr>
+          <p:cNvPr id="1194" name="텍스트 상자 88"/>
+          <p:cNvSpPr txBox="1">
+            <a:spLocks/>
+          </p:cNvSpPr>
+          <p:nvPr/>
+        </p:nvSpPr>
+        <p:spPr>
+          <a:xfrm>
+            <a:off x="6815455" y="4037965"/>
+            <a:ext cx="4120515" cy="2031365"/>
+          </a:xfrm>
+          <a:prstGeom prst="rect"/>
+          <a:noFill/>
+          <a:ln w="0">
+            <a:noFill/>
+            <a:prstDash/>
+          </a:ln>
+        </p:spPr>
+        <p:txBody>
+          <a:bodyPr wrap="square" lIns="89535" tIns="46355" rIns="89535" bIns="46355" numCol="1" vert="horz" anchor="t">
+            <a:spAutoFit/>
+          </a:bodyPr>
+          <a:lstStyle/>
+          <a:p>
+            <a:pPr marL="0" indent="0" rtl="0" algn="l" defTabSz="914400" eaLnBrk="1" latinLnBrk="0" hangingPunct="1">
+              <a:buFontTx/>
+              <a:buNone/>
+            </a:pPr>
+            <a:r>
+              <a:rPr sz="1800" b="1">
+                <a:solidFill>
+                  <a:srgbClr val="0611F2"/>
+                </a:solidFill>
+                <a:latin typeface="맑은 고딕" charset="0"/>
+                <a:ea typeface="맑은 고딕" charset="0"/>
+              </a:rPr>
+              <a:t>1</a:t>
+            </a:r>
+            <a:r>
+              <a:rPr lang="ko-KR" sz="1800" b="1">
+                <a:solidFill>
+                  <a:srgbClr val="0611F2"/>
+                </a:solidFill>
+                <a:latin typeface="맑은 고딕" charset="0"/>
+                <a:ea typeface="맑은 고딕" charset="0"/>
+              </a:rPr>
+              <a:t>6</a:t>
+            </a:r>
+            <a:r>
+              <a:rPr sz="1800" b="1">
+                <a:solidFill>
+                  <a:srgbClr val="0611F2"/>
+                </a:solidFill>
+                <a:latin typeface="맑은 고딕" charset="0"/>
+                <a:ea typeface="맑은 고딕" charset="0"/>
+              </a:rPr>
+              <a:t>.</a:t>
+            </a:r>
+            <a:r>
+              <a:rPr sz="1800">
+                <a:latin typeface="맑은 고딕" charset="0"/>
+                <a:ea typeface="맑은 고딕" charset="0"/>
+              </a:rPr>
+              <a:t> </a:t>
+            </a:r>
+            <a:r>
+              <a:rPr lang="ko-KR" sz="1800">
+                <a:latin typeface="맑은 고딕" charset="0"/>
+                <a:ea typeface="맑은 고딕" charset="0"/>
+              </a:rPr>
+              <a:t>그다음 Right Wall 오브젝트와 Left Wall 오브젝트의 위치와 크기 값을 설정합니다.</a:t>
+            </a:r>
+            <a:endParaRPr lang="ko-KR" altLang="en-US" sz="1800">
+              <a:latin typeface="맑은 고딕" charset="0"/>
+              <a:ea typeface="맑은 고딕" charset="0"/>
+            </a:endParaRPr>
+          </a:p>
+          <a:p>
+            <a:pPr marL="0" indent="0" rtl="0" algn="l" defTabSz="914400" eaLnBrk="1" latinLnBrk="0" hangingPunct="1">
+              <a:buFontTx/>
+              <a:buNone/>
+            </a:pPr>
+            <a:endParaRPr lang="ko-KR" altLang="en-US" sz="1800">
+              <a:latin typeface="맑은 고딕" charset="0"/>
+              <a:ea typeface="맑은 고딕" charset="0"/>
+            </a:endParaRPr>
+          </a:p>
+          <a:p>
+            <a:pPr marL="0" indent="0" rtl="0" algn="l" defTabSz="914400" eaLnBrk="1" latinLnBrk="0" hangingPunct="1">
+              <a:buFontTx/>
+              <a:buNone/>
+            </a:pPr>
+            <a:r>
+              <a:rPr lang="ko-KR" sz="1800">
+                <a:latin typeface="맑은 고딕" charset="0"/>
+                <a:ea typeface="맑은 고딕" charset="0"/>
+              </a:rPr>
+              <a:t>마지막으로 Right Wall 오브젝트와 Left Wall 오브젝트에 Navigation Static을 선택합니다.</a:t>
+            </a:r>
+            <a:endParaRPr lang="ko-KR" altLang="en-US" sz="1800">
+              <a:latin typeface="맑은 고딕" charset="0"/>
+              <a:ea typeface="맑은 고딕" charset="0"/>
+            </a:endParaRPr>
+          </a:p>
+        </p:txBody>
+      </p:sp>
     </p:spTree>
   </p:cSld>
   <p:clrMapOvr>
@@ -10967,7 +11308,7 @@
         <p:spPr>
           <a:xfrm rot="0">
             <a:off x="4804410" y="346075"/>
-            <a:ext cx="2593975" cy="478155"/>
+            <a:ext cx="2768600" cy="478155"/>
           </a:xfrm>
           <a:prstGeom prst="rect"/>
           <a:noFill/>
@@ -10994,17 +11335,7 @@
                 <a:latin typeface="나눔바른고딕" charset="0"/>
                 <a:ea typeface="나눔바른고딕" charset="0"/>
               </a:rPr>
-              <a:t>여섯</a:t>
-            </a:r>
-            <a:r>
-              <a:rPr lang="ko-KR" altLang="en-US" sz="2500" b="1">
-                <a:solidFill>
-                  <a:schemeClr val="tx1"/>
-                </a:solidFill>
-                <a:latin typeface="나눔바른고딕" charset="0"/>
-                <a:ea typeface="나눔바른고딕" charset="0"/>
-              </a:rPr>
-              <a:t> 번째 튜토리얼</a:t>
+              <a:t>다섯 번째 튜토리얼</a:t>
             </a:r>
             <a:endParaRPr lang="ko-KR" altLang="en-US" sz="2500" b="1">
               <a:solidFill>
@@ -11016,9 +11347,119 @@
           </a:p>
         </p:txBody>
       </p:sp>
+      <p:sp>
+        <p:nvSpPr>
+          <p:cNvPr id="1192" name="Rect 0"/>
+          <p:cNvSpPr txBox="1">
+            <a:spLocks/>
+          </p:cNvSpPr>
+          <p:nvPr/>
+        </p:nvSpPr>
+        <p:spPr>
+          <a:xfrm rot="0">
+            <a:off x="6838950" y="5332730"/>
+            <a:ext cx="4077335" cy="923925"/>
+          </a:xfrm>
+          <a:prstGeom prst="rect"/>
+          <a:noFill/>
+          <a:ln w="0">
+            <a:noFill/>
+            <a:prstDash/>
+          </a:ln>
+        </p:spPr>
+        <p:txBody>
+          <a:bodyPr wrap="square" lIns="89535" tIns="46355" rIns="89535" bIns="46355" numCol="1" vert="horz" anchor="t">
+            <a:spAutoFit/>
+          </a:bodyPr>
+          <a:lstStyle/>
+          <a:p>
+            <a:pPr marL="0" indent="0" rtl="0" algn="l" defTabSz="914400" eaLnBrk="1" latinLnBrk="0" hangingPunct="1">
+              <a:buFontTx/>
+              <a:buNone/>
+            </a:pPr>
+            <a:r>
+              <a:rPr sz="1800" b="1">
+                <a:solidFill>
+                  <a:srgbClr val="0611F2"/>
+                </a:solidFill>
+                <a:latin typeface="맑은 고딕" charset="0"/>
+                <a:ea typeface="맑은 고딕" charset="0"/>
+              </a:rPr>
+              <a:t>1</a:t>
+            </a:r>
+            <a:r>
+              <a:rPr sz="1800" b="1">
+                <a:solidFill>
+                  <a:srgbClr val="0611F2"/>
+                </a:solidFill>
+                <a:latin typeface="맑은 고딕" charset="0"/>
+                <a:ea typeface="맑은 고딕" charset="0"/>
+              </a:rPr>
+              <a:t>9</a:t>
+            </a:r>
+            <a:r>
+              <a:rPr sz="1800" b="1">
+                <a:solidFill>
+                  <a:srgbClr val="0611F2"/>
+                </a:solidFill>
+                <a:latin typeface="맑은 고딕" charset="0"/>
+                <a:ea typeface="맑은 고딕" charset="0"/>
+              </a:rPr>
+              <a:t>.</a:t>
+            </a:r>
+            <a:r>
+              <a:rPr sz="1800">
+                <a:latin typeface="맑은 고딕" charset="0"/>
+                <a:ea typeface="맑은 고딕" charset="0"/>
+              </a:rPr>
+              <a:t> </a:t>
+            </a:r>
+            <a:r>
+              <a:rPr lang="ko-KR" sz="1800">
+                <a:latin typeface="맑은 고딕" charset="0"/>
+                <a:ea typeface="맑은 고딕" charset="0"/>
+              </a:rPr>
+              <a:t>그다음 NavMeshAgent가 이동할 수 있는 범위를 설정한 상태에서 Bake를 선택합니다.</a:t>
+            </a:r>
+            <a:endParaRPr lang="ko-KR" altLang="en-US" sz="1800">
+              <a:latin typeface="맑은 고딕" charset="0"/>
+              <a:ea typeface="맑은 고딕" charset="0"/>
+            </a:endParaRPr>
+          </a:p>
+        </p:txBody>
+      </p:sp>
       <p:pic>
         <p:nvPicPr>
-          <p:cNvPr id="1207" name="그림 134" descr="C:/Users/Admin1/AppData/Roaming/PolarisOffice/ETemp/2392_18456704/fImage55542912391.png"/>
+          <p:cNvPr id="1199" name="그림 127" descr="C:/Users/Admin1/AppData/Roaming/PolarisOffice/ETemp/20556_22124416/fImage243783454827.png"/>
+          <p:cNvPicPr>
+            <a:picLocks noChangeAspect="1"/>
+          </p:cNvPicPr>
+          <p:nvPr/>
+        </p:nvPicPr>
+        <p:blipFill rotWithShape="1">
+          <a:blip r:embed="rId3" cstate="hqprint">
+            <a:extLst>
+              <a:ext uri="{28A0092B-C50C-407E-A947-70E740481C1C}">
+                <a14:useLocalDpi xmlns:a14="http://schemas.microsoft.com/office/drawing/2010/main"/>
+              </a:ext>
+            </a:extLst>
+          </a:blip>
+          <a:stretch>
+            <a:fillRect/>
+          </a:stretch>
+        </p:blipFill>
+        <p:spPr>
+          <a:xfrm rot="0">
+            <a:off x="6838950" y="1329055"/>
+            <a:ext cx="4077335" cy="3900805"/>
+          </a:xfrm>
+          <a:prstGeom prst="rect"/>
+          <a:noFill/>
+        </p:spPr>
+      </p:pic>
+      <p:pic>
+        <p:nvPicPr>
+          <p:cNvPr id="1200" name="그림 110"/>
           <p:cNvPicPr>
             <a:picLocks noChangeAspect="1"/>
           </p:cNvPicPr>
@@ -11038,8 +11479,8 @@
         </p:blipFill>
         <p:spPr>
           <a:xfrm rot="0">
-            <a:off x="3790950" y="2847975"/>
-            <a:ext cx="1572260" cy="1467485"/>
+            <a:off x="2661920" y="1333500"/>
+            <a:ext cx="2710815" cy="1200785"/>
           </a:xfrm>
           <a:prstGeom prst="roundRect"/>
           <a:solidFill>
@@ -11047,176 +11488,19 @@
           </a:solidFill>
         </p:spPr>
       </p:pic>
-      <p:sp>
-        <p:nvSpPr>
-          <p:cNvPr id="1208" name="텍스트 상자 137"/>
-          <p:cNvSpPr txBox="1">
-            <a:spLocks/>
-          </p:cNvSpPr>
-          <p:nvPr/>
-        </p:nvSpPr>
-        <p:spPr>
-          <a:xfrm rot="0">
-            <a:off x="1047750" y="4457065"/>
-            <a:ext cx="4315460" cy="1754505"/>
-          </a:xfrm>
-          <a:prstGeom prst="rect"/>
-          <a:noFill/>
-          <a:ln w="0">
-            <a:noFill/>
-            <a:prstDash/>
-          </a:ln>
-        </p:spPr>
-        <p:txBody>
-          <a:bodyPr wrap="square" lIns="89535" tIns="46355" rIns="89535" bIns="46355" numCol="1" vert="horz" anchor="t">
-            <a:spAutoFit/>
-          </a:bodyPr>
-          <a:lstStyle/>
-          <a:p>
-            <a:pPr marL="0" indent="0" rtl="0" algn="l" defTabSz="914400" eaLnBrk="1" latinLnBrk="0" hangingPunct="1">
-              <a:buFontTx/>
-              <a:buNone/>
-            </a:pPr>
-            <a:r>
-              <a:rPr sz="1800" b="1">
-                <a:solidFill>
-                  <a:srgbClr val="0611F2"/>
-                </a:solidFill>
-                <a:latin typeface="맑은 고딕" charset="0"/>
-                <a:ea typeface="맑은 고딕" charset="0"/>
-              </a:rPr>
-              <a:t>1</a:t>
-            </a:r>
-            <a:r>
-              <a:rPr sz="1800" b="1">
-                <a:solidFill>
-                  <a:srgbClr val="0611F2"/>
-                </a:solidFill>
-                <a:latin typeface="맑은 고딕" charset="0"/>
-                <a:ea typeface="맑은 고딕" charset="0"/>
-              </a:rPr>
-              <a:t>8</a:t>
-            </a:r>
-            <a:r>
-              <a:rPr sz="1800" b="1">
-                <a:solidFill>
-                  <a:srgbClr val="0611F2"/>
-                </a:solidFill>
-                <a:latin typeface="맑은 고딕" charset="0"/>
-                <a:ea typeface="맑은 고딕" charset="0"/>
-              </a:rPr>
-              <a:t>.</a:t>
-            </a:r>
-            <a:r>
-              <a:rPr sz="1800">
-                <a:latin typeface="맑은 고딕" charset="0"/>
-                <a:ea typeface="맑은 고딕" charset="0"/>
-              </a:rPr>
-              <a:t> </a:t>
-            </a:r>
-            <a:r>
-              <a:rPr lang="ko-KR" sz="1800">
-                <a:latin typeface="맑은 고딕" charset="0"/>
-                <a:ea typeface="맑은 고딕" charset="0"/>
-              </a:rPr>
-              <a:t>그리고 </a:t>
-            </a:r>
-            <a:r>
-              <a:rPr sz="1800">
-                <a:latin typeface="맑은 고딕" charset="0"/>
-                <a:ea typeface="맑은 고딕" charset="0"/>
-              </a:rPr>
-              <a:t>3D Object를 선택한 다음 Capsule 게임 오브젝트</a:t>
-            </a:r>
-            <a:r>
-              <a:rPr lang="ko-KR" sz="1800">
-                <a:latin typeface="맑은 고딕" charset="0"/>
-                <a:ea typeface="맑은 고딕" charset="0"/>
-              </a:rPr>
-              <a:t>를</a:t>
-            </a:r>
-            <a:r>
-              <a:rPr sz="1800">
-                <a:latin typeface="맑은 고딕" charset="0"/>
-                <a:ea typeface="맑은 고딕" charset="0"/>
-              </a:rPr>
-              <a:t> 2</a:t>
-            </a:r>
-            <a:r>
-              <a:rPr lang="ko-KR" sz="1800">
-                <a:latin typeface="맑은 고딕" charset="0"/>
-                <a:ea typeface="맑은 고딕" charset="0"/>
-              </a:rPr>
-              <a:t>개</a:t>
-            </a:r>
-            <a:r>
-              <a:rPr sz="1800">
-                <a:latin typeface="맑은 고딕" charset="0"/>
-                <a:ea typeface="맑은 고딕" charset="0"/>
-              </a:rPr>
-              <a:t> </a:t>
-            </a:r>
-            <a:r>
-              <a:rPr sz="1800">
-                <a:latin typeface="맑은 고딕" charset="0"/>
-                <a:ea typeface="맑은 고딕" charset="0"/>
-              </a:rPr>
-              <a:t>생성합니다.</a:t>
-            </a:r>
-            <a:endParaRPr lang="ko-KR" altLang="en-US" sz="1800">
-              <a:latin typeface="맑은 고딕" charset="0"/>
-              <a:ea typeface="맑은 고딕" charset="0"/>
-            </a:endParaRPr>
-          </a:p>
-          <a:p>
-            <a:pPr marL="0" indent="0" rtl="0" algn="l" defTabSz="914400" eaLnBrk="1" latinLnBrk="0" hangingPunct="1">
-              <a:buFontTx/>
-              <a:buNone/>
-            </a:pPr>
-            <a:endParaRPr lang="ko-KR" altLang="en-US" sz="1800">
-              <a:latin typeface="맑은 고딕" charset="0"/>
-              <a:ea typeface="맑은 고딕" charset="0"/>
-            </a:endParaRPr>
-          </a:p>
-          <a:p>
-            <a:pPr marL="0" indent="0" rtl="0" algn="l" defTabSz="914400" eaLnBrk="1" latinLnBrk="0" hangingPunct="1">
-              <a:buFontTx/>
-              <a:buNone/>
-            </a:pPr>
-            <a:r>
-              <a:rPr sz="1800">
-                <a:latin typeface="맑은 고딕" charset="0"/>
-                <a:ea typeface="맑은 고딕" charset="0"/>
-              </a:rPr>
-              <a:t>그</a:t>
-            </a:r>
-            <a:r>
-              <a:rPr lang="ko-KR" sz="1800">
-                <a:latin typeface="맑은 고딕" charset="0"/>
-                <a:ea typeface="맑은 고딕" charset="0"/>
-              </a:rPr>
-              <a:t>다음 First Guard라는 이름과 Second Guard라는 이름으로 각각 정의합니다.</a:t>
-            </a:r>
-            <a:endParaRPr lang="ko-KR" altLang="en-US" sz="1800">
-              <a:latin typeface="맑은 고딕" charset="0"/>
-              <a:ea typeface="맑은 고딕" charset="0"/>
-            </a:endParaRPr>
-          </a:p>
-        </p:txBody>
-      </p:sp>
       <p:pic>
         <p:nvPicPr>
-          <p:cNvPr id="1209" name="그림 138" descr="C:/Users/Admin1/AppData/Roaming/PolarisOffice/ETemp/2392_18456704/fImage725725741.png"/>
+          <p:cNvPr id="1201" name="그림 111"/>
           <p:cNvPicPr>
             <a:picLocks noChangeAspect="1"/>
           </p:cNvPicPr>
           <p:nvPr/>
         </p:nvPicPr>
         <p:blipFill rotWithShape="1">
-          <a:blip r:embed="rId8" cstate="hqprint">
+          <a:blip r:embed="rId8" cstate="print">
             <a:extLst>
               <a:ext uri="{28A0092B-C50C-407E-A947-70E740481C1C}">
-                <a14:useLocalDpi xmlns:a14="http://schemas.microsoft.com/office/drawing/2010/main"/>
+                <a14:useLocalDpi xmlns:a14="http://schemas.microsoft.com/office/drawing/2010/main" val="0"/>
               </a:ext>
             </a:extLst>
           </a:blip>
@@ -11226,16 +11510,214 @@
         </p:blipFill>
         <p:spPr>
           <a:xfrm rot="0">
-            <a:off x="1064895" y="1240790"/>
-            <a:ext cx="1803400" cy="3027045"/>
+            <a:off x="1223645" y="1337945"/>
+            <a:ext cx="1310640" cy="1196340"/>
+          </a:xfrm>
+          <a:prstGeom prst="roundRect"/>
+          <a:solidFill>
+            <a:srgbClr val="EDEDED"/>
+          </a:solidFill>
+        </p:spPr>
+      </p:pic>
+      <p:sp>
+        <p:nvSpPr>
+          <p:cNvPr id="1202" name="텍스트 상자 112"/>
+          <p:cNvSpPr txBox="1">
+            <a:spLocks/>
+          </p:cNvSpPr>
+          <p:nvPr/>
+        </p:nvSpPr>
+        <p:spPr>
+          <a:xfrm>
+            <a:off x="1206500" y="2649220"/>
+            <a:ext cx="4166870" cy="1477645"/>
           </a:xfrm>
           <a:prstGeom prst="rect"/>
           <a:noFill/>
-        </p:spPr>
-      </p:pic>
+          <a:ln w="0">
+            <a:noFill/>
+            <a:prstDash/>
+          </a:ln>
+        </p:spPr>
+        <p:txBody>
+          <a:bodyPr wrap="square" lIns="89535" tIns="46355" rIns="89535" bIns="46355" numCol="1" vert="horz" anchor="t">
+            <a:spAutoFit/>
+          </a:bodyPr>
+          <a:lstStyle/>
+          <a:p>
+            <a:pPr marL="0" indent="0" rtl="0" algn="l" defTabSz="914400" eaLnBrk="1" latinLnBrk="0" hangingPunct="1">
+              <a:buFontTx/>
+              <a:buNone/>
+            </a:pPr>
+            <a:r>
+              <a:rPr lang="ko-KR" sz="1800" b="1">
+                <a:solidFill>
+                  <a:srgbClr val="0611F2"/>
+                </a:solidFill>
+                <a:latin typeface="맑은 고딕" charset="0"/>
+                <a:ea typeface="맑은 고딕" charset="0"/>
+              </a:rPr>
+              <a:t>1</a:t>
+            </a:r>
+            <a:r>
+              <a:rPr lang="ko-KR" sz="1800" b="1">
+                <a:solidFill>
+                  <a:srgbClr val="0611F2"/>
+                </a:solidFill>
+                <a:latin typeface="맑은 고딕" charset="0"/>
+                <a:ea typeface="맑은 고딕" charset="0"/>
+              </a:rPr>
+              <a:t>7</a:t>
+            </a:r>
+            <a:r>
+              <a:rPr sz="1800" b="1">
+                <a:solidFill>
+                  <a:srgbClr val="0611F2"/>
+                </a:solidFill>
+                <a:latin typeface="맑은 고딕" charset="0"/>
+                <a:ea typeface="맑은 고딕" charset="0"/>
+              </a:rPr>
+              <a:t>.</a:t>
+            </a:r>
+            <a:r>
+              <a:rPr sz="1800">
+                <a:latin typeface="맑은 고딕" charset="0"/>
+                <a:ea typeface="맑은 고딕" charset="0"/>
+              </a:rPr>
+              <a:t> </a:t>
+            </a:r>
+            <a:r>
+              <a:rPr lang="ko-KR" sz="1800">
+                <a:latin typeface="맑은 고딕" charset="0"/>
+                <a:ea typeface="맑은 고딕" charset="0"/>
+              </a:rPr>
+              <a:t>이제 Project 폴더에서 Texture에 Wood 텍스처를 선택합니다.</a:t>
+            </a:r>
+            <a:endParaRPr lang="ko-KR" altLang="en-US" sz="1800">
+              <a:latin typeface="맑은 고딕" charset="0"/>
+              <a:ea typeface="맑은 고딕" charset="0"/>
+            </a:endParaRPr>
+          </a:p>
+          <a:p>
+            <a:pPr marL="0" indent="0" rtl="0" algn="l" defTabSz="914400" eaLnBrk="1" latinLnBrk="0" hangingPunct="1">
+              <a:buFontTx/>
+              <a:buNone/>
+            </a:pPr>
+            <a:endParaRPr lang="ko-KR" altLang="en-US" sz="1800">
+              <a:latin typeface="맑은 고딕" charset="0"/>
+              <a:ea typeface="맑은 고딕" charset="0"/>
+            </a:endParaRPr>
+          </a:p>
+          <a:p>
+            <a:pPr marL="0" indent="0" rtl="0" algn="l" defTabSz="914400" eaLnBrk="1" latinLnBrk="0" hangingPunct="1">
+              <a:buFontTx/>
+              <a:buNone/>
+            </a:pPr>
+            <a:r>
+              <a:rPr lang="ko-KR" sz="1800">
+                <a:latin typeface="맑은 고딕" charset="0"/>
+                <a:ea typeface="맑은 고딕" charset="0"/>
+              </a:rPr>
+              <a:t>그리고 Right Wall 오브젝트와 Left Wall 오브젝트에 넣어줍니다.</a:t>
+            </a:r>
+            <a:endParaRPr lang="ko-KR" altLang="en-US" sz="1800">
+              <a:latin typeface="맑은 고딕" charset="0"/>
+              <a:ea typeface="맑은 고딕" charset="0"/>
+            </a:endParaRPr>
+          </a:p>
+        </p:txBody>
+      </p:sp>
+      <p:sp>
+        <p:nvSpPr>
+          <p:cNvPr id="1203" name="텍스트 상자 129"/>
+          <p:cNvSpPr txBox="1">
+            <a:spLocks/>
+          </p:cNvSpPr>
+          <p:nvPr/>
+        </p:nvSpPr>
+        <p:spPr>
+          <a:xfrm>
+            <a:off x="1223645" y="5589905"/>
+            <a:ext cx="3943985" cy="677545"/>
+          </a:xfrm>
+          <a:prstGeom prst="rect"/>
+          <a:noFill/>
+          <a:ln w="0">
+            <a:noFill/>
+            <a:prstDash/>
+          </a:ln>
+        </p:spPr>
+        <p:txBody>
+          <a:bodyPr wrap="square" lIns="89535" tIns="46355" rIns="89535" bIns="46355" numCol="1" vert="horz" anchor="t">
+            <a:spAutoFit/>
+          </a:bodyPr>
+          <a:lstStyle/>
+          <a:p>
+            <a:pPr marL="0" indent="0" rtl="0" algn="l" defTabSz="914400" eaLnBrk="1" latinLnBrk="0" hangingPunct="1">
+              <a:buFontTx/>
+              <a:buNone/>
+            </a:pPr>
+            <a:r>
+              <a:rPr sz="2000" b="1">
+                <a:solidFill>
+                  <a:srgbClr val="0611F2"/>
+                </a:solidFill>
+                <a:latin typeface="맑은 고딕" charset="0"/>
+                <a:ea typeface="맑은 고딕" charset="0"/>
+              </a:rPr>
+              <a:t>1</a:t>
+            </a:r>
+            <a:r>
+              <a:rPr sz="2000" b="1">
+                <a:solidFill>
+                  <a:srgbClr val="0611F2"/>
+                </a:solidFill>
+                <a:latin typeface="맑은 고딕" charset="0"/>
+                <a:ea typeface="맑은 고딕" charset="0"/>
+              </a:rPr>
+              <a:t>8</a:t>
+            </a:r>
+            <a:r>
+              <a:rPr sz="2000" b="1">
+                <a:solidFill>
+                  <a:srgbClr val="0611F2"/>
+                </a:solidFill>
+                <a:latin typeface="맑은 고딕" charset="0"/>
+                <a:ea typeface="맑은 고딕" charset="0"/>
+              </a:rPr>
+              <a:t>. </a:t>
+            </a:r>
+            <a:r>
+              <a:rPr sz="1800">
+                <a:latin typeface="맑은 고딕" charset="0"/>
+                <a:ea typeface="맑은 고딕" charset="0"/>
+              </a:rPr>
+              <a:t>그런 다음 </a:t>
+            </a:r>
+            <a:r>
+              <a:rPr lang="ko-KR" sz="1800">
+                <a:latin typeface="맑은 고딕" charset="0"/>
+                <a:ea typeface="맑은 고딕" charset="0"/>
+              </a:rPr>
+              <a:t>Character</a:t>
+            </a:r>
+            <a:r>
+              <a:rPr sz="1800">
+                <a:latin typeface="맑은 고딕" charset="0"/>
+                <a:ea typeface="맑은 고딕" charset="0"/>
+              </a:rPr>
+              <a:t> 오브젝트에 Rigidbody 컴포넌트를 추가합니다.</a:t>
+            </a:r>
+            <a:endParaRPr lang="ko-KR" altLang="en-US" sz="1800">
+              <a:latin typeface="맑은 고딕" charset="0"/>
+              <a:ea typeface="맑은 고딕" charset="0"/>
+            </a:endParaRPr>
+          </a:p>
+        </p:txBody>
+      </p:sp>
       <p:pic>
         <p:nvPicPr>
-          <p:cNvPr id="1210" name="그림 139" descr="C:/Users/Admin1/AppData/Roaming/PolarisOffice/ETemp/2392_18456704/fImage51372596334.png"/>
+          <p:cNvPr id="1204" name="그림 130" descr="C:/Users/Admin1/AppData/Roaming/PolarisOffice/ETemp/20556_22124416/fImage57282885436.png"/>
           <p:cNvPicPr>
             <a:picLocks noChangeAspect="1"/>
           </p:cNvPicPr>
@@ -11255,201 +11737,8 @@
         </p:blipFill>
         <p:spPr>
           <a:xfrm rot="0">
-            <a:off x="3789045" y="1225550"/>
-            <a:ext cx="1574165" cy="1308735"/>
-          </a:xfrm>
-          <a:prstGeom prst="rect"/>
-          <a:noFill/>
-        </p:spPr>
-      </p:pic>
-      <p:pic>
-        <p:nvPicPr>
-          <p:cNvPr id="1211" name="그림 140" descr="C:/Users/Admin1/AppData/Roaming/PolarisOffice/ETemp/2392_18456704/fImage1437532588467.png"/>
-          <p:cNvPicPr>
-            <a:picLocks noChangeAspect="1"/>
-          </p:cNvPicPr>
-          <p:nvPr/>
-        </p:nvPicPr>
-        <p:blipFill rotWithShape="1">
-          <a:blip r:embed="rId10" cstate="hqprint">
-            <a:extLst>
-              <a:ext uri="{28A0092B-C50C-407E-A947-70E740481C1C}">
-                <a14:useLocalDpi xmlns:a14="http://schemas.microsoft.com/office/drawing/2010/main"/>
-              </a:ext>
-            </a:extLst>
-          </a:blip>
-          <a:stretch>
-            <a:fillRect/>
-          </a:stretch>
-        </p:blipFill>
-        <p:spPr>
-          <a:xfrm rot="0">
-            <a:off x="3061970" y="1708785"/>
-            <a:ext cx="520700" cy="349885"/>
-          </a:xfrm>
-          <a:prstGeom prst="rect"/>
-          <a:noFill/>
-        </p:spPr>
-      </p:pic>
-      <p:pic>
-        <p:nvPicPr>
-          <p:cNvPr id="1212" name="그림 141" descr="C:/Users/Admin1/AppData/Roaming/PolarisOffice/ETemp/2392_18456704/fImage1437532588467.png"/>
-          <p:cNvPicPr>
-            <a:picLocks noChangeAspect="1"/>
-          </p:cNvPicPr>
-          <p:nvPr/>
-        </p:nvPicPr>
-        <p:blipFill rotWithShape="1">
-          <a:blip r:embed="rId10" cstate="hqprint">
-            <a:extLst>
-              <a:ext uri="{28A0092B-C50C-407E-A947-70E740481C1C}">
-                <a14:useLocalDpi xmlns:a14="http://schemas.microsoft.com/office/drawing/2010/main"/>
-              </a:ext>
-            </a:extLst>
-          </a:blip>
-          <a:stretch>
-            <a:fillRect/>
-          </a:stretch>
-        </p:blipFill>
-        <p:spPr>
-          <a:xfrm rot="0">
-            <a:off x="3057525" y="3504565"/>
-            <a:ext cx="520700" cy="349885"/>
-          </a:xfrm>
-          <a:prstGeom prst="rect"/>
-          <a:noFill/>
-        </p:spPr>
-      </p:pic>
-      <p:sp>
-        <p:nvSpPr>
-          <p:cNvPr id="1213" name="텍스트 상자 142"/>
-          <p:cNvSpPr txBox="1">
-            <a:spLocks/>
-          </p:cNvSpPr>
-          <p:nvPr/>
-        </p:nvSpPr>
-        <p:spPr>
-          <a:xfrm rot="0">
-            <a:off x="6831965" y="2247265"/>
-            <a:ext cx="4036695" cy="923925"/>
-          </a:xfrm>
-          <a:prstGeom prst="rect"/>
-          <a:noFill/>
-          <a:ln w="0">
-            <a:noFill/>
-            <a:prstDash/>
-          </a:ln>
-        </p:spPr>
-        <p:txBody>
-          <a:bodyPr wrap="square" lIns="89535" tIns="46355" rIns="89535" bIns="46355" numCol="1" vert="horz" anchor="t">
-            <a:spAutoFit/>
-          </a:bodyPr>
-          <a:lstStyle/>
-          <a:p>
-            <a:pPr marL="0" indent="0" rtl="0" algn="l" defTabSz="914400" eaLnBrk="1" latinLnBrk="0" hangingPunct="1">
-              <a:buFontTx/>
-              <a:buNone/>
-            </a:pPr>
-            <a:r>
-              <a:rPr sz="1800" b="1">
-                <a:solidFill>
-                  <a:srgbClr val="0611F2"/>
-                </a:solidFill>
-                <a:latin typeface="맑은 고딕" charset="0"/>
-                <a:ea typeface="맑은 고딕" charset="0"/>
-              </a:rPr>
-              <a:t>19</a:t>
-            </a:r>
-            <a:r>
-              <a:rPr sz="1800" b="1">
-                <a:solidFill>
-                  <a:srgbClr val="0611F2"/>
-                </a:solidFill>
-                <a:latin typeface="맑은 고딕" charset="0"/>
-                <a:ea typeface="맑은 고딕" charset="0"/>
-              </a:rPr>
-              <a:t>.</a:t>
-            </a:r>
-            <a:r>
-              <a:rPr sz="1800">
-                <a:latin typeface="맑은 고딕" charset="0"/>
-                <a:ea typeface="맑은 고딕" charset="0"/>
-              </a:rPr>
-              <a:t> 그</a:t>
-            </a:r>
-            <a:r>
-              <a:rPr lang="ko-KR" sz="1800">
-                <a:latin typeface="맑은 고딕" charset="0"/>
-                <a:ea typeface="맑은 고딕" charset="0"/>
-              </a:rPr>
-              <a:t>런 다음</a:t>
-            </a:r>
-            <a:r>
-              <a:rPr lang="ko-KR" sz="1800">
-                <a:latin typeface="맑은 고딕" charset="0"/>
-                <a:ea typeface="맑은 고딕" charset="0"/>
-              </a:rPr>
-              <a:t> </a:t>
-            </a:r>
-            <a:r>
-              <a:rPr lang="ko-KR" sz="1800">
-                <a:latin typeface="맑은 고딕" charset="0"/>
-                <a:ea typeface="맑은 고딕" charset="0"/>
-              </a:rPr>
-              <a:t>First Guard </a:t>
-            </a:r>
-            <a:r>
-              <a:rPr lang="ko-KR" sz="1800">
-                <a:latin typeface="맑은 고딕" charset="0"/>
-                <a:ea typeface="맑은 고딕" charset="0"/>
-              </a:rPr>
-              <a:t>오브젝트</a:t>
-            </a:r>
-            <a:r>
-              <a:rPr lang="ko-KR" sz="1800">
-                <a:latin typeface="맑은 고딕" charset="0"/>
-                <a:ea typeface="맑은 고딕" charset="0"/>
-              </a:rPr>
-              <a:t>와 Second Guard 오브젝트에</a:t>
-            </a:r>
-            <a:r>
-              <a:rPr lang="ko-KR" sz="1800">
-                <a:latin typeface="맑은 고딕" charset="0"/>
-                <a:ea typeface="맑은 고딕" charset="0"/>
-              </a:rPr>
-              <a:t> Nav Mesh Agent 컴포넌트를 추가합니다.</a:t>
-            </a:r>
-            <a:endParaRPr lang="ko-KR" altLang="en-US" sz="1800">
-              <a:latin typeface="맑은 고딕" charset="0"/>
-              <a:ea typeface="맑은 고딕" charset="0"/>
-            </a:endParaRPr>
-          </a:p>
-        </p:txBody>
-      </p:sp>
-      <p:pic>
-        <p:nvPicPr>
-          <p:cNvPr id="1214" name="그림 143" descr="C:/Users/Admin1/AppData/Roaming/PolarisOffice/ETemp/2392_18456704/fImage53352906962.png"/>
-          <p:cNvPicPr>
-            <a:picLocks noChangeAspect="1"/>
-          </p:cNvPicPr>
-          <p:nvPr/>
-        </p:nvPicPr>
-        <p:blipFill rotWithShape="1">
-          <a:blip r:embed="rId11" cstate="hqprint">
-            <a:extLst>
-              <a:ext uri="{28A0092B-C50C-407E-A947-70E740481C1C}">
-                <a14:useLocalDpi xmlns:a14="http://schemas.microsoft.com/office/drawing/2010/main"/>
-              </a:ext>
-            </a:extLst>
-          </a:blip>
-          <a:stretch>
-            <a:fillRect/>
-          </a:stretch>
-        </p:blipFill>
-        <p:spPr>
-          <a:xfrm rot="0">
-            <a:off x="6829425" y="1238250"/>
-            <a:ext cx="4020185" cy="924560"/>
+            <a:off x="1229995" y="4304665"/>
+            <a:ext cx="4133850" cy="1168400"/>
           </a:xfrm>
           <a:prstGeom prst="roundRect"/>
           <a:solidFill>
@@ -11457,180 +11746,72 @@
           </a:solidFill>
         </p:spPr>
       </p:pic>
-      <p:pic>
-        <p:nvPicPr>
-          <p:cNvPr id="1215" name="그림 144" descr="C:/Users/Admin1/AppData/Roaming/PolarisOffice/ETemp/2392_18456704/fImage169032994604.png"/>
-          <p:cNvPicPr>
-            <a:picLocks noChangeAspect="1"/>
-          </p:cNvPicPr>
+      <p:cxnSp>
+        <p:nvCxnSpPr>
+          <p:cNvPr id="1205" name="도형 39"/>
+          <p:cNvCxnSpPr/>
           <p:nvPr/>
-        </p:nvPicPr>
-        <p:blipFill rotWithShape="1">
-          <a:blip r:embed="rId12" cstate="print">
-            <a:extLst>
-              <a:ext uri="{28A0092B-C50C-407E-A947-70E740481C1C}">
-                <a14:useLocalDpi xmlns:a14="http://schemas.microsoft.com/office/drawing/2010/main" val="0"/>
-              </a:ext>
-            </a:extLst>
-          </a:blip>
-          <a:stretch>
-            <a:fillRect/>
-          </a:stretch>
-        </p:blipFill>
-        <p:spPr>
-          <a:xfrm rot="0">
-            <a:off x="8343900" y="3324225"/>
-            <a:ext cx="2534285" cy="981710"/>
-          </a:xfrm>
-          <a:prstGeom prst="roundRect"/>
-          <a:solidFill>
-            <a:srgbClr val="EDEDED"/>
-          </a:solidFill>
-        </p:spPr>
-      </p:pic>
-      <p:pic>
-        <p:nvPicPr>
-          <p:cNvPr id="1216" name="그림 147" descr="C:/Users/Admin1/AppData/Roaming/PolarisOffice/ETemp/2392_18456704/fImage55543003902.png"/>
-          <p:cNvPicPr>
-            <a:picLocks noChangeAspect="1"/>
-          </p:cNvPicPr>
+        </p:nvCxnSpPr>
+        <p:spPr>
+          <a:xfrm rot="0" flipH="1">
+            <a:off x="2130425" y="1983105"/>
+            <a:ext cx="1368425" cy="243205"/>
+          </a:xfrm>
+          <a:prstGeom prst="straightConnector1"/>
+          <a:ln w="6350" cap="flat" cmpd="sng">
+            <a:prstDash/>
+            <a:headEnd type="none" w="med" len="med"/>
+            <a:tailEnd type="triangle" w="med" len="med"/>
+          </a:ln>
+        </p:spPr>
+        <p:style>
+          <a:lnRef idx="1">
+            <a:schemeClr val="accent1"/>
+          </a:lnRef>
+          <a:fillRef idx="0">
+            <a:schemeClr val="accent1"/>
+          </a:fillRef>
+          <a:effectRef idx="0">
+            <a:schemeClr val="accent1"/>
+          </a:effectRef>
+          <a:fontRef idx="minor">
+            <a:schemeClr val="tx1"/>
+          </a:fontRef>
+        </p:style>
+      </p:cxnSp>
+      <p:cxnSp>
+        <p:nvCxnSpPr>
+          <p:cNvPr id="1206" name="도형 40"/>
+          <p:cNvCxnSpPr/>
           <p:nvPr/>
-        </p:nvPicPr>
-        <p:blipFill rotWithShape="1">
-          <a:blip r:embed="rId13" cstate="print">
-            <a:extLst>
-              <a:ext uri="{28A0092B-C50C-407E-A947-70E740481C1C}">
-                <a14:useLocalDpi xmlns:a14="http://schemas.microsoft.com/office/drawing/2010/main" val="0"/>
-              </a:ext>
-            </a:extLst>
-          </a:blip>
-          <a:stretch>
-            <a:fillRect/>
-          </a:stretch>
-        </p:blipFill>
-        <p:spPr>
-          <a:xfrm rot="0">
-            <a:off x="6824980" y="3319780"/>
-            <a:ext cx="1262380" cy="967105"/>
-          </a:xfrm>
-          <a:prstGeom prst="roundRect"/>
-          <a:solidFill>
-            <a:srgbClr val="EDEDED"/>
-          </a:solidFill>
-        </p:spPr>
-      </p:pic>
-      <p:sp>
-        <p:nvSpPr>
-          <p:cNvPr id="1217" name="텍스트 상자 148"/>
-          <p:cNvSpPr txBox="1">
-            <a:spLocks/>
-          </p:cNvSpPr>
-          <p:nvPr/>
-        </p:nvSpPr>
-        <p:spPr>
-          <a:xfrm rot="0">
-            <a:off x="6827520" y="4452620"/>
-            <a:ext cx="4050665" cy="1754505"/>
-          </a:xfrm>
-          <a:prstGeom prst="rect"/>
-          <a:noFill/>
-          <a:ln w="0">
-            <a:noFill/>
+        </p:nvCxnSpPr>
+        <p:spPr>
+          <a:xfrm rot="0" flipH="1">
+            <a:off x="2052320" y="1983105"/>
+            <a:ext cx="1464310" cy="476885"/>
+          </a:xfrm>
+          <a:prstGeom prst="straightConnector1"/>
+          <a:ln w="6350" cap="flat" cmpd="sng">
             <a:prstDash/>
+            <a:headEnd type="none" w="med" len="med"/>
+            <a:tailEnd type="triangle" w="med" len="med"/>
           </a:ln>
         </p:spPr>
-        <p:txBody>
-          <a:bodyPr wrap="square" lIns="89535" tIns="46355" rIns="89535" bIns="46355" numCol="1" vert="horz" anchor="t">
-            <a:spAutoFit/>
-          </a:bodyPr>
-          <a:lstStyle/>
-          <a:p>
-            <a:pPr marL="0" indent="0" rtl="0" algn="l" defTabSz="914400" eaLnBrk="1" latinLnBrk="0" hangingPunct="1">
-              <a:buFontTx/>
-              <a:buNone/>
-            </a:pPr>
-            <a:r>
-              <a:rPr lang="ko-KR" sz="1800" b="1">
-                <a:solidFill>
-                  <a:srgbClr val="0611F2"/>
-                </a:solidFill>
-                <a:latin typeface="맑은 고딕" charset="0"/>
-                <a:ea typeface="맑은 고딕" charset="0"/>
-              </a:rPr>
-              <a:t>20</a:t>
-            </a:r>
-            <a:r>
-              <a:rPr sz="1800" b="1">
-                <a:solidFill>
-                  <a:srgbClr val="0611F2"/>
-                </a:solidFill>
-                <a:latin typeface="맑은 고딕" charset="0"/>
-                <a:ea typeface="맑은 고딕" charset="0"/>
-              </a:rPr>
-              <a:t>.</a:t>
-            </a:r>
-            <a:r>
-              <a:rPr sz="1800">
-                <a:latin typeface="맑은 고딕" charset="0"/>
-                <a:ea typeface="맑은 고딕" charset="0"/>
-              </a:rPr>
-              <a:t> </a:t>
-            </a:r>
-            <a:r>
-              <a:rPr lang="ko-KR" sz="1800">
-                <a:latin typeface="맑은 고딕" charset="0"/>
-                <a:ea typeface="맑은 고딕" charset="0"/>
-              </a:rPr>
-              <a:t>마지막으로 Project 폴더에서 Texture에 Panel_C 텍스처를 선택합니다.</a:t>
-            </a:r>
-            <a:endParaRPr lang="ko-KR" altLang="en-US" sz="1800">
-              <a:latin typeface="맑은 고딕" charset="0"/>
-              <a:ea typeface="맑은 고딕" charset="0"/>
-            </a:endParaRPr>
-          </a:p>
-          <a:p>
-            <a:pPr marL="0" indent="0" rtl="0" algn="l" defTabSz="914400" eaLnBrk="1" latinLnBrk="0" hangingPunct="1">
-              <a:buFontTx/>
-              <a:buNone/>
-            </a:pPr>
-            <a:endParaRPr lang="ko-KR" altLang="en-US" sz="1800">
-              <a:latin typeface="맑은 고딕" charset="0"/>
-              <a:ea typeface="맑은 고딕" charset="0"/>
-            </a:endParaRPr>
-          </a:p>
-          <a:p>
-            <a:pPr marL="0" indent="0" rtl="0" algn="l" defTabSz="914400" eaLnBrk="1" latinLnBrk="0" hangingPunct="1">
-              <a:buFontTx/>
-              <a:buNone/>
-            </a:pPr>
-            <a:r>
-              <a:rPr lang="ko-KR" sz="1800">
-                <a:latin typeface="맑은 고딕" charset="0"/>
-                <a:ea typeface="맑은 고딕" charset="0"/>
-              </a:rPr>
-              <a:t>이제</a:t>
-            </a:r>
-            <a:r>
-              <a:rPr lang="ko-KR" sz="1800">
-                <a:latin typeface="맑은 고딕" charset="0"/>
-                <a:ea typeface="맑은 고딕" charset="0"/>
-              </a:rPr>
-              <a:t> </a:t>
-            </a:r>
-            <a:r>
-              <a:rPr lang="ko-KR" sz="1800">
-                <a:latin typeface="맑은 고딕" charset="0"/>
-                <a:ea typeface="맑은 고딕" charset="0"/>
-              </a:rPr>
-              <a:t>First Guard 오브젝트와 Second Guard 오브젝트에 넣어줍니다.</a:t>
-            </a:r>
-            <a:endParaRPr lang="ko-KR" altLang="en-US" sz="1800">
-              <a:latin typeface="맑은 고딕" charset="0"/>
-              <a:ea typeface="맑은 고딕" charset="0"/>
-            </a:endParaRPr>
-          </a:p>
-        </p:txBody>
-      </p:sp>
+        <p:style>
+          <a:lnRef idx="1">
+            <a:schemeClr val="accent1"/>
+          </a:lnRef>
+          <a:fillRef idx="0">
+            <a:schemeClr val="accent1"/>
+          </a:fillRef>
+          <a:effectRef idx="0">
+            <a:schemeClr val="accent1"/>
+          </a:effectRef>
+          <a:fontRef idx="minor">
+            <a:schemeClr val="tx1"/>
+          </a:fontRef>
+        </p:style>
+      </p:cxnSp>
     </p:spTree>
   </p:cSld>
   <p:clrMapOvr>
@@ -11673,7 +11854,7 @@
       </p:grpSpPr>
       <p:sp>
         <p:nvSpPr>
-          <p:cNvPr id="2" name="텍스트 상자 57"/>
+          <p:cNvPr id="1031" name="Rect 0"/>
           <p:cNvSpPr txBox="1">
             <a:spLocks/>
           </p:cNvSpPr>
@@ -11681,8 +11862,8 @@
         </p:nvSpPr>
         <p:spPr>
           <a:xfrm rot="0">
-            <a:off x="4318635" y="338455"/>
-            <a:ext cx="3547110" cy="554990"/>
+            <a:off x="4804410" y="346075"/>
+            <a:ext cx="2854325" cy="478155"/>
           </a:xfrm>
           <a:prstGeom prst="rect"/>
           <a:noFill/>
@@ -11692,191 +11873,45 @@
           </a:ln>
         </p:spPr>
         <p:txBody>
-          <a:bodyPr wrap="square" lIns="89535" tIns="46355" rIns="89535" bIns="46355" vert="horz" anchor="t">
+          <a:bodyPr wrap="square" lIns="89535" tIns="46355" rIns="89535" bIns="46355" numCol="1" vert="horz" anchor="t">
             <a:spAutoFit/>
           </a:bodyPr>
           <a:lstStyle/>
           <a:p>
-            <a:pPr marL="0" indent="0" rtl="0" algn="l" defTabSz="914400" eaLnBrk="1" latinLnBrk="0" hangingPunct="1">
-              <a:buFontTx/>
-              <a:buNone/>
-            </a:pPr>
-            <a:r>
-              <a:rPr sz="3000" b="1">
+            <a:pPr marL="0" indent="0" algn="l" latinLnBrk="0">
+              <a:buFontTx/>
+              <a:buNone/>
+            </a:pPr>
+            <a:r>
+              <a:rPr lang="ko-KR" altLang="en-US" sz="2500" b="1">
                 <a:solidFill>
                   <a:schemeClr val="tx1"/>
                 </a:solidFill>
-                <a:latin typeface="맑은 고딕" charset="0"/>
-                <a:ea typeface="맑은 고딕" charset="0"/>
-              </a:rPr>
-              <a:t>NavMesh Steering</a:t>
-            </a:r>
-            <a:endParaRPr lang="ko-KR" altLang="en-US" sz="3000" b="1">
+                <a:latin typeface="나눔바른고딕" charset="0"/>
+                <a:ea typeface="나눔바른고딕" charset="0"/>
+              </a:rPr>
+              <a:t>여섯 번째 튜토리얼</a:t>
+            </a:r>
+            <a:endParaRPr lang="ko-KR" altLang="en-US" sz="2500" b="1">
               <a:solidFill>
                 <a:schemeClr val="tx1"/>
               </a:solidFill>
-              <a:latin typeface="맑은 고딕" charset="0"/>
-              <a:ea typeface="맑은 고딕" charset="0"/>
-            </a:endParaRPr>
-          </a:p>
-        </p:txBody>
-      </p:sp>
-      <p:sp>
-        <p:nvSpPr>
-          <p:cNvPr id="3" name="텍스트 상자 58"/>
-          <p:cNvSpPr txBox="1">
-            <a:spLocks/>
-          </p:cNvSpPr>
-          <p:nvPr/>
-        </p:nvSpPr>
-        <p:spPr>
-          <a:xfrm rot="0">
-            <a:off x="984250" y="1197610"/>
-            <a:ext cx="4411980" cy="647065"/>
-          </a:xfrm>
-          <a:prstGeom prst="rect"/>
-          <a:noFill/>
-          <a:ln w="0">
-            <a:noFill/>
-            <a:prstDash/>
-          </a:ln>
-        </p:spPr>
-        <p:txBody>
-          <a:bodyPr wrap="square" lIns="89535" tIns="46355" rIns="89535" bIns="46355" vert="horz" anchor="t">
-            <a:spAutoFit/>
-          </a:bodyPr>
-          <a:lstStyle/>
-          <a:p>
-            <a:pPr marL="0" indent="0" rtl="0" algn="l" defTabSz="914400" eaLnBrk="1" latinLnBrk="0" hangingPunct="1">
-              <a:buFontTx/>
-              <a:buNone/>
-            </a:pPr>
-            <a:r>
-              <a:rPr sz="1800">
-                <a:latin typeface="맑은 고딕" charset="0"/>
-                <a:ea typeface="맑은 고딕" charset="0"/>
-              </a:rPr>
-              <a:t>NavMesh Steering</a:t>
-            </a:r>
-            <a:r>
-              <a:rPr lang="ko-KR" sz="1800">
-                <a:latin typeface="맑은 고딕" charset="0"/>
-                <a:ea typeface="맑은 고딕" charset="0"/>
-              </a:rPr>
-              <a:t>는</a:t>
-            </a:r>
-            <a:r>
-              <a:rPr sz="1800">
-                <a:latin typeface="맑은 고딕" charset="0"/>
-                <a:ea typeface="맑은 고딕" charset="0"/>
-              </a:rPr>
-              <a:t> 에이전트의 이동과 관련된 컴포넌트입니다.</a:t>
-            </a:r>
-            <a:endParaRPr lang="ko-KR" altLang="en-US" sz="1800">
-              <a:latin typeface="맑은 고딕" charset="0"/>
-              <a:ea typeface="맑은 고딕" charset="0"/>
-            </a:endParaRPr>
-          </a:p>
-        </p:txBody>
-      </p:sp>
-      <p:sp>
-        <p:nvSpPr>
-          <p:cNvPr id="4" name="텍스트 상자 59"/>
-          <p:cNvSpPr txBox="1">
-            <a:spLocks/>
-          </p:cNvSpPr>
-          <p:nvPr/>
-        </p:nvSpPr>
-        <p:spPr>
-          <a:xfrm rot="0">
-            <a:off x="6835775" y="2680970"/>
-            <a:ext cx="4099560" cy="647065"/>
-          </a:xfrm>
-          <a:prstGeom prst="rect"/>
-          <a:noFill/>
-          <a:ln w="0">
-            <a:noFill/>
-            <a:prstDash/>
-          </a:ln>
-        </p:spPr>
-        <p:txBody>
-          <a:bodyPr wrap="square" lIns="89535" tIns="46355" rIns="89535" bIns="46355" vert="horz" anchor="t">
-            <a:spAutoFit/>
-          </a:bodyPr>
-          <a:lstStyle/>
-          <a:p>
-            <a:pPr marL="0" indent="0" rtl="0" algn="l" defTabSz="914400" eaLnBrk="1" latinLnBrk="0" hangingPunct="1">
-              <a:buFontTx/>
-              <a:buNone/>
-            </a:pPr>
-            <a:r>
-              <a:rPr sz="1800">
-                <a:latin typeface="맑은 고딕" charset="0"/>
-                <a:ea typeface="맑은 고딕" charset="0"/>
-              </a:rPr>
-              <a:t>Acceleration : 에이전트의 가속도를 설정합니다. </a:t>
-            </a:r>
-            <a:endParaRPr lang="ko-KR" altLang="en-US" sz="1800">
-              <a:latin typeface="맑은 고딕" charset="0"/>
-              <a:ea typeface="맑은 고딕" charset="0"/>
-            </a:endParaRPr>
-          </a:p>
-        </p:txBody>
-      </p:sp>
-      <p:sp>
-        <p:nvSpPr>
-          <p:cNvPr id="5" name="텍스트 상자 60"/>
-          <p:cNvSpPr txBox="1">
-            <a:spLocks/>
-          </p:cNvSpPr>
-          <p:nvPr/>
-        </p:nvSpPr>
-        <p:spPr>
-          <a:xfrm rot="0">
-            <a:off x="991235" y="5223510"/>
-            <a:ext cx="4412615" cy="925195"/>
-          </a:xfrm>
-          <a:prstGeom prst="rect"/>
-          <a:noFill/>
-          <a:ln w="0">
-            <a:noFill/>
-            <a:prstDash/>
-          </a:ln>
-        </p:spPr>
-        <p:txBody>
-          <a:bodyPr wrap="square" lIns="89535" tIns="46355" rIns="89535" bIns="46355" vert="horz" anchor="t">
-            <a:spAutoFit/>
-          </a:bodyPr>
-          <a:lstStyle/>
-          <a:p>
-            <a:pPr marL="0" indent="0" rtl="0" algn="l" defTabSz="914400" eaLnBrk="1" latinLnBrk="0" hangingPunct="1">
-              <a:buFontTx/>
-              <a:buNone/>
-            </a:pPr>
-            <a:r>
-              <a:rPr sz="1800">
-                <a:latin typeface="맑은 고딕" charset="0"/>
-                <a:ea typeface="맑은 고딕" charset="0"/>
-              </a:rPr>
-              <a:t>Anguler Speed : 에이전트가 회전하는 속도를 설정하며, 회전 속도는 Degree/sec의 값으로 결정합니다.</a:t>
-            </a:r>
-            <a:endParaRPr lang="ko-KR" altLang="en-US" sz="1800">
-              <a:latin typeface="맑은 고딕" charset="0"/>
-              <a:ea typeface="맑은 고딕" charset="0"/>
+              <a:latin typeface="나눔바른고딕" charset="0"/>
+              <a:ea typeface="나눔바른고딕" charset="0"/>
             </a:endParaRPr>
           </a:p>
         </p:txBody>
       </p:sp>
       <p:pic>
         <p:nvPicPr>
-          <p:cNvPr id="6" name="그림 61" descr="C:/Users/Admin1/AppData/Roaming/PolarisOffice/ETemp/2392_18456704/fImage9288225153.png"/>
+          <p:cNvPr id="1207" name="그림 134" descr="C:/Users/Admin1/AppData/Roaming/PolarisOffice/ETemp/20556_22124416/fImage55542912391.png"/>
           <p:cNvPicPr>
             <a:picLocks noChangeAspect="1"/>
           </p:cNvPicPr>
           <p:nvPr/>
         </p:nvPicPr>
         <p:blipFill rotWithShape="1">
-          <a:blip r:embed="rId5" cstate="hqprint">
+          <a:blip r:embed="rId7" cstate="hqprint">
             <a:extLst>
               <a:ext uri="{28A0092B-C50C-407E-A947-70E740481C1C}">
                 <a14:useLocalDpi xmlns:a14="http://schemas.microsoft.com/office/drawing/2010/main"/>
@@ -11889,8 +11924,8 @@
         </p:blipFill>
         <p:spPr>
           <a:xfrm rot="0">
-            <a:off x="976630" y="2028825"/>
-            <a:ext cx="4413250" cy="970280"/>
+            <a:off x="3790950" y="2943225"/>
+            <a:ext cx="1572895" cy="1372870"/>
           </a:xfrm>
           <a:prstGeom prst="roundRect"/>
           <a:solidFill>
@@ -11900,16 +11935,16 @@
       </p:pic>
       <p:sp>
         <p:nvSpPr>
-          <p:cNvPr id="7" name="텍스트 상자 62"/>
+          <p:cNvPr id="1208" name="텍스트 상자 137"/>
           <p:cNvSpPr txBox="1">
             <a:spLocks/>
           </p:cNvSpPr>
           <p:nvPr/>
         </p:nvSpPr>
         <p:spPr>
-          <a:xfrm rot="0">
-            <a:off x="977900" y="3144520"/>
-            <a:ext cx="4412615" cy="371475"/>
+          <a:xfrm>
+            <a:off x="1047750" y="4457065"/>
+            <a:ext cx="4316095" cy="1754505"/>
           </a:xfrm>
           <a:prstGeom prst="rect"/>
           <a:noFill/>
@@ -11919,7 +11954,7 @@
           </a:ln>
         </p:spPr>
         <p:txBody>
-          <a:bodyPr wrap="square" lIns="89535" tIns="46355" rIns="89535" bIns="46355" vert="horz" anchor="t">
+          <a:bodyPr wrap="square" lIns="89535" tIns="46355" rIns="89535" bIns="46355" numCol="1" vert="horz" anchor="t">
             <a:spAutoFit/>
           </a:bodyPr>
           <a:lstStyle/>
@@ -11929,76 +11964,128 @@
               <a:buNone/>
             </a:pPr>
             <a:r>
+              <a:rPr sz="1800" b="1">
+                <a:solidFill>
+                  <a:srgbClr val="0611F2"/>
+                </a:solidFill>
+                <a:latin typeface="맑은 고딕" charset="0"/>
+                <a:ea typeface="맑은 고딕" charset="0"/>
+              </a:rPr>
+              <a:t>20</a:t>
+            </a:r>
+            <a:r>
+              <a:rPr sz="1800" b="1">
+                <a:solidFill>
+                  <a:srgbClr val="0611F2"/>
+                </a:solidFill>
+                <a:latin typeface="맑은 고딕" charset="0"/>
+                <a:ea typeface="맑은 고딕" charset="0"/>
+              </a:rPr>
+              <a:t>.</a:t>
+            </a:r>
+            <a:r>
               <a:rPr sz="1800">
                 <a:latin typeface="맑은 고딕" charset="0"/>
                 <a:ea typeface="맑은 고딕" charset="0"/>
               </a:rPr>
-              <a:t>Speed : 에이전트의 속도를 설정합니다.</a:t>
+              <a:t> </a:t>
+            </a:r>
+            <a:r>
+              <a:rPr lang="ko-KR" sz="1800">
+                <a:latin typeface="맑은 고딕" charset="0"/>
+                <a:ea typeface="맑은 고딕" charset="0"/>
+              </a:rPr>
+              <a:t>그리고 </a:t>
+            </a:r>
+            <a:r>
+              <a:rPr sz="1800">
+                <a:latin typeface="맑은 고딕" charset="0"/>
+                <a:ea typeface="맑은 고딕" charset="0"/>
+              </a:rPr>
+              <a:t>3D Object를 선택한 다음 Capsule 게임 오브젝트</a:t>
+            </a:r>
+            <a:r>
+              <a:rPr lang="ko-KR" sz="1800">
+                <a:latin typeface="맑은 고딕" charset="0"/>
+                <a:ea typeface="맑은 고딕" charset="0"/>
+              </a:rPr>
+              <a:t>를</a:t>
+            </a:r>
+            <a:r>
+              <a:rPr sz="1800">
+                <a:latin typeface="맑은 고딕" charset="0"/>
+                <a:ea typeface="맑은 고딕" charset="0"/>
+              </a:rPr>
+              <a:t> 2</a:t>
+            </a:r>
+            <a:r>
+              <a:rPr lang="ko-KR" sz="1800">
+                <a:latin typeface="맑은 고딕" charset="0"/>
+                <a:ea typeface="맑은 고딕" charset="0"/>
+              </a:rPr>
+              <a:t>개</a:t>
+            </a:r>
+            <a:r>
+              <a:rPr sz="1800">
+                <a:latin typeface="맑은 고딕" charset="0"/>
+                <a:ea typeface="맑은 고딕" charset="0"/>
+              </a:rPr>
+              <a:t> 생성합니다.</a:t>
             </a:r>
             <a:endParaRPr lang="ko-KR" altLang="en-US" sz="1800">
               <a:latin typeface="맑은 고딕" charset="0"/>
               <a:ea typeface="맑은 고딕" charset="0"/>
             </a:endParaRPr>
           </a:p>
-        </p:txBody>
-      </p:sp>
-      <p:sp>
-        <p:nvSpPr>
-          <p:cNvPr id="12" name="텍스트 상자 67"/>
-          <p:cNvSpPr txBox="1">
-            <a:spLocks/>
-          </p:cNvSpPr>
-          <p:nvPr/>
-        </p:nvSpPr>
-        <p:spPr>
-          <a:xfrm rot="0">
-            <a:off x="6848475" y="5212715"/>
-            <a:ext cx="4105910" cy="923925"/>
-          </a:xfrm>
-          <a:prstGeom prst="rect"/>
-          <a:noFill/>
-          <a:ln w="0">
-            <a:noFill/>
-            <a:prstDash/>
-          </a:ln>
-        </p:spPr>
-        <p:txBody>
-          <a:bodyPr wrap="square" lIns="89535" tIns="46355" rIns="89535" bIns="46355" vert="horz" anchor="t">
-            <a:spAutoFit/>
-          </a:bodyPr>
-          <a:lstStyle/>
           <a:p>
             <a:pPr marL="0" indent="0" rtl="0" algn="l" defTabSz="914400" eaLnBrk="1" latinLnBrk="0" hangingPunct="1">
               <a:buFontTx/>
               <a:buNone/>
             </a:pPr>
-            <a:r>
-              <a:rPr sz="1800">
-                <a:latin typeface="맑은 고딕" charset="0"/>
-                <a:ea typeface="맑은 고딕" charset="0"/>
-              </a:rPr>
-              <a:t>Stoppint Distance : 에이전트가 도착점에서 얼마만큼의 거리에서 멈출지 설정합니다.</a:t>
-            </a:r>
             <a:endParaRPr lang="ko-KR" altLang="en-US" sz="1800">
               <a:latin typeface="맑은 고딕" charset="0"/>
               <a:ea typeface="맑은 고딕" charset="0"/>
             </a:endParaRPr>
           </a:p>
+          <a:p>
+            <a:pPr marL="0" indent="0" rtl="0" algn="l" defTabSz="914400" eaLnBrk="1" latinLnBrk="0" hangingPunct="1">
+              <a:buFontTx/>
+              <a:buNone/>
+            </a:pPr>
+            <a:r>
+              <a:rPr sz="1800">
+                <a:latin typeface="맑은 고딕" charset="0"/>
+                <a:ea typeface="맑은 고딕" charset="0"/>
+              </a:rPr>
+              <a:t>그</a:t>
+            </a:r>
+            <a:r>
+              <a:rPr lang="ko-KR" sz="1800">
+                <a:latin typeface="맑은 고딕" charset="0"/>
+                <a:ea typeface="맑은 고딕" charset="0"/>
+              </a:rPr>
+              <a:t>다음 First Guard라는 이름과 Second Guard라는 이름으로 각각 정의합니다.</a:t>
+            </a:r>
+            <a:endParaRPr lang="ko-KR" altLang="en-US" sz="1800">
+              <a:latin typeface="맑은 고딕" charset="0"/>
+              <a:ea typeface="맑은 고딕" charset="0"/>
+            </a:endParaRPr>
+          </a:p>
         </p:txBody>
       </p:sp>
       <p:pic>
         <p:nvPicPr>
-          <p:cNvPr id="16" name="그림 73" descr="C:/Users/Admin1/AppData/Roaming/PolarisOffice/ETemp/2392_18456704/fImage117720235292.png"/>
+          <p:cNvPr id="1209" name="그림 138" descr="C:/Users/Admin1/AppData/Roaming/PolarisOffice/ETemp/20556_22124416/fImage725725741.png"/>
           <p:cNvPicPr>
             <a:picLocks noChangeAspect="1"/>
           </p:cNvPicPr>
           <p:nvPr/>
         </p:nvPicPr>
         <p:blipFill rotWithShape="1">
-          <a:blip r:embed="rId6" cstate="print">
+          <a:blip r:embed="rId8" cstate="hqprint">
             <a:extLst>
               <a:ext uri="{28A0092B-C50C-407E-A947-70E740481C1C}">
-                <a14:useLocalDpi xmlns:a14="http://schemas.microsoft.com/office/drawing/2010/main" val="0"/>
+                <a14:useLocalDpi xmlns:a14="http://schemas.microsoft.com/office/drawing/2010/main"/>
               </a:ext>
             </a:extLst>
           </a:blip>
@@ -12008,26 +12095,28 @@
         </p:blipFill>
         <p:spPr>
           <a:xfrm rot="0">
-            <a:off x="6858000" y="1190625"/>
-            <a:ext cx="1010285" cy="1324610"/>
-          </a:xfrm>
-          <a:prstGeom prst="rect"/>
-          <a:noFill/>
+            <a:off x="1064895" y="1240790"/>
+            <a:ext cx="1804035" cy="3027680"/>
+          </a:xfrm>
+          <a:prstGeom prst="roundRect"/>
+          <a:solidFill>
+            <a:srgbClr val="EDEDED"/>
+          </a:solidFill>
         </p:spPr>
       </p:pic>
       <p:pic>
         <p:nvPicPr>
-          <p:cNvPr id="17" name="그림 74" descr="C:/Users/Admin1/AppData/Roaming/PolarisOffice/ETemp/2392_18456704/fImage8712542362382.png"/>
+          <p:cNvPr id="1210" name="그림 139" descr="C:/Users/Admin1/AppData/Roaming/PolarisOffice/ETemp/20556_22124416/fImage51372596334.png"/>
           <p:cNvPicPr>
             <a:picLocks noChangeAspect="1"/>
           </p:cNvPicPr>
           <p:nvPr/>
         </p:nvPicPr>
         <p:blipFill rotWithShape="1">
-          <a:blip r:embed="rId7" cstate="print">
+          <a:blip r:embed="rId9" cstate="hqprint">
             <a:extLst>
               <a:ext uri="{28A0092B-C50C-407E-A947-70E740481C1C}">
-                <a14:useLocalDpi xmlns:a14="http://schemas.microsoft.com/office/drawing/2010/main" val="0"/>
+                <a14:useLocalDpi xmlns:a14="http://schemas.microsoft.com/office/drawing/2010/main"/>
               </a:ext>
             </a:extLst>
           </a:blip>
@@ -12037,26 +12126,28 @@
         </p:blipFill>
         <p:spPr>
           <a:xfrm rot="0">
-            <a:off x="7105650" y="1457325"/>
-            <a:ext cx="534035" cy="524510"/>
-          </a:xfrm>
-          <a:prstGeom prst="rect"/>
-          <a:noFill/>
+            <a:off x="3789045" y="1216025"/>
+            <a:ext cx="1574800" cy="1613535"/>
+          </a:xfrm>
+          <a:prstGeom prst="roundRect"/>
+          <a:solidFill>
+            <a:srgbClr val="EDEDED"/>
+          </a:solidFill>
         </p:spPr>
       </p:pic>
       <p:pic>
         <p:nvPicPr>
-          <p:cNvPr id="18" name="그림 75" descr="C:/Users/Admin1/AppData/Roaming/PolarisOffice/ETemp/2392_18456704/fImage2531742377421.png"/>
+          <p:cNvPr id="1211" name="그림 140" descr="C:/Users/Admin1/AppData/Roaming/PolarisOffice/ETemp/20556_22124416/fImage1437532588467.png"/>
           <p:cNvPicPr>
             <a:picLocks noChangeAspect="1"/>
           </p:cNvPicPr>
           <p:nvPr/>
         </p:nvPicPr>
         <p:blipFill rotWithShape="1">
-          <a:blip r:embed="rId8" cstate="print">
+          <a:blip r:embed="rId10" cstate="hqprint">
             <a:extLst>
               <a:ext uri="{28A0092B-C50C-407E-A947-70E740481C1C}">
-                <a14:useLocalDpi xmlns:a14="http://schemas.microsoft.com/office/drawing/2010/main" val="0"/>
+                <a14:useLocalDpi xmlns:a14="http://schemas.microsoft.com/office/drawing/2010/main"/>
               </a:ext>
             </a:extLst>
           </a:blip>
@@ -12065,9 +12156,9 @@
           </a:stretch>
         </p:blipFill>
         <p:spPr>
-          <a:xfrm rot="5400000">
-            <a:off x="8773795" y="752475"/>
-            <a:ext cx="557530" cy="1900555"/>
+          <a:xfrm rot="0">
+            <a:off x="3061970" y="1851660"/>
+            <a:ext cx="521335" cy="350520"/>
           </a:xfrm>
           <a:prstGeom prst="rect"/>
           <a:noFill/>
@@ -12075,17 +12166,17 @@
       </p:pic>
       <p:pic>
         <p:nvPicPr>
-          <p:cNvPr id="19" name="그림 76" descr="C:/Users/Admin1/AppData/Roaming/PolarisOffice/ETemp/2392_18456704/fImage1177202388716.png"/>
+          <p:cNvPr id="1212" name="그림 141"/>
           <p:cNvPicPr>
             <a:picLocks noChangeAspect="1"/>
           </p:cNvPicPr>
           <p:nvPr/>
         </p:nvPicPr>
         <p:blipFill rotWithShape="1">
-          <a:blip r:embed="rId9" cstate="print">
+          <a:blip r:embed="rId10" cstate="hqprint">
             <a:extLst>
               <a:ext uri="{28A0092B-C50C-407E-A947-70E740481C1C}">
-                <a14:useLocalDpi xmlns:a14="http://schemas.microsoft.com/office/drawing/2010/main" val="0"/>
+                <a14:useLocalDpi xmlns:a14="http://schemas.microsoft.com/office/drawing/2010/main"/>
               </a:ext>
             </a:extLst>
           </a:blip>
@@ -12095,26 +12186,97 @@
         </p:blipFill>
         <p:spPr>
           <a:xfrm rot="0">
-            <a:off x="10177780" y="1390650"/>
-            <a:ext cx="776605" cy="910590"/>
+            <a:off x="3057525" y="3504565"/>
+            <a:ext cx="520700" cy="349885"/>
           </a:xfrm>
           <a:prstGeom prst="rect"/>
           <a:noFill/>
         </p:spPr>
       </p:pic>
+      <p:sp>
+        <p:nvSpPr>
+          <p:cNvPr id="1213" name="텍스트 상자 142"/>
+          <p:cNvSpPr txBox="1">
+            <a:spLocks/>
+          </p:cNvSpPr>
+          <p:nvPr/>
+        </p:nvSpPr>
+        <p:spPr>
+          <a:xfrm>
+            <a:off x="6831965" y="2247265"/>
+            <a:ext cx="4037330" cy="923925"/>
+          </a:xfrm>
+          <a:prstGeom prst="rect"/>
+          <a:noFill/>
+          <a:ln w="0">
+            <a:noFill/>
+            <a:prstDash/>
+          </a:ln>
+        </p:spPr>
+        <p:txBody>
+          <a:bodyPr wrap="square" lIns="89535" tIns="46355" rIns="89535" bIns="46355" numCol="1" vert="horz" anchor="t">
+            <a:spAutoFit/>
+          </a:bodyPr>
+          <a:lstStyle/>
+          <a:p>
+            <a:pPr marL="0" indent="0" rtl="0" algn="l" defTabSz="914400" eaLnBrk="1" latinLnBrk="0" hangingPunct="1">
+              <a:buFontTx/>
+              <a:buNone/>
+            </a:pPr>
+            <a:r>
+              <a:rPr sz="1800" b="1">
+                <a:solidFill>
+                  <a:srgbClr val="0611F2"/>
+                </a:solidFill>
+                <a:latin typeface="맑은 고딕" charset="0"/>
+                <a:ea typeface="맑은 고딕" charset="0"/>
+              </a:rPr>
+              <a:t>21</a:t>
+            </a:r>
+            <a:r>
+              <a:rPr sz="1800" b="1">
+                <a:solidFill>
+                  <a:srgbClr val="0611F2"/>
+                </a:solidFill>
+                <a:latin typeface="맑은 고딕" charset="0"/>
+                <a:ea typeface="맑은 고딕" charset="0"/>
+              </a:rPr>
+              <a:t>.</a:t>
+            </a:r>
+            <a:r>
+              <a:rPr sz="1800">
+                <a:latin typeface="맑은 고딕" charset="0"/>
+                <a:ea typeface="맑은 고딕" charset="0"/>
+              </a:rPr>
+              <a:t> 그</a:t>
+            </a:r>
+            <a:r>
+              <a:rPr lang="ko-KR" sz="1800">
+                <a:latin typeface="맑은 고딕" charset="0"/>
+                <a:ea typeface="맑은 고딕" charset="0"/>
+              </a:rPr>
+              <a:t>런 다음 First Guard 오브젝트와 Second Guard 오브젝트에 Nav Mesh Agent 컴포넌트를 추가합니다.</a:t>
+            </a:r>
+            <a:endParaRPr lang="ko-KR" altLang="en-US" sz="1800">
+              <a:latin typeface="맑은 고딕" charset="0"/>
+              <a:ea typeface="맑은 고딕" charset="0"/>
+            </a:endParaRPr>
+          </a:p>
+        </p:txBody>
+      </p:sp>
       <p:pic>
         <p:nvPicPr>
-          <p:cNvPr id="23" name="그림 80" descr="C:/Users/Admin1/AppData/Roaming/PolarisOffice/ETemp/2392_18456704/fImage1428122429718.png"/>
+          <p:cNvPr id="1214" name="그림 143"/>
           <p:cNvPicPr>
             <a:picLocks noChangeAspect="1"/>
           </p:cNvPicPr>
           <p:nvPr/>
         </p:nvPicPr>
         <p:blipFill rotWithShape="1">
-          <a:blip r:embed="rId10" cstate="print">
+          <a:blip r:embed="rId11" cstate="hqprint">
             <a:extLst>
               <a:ext uri="{28A0092B-C50C-407E-A947-70E740481C1C}">
-                <a14:useLocalDpi xmlns:a14="http://schemas.microsoft.com/office/drawing/2010/main" val="0"/>
+                <a14:useLocalDpi xmlns:a14="http://schemas.microsoft.com/office/drawing/2010/main"/>
               </a:ext>
             </a:extLst>
           </a:blip>
@@ -12124,26 +12286,28 @@
         </p:blipFill>
         <p:spPr>
           <a:xfrm rot="0">
-            <a:off x="6858000" y="3600450"/>
-            <a:ext cx="4086860" cy="1400810"/>
-          </a:xfrm>
-          <a:prstGeom prst="rect"/>
-          <a:noFill/>
+            <a:off x="6829425" y="1238250"/>
+            <a:ext cx="4020185" cy="924560"/>
+          </a:xfrm>
+          <a:prstGeom prst="roundRect"/>
+          <a:solidFill>
+            <a:srgbClr val="EDEDED"/>
+          </a:solidFill>
         </p:spPr>
       </p:pic>
       <p:pic>
         <p:nvPicPr>
-          <p:cNvPr id="24" name="그림 132" descr="C:/Users/Admin1/AppData/Roaming/PolarisOffice/ETemp/2392_18456704/fImage3643172899895.png"/>
+          <p:cNvPr id="1215" name="그림 144" descr="C:/Users/Admin1/AppData/Roaming/PolarisOffice/ETemp/20556_22124416/fImage169032994604.png"/>
           <p:cNvPicPr>
             <a:picLocks noChangeAspect="1"/>
           </p:cNvPicPr>
           <p:nvPr/>
         </p:nvPicPr>
         <p:blipFill rotWithShape="1">
-          <a:blip r:embed="rId11" cstate="print">
+          <a:blip r:embed="rId12" cstate="hqprint">
             <a:extLst>
               <a:ext uri="{28A0092B-C50C-407E-A947-70E740481C1C}">
-                <a14:useLocalDpi xmlns:a14="http://schemas.microsoft.com/office/drawing/2010/main" val="0"/>
+                <a14:useLocalDpi xmlns:a14="http://schemas.microsoft.com/office/drawing/2010/main"/>
               </a:ext>
             </a:extLst>
           </a:blip>
@@ -12153,26 +12317,28 @@
         </p:blipFill>
         <p:spPr>
           <a:xfrm rot="0">
-            <a:off x="1352550" y="3848100"/>
-            <a:ext cx="2315210" cy="1143635"/>
-          </a:xfrm>
-          <a:prstGeom prst="rect"/>
-          <a:noFill/>
+            <a:off x="8343900" y="3324225"/>
+            <a:ext cx="2534920" cy="1010285"/>
+          </a:xfrm>
+          <a:prstGeom prst="roundRect"/>
+          <a:solidFill>
+            <a:srgbClr val="EDEDED"/>
+          </a:solidFill>
         </p:spPr>
       </p:pic>
       <p:pic>
         <p:nvPicPr>
-          <p:cNvPr id="25" name="그림 133" descr="C:/Users/Admin1/AppData/Roaming/PolarisOffice/ETemp/2392_18456704/fImage1177202905447.png"/>
+          <p:cNvPr id="1216" name="그림 147" descr="C:/Users/Admin1/AppData/Roaming/PolarisOffice/ETemp/20556_22124416/fImage55543003902.png"/>
           <p:cNvPicPr>
             <a:picLocks noChangeAspect="1"/>
           </p:cNvPicPr>
           <p:nvPr/>
         </p:nvPicPr>
         <p:blipFill rotWithShape="1">
-          <a:blip r:embed="rId12" cstate="print">
+          <a:blip r:embed="rId13" cstate="hqprint">
             <a:extLst>
               <a:ext uri="{28A0092B-C50C-407E-A947-70E740481C1C}">
-                <a14:useLocalDpi xmlns:a14="http://schemas.microsoft.com/office/drawing/2010/main" val="0"/>
+                <a14:useLocalDpi xmlns:a14="http://schemas.microsoft.com/office/drawing/2010/main"/>
               </a:ext>
             </a:extLst>
           </a:blip>
@@ -12182,13 +12348,179 @@
         </p:blipFill>
         <p:spPr>
           <a:xfrm rot="0">
-            <a:off x="4315460" y="3848100"/>
-            <a:ext cx="1114425" cy="1219835"/>
+            <a:off x="6824980" y="3319780"/>
+            <a:ext cx="1263015" cy="1005205"/>
+          </a:xfrm>
+          <a:prstGeom prst="roundRect"/>
+          <a:solidFill>
+            <a:srgbClr val="EDEDED"/>
+          </a:solidFill>
+        </p:spPr>
+      </p:pic>
+      <p:sp>
+        <p:nvSpPr>
+          <p:cNvPr id="1217" name="텍스트 상자 148"/>
+          <p:cNvSpPr txBox="1">
+            <a:spLocks/>
+          </p:cNvSpPr>
+          <p:nvPr/>
+        </p:nvSpPr>
+        <p:spPr>
+          <a:xfrm>
+            <a:off x="6827520" y="4452620"/>
+            <a:ext cx="4051300" cy="1754505"/>
           </a:xfrm>
           <a:prstGeom prst="rect"/>
           <a:noFill/>
-        </p:spPr>
-      </p:pic>
+          <a:ln w="0">
+            <a:noFill/>
+            <a:prstDash/>
+          </a:ln>
+        </p:spPr>
+        <p:txBody>
+          <a:bodyPr wrap="square" lIns="89535" tIns="46355" rIns="89535" bIns="46355" numCol="1" vert="horz" anchor="t">
+            <a:spAutoFit/>
+          </a:bodyPr>
+          <a:lstStyle/>
+          <a:p>
+            <a:pPr marL="0" indent="0" rtl="0" algn="l" defTabSz="914400" eaLnBrk="1" latinLnBrk="0" hangingPunct="1">
+              <a:buFontTx/>
+              <a:buNone/>
+            </a:pPr>
+            <a:r>
+              <a:rPr lang="ko-KR" sz="1800" b="1">
+                <a:solidFill>
+                  <a:srgbClr val="0611F2"/>
+                </a:solidFill>
+                <a:latin typeface="맑은 고딕" charset="0"/>
+                <a:ea typeface="맑은 고딕" charset="0"/>
+              </a:rPr>
+              <a:t>22</a:t>
+            </a:r>
+            <a:r>
+              <a:rPr sz="1800" b="1">
+                <a:solidFill>
+                  <a:srgbClr val="0611F2"/>
+                </a:solidFill>
+                <a:latin typeface="맑은 고딕" charset="0"/>
+                <a:ea typeface="맑은 고딕" charset="0"/>
+              </a:rPr>
+              <a:t>.</a:t>
+            </a:r>
+            <a:r>
+              <a:rPr sz="1800">
+                <a:latin typeface="맑은 고딕" charset="0"/>
+                <a:ea typeface="맑은 고딕" charset="0"/>
+              </a:rPr>
+              <a:t> </a:t>
+            </a:r>
+            <a:r>
+              <a:rPr lang="ko-KR" sz="1800">
+                <a:latin typeface="맑은 고딕" charset="0"/>
+                <a:ea typeface="맑은 고딕" charset="0"/>
+              </a:rPr>
+              <a:t>마지막으로 Project 폴더에서 Texture에 Panel_C 텍스처를 선택합니다.</a:t>
+            </a:r>
+            <a:endParaRPr lang="ko-KR" altLang="en-US" sz="1800">
+              <a:latin typeface="맑은 고딕" charset="0"/>
+              <a:ea typeface="맑은 고딕" charset="0"/>
+            </a:endParaRPr>
+          </a:p>
+          <a:p>
+            <a:pPr marL="0" indent="0" rtl="0" algn="l" defTabSz="914400" eaLnBrk="1" latinLnBrk="0" hangingPunct="1">
+              <a:buFontTx/>
+              <a:buNone/>
+            </a:pPr>
+            <a:endParaRPr lang="ko-KR" altLang="en-US" sz="1800">
+              <a:latin typeface="맑은 고딕" charset="0"/>
+              <a:ea typeface="맑은 고딕" charset="0"/>
+            </a:endParaRPr>
+          </a:p>
+          <a:p>
+            <a:pPr marL="0" indent="0" rtl="0" algn="l" defTabSz="914400" eaLnBrk="1" latinLnBrk="0" hangingPunct="1">
+              <a:buFontTx/>
+              <a:buNone/>
+            </a:pPr>
+            <a:r>
+              <a:rPr lang="ko-KR" sz="1800">
+                <a:latin typeface="맑은 고딕" charset="0"/>
+                <a:ea typeface="맑은 고딕" charset="0"/>
+              </a:rPr>
+              <a:t>이제 First Guard 오브젝트와 Second Guard 오브젝트에 넣어줍니다.</a:t>
+            </a:r>
+            <a:endParaRPr lang="ko-KR" altLang="en-US" sz="1800">
+              <a:latin typeface="맑은 고딕" charset="0"/>
+              <a:ea typeface="맑은 고딕" charset="0"/>
+            </a:endParaRPr>
+          </a:p>
+        </p:txBody>
+      </p:sp>
+      <p:cxnSp>
+        <p:nvCxnSpPr>
+          <p:cNvPr id="1218" name="도형 37"/>
+          <p:cNvCxnSpPr/>
+          <p:nvPr/>
+        </p:nvCxnSpPr>
+        <p:spPr>
+          <a:xfrm rot="0" flipH="1">
+            <a:off x="7781925" y="3955415"/>
+            <a:ext cx="686435" cy="150495"/>
+          </a:xfrm>
+          <a:prstGeom prst="straightConnector1"/>
+          <a:ln w="6350" cap="flat" cmpd="sng">
+            <a:prstDash/>
+            <a:headEnd type="none" w="med" len="med"/>
+            <a:tailEnd type="triangle" w="med" len="med"/>
+          </a:ln>
+        </p:spPr>
+        <p:style>
+          <a:lnRef idx="1">
+            <a:schemeClr val="accent1"/>
+          </a:lnRef>
+          <a:fillRef idx="0">
+            <a:schemeClr val="accent1"/>
+          </a:fillRef>
+          <a:effectRef idx="0">
+            <a:schemeClr val="accent1"/>
+          </a:effectRef>
+          <a:fontRef idx="minor">
+            <a:schemeClr val="tx1"/>
+          </a:fontRef>
+        </p:style>
+      </p:cxnSp>
+      <p:cxnSp>
+        <p:nvCxnSpPr>
+          <p:cNvPr id="1219" name="도형 38"/>
+          <p:cNvCxnSpPr/>
+          <p:nvPr/>
+        </p:nvCxnSpPr>
+        <p:spPr>
+          <a:xfrm rot="0" flipH="1">
+            <a:off x="7950835" y="3955415"/>
+            <a:ext cx="522605" cy="281305"/>
+          </a:xfrm>
+          <a:prstGeom prst="straightConnector1"/>
+          <a:ln w="6350" cap="flat" cmpd="sng">
+            <a:prstDash/>
+            <a:headEnd type="none" w="med" len="med"/>
+            <a:tailEnd type="triangle" w="med" len="med"/>
+          </a:ln>
+        </p:spPr>
+        <p:style>
+          <a:lnRef idx="1">
+            <a:schemeClr val="accent1"/>
+          </a:lnRef>
+          <a:fillRef idx="0">
+            <a:schemeClr val="accent1"/>
+          </a:fillRef>
+          <a:effectRef idx="0">
+            <a:schemeClr val="accent1"/>
+          </a:effectRef>
+          <a:fontRef idx="minor">
+            <a:schemeClr val="tx1"/>
+          </a:fontRef>
+        </p:style>
+      </p:cxnSp>
     </p:spTree>
   </p:cSld>
   <p:clrMapOvr>
@@ -12229,16 +12561,76 @@
           <a:chExt cx="0" cy="0"/>
         </a:xfrm>
       </p:grpSpPr>
+      <p:sp>
+        <p:nvSpPr>
+          <p:cNvPr id="2" name="텍스트 상자 57"/>
+          <p:cNvSpPr txBox="1">
+            <a:spLocks/>
+          </p:cNvSpPr>
+          <p:nvPr/>
+        </p:nvSpPr>
+        <p:spPr>
+          <a:xfrm rot="0">
+            <a:off x="4318635" y="338455"/>
+            <a:ext cx="3631565" cy="554990"/>
+          </a:xfrm>
+          <a:prstGeom prst="rect"/>
+          <a:noFill/>
+          <a:ln w="0">
+            <a:noFill/>
+            <a:prstDash/>
+          </a:ln>
+        </p:spPr>
+        <p:txBody>
+          <a:bodyPr wrap="square" lIns="89535" tIns="46355" rIns="89535" bIns="46355" numCol="1" vert="horz" anchor="t">
+            <a:spAutoFit/>
+          </a:bodyPr>
+          <a:lstStyle/>
+          <a:p>
+            <a:pPr marL="0" indent="0" rtl="0" algn="l" defTabSz="914400" eaLnBrk="1" latinLnBrk="0" hangingPunct="1">
+              <a:buFontTx/>
+              <a:buNone/>
+            </a:pPr>
+            <a:r>
+              <a:rPr sz="3000" b="1">
+                <a:solidFill>
+                  <a:schemeClr val="tx1"/>
+                </a:solidFill>
+                <a:latin typeface="맑은 고딕" charset="0"/>
+                <a:ea typeface="맑은 고딕" charset="0"/>
+              </a:rPr>
+              <a:t>일</a:t>
+            </a:r>
+            <a:r>
+              <a:rPr lang="ko-KR" sz="3000" b="1">
+                <a:solidFill>
+                  <a:schemeClr val="tx1"/>
+                </a:solidFill>
+                <a:latin typeface="맑은 고딕" charset="0"/>
+                <a:ea typeface="맑은 고딕" charset="0"/>
+              </a:rPr>
+              <a:t>곱 번째 튜토리얼</a:t>
+            </a:r>
+            <a:endParaRPr lang="ko-KR" altLang="en-US" sz="3000" b="1">
+              <a:solidFill>
+                <a:schemeClr val="tx1"/>
+              </a:solidFill>
+              <a:latin typeface="맑은 고딕" charset="0"/>
+              <a:ea typeface="맑은 고딕" charset="0"/>
+            </a:endParaRPr>
+          </a:p>
+        </p:txBody>
+      </p:sp>
       <p:pic>
         <p:nvPicPr>
-          <p:cNvPr id="22" name="그림 153" descr="C:/Users/Admin1/AppData/Roaming/PolarisOffice/ETemp/2392_18456704/fImage1177203061726.png"/>
+          <p:cNvPr id="24" name="그림 41" descr="C:/Users/Admin1/AppData/Roaming/PolarisOffice/ETemp/20556_22124416/fImage125343059169.png"/>
           <p:cNvPicPr>
             <a:picLocks noChangeAspect="1"/>
           </p:cNvPicPr>
           <p:nvPr/>
         </p:nvPicPr>
         <p:blipFill rotWithShape="1">
-          <a:blip r:embed="rId7" cstate="print">
+          <a:blip r:embed="rId13" cstate="print">
             <a:extLst>
               <a:ext uri="{28A0092B-C50C-407E-A947-70E740481C1C}">
                 <a14:useLocalDpi xmlns:a14="http://schemas.microsoft.com/office/drawing/2010/main" val="0"/>
@@ -12251,303 +12643,25 @@
         </p:blipFill>
         <p:spPr>
           <a:xfrm rot="0">
-            <a:off x="8287385" y="1405255"/>
-            <a:ext cx="1081405" cy="1624330"/>
-          </a:xfrm>
-          <a:prstGeom prst="rect"/>
-          <a:noFill/>
+            <a:off x="1437640" y="1342390"/>
+            <a:ext cx="3949065" cy="1767205"/>
+          </a:xfrm>
+          <a:prstGeom prst="roundRect"/>
+          <a:solidFill>
+            <a:srgbClr val="EDEDED"/>
+          </a:solidFill>
         </p:spPr>
       </p:pic>
-      <p:sp>
-        <p:nvSpPr>
-          <p:cNvPr id="2" name="텍스트 상자 89"/>
-          <p:cNvSpPr txBox="1">
-            <a:spLocks/>
-          </p:cNvSpPr>
-          <p:nvPr/>
-        </p:nvSpPr>
-        <p:spPr>
-          <a:xfrm rot="0">
-            <a:off x="4108450" y="509905"/>
-            <a:ext cx="3959860" cy="554990"/>
-          </a:xfrm>
-          <a:prstGeom prst="rect"/>
-          <a:noFill/>
-          <a:ln w="0">
-            <a:noFill/>
-            <a:prstDash/>
-          </a:ln>
-        </p:spPr>
-        <p:txBody>
-          <a:bodyPr wrap="square" lIns="89535" tIns="46355" rIns="89535" bIns="46355" vert="horz" anchor="t">
-            <a:spAutoFit/>
-          </a:bodyPr>
-          <a:lstStyle/>
-          <a:p>
-            <a:pPr marL="0" indent="0" rtl="0" algn="l" defTabSz="914400" eaLnBrk="1" latinLnBrk="0" hangingPunct="1">
-              <a:buFontTx/>
-              <a:buNone/>
-            </a:pPr>
-            <a:r>
-              <a:rPr sz="3000" b="1">
-                <a:solidFill>
-                  <a:schemeClr val="tx1"/>
-                </a:solidFill>
-                <a:latin typeface="맑은 고딕" charset="0"/>
-                <a:ea typeface="맑은 고딕" charset="0"/>
-              </a:rPr>
-              <a:t>NavMesh Avoidance</a:t>
-            </a:r>
-            <a:endParaRPr lang="ko-KR" altLang="en-US" sz="3000" b="1">
-              <a:solidFill>
-                <a:schemeClr val="tx1"/>
-              </a:solidFill>
-              <a:latin typeface="맑은 고딕" charset="0"/>
-              <a:ea typeface="맑은 고딕" charset="0"/>
-            </a:endParaRPr>
-          </a:p>
-        </p:txBody>
-      </p:sp>
-      <p:sp>
-        <p:nvSpPr>
-          <p:cNvPr id="3" name="텍스트 상자 90"/>
-          <p:cNvSpPr txBox="1">
-            <a:spLocks/>
-          </p:cNvSpPr>
-          <p:nvPr/>
-        </p:nvSpPr>
-        <p:spPr>
-          <a:xfrm rot="0">
-            <a:off x="1114425" y="1405890"/>
-            <a:ext cx="4277360" cy="647065"/>
-          </a:xfrm>
-          <a:prstGeom prst="rect"/>
-          <a:noFill/>
-          <a:ln w="0">
-            <a:noFill/>
-            <a:prstDash/>
-          </a:ln>
-        </p:spPr>
-        <p:txBody>
-          <a:bodyPr wrap="square" lIns="89535" tIns="46355" rIns="89535" bIns="46355" vert="horz" anchor="t">
-            <a:spAutoFit/>
-          </a:bodyPr>
-          <a:lstStyle/>
-          <a:p>
-            <a:pPr marL="0" indent="0" rtl="0" algn="l" defTabSz="914400" eaLnBrk="1" latinLnBrk="0" hangingPunct="1">
-              <a:buFontTx/>
-              <a:buNone/>
-            </a:pPr>
-            <a:r>
-              <a:rPr sz="1800">
-                <a:latin typeface="맑은 고딕" charset="0"/>
-                <a:ea typeface="맑은 고딕" charset="0"/>
-              </a:rPr>
-              <a:t>NavMesh Avoidance : 장애물 회피와 관련된 컴포넌트입니다.</a:t>
-            </a:r>
-            <a:endParaRPr lang="ko-KR" altLang="en-US" sz="1800">
-              <a:latin typeface="맑은 고딕" charset="0"/>
-              <a:ea typeface="맑은 고딕" charset="0"/>
-            </a:endParaRPr>
-          </a:p>
-        </p:txBody>
-      </p:sp>
-      <p:sp>
-        <p:nvSpPr>
-          <p:cNvPr id="4" name="텍스트 상자 91"/>
-          <p:cNvSpPr txBox="1">
-            <a:spLocks/>
-          </p:cNvSpPr>
-          <p:nvPr/>
-        </p:nvSpPr>
-        <p:spPr>
-          <a:xfrm rot="0">
-            <a:off x="6810375" y="3124835"/>
-            <a:ext cx="3924935" cy="3138805"/>
-          </a:xfrm>
-          <a:prstGeom prst="rect"/>
-          <a:noFill/>
-          <a:ln w="0">
-            <a:noFill/>
-            <a:prstDash/>
-          </a:ln>
-        </p:spPr>
-        <p:txBody>
-          <a:bodyPr wrap="square" lIns="89535" tIns="46355" rIns="89535" bIns="46355" vert="horz" anchor="t">
-            <a:spAutoFit/>
-          </a:bodyPr>
-          <a:lstStyle/>
-          <a:p>
-            <a:pPr marL="0" indent="0" rtl="0" algn="l" defTabSz="914400" eaLnBrk="1" latinLnBrk="0" hangingPunct="1">
-              <a:buFontTx/>
-              <a:buNone/>
-            </a:pPr>
-            <a:r>
-              <a:rPr sz="1800">
-                <a:latin typeface="맑은 고딕" charset="0"/>
-                <a:ea typeface="맑은 고딕" charset="0"/>
-              </a:rPr>
-              <a:t>Priority : 에이전트 간의 우선순위를 설정하며, 0~99 사이에 값을 설정할 수 있습니다.</a:t>
-            </a:r>
-            <a:endParaRPr lang="ko-KR" altLang="en-US" sz="1800">
-              <a:latin typeface="맑은 고딕" charset="0"/>
-              <a:ea typeface="맑은 고딕" charset="0"/>
-            </a:endParaRPr>
-          </a:p>
-          <a:p>
-            <a:pPr marL="0" indent="0" rtl="0" algn="l" defTabSz="914400" eaLnBrk="1" latinLnBrk="0" hangingPunct="1">
-              <a:buFontTx/>
-              <a:buNone/>
-            </a:pPr>
-            <a:endParaRPr lang="ko-KR" altLang="en-US" sz="1800">
-              <a:latin typeface="맑은 고딕" charset="0"/>
-              <a:ea typeface="맑은 고딕" charset="0"/>
-            </a:endParaRPr>
-          </a:p>
-          <a:p>
-            <a:pPr marL="0" indent="0" rtl="0" algn="l" defTabSz="914400" eaLnBrk="1" latinLnBrk="0" hangingPunct="1">
-              <a:buFontTx/>
-              <a:buNone/>
-            </a:pPr>
-            <a:r>
-              <a:rPr sz="1800">
-                <a:latin typeface="맑은 고딕" charset="0"/>
-                <a:ea typeface="맑은 고딕" charset="0"/>
-              </a:rPr>
-              <a:t>우선순위가 같다면 피해 가려는 움직임만 연출하고, 여의찮을 때 그대로 이동합니다.</a:t>
-            </a:r>
-            <a:endParaRPr lang="ko-KR" altLang="en-US" sz="1800">
-              <a:latin typeface="맑은 고딕" charset="0"/>
-              <a:ea typeface="맑은 고딕" charset="0"/>
-            </a:endParaRPr>
-          </a:p>
-          <a:p>
-            <a:pPr marL="0" indent="0" rtl="0" algn="l" defTabSz="914400" eaLnBrk="1" latinLnBrk="0" hangingPunct="1">
-              <a:buFontTx/>
-              <a:buNone/>
-            </a:pPr>
-            <a:endParaRPr lang="ko-KR" altLang="en-US" sz="1800">
-              <a:latin typeface="맑은 고딕" charset="0"/>
-              <a:ea typeface="맑은 고딕" charset="0"/>
-            </a:endParaRPr>
-          </a:p>
-          <a:p>
-            <a:pPr marL="0" indent="0" rtl="0" algn="l" defTabSz="914400" eaLnBrk="1" latinLnBrk="0" hangingPunct="1">
-              <a:buFontTx/>
-              <a:buNone/>
-            </a:pPr>
-            <a:r>
-              <a:rPr sz="1800">
-                <a:latin typeface="맑은 고딕" charset="0"/>
-                <a:ea typeface="맑은 고딕" charset="0"/>
-              </a:rPr>
-              <a:t>0이라는 값이 가장 큰 값을 의미하며, 99라는 값은 가장 작은 값을 의미합니다.</a:t>
-            </a:r>
-            <a:endParaRPr lang="ko-KR" altLang="en-US" sz="1800">
-              <a:latin typeface="맑은 고딕" charset="0"/>
-              <a:ea typeface="맑은 고딕" charset="0"/>
-            </a:endParaRPr>
-          </a:p>
-        </p:txBody>
-      </p:sp>
-      <p:sp>
-        <p:nvSpPr>
-          <p:cNvPr id="5" name="텍스트 상자 92"/>
-          <p:cNvSpPr txBox="1">
-            <a:spLocks/>
-          </p:cNvSpPr>
-          <p:nvPr/>
-        </p:nvSpPr>
-        <p:spPr>
-          <a:xfrm rot="0">
-            <a:off x="1104900" y="3354705"/>
-            <a:ext cx="4304030" cy="923925"/>
-          </a:xfrm>
-          <a:prstGeom prst="rect"/>
-          <a:noFill/>
-          <a:ln w="0">
-            <a:noFill/>
-            <a:prstDash/>
-          </a:ln>
-        </p:spPr>
-        <p:txBody>
-          <a:bodyPr wrap="square" lIns="89535" tIns="46355" rIns="89535" bIns="46355" vert="horz" anchor="t">
-            <a:spAutoFit/>
-          </a:bodyPr>
-          <a:lstStyle/>
-          <a:p>
-            <a:pPr marL="0" indent="0" rtl="0" algn="l" defTabSz="914400" eaLnBrk="1" latinLnBrk="0" hangingPunct="1">
-              <a:buFontTx/>
-              <a:buNone/>
-            </a:pPr>
-            <a:r>
-              <a:rPr sz="1800">
-                <a:latin typeface="맑은 고딕" charset="0"/>
-                <a:ea typeface="맑은 고딕" charset="0"/>
-              </a:rPr>
-              <a:t>Radius : 에이전트의 충돌 범위를 설정하며, 에이전트 컴포넌트를 가진 게임 오브젝트만 충돌됩니다.</a:t>
-            </a:r>
-            <a:endParaRPr lang="ko-KR" altLang="en-US" sz="1800">
-              <a:latin typeface="맑은 고딕" charset="0"/>
-              <a:ea typeface="맑은 고딕" charset="0"/>
-            </a:endParaRPr>
-          </a:p>
-        </p:txBody>
-      </p:sp>
-      <p:sp>
-        <p:nvSpPr>
-          <p:cNvPr id="6" name="텍스트 상자 93"/>
-          <p:cNvSpPr txBox="1">
-            <a:spLocks/>
-          </p:cNvSpPr>
-          <p:nvPr/>
-        </p:nvSpPr>
-        <p:spPr>
-          <a:xfrm rot="0">
-            <a:off x="1114425" y="5633720"/>
-            <a:ext cx="4293870" cy="647065"/>
-          </a:xfrm>
-          <a:prstGeom prst="rect"/>
-          <a:noFill/>
-          <a:ln w="0">
-            <a:noFill/>
-            <a:prstDash/>
-          </a:ln>
-        </p:spPr>
-        <p:txBody>
-          <a:bodyPr wrap="square" lIns="89535" tIns="46355" rIns="89535" bIns="46355" vert="horz" anchor="t">
-            <a:spAutoFit/>
-          </a:bodyPr>
-          <a:lstStyle/>
-          <a:p>
-            <a:pPr marL="0" indent="0" rtl="0" algn="l" defTabSz="914400" eaLnBrk="1" latinLnBrk="0" hangingPunct="1">
-              <a:buFontTx/>
-              <a:buNone/>
-            </a:pPr>
-            <a:r>
-              <a:rPr sz="1800">
-                <a:latin typeface="맑은 고딕" charset="0"/>
-                <a:ea typeface="맑은 고딕" charset="0"/>
-              </a:rPr>
-              <a:t>Quality : 에이전트와 에이전트간의 회피하는 품질을 설정합니다.</a:t>
-            </a:r>
-            <a:endParaRPr lang="ko-KR" altLang="en-US" sz="1800">
-              <a:latin typeface="맑은 고딕" charset="0"/>
-              <a:ea typeface="맑은 고딕" charset="0"/>
-            </a:endParaRPr>
-          </a:p>
-        </p:txBody>
-      </p:sp>
       <p:pic>
         <p:nvPicPr>
-          <p:cNvPr id="18" name="그림 149" descr="C:/Users/Admin1/AppData/Roaming/PolarisOffice/ETemp/2392_18456704/fImage1177203024771.png"/>
+          <p:cNvPr id="25" name="그림 42" descr="C:/Users/Admin1/AppData/Roaming/PolarisOffice/ETemp/20556_22124416/fImage128373065724.png"/>
           <p:cNvPicPr>
             <a:picLocks noChangeAspect="1"/>
           </p:cNvPicPr>
           <p:nvPr/>
         </p:nvPicPr>
         <p:blipFill rotWithShape="1">
-          <a:blip r:embed="rId8" cstate="print">
+          <a:blip r:embed="rId14" cstate="print">
             <a:extLst>
               <a:ext uri="{28A0092B-C50C-407E-A947-70E740481C1C}">
                 <a14:useLocalDpi xmlns:a14="http://schemas.microsoft.com/office/drawing/2010/main" val="0"/>
@@ -12560,16 +12674,18 @@
         </p:blipFill>
         <p:spPr>
           <a:xfrm rot="0">
-            <a:off x="6805930" y="1419225"/>
-            <a:ext cx="1081405" cy="1610360"/>
-          </a:xfrm>
-          <a:prstGeom prst="rect"/>
-          <a:noFill/>
+            <a:off x="1437005" y="3325495"/>
+            <a:ext cx="3950335" cy="1732915"/>
+          </a:xfrm>
+          <a:prstGeom prst="roundRect"/>
+          <a:solidFill>
+            <a:srgbClr val="EDEDED"/>
+          </a:solidFill>
         </p:spPr>
       </p:pic>
       <p:sp>
         <p:nvSpPr>
-          <p:cNvPr id="20" name="텍스트 상자 151"/>
+          <p:cNvPr id="26" name="텍스트 상자 48"/>
           <p:cNvSpPr txBox="1">
             <a:spLocks/>
           </p:cNvSpPr>
@@ -12577,8 +12693,8 @@
         </p:nvSpPr>
         <p:spPr>
           <a:xfrm rot="0">
-            <a:off x="7205980" y="1491615"/>
-            <a:ext cx="290830" cy="478155"/>
+            <a:off x="1449705" y="5219065"/>
+            <a:ext cx="3937000" cy="923925"/>
           </a:xfrm>
           <a:prstGeom prst="rect"/>
           <a:noFill/>
@@ -12588,95 +12704,128 @@
           </a:ln>
         </p:spPr>
         <p:txBody>
-          <a:bodyPr wrap="square" lIns="89535" tIns="46355" rIns="89535" bIns="46355" vert="horz" anchor="t">
+          <a:bodyPr wrap="square" lIns="89535" tIns="46355" rIns="89535" bIns="46355" numCol="1" vert="horz" anchor="t">
             <a:spAutoFit/>
           </a:bodyPr>
           <a:lstStyle/>
           <a:p>
-            <a:pPr marL="0" indent="0" rtl="0" algn="ctr" defTabSz="914400" eaLnBrk="1" latinLnBrk="0" hangingPunct="1">
-              <a:buFontTx/>
-              <a:buNone/>
-            </a:pPr>
-            <a:r>
-              <a:rPr sz="2500" b="1">
+            <a:pPr marL="0" indent="0" rtl="0" algn="l" defTabSz="914400" eaLnBrk="1" latinLnBrk="0" hangingPunct="1">
+              <a:buFontTx/>
+              <a:buNone/>
+            </a:pPr>
+            <a:r>
+              <a:rPr lang="ko-KR" sz="1800" b="1">
                 <a:solidFill>
-                  <a:srgbClr val="FF0000"/>
+                  <a:srgbClr val="0611F2"/>
                 </a:solidFill>
                 <a:latin typeface="맑은 고딕" charset="0"/>
                 <a:ea typeface="맑은 고딕" charset="0"/>
               </a:rPr>
-              <a:t>0</a:t>
-            </a:r>
-            <a:endParaRPr lang="ko-KR" altLang="en-US" sz="2500" b="1">
-              <a:solidFill>
-                <a:srgbClr val="FF0000"/>
-              </a:solidFill>
+              <a:t>2</a:t>
+            </a:r>
+            <a:r>
+              <a:rPr lang="ko-KR" sz="1800" b="1">
+                <a:solidFill>
+                  <a:srgbClr val="0611F2"/>
+                </a:solidFill>
+                <a:latin typeface="맑은 고딕" charset="0"/>
+                <a:ea typeface="맑은 고딕" charset="0"/>
+              </a:rPr>
+              <a:t>3</a:t>
+            </a:r>
+            <a:r>
+              <a:rPr sz="1800" b="1">
+                <a:solidFill>
+                  <a:srgbClr val="0611F2"/>
+                </a:solidFill>
+                <a:latin typeface="맑은 고딕" charset="0"/>
+                <a:ea typeface="맑은 고딕" charset="0"/>
+              </a:rPr>
+              <a:t>.</a:t>
+            </a:r>
+            <a:r>
+              <a:rPr sz="1800">
+                <a:latin typeface="맑은 고딕" charset="0"/>
+                <a:ea typeface="맑은 고딕" charset="0"/>
+              </a:rPr>
+              <a:t> </a:t>
+            </a:r>
+            <a:r>
+              <a:rPr lang="ko-KR" sz="1800">
+                <a:latin typeface="맑은 고딕" charset="0"/>
+                <a:ea typeface="맑은 고딕" charset="0"/>
+              </a:rPr>
+              <a:t>그</a:t>
+            </a:r>
+            <a:r>
+              <a:rPr lang="ko-KR" sz="1800">
+                <a:latin typeface="맑은 고딕" charset="0"/>
+                <a:ea typeface="맑은 고딕" charset="0"/>
+              </a:rPr>
+              <a:t>리고</a:t>
+            </a:r>
+            <a:r>
+              <a:rPr lang="ko-KR" sz="1800">
+                <a:latin typeface="맑은 고딕" charset="0"/>
+                <a:ea typeface="맑은 고딕" charset="0"/>
+              </a:rPr>
+              <a:t> </a:t>
+            </a:r>
+            <a:r>
+              <a:rPr lang="ko-KR" sz="1800">
+                <a:latin typeface="맑은 고딕" charset="0"/>
+                <a:ea typeface="맑은 고딕" charset="0"/>
+              </a:rPr>
+              <a:t>First Guard 오브젝트와 Second Guard 오브젝트의 위치를 설정합니다.</a:t>
+            </a:r>
+            <a:endParaRPr lang="ko-KR" altLang="en-US" sz="1800">
               <a:latin typeface="맑은 고딕" charset="0"/>
               <a:ea typeface="맑은 고딕" charset="0"/>
             </a:endParaRPr>
           </a:p>
         </p:txBody>
       </p:sp>
-      <p:sp>
-        <p:nvSpPr>
-          <p:cNvPr id="21" name="텍스트 상자 152"/>
-          <p:cNvSpPr txBox="1">
-            <a:spLocks/>
-          </p:cNvSpPr>
-          <p:nvPr/>
-        </p:nvSpPr>
-        <p:spPr>
-          <a:xfrm rot="0">
-            <a:off x="8553450" y="1496695"/>
-            <a:ext cx="624840" cy="478155"/>
-          </a:xfrm>
-          <a:prstGeom prst="rect"/>
-          <a:noFill/>
-          <a:ln w="0">
-            <a:noFill/>
-            <a:prstDash/>
-          </a:ln>
-        </p:spPr>
-        <p:txBody>
-          <a:bodyPr wrap="square" lIns="89535" tIns="46355" rIns="89535" bIns="46355" vert="horz" anchor="t">
-            <a:spAutoFit/>
-          </a:bodyPr>
-          <a:lstStyle/>
-          <a:p>
-            <a:pPr marL="0" indent="0" rtl="0" algn="ctr" defTabSz="914400" eaLnBrk="1" latinLnBrk="0" hangingPunct="1">
-              <a:buFontTx/>
-              <a:buNone/>
-            </a:pPr>
-            <a:r>
-              <a:rPr lang="ko-KR" sz="2500" b="1">
-                <a:solidFill>
-                  <a:srgbClr val="FF0000"/>
-                </a:solidFill>
-                <a:latin typeface="맑은 고딕" charset="0"/>
-                <a:ea typeface="맑은 고딕" charset="0"/>
-              </a:rPr>
-              <a:t>99</a:t>
-            </a:r>
-            <a:endParaRPr lang="ko-KR" altLang="en-US" sz="2500" b="1">
-              <a:solidFill>
-                <a:srgbClr val="FF0000"/>
-              </a:solidFill>
-              <a:latin typeface="맑은 고딕" charset="0"/>
-              <a:ea typeface="맑은 고딕" charset="0"/>
-            </a:endParaRPr>
-          </a:p>
-        </p:txBody>
-      </p:sp>
       <p:pic>
         <p:nvPicPr>
-          <p:cNvPr id="23" name="그림 154" descr="C:/Users/Admin1/AppData/Roaming/PolarisOffice/ETemp/2392_18456704/fImage855303071538.png"/>
+          <p:cNvPr id="27" name="그림 49" descr="C:/Users/Admin1/AppData/Roaming/PolarisOffice/ETemp/20556_22124416/fImage161053175667.png"/>
           <p:cNvPicPr>
             <a:picLocks noChangeAspect="1"/>
           </p:cNvPicPr>
           <p:nvPr/>
         </p:nvPicPr>
         <p:blipFill rotWithShape="1">
-          <a:blip r:embed="rId9" cstate="print">
+          <a:blip r:embed="rId15" cstate="hqprint">
+            <a:extLst>
+              <a:ext uri="{28A0092B-C50C-407E-A947-70E740481C1C}">
+                <a14:useLocalDpi xmlns:a14="http://schemas.microsoft.com/office/drawing/2010/main"/>
+              </a:ext>
+            </a:extLst>
+          </a:blip>
+          <a:stretch>
+            <a:fillRect/>
+          </a:stretch>
+        </p:blipFill>
+        <p:spPr>
+          <a:xfrm rot="0">
+            <a:off x="6814820" y="1333500"/>
+            <a:ext cx="2355850" cy="3715385"/>
+          </a:xfrm>
+          <a:prstGeom prst="roundRect"/>
+          <a:solidFill>
+            <a:srgbClr val="EDEDED"/>
+          </a:solidFill>
+        </p:spPr>
+      </p:pic>
+      <p:pic>
+        <p:nvPicPr>
+          <p:cNvPr id="28" name="그림 51" descr="C:/Users/Admin1/AppData/Roaming/PolarisOffice/ETemp/20556_22124416/fImage78673111478.png"/>
+          <p:cNvPicPr>
+            <a:picLocks noChangeAspect="1"/>
+          </p:cNvPicPr>
+          <p:nvPr/>
+        </p:nvPicPr>
+        <p:blipFill rotWithShape="1">
+          <a:blip r:embed="rId16" cstate="print">
             <a:extLst>
               <a:ext uri="{28A0092B-C50C-407E-A947-70E740481C1C}">
                 <a14:useLocalDpi xmlns:a14="http://schemas.microsoft.com/office/drawing/2010/main" val="0"/>
@@ -12689,37 +12838,8 @@
         </p:blipFill>
         <p:spPr>
           <a:xfrm rot="0">
-            <a:off x="9772650" y="1409700"/>
-            <a:ext cx="962660" cy="1343660"/>
-          </a:xfrm>
-          <a:prstGeom prst="rect"/>
-          <a:noFill/>
-        </p:spPr>
-      </p:pic>
-      <p:pic>
-        <p:nvPicPr>
-          <p:cNvPr id="24" name="그림 155" descr="C:/Users/Admin1/AppData/Roaming/PolarisOffice/ETemp/2392_18456704/fImage85093081869.png"/>
-          <p:cNvPicPr>
-            <a:picLocks noChangeAspect="1"/>
-          </p:cNvPicPr>
-          <p:nvPr/>
-        </p:nvPicPr>
-        <p:blipFill rotWithShape="1">
-          <a:blip r:embed="rId10" cstate="print">
-            <a:extLst>
-              <a:ext uri="{28A0092B-C50C-407E-A947-70E740481C1C}">
-                <a14:useLocalDpi xmlns:a14="http://schemas.microsoft.com/office/drawing/2010/main" val="0"/>
-              </a:ext>
-            </a:extLst>
-          </a:blip>
-          <a:stretch>
-            <a:fillRect/>
-          </a:stretch>
-        </p:blipFill>
-        <p:spPr>
-          <a:xfrm rot="0">
-            <a:off x="1114425" y="4429125"/>
-            <a:ext cx="4286885" cy="1067435"/>
+            <a:off x="9332595" y="2051685"/>
+            <a:ext cx="1552575" cy="2131695"/>
           </a:xfrm>
           <a:prstGeom prst="roundRect"/>
           <a:solidFill>
@@ -12727,37 +12847,104 @@
           </a:solidFill>
         </p:spPr>
       </p:pic>
-      <p:pic>
-        <p:nvPicPr>
-          <p:cNvPr id="25" name="그림 158" descr="C:/Users/Admin1/AppData/Roaming/PolarisOffice/ETemp/2392_18456704/fImage110813099912.png"/>
-          <p:cNvPicPr>
-            <a:picLocks noChangeAspect="1"/>
-          </p:cNvPicPr>
+      <p:sp>
+        <p:nvSpPr>
+          <p:cNvPr id="29" name="텍스트 상자 54"/>
+          <p:cNvSpPr txBox="1">
+            <a:spLocks/>
+          </p:cNvSpPr>
           <p:nvPr/>
-        </p:nvPicPr>
-        <p:blipFill rotWithShape="1">
-          <a:blip r:embed="rId11" cstate="print">
-            <a:extLst>
-              <a:ext uri="{28A0092B-C50C-407E-A947-70E740481C1C}">
-                <a14:useLocalDpi xmlns:a14="http://schemas.microsoft.com/office/drawing/2010/main" val="0"/>
-              </a:ext>
-            </a:extLst>
-          </a:blip>
-          <a:stretch>
-            <a:fillRect/>
-          </a:stretch>
-        </p:blipFill>
-        <p:spPr>
-          <a:xfrm rot="0">
-            <a:off x="1114425" y="2223770"/>
-            <a:ext cx="4277360" cy="996315"/>
-          </a:xfrm>
-          <a:prstGeom prst="roundRect"/>
-          <a:solidFill>
-            <a:srgbClr val="EDEDED"/>
-          </a:solidFill>
-        </p:spPr>
-      </p:pic>
+        </p:nvSpPr>
+        <p:spPr>
+          <a:xfrm rot="0">
+            <a:off x="6806565" y="5307965"/>
+            <a:ext cx="4079240" cy="831215"/>
+          </a:xfrm>
+          <a:prstGeom prst="rect"/>
+          <a:noFill/>
+        </p:spPr>
+        <p:txBody>
+          <a:bodyPr wrap="square" lIns="0" tIns="0" rIns="0" bIns="0" vert="horz" anchor="t">
+            <a:noAutofit/>
+          </a:bodyPr>
+          <a:lstStyle/>
+          <a:p>
+            <a:pPr marL="0" indent="0" rtl="0" algn="l" defTabSz="914400" eaLnBrk="1" latinLnBrk="0" hangingPunct="1">
+              <a:buFontTx/>
+              <a:buNone/>
+            </a:pPr>
+            <a:r>
+              <a:rPr sz="1800" b="1">
+                <a:solidFill>
+                  <a:srgbClr val="0611F2"/>
+                </a:solidFill>
+                <a:latin typeface="맑은 고딕" charset="0"/>
+                <a:ea typeface="맑은 고딕" charset="0"/>
+              </a:rPr>
+              <a:t>2</a:t>
+            </a:r>
+            <a:r>
+              <a:rPr sz="1800" b="1">
+                <a:solidFill>
+                  <a:srgbClr val="0611F2"/>
+                </a:solidFill>
+                <a:latin typeface="맑은 고딕" charset="0"/>
+                <a:ea typeface="맑은 고딕" charset="0"/>
+              </a:rPr>
+              <a:t>4</a:t>
+            </a:r>
+            <a:r>
+              <a:rPr sz="1800" b="1">
+                <a:solidFill>
+                  <a:srgbClr val="0611F2"/>
+                </a:solidFill>
+                <a:latin typeface="맑은 고딕" charset="0"/>
+                <a:ea typeface="맑은 고딕" charset="0"/>
+              </a:rPr>
+              <a:t>.</a:t>
+            </a:r>
+            <a:r>
+              <a:rPr lang="ko-KR" sz="1800">
+                <a:latin typeface="맑은 고딕" charset="0"/>
+                <a:ea typeface="맑은 고딕" charset="0"/>
+              </a:rPr>
+              <a:t> 그다음으로 3D Object로 Cube를 생성한 다음 Obstacle</a:t>
+            </a:r>
+            <a:r>
+              <a:rPr lang="ko-KR" sz="1800">
+                <a:latin typeface="맑은 고딕" charset="0"/>
+                <a:ea typeface="맑은 고딕" charset="0"/>
+              </a:rPr>
+              <a:t>이라는</a:t>
+            </a:r>
+            <a:r>
+              <a:rPr lang="ko-KR" sz="1800">
+                <a:latin typeface="맑은 고딕" charset="0"/>
+                <a:ea typeface="맑은 고딕" charset="0"/>
+              </a:rPr>
+              <a:t> 이름</a:t>
+            </a:r>
+            <a:r>
+              <a:rPr lang="ko-KR" sz="1800">
+                <a:latin typeface="맑은 고딕" charset="0"/>
+                <a:ea typeface="맑은 고딕" charset="0"/>
+              </a:rPr>
+              <a:t>으로</a:t>
+            </a:r>
+            <a:r>
+              <a:rPr lang="ko-KR" sz="1800">
+                <a:latin typeface="맑은 고딕" charset="0"/>
+                <a:ea typeface="맑은 고딕" charset="0"/>
+              </a:rPr>
+              <a:t> 정의합니다.</a:t>
+            </a:r>
+            <a:endParaRPr lang="ko-KR" altLang="en-US" sz="1800">
+              <a:latin typeface="맑은 고딕" charset="0"/>
+              <a:ea typeface="맑은 고딕" charset="0"/>
+            </a:endParaRPr>
+          </a:p>
+        </p:txBody>
+      </p:sp>
     </p:spTree>
   </p:cSld>
   <p:clrMapOvr>
@@ -12798,290 +12985,19 @@
           <a:chExt cx="0" cy="0"/>
         </a:xfrm>
       </p:grpSpPr>
-      <p:sp>
-        <p:nvSpPr>
-          <p:cNvPr id="1031" name="Rect 0"/>
-          <p:cNvSpPr txBox="1">
-            <a:spLocks/>
-          </p:cNvSpPr>
-          <p:nvPr/>
-        </p:nvSpPr>
-        <p:spPr>
-          <a:xfrm rot="0">
-            <a:off x="4804410" y="346075"/>
-            <a:ext cx="2593975" cy="478155"/>
-          </a:xfrm>
-          <a:prstGeom prst="rect"/>
-          <a:noFill/>
-          <a:ln w="0">
-            <a:noFill/>
-            <a:prstDash/>
-          </a:ln>
-        </p:spPr>
-        <p:txBody>
-          <a:bodyPr wrap="square" lIns="89535" tIns="46355" rIns="89535" bIns="46355" numCol="1" vert="horz" anchor="t">
-            <a:spAutoFit/>
-          </a:bodyPr>
-          <a:lstStyle/>
-          <a:p>
-            <a:pPr marL="0" indent="0" algn="l" latinLnBrk="0">
-              <a:buFontTx/>
-              <a:buNone/>
-            </a:pPr>
-            <a:r>
-              <a:rPr lang="ko-KR" altLang="en-US" sz="2500" b="1">
-                <a:solidFill>
-                  <a:schemeClr val="tx1"/>
-                </a:solidFill>
-                <a:latin typeface="나눔바른고딕" charset="0"/>
-                <a:ea typeface="나눔바른고딕" charset="0"/>
-              </a:rPr>
-              <a:t>일곱</a:t>
-            </a:r>
-            <a:r>
-              <a:rPr lang="ko-KR" altLang="en-US" sz="2500" b="1">
-                <a:solidFill>
-                  <a:schemeClr val="tx1"/>
-                </a:solidFill>
-                <a:latin typeface="나눔바른고딕" charset="0"/>
-                <a:ea typeface="나눔바른고딕" charset="0"/>
-              </a:rPr>
-              <a:t> 번째 튜토리얼</a:t>
-            </a:r>
-            <a:endParaRPr lang="ko-KR" altLang="en-US" sz="2500" b="1">
-              <a:solidFill>
-                <a:schemeClr val="tx1"/>
-              </a:solidFill>
-              <a:latin typeface="나눔바른고딕" charset="0"/>
-              <a:ea typeface="나눔바른고딕" charset="0"/>
-            </a:endParaRPr>
-          </a:p>
-        </p:txBody>
-      </p:sp>
-      <p:sp>
-        <p:nvSpPr>
-          <p:cNvPr id="1192" name="Rect 0"/>
-          <p:cNvSpPr txBox="1">
-            <a:spLocks/>
-          </p:cNvSpPr>
-          <p:nvPr/>
-        </p:nvSpPr>
-        <p:spPr>
-          <a:xfrm rot="0">
-            <a:off x="1190625" y="4515485"/>
-            <a:ext cx="4156075" cy="1754505"/>
-          </a:xfrm>
-          <a:prstGeom prst="rect"/>
-          <a:noFill/>
-          <a:ln w="0">
-            <a:noFill/>
-            <a:prstDash/>
-          </a:ln>
-        </p:spPr>
-        <p:txBody>
-          <a:bodyPr wrap="square" lIns="89535" tIns="46355" rIns="89535" bIns="46355" numCol="1" vert="horz" anchor="t">
-            <a:spAutoFit/>
-          </a:bodyPr>
-          <a:lstStyle/>
-          <a:p>
-            <a:pPr marL="0" indent="0" rtl="0" algn="l" defTabSz="914400" eaLnBrk="1" latinLnBrk="0" hangingPunct="1">
-              <a:buFontTx/>
-              <a:buNone/>
-            </a:pPr>
-            <a:r>
-              <a:rPr sz="1800" b="1">
-                <a:solidFill>
-                  <a:srgbClr val="0611F2"/>
-                </a:solidFill>
-                <a:latin typeface="맑은 고딕" charset="0"/>
-                <a:ea typeface="맑은 고딕" charset="0"/>
-              </a:rPr>
-              <a:t>21</a:t>
-            </a:r>
-            <a:r>
-              <a:rPr sz="1800" b="1">
-                <a:solidFill>
-                  <a:srgbClr val="0611F2"/>
-                </a:solidFill>
-                <a:latin typeface="맑은 고딕" charset="0"/>
-                <a:ea typeface="맑은 고딕" charset="0"/>
-              </a:rPr>
-              <a:t>.</a:t>
-            </a:r>
-            <a:r>
-              <a:rPr lang="ko-KR" sz="1800">
-                <a:latin typeface="맑은 고딕" charset="0"/>
-                <a:ea typeface="맑은 고딕" charset="0"/>
-              </a:rPr>
-              <a:t> 그다음으로</a:t>
-            </a:r>
-            <a:r>
-              <a:rPr lang="ko-KR" sz="1800">
-                <a:latin typeface="맑은 고딕" charset="0"/>
-                <a:ea typeface="맑은 고딕" charset="0"/>
-              </a:rPr>
-              <a:t> 3D Object로 Cube를 생성한 다음 </a:t>
-            </a:r>
-            <a:r>
-              <a:rPr lang="ko-KR" sz="1800">
-                <a:latin typeface="맑은 고딕" charset="0"/>
-                <a:ea typeface="맑은 고딕" charset="0"/>
-              </a:rPr>
-              <a:t>Obstacle</a:t>
-            </a:r>
-            <a:r>
-              <a:rPr lang="ko-KR" sz="1800">
-                <a:latin typeface="맑은 고딕" charset="0"/>
-                <a:ea typeface="맑은 고딕" charset="0"/>
-              </a:rPr>
-              <a:t>로 이름을 정의합니다.</a:t>
-            </a:r>
-            <a:endParaRPr lang="ko-KR" altLang="en-US" sz="1800">
-              <a:latin typeface="맑은 고딕" charset="0"/>
-              <a:ea typeface="맑은 고딕" charset="0"/>
-            </a:endParaRPr>
-          </a:p>
-          <a:p>
-            <a:pPr marL="0" indent="0" rtl="0" algn="l" defTabSz="914400" eaLnBrk="1" latinLnBrk="0" hangingPunct="1">
-              <a:buFontTx/>
-              <a:buNone/>
-            </a:pPr>
-            <a:endParaRPr lang="ko-KR" altLang="en-US" sz="1800">
-              <a:latin typeface="맑은 고딕" charset="0"/>
-              <a:ea typeface="맑은 고딕" charset="0"/>
-            </a:endParaRPr>
-          </a:p>
-          <a:p>
-            <a:pPr marL="0" indent="0" rtl="0" algn="l" defTabSz="914400" eaLnBrk="1" latinLnBrk="0" hangingPunct="1">
-              <a:buFontTx/>
-              <a:buNone/>
-            </a:pPr>
-            <a:r>
-              <a:rPr lang="ko-KR" sz="1800">
-                <a:latin typeface="맑은 고딕" charset="0"/>
-                <a:ea typeface="맑은 고딕" charset="0"/>
-              </a:rPr>
-              <a:t>그</a:t>
-            </a:r>
-            <a:r>
-              <a:rPr lang="ko-KR" sz="1800">
-                <a:latin typeface="맑은 고딕" charset="0"/>
-                <a:ea typeface="맑은 고딕" charset="0"/>
-              </a:rPr>
-              <a:t>리고</a:t>
-            </a:r>
-            <a:r>
-              <a:rPr lang="ko-KR" sz="1800">
-                <a:latin typeface="맑은 고딕" charset="0"/>
-                <a:ea typeface="맑은 고딕" charset="0"/>
-              </a:rPr>
-              <a:t> </a:t>
-            </a:r>
-            <a:r>
-              <a:rPr lang="ko-KR" sz="1800">
-                <a:latin typeface="맑은 고딕" charset="0"/>
-                <a:ea typeface="맑은 고딕" charset="0"/>
-              </a:rPr>
-              <a:t>Navmesh Obstacle</a:t>
-            </a:r>
-            <a:r>
-              <a:rPr lang="ko-KR" sz="1800">
-                <a:latin typeface="맑은 고딕" charset="0"/>
-                <a:ea typeface="맑은 고딕" charset="0"/>
-              </a:rPr>
-              <a:t> 컴포넌트도 추가합니다.</a:t>
-            </a:r>
-            <a:endParaRPr lang="ko-KR" altLang="en-US" sz="1800">
-              <a:latin typeface="맑은 고딕" charset="0"/>
-              <a:ea typeface="맑은 고딕" charset="0"/>
-            </a:endParaRPr>
-          </a:p>
-        </p:txBody>
-      </p:sp>
-      <p:sp>
-        <p:nvSpPr>
-          <p:cNvPr id="1200" name="Rect 0"/>
-          <p:cNvSpPr txBox="1">
-            <a:spLocks/>
-          </p:cNvSpPr>
-          <p:nvPr/>
-        </p:nvSpPr>
-        <p:spPr>
-          <a:xfrm rot="0">
-            <a:off x="6858000" y="5339715"/>
-            <a:ext cx="4144010" cy="923925"/>
-          </a:xfrm>
-          <a:prstGeom prst="rect"/>
-          <a:noFill/>
-          <a:ln w="0">
-            <a:noFill/>
-            <a:prstDash/>
-          </a:ln>
-        </p:spPr>
-        <p:txBody>
-          <a:bodyPr wrap="square" lIns="89535" tIns="46355" rIns="89535" bIns="46355" numCol="1" vert="horz" anchor="t">
-            <a:spAutoFit/>
-          </a:bodyPr>
-          <a:lstStyle/>
-          <a:p>
-            <a:pPr marL="0" indent="0" rtl="0" algn="l" defTabSz="914400" eaLnBrk="1" latinLnBrk="0" hangingPunct="1">
-              <a:buFontTx/>
-              <a:buNone/>
-            </a:pPr>
-            <a:r>
-              <a:rPr sz="1800" b="1">
-                <a:solidFill>
-                  <a:srgbClr val="0611F2"/>
-                </a:solidFill>
-                <a:latin typeface="맑은 고딕" charset="0"/>
-                <a:ea typeface="맑은 고딕" charset="0"/>
-              </a:rPr>
-              <a:t>23</a:t>
-            </a:r>
-            <a:r>
-              <a:rPr sz="1800" b="1">
-                <a:solidFill>
-                  <a:srgbClr val="0611F2"/>
-                </a:solidFill>
-                <a:latin typeface="맑은 고딕" charset="0"/>
-                <a:ea typeface="맑은 고딕" charset="0"/>
-              </a:rPr>
-              <a:t>.</a:t>
-            </a:r>
-            <a:r>
-              <a:rPr sz="1800">
-                <a:latin typeface="맑은 고딕" charset="0"/>
-                <a:ea typeface="맑은 고딕" charset="0"/>
-              </a:rPr>
-              <a:t> </a:t>
-            </a:r>
-            <a:r>
-              <a:rPr lang="ko-KR" sz="1800">
-                <a:latin typeface="맑은 고딕" charset="0"/>
-                <a:ea typeface="맑은 고딕" charset="0"/>
-              </a:rPr>
-              <a:t>이제 AutoMove 스크립트를 생성하고 Obstacle 오브젝트에 넣어줍니다.</a:t>
-            </a:r>
-            <a:endParaRPr lang="ko-KR" altLang="en-US" sz="1800">
-              <a:latin typeface="맑은 고딕" charset="0"/>
-              <a:ea typeface="맑은 고딕" charset="0"/>
-            </a:endParaRPr>
-          </a:p>
-        </p:txBody>
-      </p:sp>
       <p:pic>
         <p:nvPicPr>
-          <p:cNvPr id="1212" name="그림 170" descr="C:/Users/Admin1/AppData/Roaming/PolarisOffice/ETemp/2392_18456704/fImage161053175667.png"/>
+          <p:cNvPr id="22" name="그림 153"/>
           <p:cNvPicPr>
             <a:picLocks noChangeAspect="1"/>
           </p:cNvPicPr>
           <p:nvPr/>
         </p:nvPicPr>
         <p:blipFill rotWithShape="1">
-          <a:blip r:embed="rId8" cstate="hqprint">
+          <a:blip r:embed="rId7" cstate="print">
             <a:extLst>
               <a:ext uri="{28A0092B-C50C-407E-A947-70E740481C1C}">
-                <a14:useLocalDpi xmlns:a14="http://schemas.microsoft.com/office/drawing/2010/main"/>
+                <a14:useLocalDpi xmlns:a14="http://schemas.microsoft.com/office/drawing/2010/main" val="0"/>
               </a:ext>
             </a:extLst>
           </a:blip>
@@ -13091,18 +13007,425 @@
         </p:blipFill>
         <p:spPr>
           <a:xfrm rot="0">
-            <a:off x="1209040" y="1133475"/>
-            <a:ext cx="2820670" cy="2162810"/>
-          </a:xfrm>
-          <a:prstGeom prst="roundRect"/>
-          <a:solidFill>
-            <a:srgbClr val="EDEDED"/>
-          </a:solidFill>
+            <a:off x="8287385" y="1405255"/>
+            <a:ext cx="1081405" cy="1624330"/>
+          </a:xfrm>
+          <a:prstGeom prst="rect"/>
+          <a:noFill/>
         </p:spPr>
       </p:pic>
+      <p:sp>
+        <p:nvSpPr>
+          <p:cNvPr id="2" name="텍스트 상자 89"/>
+          <p:cNvSpPr txBox="1">
+            <a:spLocks/>
+          </p:cNvSpPr>
+          <p:nvPr/>
+        </p:nvSpPr>
+        <p:spPr>
+          <a:xfrm rot="0">
+            <a:off x="4108450" y="509905"/>
+            <a:ext cx="3959860" cy="554990"/>
+          </a:xfrm>
+          <a:prstGeom prst="rect"/>
+          <a:noFill/>
+          <a:ln w="0">
+            <a:noFill/>
+            <a:prstDash/>
+          </a:ln>
+        </p:spPr>
+        <p:txBody>
+          <a:bodyPr wrap="square" lIns="89535" tIns="46355" rIns="89535" bIns="46355" vert="horz" anchor="t">
+            <a:spAutoFit/>
+          </a:bodyPr>
+          <a:lstStyle/>
+          <a:p>
+            <a:pPr marL="0" indent="0" rtl="0" algn="l" defTabSz="914400" eaLnBrk="1" latinLnBrk="0" hangingPunct="1">
+              <a:buFontTx/>
+              <a:buNone/>
+            </a:pPr>
+            <a:r>
+              <a:rPr sz="3000" b="1">
+                <a:solidFill>
+                  <a:schemeClr val="tx1"/>
+                </a:solidFill>
+                <a:latin typeface="맑은 고딕" charset="0"/>
+                <a:ea typeface="맑은 고딕" charset="0"/>
+              </a:rPr>
+              <a:t>NavMesh Avoidance</a:t>
+            </a:r>
+            <a:endParaRPr lang="ko-KR" altLang="en-US" sz="3000" b="1">
+              <a:solidFill>
+                <a:schemeClr val="tx1"/>
+              </a:solidFill>
+              <a:latin typeface="맑은 고딕" charset="0"/>
+              <a:ea typeface="맑은 고딕" charset="0"/>
+            </a:endParaRPr>
+          </a:p>
+        </p:txBody>
+      </p:sp>
+      <p:sp>
+        <p:nvSpPr>
+          <p:cNvPr id="3" name="텍스트 상자 90"/>
+          <p:cNvSpPr txBox="1">
+            <a:spLocks/>
+          </p:cNvSpPr>
+          <p:nvPr/>
+        </p:nvSpPr>
+        <p:spPr>
+          <a:xfrm rot="0">
+            <a:off x="1114425" y="1405890"/>
+            <a:ext cx="4277360" cy="647065"/>
+          </a:xfrm>
+          <a:prstGeom prst="rect"/>
+          <a:noFill/>
+          <a:ln w="0">
+            <a:noFill/>
+            <a:prstDash/>
+          </a:ln>
+        </p:spPr>
+        <p:txBody>
+          <a:bodyPr wrap="square" lIns="89535" tIns="46355" rIns="89535" bIns="46355" vert="horz" anchor="t">
+            <a:spAutoFit/>
+          </a:bodyPr>
+          <a:lstStyle/>
+          <a:p>
+            <a:pPr marL="0" indent="0" rtl="0" algn="l" defTabSz="914400" eaLnBrk="1" latinLnBrk="0" hangingPunct="1">
+              <a:buFontTx/>
+              <a:buNone/>
+            </a:pPr>
+            <a:r>
+              <a:rPr sz="1800">
+                <a:latin typeface="맑은 고딕" charset="0"/>
+                <a:ea typeface="맑은 고딕" charset="0"/>
+              </a:rPr>
+              <a:t>NavMesh Avoidance : 장애물 회피와 관련된 컴포넌트입니다.</a:t>
+            </a:r>
+            <a:endParaRPr lang="ko-KR" altLang="en-US" sz="1800">
+              <a:latin typeface="맑은 고딕" charset="0"/>
+              <a:ea typeface="맑은 고딕" charset="0"/>
+            </a:endParaRPr>
+          </a:p>
+        </p:txBody>
+      </p:sp>
+      <p:sp>
+        <p:nvSpPr>
+          <p:cNvPr id="4" name="텍스트 상자 91"/>
+          <p:cNvSpPr txBox="1">
+            <a:spLocks/>
+          </p:cNvSpPr>
+          <p:nvPr/>
+        </p:nvSpPr>
+        <p:spPr>
+          <a:xfrm rot="0">
+            <a:off x="6810375" y="3124835"/>
+            <a:ext cx="3924935" cy="3138805"/>
+          </a:xfrm>
+          <a:prstGeom prst="rect"/>
+          <a:noFill/>
+          <a:ln w="0">
+            <a:noFill/>
+            <a:prstDash/>
+          </a:ln>
+        </p:spPr>
+        <p:txBody>
+          <a:bodyPr wrap="square" lIns="89535" tIns="46355" rIns="89535" bIns="46355" vert="horz" anchor="t">
+            <a:spAutoFit/>
+          </a:bodyPr>
+          <a:lstStyle/>
+          <a:p>
+            <a:pPr marL="0" indent="0" rtl="0" algn="l" defTabSz="914400" eaLnBrk="1" latinLnBrk="0" hangingPunct="1">
+              <a:buFontTx/>
+              <a:buNone/>
+            </a:pPr>
+            <a:r>
+              <a:rPr sz="1800">
+                <a:latin typeface="맑은 고딕" charset="0"/>
+                <a:ea typeface="맑은 고딕" charset="0"/>
+              </a:rPr>
+              <a:t>Priority : 에이전트 간의 우선순위를 설정하며, 0~99 사이에 값을 설정할 수 있습니다.</a:t>
+            </a:r>
+            <a:endParaRPr lang="ko-KR" altLang="en-US" sz="1800">
+              <a:latin typeface="맑은 고딕" charset="0"/>
+              <a:ea typeface="맑은 고딕" charset="0"/>
+            </a:endParaRPr>
+          </a:p>
+          <a:p>
+            <a:pPr marL="0" indent="0" rtl="0" algn="l" defTabSz="914400" eaLnBrk="1" latinLnBrk="0" hangingPunct="1">
+              <a:buFontTx/>
+              <a:buNone/>
+            </a:pPr>
+            <a:endParaRPr lang="ko-KR" altLang="en-US" sz="1800">
+              <a:latin typeface="맑은 고딕" charset="0"/>
+              <a:ea typeface="맑은 고딕" charset="0"/>
+            </a:endParaRPr>
+          </a:p>
+          <a:p>
+            <a:pPr marL="0" indent="0" rtl="0" algn="l" defTabSz="914400" eaLnBrk="1" latinLnBrk="0" hangingPunct="1">
+              <a:buFontTx/>
+              <a:buNone/>
+            </a:pPr>
+            <a:r>
+              <a:rPr sz="1800">
+                <a:latin typeface="맑은 고딕" charset="0"/>
+                <a:ea typeface="맑은 고딕" charset="0"/>
+              </a:rPr>
+              <a:t>우선순위가 같다면 피해 가려는 움직임만 연출하고, 여의찮을 때 그대로 이동합니다.</a:t>
+            </a:r>
+            <a:endParaRPr lang="ko-KR" altLang="en-US" sz="1800">
+              <a:latin typeface="맑은 고딕" charset="0"/>
+              <a:ea typeface="맑은 고딕" charset="0"/>
+            </a:endParaRPr>
+          </a:p>
+          <a:p>
+            <a:pPr marL="0" indent="0" rtl="0" algn="l" defTabSz="914400" eaLnBrk="1" latinLnBrk="0" hangingPunct="1">
+              <a:buFontTx/>
+              <a:buNone/>
+            </a:pPr>
+            <a:endParaRPr lang="ko-KR" altLang="en-US" sz="1800">
+              <a:latin typeface="맑은 고딕" charset="0"/>
+              <a:ea typeface="맑은 고딕" charset="0"/>
+            </a:endParaRPr>
+          </a:p>
+          <a:p>
+            <a:pPr marL="0" indent="0" rtl="0" algn="l" defTabSz="914400" eaLnBrk="1" latinLnBrk="0" hangingPunct="1">
+              <a:buFontTx/>
+              <a:buNone/>
+            </a:pPr>
+            <a:r>
+              <a:rPr sz="1800">
+                <a:latin typeface="맑은 고딕" charset="0"/>
+                <a:ea typeface="맑은 고딕" charset="0"/>
+              </a:rPr>
+              <a:t>0이라는 값이 가장 큰 값을 의미하며, 99라는 값은 가장 작은 값을 의미합니다.</a:t>
+            </a:r>
+            <a:endParaRPr lang="ko-KR" altLang="en-US" sz="1800">
+              <a:latin typeface="맑은 고딕" charset="0"/>
+              <a:ea typeface="맑은 고딕" charset="0"/>
+            </a:endParaRPr>
+          </a:p>
+        </p:txBody>
+      </p:sp>
+      <p:sp>
+        <p:nvSpPr>
+          <p:cNvPr id="5" name="텍스트 상자 92"/>
+          <p:cNvSpPr txBox="1">
+            <a:spLocks/>
+          </p:cNvSpPr>
+          <p:nvPr/>
+        </p:nvSpPr>
+        <p:spPr>
+          <a:xfrm rot="0">
+            <a:off x="1104900" y="3354705"/>
+            <a:ext cx="4304030" cy="923925"/>
+          </a:xfrm>
+          <a:prstGeom prst="rect"/>
+          <a:noFill/>
+          <a:ln w="0">
+            <a:noFill/>
+            <a:prstDash/>
+          </a:ln>
+        </p:spPr>
+        <p:txBody>
+          <a:bodyPr wrap="square" lIns="89535" tIns="46355" rIns="89535" bIns="46355" vert="horz" anchor="t">
+            <a:spAutoFit/>
+          </a:bodyPr>
+          <a:lstStyle/>
+          <a:p>
+            <a:pPr marL="0" indent="0" rtl="0" algn="l" defTabSz="914400" eaLnBrk="1" latinLnBrk="0" hangingPunct="1">
+              <a:buFontTx/>
+              <a:buNone/>
+            </a:pPr>
+            <a:r>
+              <a:rPr sz="1800">
+                <a:latin typeface="맑은 고딕" charset="0"/>
+                <a:ea typeface="맑은 고딕" charset="0"/>
+              </a:rPr>
+              <a:t>Radius : 에이전트의 충돌 범위를 설정하며, 에이전트 컴포넌트를 가진 게임 오브젝트만 충돌됩니다.</a:t>
+            </a:r>
+            <a:endParaRPr lang="ko-KR" altLang="en-US" sz="1800">
+              <a:latin typeface="맑은 고딕" charset="0"/>
+              <a:ea typeface="맑은 고딕" charset="0"/>
+            </a:endParaRPr>
+          </a:p>
+        </p:txBody>
+      </p:sp>
+      <p:sp>
+        <p:nvSpPr>
+          <p:cNvPr id="6" name="텍스트 상자 93"/>
+          <p:cNvSpPr txBox="1">
+            <a:spLocks/>
+          </p:cNvSpPr>
+          <p:nvPr/>
+        </p:nvSpPr>
+        <p:spPr>
+          <a:xfrm rot="0">
+            <a:off x="1114425" y="5633720"/>
+            <a:ext cx="4293870" cy="647065"/>
+          </a:xfrm>
+          <a:prstGeom prst="rect"/>
+          <a:noFill/>
+          <a:ln w="0">
+            <a:noFill/>
+            <a:prstDash/>
+          </a:ln>
+        </p:spPr>
+        <p:txBody>
+          <a:bodyPr wrap="square" lIns="89535" tIns="46355" rIns="89535" bIns="46355" vert="horz" anchor="t">
+            <a:spAutoFit/>
+          </a:bodyPr>
+          <a:lstStyle/>
+          <a:p>
+            <a:pPr marL="0" indent="0" rtl="0" algn="l" defTabSz="914400" eaLnBrk="1" latinLnBrk="0" hangingPunct="1">
+              <a:buFontTx/>
+              <a:buNone/>
+            </a:pPr>
+            <a:r>
+              <a:rPr sz="1800">
+                <a:latin typeface="맑은 고딕" charset="0"/>
+                <a:ea typeface="맑은 고딕" charset="0"/>
+              </a:rPr>
+              <a:t>Quality : 에이전트와 에이전트간의 회피하는 품질을 설정합니다.</a:t>
+            </a:r>
+            <a:endParaRPr lang="ko-KR" altLang="en-US" sz="1800">
+              <a:latin typeface="맑은 고딕" charset="0"/>
+              <a:ea typeface="맑은 고딕" charset="0"/>
+            </a:endParaRPr>
+          </a:p>
+        </p:txBody>
+      </p:sp>
       <p:pic>
         <p:nvPicPr>
-          <p:cNvPr id="1213" name="그림 171" descr="C:/Users/Admin1/AppData/Roaming/PolarisOffice/ETemp/2392_18456704/fImage62243186299.png"/>
+          <p:cNvPr id="18" name="그림 149"/>
+          <p:cNvPicPr>
+            <a:picLocks noChangeAspect="1"/>
+          </p:cNvPicPr>
+          <p:nvPr/>
+        </p:nvPicPr>
+        <p:blipFill rotWithShape="1">
+          <a:blip r:embed="rId8" cstate="print">
+            <a:extLst>
+              <a:ext uri="{28A0092B-C50C-407E-A947-70E740481C1C}">
+                <a14:useLocalDpi xmlns:a14="http://schemas.microsoft.com/office/drawing/2010/main" val="0"/>
+              </a:ext>
+            </a:extLst>
+          </a:blip>
+          <a:stretch>
+            <a:fillRect/>
+          </a:stretch>
+        </p:blipFill>
+        <p:spPr>
+          <a:xfrm rot="0">
+            <a:off x="6805930" y="1419225"/>
+            <a:ext cx="1081405" cy="1610360"/>
+          </a:xfrm>
+          <a:prstGeom prst="rect"/>
+          <a:noFill/>
+        </p:spPr>
+      </p:pic>
+      <p:sp>
+        <p:nvSpPr>
+          <p:cNvPr id="20" name="텍스트 상자 151"/>
+          <p:cNvSpPr txBox="1">
+            <a:spLocks/>
+          </p:cNvSpPr>
+          <p:nvPr/>
+        </p:nvSpPr>
+        <p:spPr>
+          <a:xfrm rot="0">
+            <a:off x="7205980" y="1491615"/>
+            <a:ext cx="290830" cy="478155"/>
+          </a:xfrm>
+          <a:prstGeom prst="rect"/>
+          <a:noFill/>
+          <a:ln w="0">
+            <a:noFill/>
+            <a:prstDash/>
+          </a:ln>
+        </p:spPr>
+        <p:txBody>
+          <a:bodyPr wrap="square" lIns="89535" tIns="46355" rIns="89535" bIns="46355" vert="horz" anchor="t">
+            <a:spAutoFit/>
+          </a:bodyPr>
+          <a:lstStyle/>
+          <a:p>
+            <a:pPr marL="0" indent="0" rtl="0" algn="ctr" defTabSz="914400" eaLnBrk="1" latinLnBrk="0" hangingPunct="1">
+              <a:buFontTx/>
+              <a:buNone/>
+            </a:pPr>
+            <a:r>
+              <a:rPr sz="2500" b="1">
+                <a:solidFill>
+                  <a:srgbClr val="FF0000"/>
+                </a:solidFill>
+                <a:latin typeface="맑은 고딕" charset="0"/>
+                <a:ea typeface="맑은 고딕" charset="0"/>
+              </a:rPr>
+              <a:t>0</a:t>
+            </a:r>
+            <a:endParaRPr lang="ko-KR" altLang="en-US" sz="2500" b="1">
+              <a:solidFill>
+                <a:srgbClr val="FF0000"/>
+              </a:solidFill>
+              <a:latin typeface="맑은 고딕" charset="0"/>
+              <a:ea typeface="맑은 고딕" charset="0"/>
+            </a:endParaRPr>
+          </a:p>
+        </p:txBody>
+      </p:sp>
+      <p:sp>
+        <p:nvSpPr>
+          <p:cNvPr id="21" name="텍스트 상자 152"/>
+          <p:cNvSpPr txBox="1">
+            <a:spLocks/>
+          </p:cNvSpPr>
+          <p:nvPr/>
+        </p:nvSpPr>
+        <p:spPr>
+          <a:xfrm rot="0">
+            <a:off x="8553450" y="1496695"/>
+            <a:ext cx="624840" cy="478155"/>
+          </a:xfrm>
+          <a:prstGeom prst="rect"/>
+          <a:noFill/>
+          <a:ln w="0">
+            <a:noFill/>
+            <a:prstDash/>
+          </a:ln>
+        </p:spPr>
+        <p:txBody>
+          <a:bodyPr wrap="square" lIns="89535" tIns="46355" rIns="89535" bIns="46355" vert="horz" anchor="t">
+            <a:spAutoFit/>
+          </a:bodyPr>
+          <a:lstStyle/>
+          <a:p>
+            <a:pPr marL="0" indent="0" rtl="0" algn="ctr" defTabSz="914400" eaLnBrk="1" latinLnBrk="0" hangingPunct="1">
+              <a:buFontTx/>
+              <a:buNone/>
+            </a:pPr>
+            <a:r>
+              <a:rPr lang="ko-KR" sz="2500" b="1">
+                <a:solidFill>
+                  <a:srgbClr val="FF0000"/>
+                </a:solidFill>
+                <a:latin typeface="맑은 고딕" charset="0"/>
+                <a:ea typeface="맑은 고딕" charset="0"/>
+              </a:rPr>
+              <a:t>99</a:t>
+            </a:r>
+            <a:endParaRPr lang="ko-KR" altLang="en-US" sz="2500" b="1">
+              <a:solidFill>
+                <a:srgbClr val="FF0000"/>
+              </a:solidFill>
+              <a:latin typeface="맑은 고딕" charset="0"/>
+              <a:ea typeface="맑은 고딕" charset="0"/>
+            </a:endParaRPr>
+          </a:p>
+        </p:txBody>
+      </p:sp>
+      <p:pic>
+        <p:nvPicPr>
+          <p:cNvPr id="23" name="그림 154"/>
           <p:cNvPicPr>
             <a:picLocks noChangeAspect="1"/>
           </p:cNvPicPr>
@@ -13122,18 +13445,16 @@
         </p:blipFill>
         <p:spPr>
           <a:xfrm rot="0">
-            <a:off x="4229100" y="1419225"/>
-            <a:ext cx="1119505" cy="1562735"/>
-          </a:xfrm>
-          <a:prstGeom prst="roundRect"/>
-          <a:solidFill>
-            <a:srgbClr val="EDEDED"/>
-          </a:solidFill>
+            <a:off x="9772650" y="1409700"/>
+            <a:ext cx="962660" cy="1343660"/>
+          </a:xfrm>
+          <a:prstGeom prst="rect"/>
+          <a:noFill/>
         </p:spPr>
       </p:pic>
       <p:pic>
         <p:nvPicPr>
-          <p:cNvPr id="1214" name="그림 174" descr="C:/Users/Admin1/AppData/Roaming/PolarisOffice/ETemp/2392_18456704/fImage54593197035.png"/>
+          <p:cNvPr id="24" name="그림 155"/>
           <p:cNvPicPr>
             <a:picLocks noChangeAspect="1"/>
           </p:cNvPicPr>
@@ -13153,8 +13474,8 @@
         </p:blipFill>
         <p:spPr>
           <a:xfrm rot="0">
-            <a:off x="1200150" y="3505200"/>
-            <a:ext cx="4144010" cy="915035"/>
+            <a:off x="1114425" y="4429125"/>
+            <a:ext cx="4286885" cy="1067435"/>
           </a:xfrm>
           <a:prstGeom prst="roundRect"/>
           <a:solidFill>
@@ -13164,45 +13485,14 @@
       </p:pic>
       <p:pic>
         <p:nvPicPr>
-          <p:cNvPr id="1215" name="그림 178" descr="C:/Users/Admin1/AppData/Roaming/PolarisOffice/ETemp/2392_18456704/fImage22083229894.png"/>
+          <p:cNvPr id="25" name="그림 158"/>
           <p:cNvPicPr>
             <a:picLocks noChangeAspect="1"/>
           </p:cNvPicPr>
           <p:nvPr/>
         </p:nvPicPr>
         <p:blipFill rotWithShape="1">
-          <a:blip r:embed="rId11" cstate="hqprint">
-            <a:extLst>
-              <a:ext uri="{28A0092B-C50C-407E-A947-70E740481C1C}">
-                <a14:useLocalDpi xmlns:a14="http://schemas.microsoft.com/office/drawing/2010/main"/>
-              </a:ext>
-            </a:extLst>
-          </a:blip>
-          <a:stretch>
-            <a:fillRect/>
-          </a:stretch>
-        </p:blipFill>
-        <p:spPr>
-          <a:xfrm rot="0">
-            <a:off x="10029825" y="3990975"/>
-            <a:ext cx="963295" cy="1029335"/>
-          </a:xfrm>
-          <a:prstGeom prst="roundRect"/>
-          <a:solidFill>
-            <a:srgbClr val="EDEDED"/>
-          </a:solidFill>
-        </p:spPr>
-      </p:pic>
-      <p:pic>
-        <p:nvPicPr>
-          <p:cNvPr id="1216" name="그림 179" descr="C:/Users/Admin1/AppData/Roaming/PolarisOffice/ETemp/2392_18456704/fImage62243238703.png"/>
-          <p:cNvPicPr>
-            <a:picLocks noChangeAspect="1"/>
-          </p:cNvPicPr>
-          <p:nvPr/>
-        </p:nvPicPr>
-        <p:blipFill rotWithShape="1">
-          <a:blip r:embed="rId12" cstate="print">
+          <a:blip r:embed="rId11" cstate="print">
             <a:extLst>
               <a:ext uri="{28A0092B-C50C-407E-A947-70E740481C1C}">
                 <a14:useLocalDpi xmlns:a14="http://schemas.microsoft.com/office/drawing/2010/main" val="0"/>
@@ -13215,8 +13505,8 @@
         </p:blipFill>
         <p:spPr>
           <a:xfrm rot="0">
-            <a:off x="6862445" y="1147445"/>
-            <a:ext cx="1248410" cy="1263015"/>
+            <a:off x="1114425" y="2223770"/>
+            <a:ext cx="4277360" cy="996315"/>
           </a:xfrm>
           <a:prstGeom prst="roundRect"/>
           <a:solidFill>
@@ -13224,186 +13514,6 @@
           </a:solidFill>
         </p:spPr>
       </p:pic>
-      <p:pic>
-        <p:nvPicPr>
-          <p:cNvPr id="1217" name="그림 180" descr="C:/Users/Admin1/AppData/Roaming/PolarisOffice/ETemp/2392_18456704/fImage186643243811.png"/>
-          <p:cNvPicPr>
-            <a:picLocks noChangeAspect="1"/>
-          </p:cNvPicPr>
-          <p:nvPr/>
-        </p:nvPicPr>
-        <p:blipFill rotWithShape="1">
-          <a:blip r:embed="rId13" cstate="print">
-            <a:extLst>
-              <a:ext uri="{28A0092B-C50C-407E-A947-70E740481C1C}">
-                <a14:useLocalDpi xmlns:a14="http://schemas.microsoft.com/office/drawing/2010/main" val="0"/>
-              </a:ext>
-            </a:extLst>
-          </a:blip>
-          <a:stretch>
-            <a:fillRect/>
-          </a:stretch>
-        </p:blipFill>
-        <p:spPr>
-          <a:xfrm rot="0">
-            <a:off x="8343900" y="1143000"/>
-            <a:ext cx="2658110" cy="1262380"/>
-          </a:xfrm>
-          <a:prstGeom prst="roundRect"/>
-          <a:solidFill>
-            <a:srgbClr val="EDEDED"/>
-          </a:solidFill>
-        </p:spPr>
-      </p:pic>
-      <p:sp>
-        <p:nvSpPr>
-          <p:cNvPr id="1218" name="텍스트 상자 185"/>
-          <p:cNvSpPr txBox="1">
-            <a:spLocks/>
-          </p:cNvSpPr>
-          <p:nvPr/>
-        </p:nvSpPr>
-        <p:spPr>
-          <a:xfrm rot="0">
-            <a:off x="6853555" y="2630170"/>
-            <a:ext cx="4157980" cy="923925"/>
-          </a:xfrm>
-          <a:prstGeom prst="rect"/>
-          <a:noFill/>
-          <a:ln w="0">
-            <a:noFill/>
-            <a:prstDash/>
-          </a:ln>
-        </p:spPr>
-        <p:txBody>
-          <a:bodyPr wrap="square" lIns="89535" tIns="46355" rIns="89535" bIns="46355" numCol="1" vert="horz" anchor="t">
-            <a:spAutoFit/>
-          </a:bodyPr>
-          <a:lstStyle/>
-          <a:p>
-            <a:pPr marL="0" indent="0" rtl="0" algn="l" defTabSz="914400" eaLnBrk="1" latinLnBrk="0" hangingPunct="1">
-              <a:buFontTx/>
-              <a:buNone/>
-            </a:pPr>
-            <a:r>
-              <a:rPr lang="ko-KR" sz="1800" b="1">
-                <a:solidFill>
-                  <a:srgbClr val="0611F2"/>
-                </a:solidFill>
-                <a:latin typeface="맑은 고딕" charset="0"/>
-                <a:ea typeface="맑은 고딕" charset="0"/>
-              </a:rPr>
-              <a:t>22</a:t>
-            </a:r>
-            <a:r>
-              <a:rPr sz="1800" b="1">
-                <a:solidFill>
-                  <a:srgbClr val="0611F2"/>
-                </a:solidFill>
-                <a:latin typeface="맑은 고딕" charset="0"/>
-                <a:ea typeface="맑은 고딕" charset="0"/>
-              </a:rPr>
-              <a:t>.</a:t>
-            </a:r>
-            <a:r>
-              <a:rPr sz="1800">
-                <a:latin typeface="맑은 고딕" charset="0"/>
-                <a:ea typeface="맑은 고딕" charset="0"/>
-              </a:rPr>
-              <a:t> </a:t>
-            </a:r>
-            <a:r>
-              <a:rPr lang="ko-KR" sz="1800">
-                <a:latin typeface="맑은 고딕" charset="0"/>
-                <a:ea typeface="맑은 고딕" charset="0"/>
-              </a:rPr>
-              <a:t>그런 다음</a:t>
-            </a:r>
-            <a:r>
-              <a:rPr lang="ko-KR" sz="1800">
-                <a:latin typeface="맑은 고딕" charset="0"/>
-                <a:ea typeface="맑은 고딕" charset="0"/>
-              </a:rPr>
-              <a:t> </a:t>
-            </a:r>
-            <a:r>
-              <a:rPr lang="ko-KR" sz="1800">
-                <a:latin typeface="맑은 고딕" charset="0"/>
-                <a:ea typeface="맑은 고딕" charset="0"/>
-              </a:rPr>
-              <a:t>Project 폴더에서 Texture에 Panel_D 텍스처를 선택하고 Obstacle 오브젝트에 넣어줍니다.</a:t>
-            </a:r>
-            <a:endParaRPr lang="ko-KR" altLang="en-US" sz="1800">
-              <a:latin typeface="맑은 고딕" charset="0"/>
-              <a:ea typeface="맑은 고딕" charset="0"/>
-            </a:endParaRPr>
-          </a:p>
-        </p:txBody>
-      </p:sp>
-      <p:pic>
-        <p:nvPicPr>
-          <p:cNvPr id="1219" name="그림 186" descr="C:/Users/Admin1/AppData/Roaming/PolarisOffice/ETemp/2392_18456704/fImage62243261322.png"/>
-          <p:cNvPicPr>
-            <a:picLocks noChangeAspect="1"/>
-          </p:cNvPicPr>
-          <p:nvPr/>
-        </p:nvPicPr>
-        <p:blipFill rotWithShape="1">
-          <a:blip r:embed="rId14" cstate="print">
-            <a:extLst>
-              <a:ext uri="{28A0092B-C50C-407E-A947-70E740481C1C}">
-                <a14:useLocalDpi xmlns:a14="http://schemas.microsoft.com/office/drawing/2010/main" val="0"/>
-              </a:ext>
-            </a:extLst>
-          </a:blip>
-          <a:stretch>
-            <a:fillRect/>
-          </a:stretch>
-        </p:blipFill>
-        <p:spPr>
-          <a:xfrm rot="0">
-            <a:off x="6858000" y="3800475"/>
-            <a:ext cx="2067560" cy="1381760"/>
-          </a:xfrm>
-          <a:prstGeom prst="roundRect"/>
-          <a:solidFill>
-            <a:srgbClr val="EDEDED"/>
-          </a:solidFill>
-        </p:spPr>
-      </p:pic>
-      <p:cxnSp>
-        <p:nvCxnSpPr>
-          <p:cNvPr id="1220" name="도형 187"/>
-          <p:cNvCxnSpPr/>
-          <p:nvPr/>
-        </p:nvCxnSpPr>
-        <p:spPr>
-          <a:xfrm rot="0" flipH="1">
-            <a:off x="8191500" y="4505325"/>
-            <a:ext cx="1838960" cy="581660"/>
-          </a:xfrm>
-          <a:prstGeom prst="straightConnector1"/>
-          <a:ln w="6350" cap="flat" cmpd="sng">
-            <a:prstDash/>
-            <a:headEnd type="none" w="med" len="med"/>
-            <a:tailEnd type="triangle" w="med" len="med"/>
-          </a:ln>
-        </p:spPr>
-        <p:style>
-          <a:lnRef idx="1">
-            <a:schemeClr val="accent1"/>
-          </a:lnRef>
-          <a:fillRef idx="0">
-            <a:schemeClr val="accent1"/>
-          </a:fillRef>
-          <a:effectRef idx="0">
-            <a:schemeClr val="accent1"/>
-          </a:effectRef>
-          <a:fontRef idx="minor">
-            <a:schemeClr val="tx1"/>
-          </a:fontRef>
-        </p:style>
-      </p:cxnSp>
     </p:spTree>
   </p:cSld>
   <p:clrMapOvr>

--- a/Assets/Class/NavMesh Obstacle/PPT Data/NavMesh Obstacle Example.pptx
+++ b/Assets/Class/NavMesh Obstacle/PPT Data/NavMesh Obstacle Example.pptx
@@ -2,24 +2,25 @@
 <file path=ppt/presentation.xml><?xml version="1.0" encoding="utf-8"?>
 <p:presentation xmlns:a="http://schemas.openxmlformats.org/drawingml/2006/main" xmlns:r="http://schemas.openxmlformats.org/officeDocument/2006/relationships" xmlns:p="http://schemas.openxmlformats.org/presentationml/2006/main" xmlns:p14="http://schemas.microsoft.com/office/powerpoint/2010/main" saveSubsetFonts="1" firstSlideNum="0">
   <p:sldMasterIdLst>
-    <p:sldMasterId id="2147486242" r:id="rId12"/>
+    <p:sldMasterId id="2147486289" r:id="rId12"/>
   </p:sldMasterIdLst>
   <p:notesMasterIdLst>
     <p:notesMasterId r:id="rId14"/>
   </p:notesMasterIdLst>
   <p:sldIdLst>
-    <p:sldId id="287" r:id="rId16"/>
-    <p:sldId id="300" r:id="rId17"/>
-    <p:sldId id="310" r:id="rId18"/>
-    <p:sldId id="301" r:id="rId19"/>
-    <p:sldId id="302" r:id="rId20"/>
-    <p:sldId id="298" r:id="rId21"/>
-    <p:sldId id="305" r:id="rId22"/>
-    <p:sldId id="304" r:id="rId23"/>
-    <p:sldId id="308" r:id="rId24"/>
-    <p:sldId id="306" r:id="rId25"/>
-    <p:sldId id="309" r:id="rId26"/>
-    <p:sldId id="307" r:id="rId27"/>
+    <p:sldId id="311" r:id="rId16"/>
+    <p:sldId id="300" r:id="rId18"/>
+    <p:sldId id="310" r:id="rId20"/>
+    <p:sldId id="312" r:id="rId22"/>
+    <p:sldId id="301" r:id="rId24"/>
+    <p:sldId id="302" r:id="rId26"/>
+    <p:sldId id="298" r:id="rId28"/>
+    <p:sldId id="305" r:id="rId30"/>
+    <p:sldId id="304" r:id="rId32"/>
+    <p:sldId id="308" r:id="rId33"/>
+    <p:sldId id="306" r:id="rId35"/>
+    <p:sldId id="309" r:id="rId36"/>
+    <p:sldId id="307" r:id="rId37"/>
   </p:sldIdLst>
   <p:sldSz cx="12192000" cy="6858000"/>
   <p:notesSz cx="6858000" cy="9144000"/>
@@ -508,7 +509,7 @@
         <p:spPr>
           <a:xfrm rot="0">
             <a:off x="685800" y="1143000"/>
-            <a:ext cx="5488940" cy="3088640"/>
+            <a:ext cx="5489575" cy="3089275"/>
           </a:xfrm>
           <a:prstGeom prst="rect"/>
           <a:noFill/>
@@ -547,7 +548,7 @@
         <p:spPr>
           <a:xfrm rot="0">
             <a:off x="685800" y="4400550"/>
-            <a:ext cx="5488940" cy="3602990"/>
+            <a:ext cx="5489575" cy="3603625"/>
           </a:xfrm>
           <a:prstGeom prst="rect"/>
         </p:spPr>
@@ -577,7 +578,7 @@
         <p:spPr>
           <a:xfrm rot="0">
             <a:off x="3884930" y="8685530"/>
-            <a:ext cx="2974340" cy="461010"/>
+            <a:ext cx="2974975" cy="461645"/>
           </a:xfrm>
           <a:prstGeom prst="rect"/>
         </p:spPr>
@@ -792,7 +793,7 @@
         <p:spPr>
           <a:xfrm rot="0">
             <a:off x="685800" y="1143000"/>
-            <a:ext cx="5490845" cy="3090545"/>
+            <a:ext cx="5490210" cy="3089910"/>
           </a:xfrm>
           <a:prstGeom prst="rect"/>
           <a:noFill/>
@@ -831,7 +832,7 @@
         <p:spPr>
           <a:xfrm rot="0">
             <a:off x="685800" y="4400550"/>
-            <a:ext cx="5490845" cy="3604895"/>
+            <a:ext cx="5490210" cy="3604260"/>
           </a:xfrm>
           <a:prstGeom prst="rect"/>
         </p:spPr>
@@ -861,7 +862,7 @@
         <p:spPr>
           <a:xfrm rot="0">
             <a:off x="3884930" y="8685530"/>
-            <a:ext cx="2976245" cy="462915"/>
+            <a:ext cx="2975610" cy="462280"/>
           </a:xfrm>
           <a:prstGeom prst="rect"/>
         </p:spPr>
@@ -934,6 +935,148 @@
         <p:spPr>
           <a:xfrm rot="0">
             <a:off x="685800" y="1143000"/>
+            <a:ext cx="5490845" cy="3090545"/>
+          </a:xfrm>
+          <a:prstGeom prst="rect"/>
+          <a:noFill/>
+          <a:ln w="12700" cap="flat" cmpd="sng">
+            <a:solidFill>
+              <a:srgbClr val="000000">
+                <a:alpha val="100000"/>
+              </a:srgbClr>
+            </a:solidFill>
+            <a:prstDash val="solid"/>
+          </a:ln>
+        </p:spPr>
+        <p:txBody>
+          <a:bodyPr wrap="square" lIns="91440" tIns="45720" rIns="91440" bIns="45720" numCol="1" vert="horz" anchor="ctr">
+            <a:noAutofit/>
+          </a:bodyPr>
+          <a:lstStyle/>
+          <a:p>
+            <a:pPr marL="0" indent="0" latinLnBrk="0">
+              <a:buFontTx/>
+              <a:buNone/>
+            </a:pPr>
+          </a:p>
+        </p:txBody>
+      </p:sp>
+      <p:sp>
+        <p:nvSpPr>
+          <p:cNvPr id="3" name="슬라이드 노트 개체 틀 4"/>
+          <p:cNvSpPr txBox="1">
+            <a:spLocks/>
+          </p:cNvSpPr>
+          <p:nvPr>
+            <p:ph type="body" idx="3"/>
+          </p:nvPr>
+        </p:nvSpPr>
+        <p:spPr>
+          <a:xfrm rot="0">
+            <a:off x="685800" y="4400550"/>
+            <a:ext cx="5490845" cy="3604895"/>
+          </a:xfrm>
+          <a:prstGeom prst="rect"/>
+        </p:spPr>
+        <p:txBody>
+          <a:bodyPr wrap="square" lIns="91440" tIns="45720" rIns="91440" bIns="45720" numCol="1" vert="horz" anchor="t">
+            <a:noAutofit/>
+          </a:bodyPr>
+          <a:lstStyle/>
+          <a:p>
+            <a:pPr marL="0" indent="0" latinLnBrk="0">
+              <a:buFontTx/>
+              <a:buNone/>
+            </a:pPr>
+          </a:p>
+        </p:txBody>
+      </p:sp>
+      <p:sp>
+        <p:nvSpPr>
+          <p:cNvPr id="4" name="슬라이드 번호 개체 틀 6"/>
+          <p:cNvSpPr txBox="1">
+            <a:spLocks/>
+          </p:cNvSpPr>
+          <p:nvPr>
+            <p:ph type="sldNum" idx="5"/>
+          </p:nvPr>
+        </p:nvSpPr>
+        <p:spPr>
+          <a:xfrm rot="0">
+            <a:off x="3884930" y="8685530"/>
+            <a:ext cx="2976245" cy="462915"/>
+          </a:xfrm>
+          <a:prstGeom prst="rect"/>
+        </p:spPr>
+        <p:txBody>
+          <a:bodyPr wrap="square" lIns="91440" tIns="45720" rIns="91440" bIns="45720" numCol="1" vert="horz" anchor="b">
+            <a:noAutofit/>
+          </a:bodyPr>
+          <a:lstStyle>
+            <a:lvl1pPr marL="0" indent="0" algn="r" latinLnBrk="0">
+              <a:buFontTx/>
+              <a:buNone/>
+              <a:defRPr lang="en-GB" altLang="en-US" sz="1200"/>
+            </a:lvl1pPr>
+          </a:lstStyle>
+          <a:p>
+            <a:pPr marL="0" indent="0" latinLnBrk="0">
+              <a:buFontTx/>
+              <a:buNone/>
+            </a:pPr>
+            <a:fld id="{B9320F77-B9A0-41C5-862A-B4B631284C64}" type="slidenum">
+              <a:rPr lang="ko-KR" altLang="en-US"/>
+              <a:t>‹#›</a:t>
+            </a:fld>
+          </a:p>
+        </p:txBody>
+      </p:sp>
+    </p:spTree>
+  </p:cSld>
+  <p:clrMapOvr>
+    <a:masterClrMapping/>
+  </p:clrMapOvr>
+  <mc:AlternateContent xmlns:mc="http://schemas.openxmlformats.org/markup-compatibility/2006">
+    <mc:Choice xmlns:p14="http://schemas.microsoft.com/office/powerpoint/2010/main" Requires="p14">
+      <p:transition spd="slow" p14:dur="0"/>
+    </mc:Choice>
+    <mc:Fallback>
+      <p:transition spd="slow"/>
+    </mc:Fallback>
+  </mc:AlternateContent>
+</p:notes>
+</file>
+
+<file path=ppt/notesSlides/notesSlide13.xml><?xml version="1.0" encoding="utf-8"?>
+<p:notes xmlns:a="http://schemas.openxmlformats.org/drawingml/2006/main" xmlns:r="http://schemas.openxmlformats.org/officeDocument/2006/relationships" xmlns:p="http://schemas.openxmlformats.org/presentationml/2006/main">
+  <p:cSld>
+    <p:spTree>
+      <p:nvGrpSpPr>
+        <p:cNvPr id="1" name=""/>
+        <p:cNvGrpSpPr/>
+        <p:nvPr/>
+      </p:nvGrpSpPr>
+      <p:grpSpPr>
+        <a:xfrm>
+          <a:off x="0" y="0"/>
+          <a:ext cx="0" cy="0"/>
+          <a:chOff x="0" y="0"/>
+          <a:chExt cx="0" cy="0"/>
+        </a:xfrm>
+      </p:grpSpPr>
+      <p:sp>
+        <p:nvSpPr>
+          <p:cNvPr id="2" name="슬라이드 이미지 개체 틀 3"/>
+          <p:cNvSpPr>
+            <a:spLocks noChangeAspect="1"/>
+          </p:cNvSpPr>
+          <p:nvPr>
+            <p:ph type="sldImg" idx="2"/>
+          </p:nvPr>
+        </p:nvSpPr>
+        <p:spPr>
+          <a:xfrm rot="0">
+            <a:off x="685800" y="1143000"/>
             <a:ext cx="5490210" cy="3089910"/>
           </a:xfrm>
           <a:prstGeom prst="rect"/>
@@ -1360,7 +1503,7 @@
         <p:spPr>
           <a:xfrm rot="0">
             <a:off x="685800" y="1143000"/>
-            <a:ext cx="5489575" cy="3089275"/>
+            <a:ext cx="5490845" cy="3090545"/>
           </a:xfrm>
           <a:prstGeom prst="rect"/>
           <a:noFill/>
@@ -1399,7 +1542,7 @@
         <p:spPr>
           <a:xfrm rot="0">
             <a:off x="685800" y="4400550"/>
-            <a:ext cx="5489575" cy="3603625"/>
+            <a:ext cx="5490845" cy="3604895"/>
           </a:xfrm>
           <a:prstGeom prst="rect"/>
         </p:spPr>
@@ -1429,7 +1572,7 @@
         <p:spPr>
           <a:xfrm rot="0">
             <a:off x="3884930" y="8685530"/>
-            <a:ext cx="2974975" cy="461645"/>
+            <a:ext cx="2976245" cy="462915"/>
           </a:xfrm>
           <a:prstGeom prst="rect"/>
         </p:spPr>
@@ -1502,7 +1645,7 @@
         <p:spPr>
           <a:xfrm rot="0">
             <a:off x="685800" y="1143000"/>
-            <a:ext cx="5490210" cy="3089910"/>
+            <a:ext cx="5489575" cy="3089275"/>
           </a:xfrm>
           <a:prstGeom prst="rect"/>
           <a:noFill/>
@@ -1541,7 +1684,7 @@
         <p:spPr>
           <a:xfrm rot="0">
             <a:off x="685800" y="4400550"/>
-            <a:ext cx="5490210" cy="3604260"/>
+            <a:ext cx="5489575" cy="3603625"/>
           </a:xfrm>
           <a:prstGeom prst="rect"/>
         </p:spPr>
@@ -1571,7 +1714,7 @@
         <p:spPr>
           <a:xfrm rot="0">
             <a:off x="3884930" y="8685530"/>
-            <a:ext cx="2975610" cy="462280"/>
+            <a:ext cx="2974975" cy="461645"/>
           </a:xfrm>
           <a:prstGeom prst="rect"/>
         </p:spPr>
@@ -1644,7 +1787,7 @@
         <p:spPr>
           <a:xfrm rot="0">
             <a:off x="685800" y="1143000"/>
-            <a:ext cx="5489575" cy="3089275"/>
+            <a:ext cx="5490210" cy="3089910"/>
           </a:xfrm>
           <a:prstGeom prst="rect"/>
           <a:noFill/>
@@ -1683,7 +1826,7 @@
         <p:spPr>
           <a:xfrm rot="0">
             <a:off x="685800" y="4400550"/>
-            <a:ext cx="5489575" cy="3603625"/>
+            <a:ext cx="5490210" cy="3604260"/>
           </a:xfrm>
           <a:prstGeom prst="rect"/>
         </p:spPr>
@@ -1713,7 +1856,7 @@
         <p:spPr>
           <a:xfrm rot="0">
             <a:off x="3884930" y="8685530"/>
-            <a:ext cx="2974975" cy="461645"/>
+            <a:ext cx="2975610" cy="462280"/>
           </a:xfrm>
           <a:prstGeom prst="rect"/>
         </p:spPr>
@@ -1786,7 +1929,7 @@
         <p:spPr>
           <a:xfrm rot="0">
             <a:off x="685800" y="1143000"/>
-            <a:ext cx="5490210" cy="3089910"/>
+            <a:ext cx="5489575" cy="3089275"/>
           </a:xfrm>
           <a:prstGeom prst="rect"/>
           <a:noFill/>
@@ -1825,7 +1968,7 @@
         <p:spPr>
           <a:xfrm rot="0">
             <a:off x="685800" y="4400550"/>
-            <a:ext cx="5490210" cy="3604260"/>
+            <a:ext cx="5489575" cy="3603625"/>
           </a:xfrm>
           <a:prstGeom prst="rect"/>
         </p:spPr>
@@ -1855,7 +1998,7 @@
         <p:spPr>
           <a:xfrm rot="0">
             <a:off x="3884930" y="8685530"/>
-            <a:ext cx="2975610" cy="462280"/>
+            <a:ext cx="2974975" cy="461645"/>
           </a:xfrm>
           <a:prstGeom prst="rect"/>
         </p:spPr>
@@ -7068,7 +7211,7 @@
 </file>
 
 <file path=ppt/slides/slide1.xml><?xml version="1.0" encoding="utf-8"?>
-<p:sld xmlns:a="http://schemas.openxmlformats.org/drawingml/2006/main" xmlns:r="http://schemas.openxmlformats.org/officeDocument/2006/relationships" xmlns:p="http://schemas.openxmlformats.org/presentationml/2006/main" xmlns:p14="http://schemas.microsoft.com/office/powerpoint/2010/main">
+<p:sld xmlns:a="http://schemas.openxmlformats.org/drawingml/2006/main" xmlns:r="http://schemas.openxmlformats.org/officeDocument/2006/relationships" xmlns:p="http://schemas.openxmlformats.org/presentationml/2006/main">
   <p:cSld>
     <p:spTree>
       <p:nvGrpSpPr>
@@ -7094,8 +7237,8 @@
         </p:nvSpPr>
         <p:spPr>
           <a:xfrm rot="0">
-            <a:off x="4943475" y="346075"/>
-            <a:ext cx="2306320" cy="478790"/>
+            <a:off x="4713605" y="346075"/>
+            <a:ext cx="2768600" cy="478155"/>
           </a:xfrm>
           <a:prstGeom prst="rect"/>
           <a:noFill/>
@@ -7110,7 +7253,7 @@
           </a:bodyPr>
           <a:lstStyle/>
           <a:p>
-            <a:pPr marL="0" indent="0" algn="l" latinLnBrk="0">
+            <a:pPr marL="0" indent="0" algn="ctr" latinLnBrk="0">
               <a:buFontTx/>
               <a:buNone/>
             </a:pPr>
@@ -7122,47 +7265,7 @@
                 <a:latin typeface="나눔바른고딕" charset="0"/>
                 <a:ea typeface="나눔바른고딕" charset="0"/>
               </a:rPr>
-              <a:t>첫</a:t>
-            </a:r>
-            <a:r>
-              <a:rPr lang="ko-KR" altLang="en-US" sz="2500" b="1">
-                <a:solidFill>
-                  <a:schemeClr val="tx1"/>
-                </a:solidFill>
-                <a:latin typeface="나눔바른고딕" charset="0"/>
-                <a:ea typeface="나눔바른고딕" charset="0"/>
-              </a:rPr>
-              <a:t> </a:t>
-            </a:r>
-            <a:r>
-              <a:rPr lang="ko-KR" altLang="en-US" sz="2500" b="1">
-                <a:solidFill>
-                  <a:schemeClr val="tx1"/>
-                </a:solidFill>
-                <a:latin typeface="나눔바른고딕" charset="0"/>
-                <a:ea typeface="나눔바른고딕" charset="0"/>
-              </a:rPr>
-              <a:t>번째</a:t>
-            </a:r>
-            <a:r>
-              <a:rPr lang="ko-KR" altLang="en-US" sz="2500" b="1">
-                <a:solidFill>
-                  <a:schemeClr val="tx1"/>
-                </a:solidFill>
-                <a:latin typeface="나눔바른고딕" charset="0"/>
-                <a:ea typeface="나눔바른고딕" charset="0"/>
-              </a:rPr>
-              <a:t> </a:t>
-            </a:r>
-            <a:r>
-              <a:rPr lang="ko-KR" altLang="en-US" sz="2500" b="1">
-                <a:solidFill>
-                  <a:schemeClr val="tx1"/>
-                </a:solidFill>
-                <a:latin typeface="나눔바른고딕" charset="0"/>
-                <a:ea typeface="나눔바른고딕" charset="0"/>
-              </a:rPr>
-              <a:t>튜토리얼</a:t>
+              <a:t>첫 번째 튜토리얼</a:t>
             </a:r>
             <a:endParaRPr lang="ko-KR" altLang="en-US" sz="2500" b="1">
               <a:solidFill>
@@ -7176,16 +7279,16 @@
       </p:sp>
       <p:sp>
         <p:nvSpPr>
-          <p:cNvPr id="1164" name="텍스트 상자 40"/>
+          <p:cNvPr id="1164" name="Rect 0"/>
           <p:cNvSpPr txBox="1">
             <a:spLocks/>
           </p:cNvSpPr>
           <p:nvPr/>
         </p:nvSpPr>
         <p:spPr>
-          <a:xfrm>
-            <a:off x="1075690" y="3094990"/>
-            <a:ext cx="4302125" cy="647065"/>
+          <a:xfrm rot="0">
+            <a:off x="1238250" y="4438015"/>
+            <a:ext cx="4148455" cy="1754505"/>
           </a:xfrm>
           <a:prstGeom prst="rect"/>
           <a:noFill/>
@@ -7233,32 +7336,179 @@
                 <a:latin typeface="맑은 고딕" charset="0"/>
                 <a:ea typeface="맑은 고딕" charset="0"/>
               </a:rPr>
-              <a:t> 번째로 </a:t>
+              <a:t> </a:t>
+            </a:r>
+            <a:r>
+              <a:rPr lang="ko-KR" sz="1800">
+                <a:latin typeface="맑은 고딕" charset="0"/>
+                <a:ea typeface="맑은 고딕" charset="0"/>
+              </a:rPr>
+              <a:t>번째로</a:t>
+            </a:r>
+            <a:r>
+              <a:rPr lang="ko-KR" sz="1800">
+                <a:latin typeface="맑은 고딕" charset="0"/>
+                <a:ea typeface="맑은 고딕" charset="0"/>
+              </a:rPr>
+              <a:t> </a:t>
             </a:r>
             <a:r>
               <a:rPr sz="1800">
                 <a:latin typeface="맑은 고딕" charset="0"/>
                 <a:ea typeface="맑은 고딕" charset="0"/>
               </a:rPr>
-              <a:t>3D Object를 선택한 다음 Capsule 게임 오브젝트를 생성합니다.</a:t>
+              <a:t>3D Object를 선택한 다음 Capsule 게임 오브젝트를 생성</a:t>
+            </a:r>
+            <a:r>
+              <a:rPr lang="ko-KR" sz="1800">
+                <a:latin typeface="맑은 고딕" charset="0"/>
+                <a:ea typeface="맑은 고딕" charset="0"/>
+              </a:rPr>
+              <a:t>한 다음</a:t>
+            </a:r>
+            <a:r>
+              <a:rPr sz="1800">
+                <a:latin typeface="맑은 고딕" charset="0"/>
+                <a:ea typeface="맑은 고딕" charset="0"/>
+              </a:rPr>
+              <a:t> </a:t>
+            </a:r>
+            <a:r>
+              <a:rPr lang="ko-KR" sz="1800">
+                <a:latin typeface="맑은 고딕" charset="0"/>
+                <a:ea typeface="맑은 고딕" charset="0"/>
+              </a:rPr>
+              <a:t>Character라는 이름으로 </a:t>
+            </a:r>
+            <a:r>
+              <a:rPr lang="ko-KR" sz="1800">
+                <a:latin typeface="맑은 고딕" charset="0"/>
+                <a:ea typeface="맑은 고딕" charset="0"/>
+              </a:rPr>
+              <a:t>정의합니다.</a:t>
             </a:r>
             <a:endParaRPr lang="ko-KR" altLang="en-US" sz="1800">
               <a:latin typeface="맑은 고딕" charset="0"/>
               <a:ea typeface="맑은 고딕" charset="0"/>
             </a:endParaRPr>
           </a:p>
+          <a:p>
+            <a:pPr marL="0" indent="0" rtl="0" algn="l" defTabSz="914400" eaLnBrk="1" latinLnBrk="0" hangingPunct="1">
+              <a:buFontTx/>
+              <a:buNone/>
+            </a:pPr>
+            <a:endParaRPr lang="ko-KR" altLang="en-US" sz="1800">
+              <a:latin typeface="맑은 고딕" charset="0"/>
+              <a:ea typeface="맑은 고딕" charset="0"/>
+            </a:endParaRPr>
+          </a:p>
+          <a:p>
+            <a:pPr marL="0" indent="0" rtl="0" algn="l" defTabSz="914400" eaLnBrk="1" latinLnBrk="0" hangingPunct="1">
+              <a:buFontTx/>
+              <a:buNone/>
+            </a:pPr>
+            <a:r>
+              <a:rPr lang="ko-KR" sz="1800">
+                <a:latin typeface="맑은 고딕" charset="0"/>
+                <a:ea typeface="맑은 고딕" charset="0"/>
+              </a:rPr>
+              <a:t>그리고 </a:t>
+            </a:r>
+            <a:r>
+              <a:rPr lang="ko-KR" sz="1800">
+                <a:latin typeface="맑은 고딕" charset="0"/>
+                <a:ea typeface="맑은 고딕" charset="0"/>
+              </a:rPr>
+              <a:t> Arrival 스크립트를 생성하여 Character 오브젝트에 넣어줍니다. </a:t>
+            </a:r>
+            <a:endParaRPr lang="ko-KR" altLang="en-US" sz="1800">
+              <a:latin typeface="맑은 고딕" charset="0"/>
+              <a:ea typeface="맑은 고딕" charset="0"/>
+            </a:endParaRPr>
+          </a:p>
+        </p:txBody>
+      </p:sp>
+      <p:sp>
+        <p:nvSpPr>
+          <p:cNvPr id="1181" name="Rect 0"/>
+          <p:cNvSpPr txBox="1">
+            <a:spLocks/>
+          </p:cNvSpPr>
+          <p:nvPr/>
+        </p:nvSpPr>
+        <p:spPr>
+          <a:xfrm rot="0">
+            <a:off x="6813550" y="5542280"/>
+            <a:ext cx="4149725" cy="647065"/>
+          </a:xfrm>
+          <a:prstGeom prst="rect"/>
+          <a:noFill/>
+          <a:ln w="0">
+            <a:noFill/>
+            <a:prstDash/>
+          </a:ln>
+        </p:spPr>
+        <p:txBody>
+          <a:bodyPr wrap="square" lIns="89535" tIns="46355" rIns="89535" bIns="46355" numCol="1" vert="horz" anchor="t">
+            <a:spAutoFit/>
+          </a:bodyPr>
+          <a:lstStyle/>
+          <a:p>
+            <a:pPr marL="0" indent="0" rtl="0" algn="l" defTabSz="914400" eaLnBrk="1" latinLnBrk="0" hangingPunct="1">
+              <a:buFontTx/>
+              <a:buNone/>
+            </a:pPr>
+            <a:r>
+              <a:rPr lang="ko-KR" sz="1800" b="1">
+                <a:solidFill>
+                  <a:srgbClr val="0611F2"/>
+                </a:solidFill>
+                <a:latin typeface="맑은 고딕" charset="0"/>
+                <a:ea typeface="맑은 고딕" charset="0"/>
+              </a:rPr>
+              <a:t>3</a:t>
+            </a:r>
+            <a:r>
+              <a:rPr sz="1800" b="1">
+                <a:solidFill>
+                  <a:srgbClr val="0611F2"/>
+                </a:solidFill>
+                <a:latin typeface="맑은 고딕" charset="0"/>
+                <a:ea typeface="맑은 고딕" charset="0"/>
+              </a:rPr>
+              <a:t>.</a:t>
+            </a:r>
+            <a:r>
+              <a:rPr sz="1800">
+                <a:latin typeface="맑은 고딕" charset="0"/>
+                <a:ea typeface="맑은 고딕" charset="0"/>
+              </a:rPr>
+              <a:t> </a:t>
+            </a:r>
+            <a:r>
+              <a:rPr lang="ko-KR" sz="1800">
+                <a:latin typeface="맑은 고딕" charset="0"/>
+                <a:ea typeface="맑은 고딕" charset="0"/>
+              </a:rPr>
+              <a:t>그런 다음 Main Camera를 선택하고 위치와 회전 값을 설정합니다.</a:t>
+            </a:r>
+            <a:endParaRPr lang="ko-KR" altLang="en-US" sz="1800">
+              <a:latin typeface="맑은 고딕" charset="0"/>
+              <a:ea typeface="맑은 고딕" charset="0"/>
+            </a:endParaRPr>
+          </a:p>
         </p:txBody>
       </p:sp>
       <p:pic>
         <p:nvPicPr>
-          <p:cNvPr id="1165" name="그림 58" descr="C:/Users/Admin1/AppData/Roaming/PolarisOffice/ETemp/20556_22124416/fImage725725741.png"/>
+          <p:cNvPr id="1187" name="Picture " descr="C:/Users/Admin1/AppData/Roaming/PolarisOffice/ETemp/7504_22066552/fImage1449518941.png"/>
           <p:cNvPicPr>
             <a:picLocks noChangeAspect="1"/>
           </p:cNvPicPr>
           <p:nvPr/>
         </p:nvPicPr>
         <p:blipFill rotWithShape="1">
-          <a:blip r:embed="rId37" cstate="hqprint">
+          <a:blip r:embed="rId2" cstate="hqprint">
             <a:extLst>
               <a:ext uri="{28A0092B-C50C-407E-A947-70E740481C1C}">
                 <a14:useLocalDpi xmlns:a14="http://schemas.microsoft.com/office/drawing/2010/main"/>
@@ -7271,8 +7521,8 @@
         </p:blipFill>
         <p:spPr>
           <a:xfrm rot="0">
-            <a:off x="1083945" y="1288415"/>
-            <a:ext cx="1803400" cy="1675765"/>
+            <a:off x="6823710" y="3688080"/>
+            <a:ext cx="4139565" cy="1737995"/>
           </a:xfrm>
           <a:prstGeom prst="roundRect"/>
           <a:solidFill>
@@ -7282,14 +7532,14 @@
       </p:pic>
       <p:pic>
         <p:nvPicPr>
-          <p:cNvPr id="1166" name="그림 59"/>
+          <p:cNvPr id="1191" name="Picture " descr="C:/Users/Admin1/AppData/Roaming/PolarisOffice/ETemp/7504_22066552/fImage19101936500.png"/>
           <p:cNvPicPr>
             <a:picLocks noChangeAspect="1"/>
           </p:cNvPicPr>
           <p:nvPr/>
         </p:nvPicPr>
         <p:blipFill rotWithShape="1">
-          <a:blip r:embed="rId38" cstate="hqprint">
+          <a:blip r:embed="rId3" cstate="hqprint">
             <a:extLst>
               <a:ext uri="{28A0092B-C50C-407E-A947-70E740481C1C}">
                 <a14:useLocalDpi xmlns:a14="http://schemas.microsoft.com/office/drawing/2010/main"/>
@@ -7302,23 +7552,25 @@
         </p:blipFill>
         <p:spPr>
           <a:xfrm rot="0">
-            <a:off x="3090545" y="2089785"/>
-            <a:ext cx="520065" cy="349250"/>
-          </a:xfrm>
-          <a:prstGeom prst="rect"/>
-          <a:noFill/>
+            <a:off x="4373245" y="3429000"/>
+            <a:ext cx="762635" cy="805815"/>
+          </a:xfrm>
+          <a:prstGeom prst="roundRect"/>
+          <a:solidFill>
+            <a:srgbClr val="EDEDED"/>
+          </a:solidFill>
         </p:spPr>
       </p:pic>
       <p:pic>
         <p:nvPicPr>
-          <p:cNvPr id="1167" name="그림 60" descr="C:/Users/Admin1/AppData/Roaming/PolarisOffice/ETemp/20556_22124416/fImage51372596334.png"/>
+          <p:cNvPr id="1192" name="Picture " descr="C:/Users/Admin1/AppData/Roaming/PolarisOffice/ETemp/7504_22066552/fImage46501949169.png"/>
           <p:cNvPicPr>
             <a:picLocks noChangeAspect="1"/>
           </p:cNvPicPr>
           <p:nvPr/>
         </p:nvPicPr>
         <p:blipFill rotWithShape="1">
-          <a:blip r:embed="rId39" cstate="hqprint">
+          <a:blip r:embed="rId4" cstate="hqprint">
             <a:extLst>
               <a:ext uri="{28A0092B-C50C-407E-A947-70E740481C1C}">
                 <a14:useLocalDpi xmlns:a14="http://schemas.microsoft.com/office/drawing/2010/main"/>
@@ -7331,8 +7583,8 @@
         </p:blipFill>
         <p:spPr>
           <a:xfrm rot="0">
-            <a:off x="3808095" y="1282700"/>
-            <a:ext cx="1569720" cy="1681480"/>
+            <a:off x="9057640" y="1457325"/>
+            <a:ext cx="1853565" cy="993775"/>
           </a:xfrm>
           <a:prstGeom prst="roundRect"/>
           <a:solidFill>
@@ -7340,199 +7592,16 @@
           </a:solidFill>
         </p:spPr>
       </p:pic>
-      <p:sp>
-        <p:nvSpPr>
-          <p:cNvPr id="1173" name="텍스트 상자 67"/>
-          <p:cNvSpPr txBox="1">
-            <a:spLocks/>
-          </p:cNvSpPr>
-          <p:nvPr/>
-        </p:nvSpPr>
-        <p:spPr>
-          <a:xfrm rot="0">
-            <a:off x="1082040" y="4996180"/>
-            <a:ext cx="4295775" cy="1201420"/>
-          </a:xfrm>
-          <a:prstGeom prst="rect"/>
-          <a:noFill/>
-          <a:ln w="0">
-            <a:noFill/>
-            <a:prstDash/>
-          </a:ln>
-        </p:spPr>
-        <p:txBody>
-          <a:bodyPr wrap="square" lIns="89535" tIns="46355" rIns="89535" bIns="46355" numCol="1" vert="horz" anchor="t">
-            <a:spAutoFit/>
-          </a:bodyPr>
-          <a:lstStyle/>
-          <a:p>
-            <a:pPr marL="0" indent="0" rtl="0" algn="l" defTabSz="914400" eaLnBrk="1" latinLnBrk="0" hangingPunct="1">
-              <a:buFontTx/>
-              <a:buNone/>
-            </a:pPr>
-            <a:r>
-              <a:rPr sz="1800" b="1">
-                <a:solidFill>
-                  <a:srgbClr val="0611F2"/>
-                </a:solidFill>
-                <a:latin typeface="맑은 고딕" charset="0"/>
-                <a:ea typeface="맑은 고딕" charset="0"/>
-              </a:rPr>
-              <a:t>2.</a:t>
-            </a:r>
-            <a:r>
-              <a:rPr sz="1800">
-                <a:latin typeface="맑은 고딕" charset="0"/>
-                <a:ea typeface="맑은 고딕" charset="0"/>
-              </a:rPr>
-              <a:t> 그리</a:t>
-            </a:r>
-            <a:r>
-              <a:rPr lang="ko-KR" sz="1800">
-                <a:latin typeface="맑은 고딕" charset="0"/>
-                <a:ea typeface="맑은 고딕" charset="0"/>
-              </a:rPr>
-              <a:t>고 Character라는 이름으로 변경한 다음 Main Camera 오브젝트를 Character 오브젝트의 하위 오브젝트로 넣어줍니다.</a:t>
-            </a:r>
-            <a:endParaRPr lang="ko-KR" altLang="en-US" sz="1800">
-              <a:latin typeface="맑은 고딕" charset="0"/>
-              <a:ea typeface="맑은 고딕" charset="0"/>
-            </a:endParaRPr>
-          </a:p>
-        </p:txBody>
-      </p:sp>
-      <p:sp>
-        <p:nvSpPr>
-          <p:cNvPr id="1181" name="텍스트 상자 84"/>
-          <p:cNvSpPr txBox="1">
-            <a:spLocks/>
-          </p:cNvSpPr>
-          <p:nvPr/>
-        </p:nvSpPr>
-        <p:spPr>
-          <a:xfrm rot="0">
-            <a:off x="6796405" y="3187065"/>
-            <a:ext cx="4308475" cy="647700"/>
-          </a:xfrm>
-          <a:prstGeom prst="rect"/>
-          <a:noFill/>
-          <a:ln w="0">
-            <a:noFill/>
-            <a:prstDash/>
-          </a:ln>
-        </p:spPr>
-        <p:txBody>
-          <a:bodyPr wrap="square" lIns="89535" tIns="46355" rIns="89535" bIns="46355" numCol="1" vert="horz" anchor="t">
-            <a:spAutoFit/>
-          </a:bodyPr>
-          <a:lstStyle/>
-          <a:p>
-            <a:pPr marL="0" indent="0" rtl="0" algn="l" defTabSz="914400" eaLnBrk="1" latinLnBrk="0" hangingPunct="1">
-              <a:buFontTx/>
-              <a:buNone/>
-            </a:pPr>
-            <a:r>
-              <a:rPr sz="1800" b="1">
-                <a:solidFill>
-                  <a:srgbClr val="0611F2"/>
-                </a:solidFill>
-                <a:latin typeface="맑은 고딕" charset="0"/>
-                <a:ea typeface="맑은 고딕" charset="0"/>
-              </a:rPr>
-              <a:t>3.</a:t>
-            </a:r>
-            <a:r>
-              <a:rPr sz="1800">
-                <a:latin typeface="맑은 고딕" charset="0"/>
-                <a:ea typeface="맑은 고딕" charset="0"/>
-              </a:rPr>
-              <a:t> </a:t>
-            </a:r>
-            <a:r>
-              <a:rPr lang="ko-KR" sz="1800">
-                <a:latin typeface="맑은 고딕" charset="0"/>
-                <a:ea typeface="맑은 고딕" charset="0"/>
-              </a:rPr>
-              <a:t>그런 다음 Main Camera를 선택하고 위치와 회전 값을 설정합니다.</a:t>
-            </a:r>
-            <a:endParaRPr lang="ko-KR" altLang="en-US" sz="1800">
-              <a:latin typeface="맑은 고딕" charset="0"/>
-              <a:ea typeface="맑은 고딕" charset="0"/>
-            </a:endParaRPr>
-          </a:p>
-        </p:txBody>
-      </p:sp>
-      <p:sp>
-        <p:nvSpPr>
-          <p:cNvPr id="1183" name="텍스트 상자 26"/>
-          <p:cNvSpPr txBox="1">
-            <a:spLocks/>
-          </p:cNvSpPr>
-          <p:nvPr/>
-        </p:nvSpPr>
-        <p:spPr>
-          <a:xfrm rot="0">
-            <a:off x="6800850" y="5262880"/>
-            <a:ext cx="4310380" cy="923925"/>
-          </a:xfrm>
-          <a:prstGeom prst="rect"/>
-          <a:noFill/>
-          <a:ln w="0">
-            <a:noFill/>
-            <a:prstDash/>
-          </a:ln>
-        </p:spPr>
-        <p:txBody>
-          <a:bodyPr wrap="square" lIns="89535" tIns="46355" rIns="89535" bIns="46355" numCol="1" vert="horz" anchor="t">
-            <a:spAutoFit/>
-          </a:bodyPr>
-          <a:lstStyle/>
-          <a:p>
-            <a:pPr marL="0" indent="0" rtl="0" algn="l" defTabSz="914400" eaLnBrk="1" latinLnBrk="0" hangingPunct="1">
-              <a:buFontTx/>
-              <a:buNone/>
-            </a:pPr>
-            <a:r>
-              <a:rPr sz="1800" b="1">
-                <a:solidFill>
-                  <a:srgbClr val="0611F2"/>
-                </a:solidFill>
-                <a:latin typeface="맑은 고딕" charset="0"/>
-                <a:ea typeface="맑은 고딕" charset="0"/>
-              </a:rPr>
-              <a:t>4.</a:t>
-            </a:r>
-            <a:r>
-              <a:rPr sz="1800">
-                <a:latin typeface="맑은 고딕" charset="0"/>
-                <a:ea typeface="맑은 고딕" charset="0"/>
-              </a:rPr>
-              <a:t> 그</a:t>
-            </a:r>
-            <a:r>
-              <a:rPr lang="ko-KR" sz="1800">
-                <a:latin typeface="맑은 고딕" charset="0"/>
-                <a:ea typeface="맑은 고딕" charset="0"/>
-              </a:rPr>
-              <a:t>다음으로 Arrival 스크립트를 생성하여 Character 오브젝트에 넣어줍니다. </a:t>
-            </a:r>
-            <a:endParaRPr lang="ko-KR" altLang="en-US" sz="1800">
-              <a:latin typeface="맑은 고딕" charset="0"/>
-              <a:ea typeface="맑은 고딕" charset="0"/>
-            </a:endParaRPr>
-          </a:p>
-        </p:txBody>
-      </p:sp>
       <p:pic>
         <p:nvPicPr>
-          <p:cNvPr id="1187" name="그림 1" descr="C:/Users/Admin1/AppData/Roaming/PolarisOffice/ETemp/20556_22124416/fImage1449518941.png"/>
+          <p:cNvPr id="1194" name="Picture " descr="C:/Users/Admin1/AppData/Roaming/PolarisOffice/ETemp/7504_22066552/fImage1826229341.png"/>
           <p:cNvPicPr>
             <a:picLocks noChangeAspect="1"/>
           </p:cNvPicPr>
           <p:nvPr/>
         </p:nvPicPr>
         <p:blipFill rotWithShape="1">
-          <a:blip r:embed="rId47" cstate="hqprint">
+          <a:blip r:embed="rId5" cstate="hqprint">
             <a:extLst>
               <a:ext uri="{28A0092B-C50C-407E-A947-70E740481C1C}">
                 <a14:useLocalDpi xmlns:a14="http://schemas.microsoft.com/office/drawing/2010/main"/>
@@ -7545,8 +7614,8 @@
         </p:blipFill>
         <p:spPr>
           <a:xfrm rot="0">
-            <a:off x="6808470" y="1280795"/>
-            <a:ext cx="4315460" cy="1737360"/>
+            <a:off x="1247775" y="1457325"/>
+            <a:ext cx="2693035" cy="2778760"/>
           </a:xfrm>
           <a:prstGeom prst="roundRect"/>
           <a:solidFill>
@@ -7556,17 +7625,17 @@
       </p:pic>
       <p:pic>
         <p:nvPicPr>
-          <p:cNvPr id="1189" name="그림 5" descr="C:/Users/Admin1/AppData/Roaming/PolarisOffice/ETemp/20556_22124416/fImage44831918467.png"/>
+          <p:cNvPr id="1195" name="그림 3" descr="C:/Users/Admin1/AppData/Roaming/PolarisOffice/ETemp/7504_22066552/fImage45222978467.png"/>
           <p:cNvPicPr>
             <a:picLocks noChangeAspect="1"/>
           </p:cNvPicPr>
           <p:nvPr/>
         </p:nvPicPr>
         <p:blipFill rotWithShape="1">
-          <a:blip r:embed="rId48" cstate="hqprint">
+          <a:blip r:embed="rId6" cstate="print">
             <a:extLst>
               <a:ext uri="{28A0092B-C50C-407E-A947-70E740481C1C}">
-                <a14:useLocalDpi xmlns:a14="http://schemas.microsoft.com/office/drawing/2010/main"/>
+                <a14:useLocalDpi xmlns:a14="http://schemas.microsoft.com/office/drawing/2010/main" val="0"/>
               </a:ext>
             </a:extLst>
           </a:blip>
@@ -7576,8 +7645,8 @@
         </p:blipFill>
         <p:spPr>
           <a:xfrm rot="0">
-            <a:off x="1077595" y="3900805"/>
-            <a:ext cx="1744345" cy="1005205"/>
+            <a:off x="4122420" y="1454785"/>
+            <a:ext cx="1256030" cy="1472565"/>
           </a:xfrm>
           <a:prstGeom prst="roundRect"/>
           <a:solidFill>
@@ -7585,113 +7654,24 @@
           </a:solidFill>
         </p:spPr>
       </p:pic>
-      <p:pic>
-        <p:nvPicPr>
-          <p:cNvPr id="1190" name="그림 7" descr="C:/Users/Admin1/AppData/Roaming/PolarisOffice/ETemp/20556_22124416/fImage45561926334.png"/>
-          <p:cNvPicPr>
-            <a:picLocks noChangeAspect="1"/>
-          </p:cNvPicPr>
-          <p:nvPr/>
-        </p:nvPicPr>
-        <p:blipFill rotWithShape="1">
-          <a:blip r:embed="rId49" cstate="hqprint">
-            <a:extLst>
-              <a:ext uri="{28A0092B-C50C-407E-A947-70E740481C1C}">
-                <a14:useLocalDpi xmlns:a14="http://schemas.microsoft.com/office/drawing/2010/main"/>
-              </a:ext>
-            </a:extLst>
-          </a:blip>
-          <a:stretch>
-            <a:fillRect/>
-          </a:stretch>
-        </p:blipFill>
-        <p:spPr>
-          <a:xfrm rot="0">
-            <a:off x="3548380" y="3900805"/>
-            <a:ext cx="1821180" cy="1005205"/>
-          </a:xfrm>
-          <a:prstGeom prst="roundRect"/>
-          <a:solidFill>
-            <a:srgbClr val="EDEDED"/>
-          </a:solidFill>
-        </p:spPr>
-      </p:pic>
-      <p:pic>
-        <p:nvPicPr>
-          <p:cNvPr id="1191" name="그림 11" descr="C:/Users/Admin1/AppData/Roaming/PolarisOffice/ETemp/20556_22124416/fImage19101936500.png"/>
-          <p:cNvPicPr>
-            <a:picLocks noChangeAspect="1"/>
-          </p:cNvPicPr>
-          <p:nvPr/>
-        </p:nvPicPr>
-        <p:blipFill rotWithShape="1">
-          <a:blip r:embed="rId50" cstate="hqprint">
-            <a:extLst>
-              <a:ext uri="{28A0092B-C50C-407E-A947-70E740481C1C}">
-                <a14:useLocalDpi xmlns:a14="http://schemas.microsoft.com/office/drawing/2010/main"/>
-              </a:ext>
-            </a:extLst>
-          </a:blip>
-          <a:stretch>
-            <a:fillRect/>
-          </a:stretch>
-        </p:blipFill>
-        <p:spPr>
-          <a:xfrm rot="0">
-            <a:off x="6810375" y="4132580"/>
-            <a:ext cx="765175" cy="991235"/>
-          </a:xfrm>
-          <a:prstGeom prst="roundRect"/>
-          <a:solidFill>
-            <a:srgbClr val="EDEDED"/>
-          </a:solidFill>
-        </p:spPr>
-      </p:pic>
-      <p:pic>
-        <p:nvPicPr>
-          <p:cNvPr id="1192" name="그림 13" descr="C:/Users/Admin1/AppData/Roaming/PolarisOffice/ETemp/20556_22124416/fImage46501949169.png"/>
-          <p:cNvPicPr>
-            <a:picLocks noChangeAspect="1"/>
-          </p:cNvPicPr>
-          <p:nvPr/>
-        </p:nvPicPr>
-        <p:blipFill rotWithShape="1">
-          <a:blip r:embed="rId51" cstate="hqprint">
-            <a:extLst>
-              <a:ext uri="{28A0092B-C50C-407E-A947-70E740481C1C}">
-                <a14:useLocalDpi xmlns:a14="http://schemas.microsoft.com/office/drawing/2010/main"/>
-              </a:ext>
-            </a:extLst>
-          </a:blip>
-          <a:stretch>
-            <a:fillRect/>
-          </a:stretch>
-        </p:blipFill>
-        <p:spPr>
-          <a:xfrm rot="0">
-            <a:off x="8246745" y="3985895"/>
-            <a:ext cx="2877185" cy="1148080"/>
-          </a:xfrm>
-          <a:prstGeom prst="roundRect"/>
-          <a:solidFill>
-            <a:srgbClr val="EDEDED"/>
-          </a:solidFill>
-        </p:spPr>
-      </p:pic>
       <p:cxnSp>
         <p:nvCxnSpPr>
-          <p:cNvPr id="1185" name="도형 28"/>
-          <p:cNvCxnSpPr/>
+          <p:cNvPr id="1196" name="도형 6"/>
+          <p:cNvCxnSpPr>
+            <a:stCxn id="1191" idx="0"/>
+            <a:endCxn id="1195" idx="2"/>
+          </p:cNvCxnSpPr>
           <p:nvPr/>
         </p:nvCxnSpPr>
         <p:spPr>
-          <a:xfrm rot="0" flipV="1">
-            <a:off x="7574280" y="4625975"/>
-            <a:ext cx="931545" cy="2540"/>
+          <a:xfrm rot="0" flipH="1" flipV="1">
+            <a:off x="4749800" y="2926715"/>
+            <a:ext cx="5080" cy="502920"/>
           </a:xfrm>
           <a:prstGeom prst="straightConnector1"/>
           <a:ln w="6350" cap="flat" cmpd="sng">
             <a:prstDash/>
+            <a:headEnd type="none" w="med" len="med"/>
             <a:tailEnd type="triangle" w="med" len="med"/>
           </a:ln>
         </p:spPr>
@@ -7712,14 +7692,14 @@
       </p:cxnSp>
       <p:pic>
         <p:nvPicPr>
-          <p:cNvPr id="1193" name="그림 5" descr="C:/Users/Admin1/AppData/Roaming/PolarisOffice/ETemp/20556_22124416/fImage1437532588467.png"/>
+          <p:cNvPr id="1197" name="그림 8" descr="C:/Users/Admin1/AppData/Roaming/PolarisOffice/ETemp/7504_22066552/fImage44831918467.png"/>
           <p:cNvPicPr>
             <a:picLocks noChangeAspect="1"/>
           </p:cNvPicPr>
           <p:nvPr/>
         </p:nvPicPr>
         <p:blipFill rotWithShape="1">
-          <a:blip r:embed="rId38" cstate="hqprint">
+          <a:blip r:embed="rId7" cstate="hqprint">
             <a:extLst>
               <a:ext uri="{28A0092B-C50C-407E-A947-70E740481C1C}">
                 <a14:useLocalDpi xmlns:a14="http://schemas.microsoft.com/office/drawing/2010/main"/>
@@ -7732,13 +7712,119 @@
         </p:blipFill>
         <p:spPr>
           <a:xfrm rot="0">
-            <a:off x="2933700" y="4218940"/>
-            <a:ext cx="520700" cy="349885"/>
+            <a:off x="6818630" y="1445895"/>
+            <a:ext cx="1590040" cy="1010285"/>
+          </a:xfrm>
+          <a:prstGeom prst="roundRect"/>
+          <a:solidFill>
+            <a:srgbClr val="EDEDED"/>
+          </a:solidFill>
+        </p:spPr>
+      </p:pic>
+      <p:pic>
+        <p:nvPicPr>
+          <p:cNvPr id="1198" name="그림 9" descr="C:/Users/Admin1/AppData/Roaming/PolarisOffice/ETemp/7504_22066552/fImage1437532588467.png"/>
+          <p:cNvPicPr>
+            <a:picLocks noChangeAspect="1"/>
+          </p:cNvPicPr>
+          <p:nvPr/>
+        </p:nvPicPr>
+        <p:blipFill rotWithShape="1">
+          <a:blip r:embed="rId8" cstate="hqprint">
+            <a:extLst>
+              <a:ext uri="{28A0092B-C50C-407E-A947-70E740481C1C}">
+                <a14:useLocalDpi xmlns:a14="http://schemas.microsoft.com/office/drawing/2010/main"/>
+              </a:ext>
+            </a:extLst>
+          </a:blip>
+          <a:stretch>
+            <a:fillRect/>
+          </a:stretch>
+        </p:blipFill>
+        <p:spPr>
+          <a:xfrm rot="0">
+            <a:off x="8484235" y="1777365"/>
+            <a:ext cx="521335" cy="350520"/>
           </a:xfrm>
           <a:prstGeom prst="rect"/>
           <a:noFill/>
         </p:spPr>
       </p:pic>
+      <p:sp>
+        <p:nvSpPr>
+          <p:cNvPr id="1199" name="텍스트 상자 10"/>
+          <p:cNvSpPr txBox="1">
+            <a:spLocks/>
+          </p:cNvSpPr>
+          <p:nvPr/>
+        </p:nvSpPr>
+        <p:spPr>
+          <a:xfrm rot="0">
+            <a:off x="6814185" y="2597785"/>
+            <a:ext cx="4131945" cy="923925"/>
+          </a:xfrm>
+          <a:prstGeom prst="rect"/>
+          <a:noFill/>
+          <a:ln w="0">
+            <a:noFill/>
+            <a:prstDash/>
+          </a:ln>
+        </p:spPr>
+        <p:txBody>
+          <a:bodyPr wrap="square" lIns="89535" tIns="46355" rIns="89535" bIns="46355" numCol="1" vert="horz" anchor="t">
+            <a:spAutoFit/>
+          </a:bodyPr>
+          <a:lstStyle/>
+          <a:p>
+            <a:pPr marL="0" indent="0" rtl="0" algn="l" defTabSz="914400" eaLnBrk="1" latinLnBrk="0" hangingPunct="1">
+              <a:buFontTx/>
+              <a:buNone/>
+            </a:pPr>
+            <a:r>
+              <a:rPr sz="1800" b="1">
+                <a:solidFill>
+                  <a:srgbClr val="0611F2"/>
+                </a:solidFill>
+                <a:latin typeface="맑은 고딕" charset="0"/>
+                <a:ea typeface="맑은 고딕" charset="0"/>
+              </a:rPr>
+              <a:t>2.</a:t>
+            </a:r>
+            <a:r>
+              <a:rPr sz="1800">
+                <a:latin typeface="맑은 고딕" charset="0"/>
+                <a:ea typeface="맑은 고딕" charset="0"/>
+              </a:rPr>
+              <a:t> 그</a:t>
+            </a:r>
+            <a:r>
+              <a:rPr sz="1800">
+                <a:latin typeface="맑은 고딕" charset="0"/>
+                <a:ea typeface="맑은 고딕" charset="0"/>
+              </a:rPr>
+              <a:t>다음으</a:t>
+            </a:r>
+            <a:r>
+              <a:rPr lang="ko-KR" sz="1800">
+                <a:latin typeface="맑은 고딕" charset="0"/>
+                <a:ea typeface="맑은 고딕" charset="0"/>
+              </a:rPr>
+              <a:t>로</a:t>
+            </a:r>
+            <a:r>
+              <a:rPr lang="ko-KR" sz="1800">
+                <a:latin typeface="맑은 고딕" charset="0"/>
+                <a:ea typeface="맑은 고딕" charset="0"/>
+              </a:rPr>
+              <a:t> Main Camera 오브젝트를 Character 오브젝트의 하위 오브젝트로 넣어줍니다.</a:t>
+            </a:r>
+            <a:endParaRPr lang="ko-KR" altLang="en-US" sz="1800">
+              <a:latin typeface="맑은 고딕" charset="0"/>
+              <a:ea typeface="맑은 고딕" charset="0"/>
+            </a:endParaRPr>
+          </a:p>
+        </p:txBody>
+      </p:sp>
     </p:spTree>
   </p:cSld>
   <p:clrMapOvr>
@@ -7779,9 +7865,38 @@
           <a:chExt cx="0" cy="0"/>
         </a:xfrm>
       </p:grpSpPr>
-      <p:sp>
-        <p:nvSpPr>
-          <p:cNvPr id="1031" name="Rect 0"/>
+      <p:pic>
+        <p:nvPicPr>
+          <p:cNvPr id="22" name="그림 153" descr="C:/Users/Admin1/AppData/Roaming/PolarisOffice/ETemp/7504_22066552/fImage1177203061726.png"/>
+          <p:cNvPicPr>
+            <a:picLocks noChangeAspect="1"/>
+          </p:cNvPicPr>
+          <p:nvPr/>
+        </p:nvPicPr>
+        <p:blipFill rotWithShape="1">
+          <a:blip r:embed="rId7" cstate="hqprint">
+            <a:extLst>
+              <a:ext uri="{28A0092B-C50C-407E-A947-70E740481C1C}">
+                <a14:useLocalDpi xmlns:a14="http://schemas.microsoft.com/office/drawing/2010/main"/>
+              </a:ext>
+            </a:extLst>
+          </a:blip>
+          <a:stretch>
+            <a:fillRect/>
+          </a:stretch>
+        </p:blipFill>
+        <p:spPr>
+          <a:xfrm rot="0">
+            <a:off x="8278495" y="1480820"/>
+            <a:ext cx="1082040" cy="1550670"/>
+          </a:xfrm>
+          <a:prstGeom prst="rect"/>
+          <a:noFill/>
+        </p:spPr>
+      </p:pic>
+      <p:sp>
+        <p:nvSpPr>
+          <p:cNvPr id="2" name="텍스트 상자 89"/>
           <p:cNvSpPr txBox="1">
             <a:spLocks/>
           </p:cNvSpPr>
@@ -7789,8 +7904,8 @@
         </p:nvSpPr>
         <p:spPr>
           <a:xfrm rot="0">
-            <a:off x="4804410" y="346075"/>
-            <a:ext cx="2701925" cy="478155"/>
+            <a:off x="4131945" y="388620"/>
+            <a:ext cx="3926840" cy="478155"/>
           </a:xfrm>
           <a:prstGeom prst="rect"/>
           <a:noFill/>
@@ -7805,29 +7920,19 @@
           </a:bodyPr>
           <a:lstStyle/>
           <a:p>
-            <a:pPr marL="0" indent="0" algn="l" latinLnBrk="0">
-              <a:buFontTx/>
-              <a:buNone/>
-            </a:pPr>
-            <a:r>
-              <a:rPr lang="ko-KR" altLang="en-US" sz="2500" b="1">
+            <a:pPr marL="0" indent="0" rtl="0" algn="ctr" defTabSz="914400" eaLnBrk="1" latinLnBrk="0" hangingPunct="1">
+              <a:buFontTx/>
+              <a:buNone/>
+            </a:pPr>
+            <a:r>
+              <a:rPr sz="2500" b="1">
                 <a:solidFill>
                   <a:schemeClr val="tx1"/>
                 </a:solidFill>
                 <a:latin typeface="나눔바른고딕" charset="0"/>
                 <a:ea typeface="나눔바른고딕" charset="0"/>
               </a:rPr>
-              <a:t>여덟</a:t>
-            </a:r>
-            <a:r>
-              <a:rPr lang="ko-KR" altLang="en-US" sz="2500" b="1">
-                <a:solidFill>
-                  <a:schemeClr val="tx1"/>
-                </a:solidFill>
-                <a:latin typeface="나눔바른고딕" charset="0"/>
-                <a:ea typeface="나눔바른고딕" charset="0"/>
-              </a:rPr>
-              <a:t> 번째 튜토리얼</a:t>
+              <a:t>NavMesh Avoidance</a:t>
             </a:r>
             <a:endParaRPr lang="ko-KR" altLang="en-US" sz="2500" b="1">
               <a:solidFill>
@@ -7841,7 +7946,7 @@
       </p:sp>
       <p:sp>
         <p:nvSpPr>
-          <p:cNvPr id="1192" name="Rect 0"/>
+          <p:cNvPr id="3" name="텍스트 상자 90"/>
           <p:cNvSpPr txBox="1">
             <a:spLocks/>
           </p:cNvSpPr>
@@ -7849,8 +7954,8 @@
         </p:nvSpPr>
         <p:spPr>
           <a:xfrm rot="0">
-            <a:off x="1247140" y="2592705"/>
-            <a:ext cx="4139565" cy="923925"/>
+            <a:off x="1237615" y="1492250"/>
+            <a:ext cx="4140835" cy="647065"/>
           </a:xfrm>
           <a:prstGeom prst="rect"/>
           <a:noFill/>
@@ -7870,76 +7975,11 @@
               <a:buNone/>
             </a:pPr>
             <a:r>
-              <a:rPr sz="1800" b="1">
-                <a:solidFill>
-                  <a:srgbClr val="0611F2"/>
-                </a:solidFill>
-                <a:latin typeface="맑은 고딕" charset="0"/>
-                <a:ea typeface="맑은 고딕" charset="0"/>
-              </a:rPr>
-              <a:t>2</a:t>
-            </a:r>
-            <a:r>
-              <a:rPr sz="1800" b="1">
-                <a:solidFill>
-                  <a:srgbClr val="0611F2"/>
-                </a:solidFill>
-                <a:latin typeface="맑은 고딕" charset="0"/>
-                <a:ea typeface="맑은 고딕" charset="0"/>
-              </a:rPr>
-              <a:t>5</a:t>
-            </a:r>
-            <a:r>
-              <a:rPr sz="1800" b="1">
-                <a:solidFill>
-                  <a:srgbClr val="0611F2"/>
-                </a:solidFill>
-                <a:latin typeface="맑은 고딕" charset="0"/>
-                <a:ea typeface="맑은 고딕" charset="0"/>
-              </a:rPr>
-              <a:t>.</a:t>
-            </a:r>
-            <a:r>
-              <a:rPr lang="ko-KR" sz="1800">
-                <a:latin typeface="맑은 고딕" charset="0"/>
-                <a:ea typeface="맑은 고딕" charset="0"/>
-              </a:rPr>
-              <a:t> </a:t>
-            </a:r>
-            <a:r>
-              <a:rPr lang="ko-KR" sz="1800">
-                <a:latin typeface="맑은 고딕" charset="0"/>
-                <a:ea typeface="맑은 고딕" charset="0"/>
-              </a:rPr>
-              <a:t>그</a:t>
-            </a:r>
-            <a:r>
-              <a:rPr lang="ko-KR" sz="1800">
-                <a:latin typeface="맑은 고딕" charset="0"/>
-                <a:ea typeface="맑은 고딕" charset="0"/>
-              </a:rPr>
-              <a:t>런 다음 Obstacle 오브젝트에</a:t>
-            </a:r>
-            <a:r>
-              <a:rPr lang="ko-KR" sz="1800">
-                <a:latin typeface="맑은 고딕" charset="0"/>
-                <a:ea typeface="맑은 고딕" charset="0"/>
-              </a:rPr>
-              <a:t> Navmesh Obstacle 컴포넌트</a:t>
-            </a:r>
-            <a:r>
-              <a:rPr lang="ko-KR" sz="1800">
-                <a:latin typeface="맑은 고딕" charset="0"/>
-                <a:ea typeface="맑은 고딕" charset="0"/>
-              </a:rPr>
-              <a:t>를 </a:t>
-            </a:r>
-            <a:r>
-              <a:rPr lang="ko-KR" sz="1800">
-                <a:latin typeface="맑은 고딕" charset="0"/>
-                <a:ea typeface="맑은 고딕" charset="0"/>
-              </a:rPr>
-              <a:t>추가합니다.</a:t>
+              <a:rPr sz="1800">
+                <a:latin typeface="맑은 고딕" charset="0"/>
+                <a:ea typeface="맑은 고딕" charset="0"/>
+              </a:rPr>
+              <a:t>NavMesh Avoidance : 장애물 회피와 관련된 컴포넌트입니다.</a:t>
             </a:r>
             <a:endParaRPr lang="ko-KR" altLang="en-US" sz="1800">
               <a:latin typeface="맑은 고딕" charset="0"/>
@@ -7950,7 +7990,7 @@
       </p:sp>
       <p:sp>
         <p:nvSpPr>
-          <p:cNvPr id="1200" name="Rect 0"/>
+          <p:cNvPr id="4" name="텍스트 상자 91"/>
           <p:cNvSpPr txBox="1">
             <a:spLocks/>
           </p:cNvSpPr>
@@ -7958,8 +7998,8 @@
         </p:nvSpPr>
         <p:spPr>
           <a:xfrm rot="0">
-            <a:off x="6858000" y="5339715"/>
-            <a:ext cx="4144645" cy="923925"/>
+            <a:off x="6801485" y="3141980"/>
+            <a:ext cx="4144645" cy="3138805"/>
           </a:xfrm>
           <a:prstGeom prst="rect"/>
           <a:noFill/>
@@ -7979,59 +8019,322 @@
               <a:buNone/>
             </a:pPr>
             <a:r>
-              <a:rPr sz="1800" b="1">
-                <a:solidFill>
-                  <a:srgbClr val="0611F2"/>
-                </a:solidFill>
-                <a:latin typeface="맑은 고딕" charset="0"/>
-                <a:ea typeface="맑은 고딕" charset="0"/>
-              </a:rPr>
-              <a:t>2</a:t>
-            </a:r>
-            <a:r>
-              <a:rPr sz="1800" b="1">
-                <a:solidFill>
-                  <a:srgbClr val="0611F2"/>
-                </a:solidFill>
-                <a:latin typeface="맑은 고딕" charset="0"/>
-                <a:ea typeface="맑은 고딕" charset="0"/>
-              </a:rPr>
-              <a:t>8</a:t>
-            </a:r>
-            <a:r>
-              <a:rPr sz="1800" b="1">
-                <a:solidFill>
-                  <a:srgbClr val="0611F2"/>
-                </a:solidFill>
-                <a:latin typeface="맑은 고딕" charset="0"/>
-                <a:ea typeface="맑은 고딕" charset="0"/>
-              </a:rPr>
-              <a:t>.</a:t>
-            </a:r>
-            <a:r>
               <a:rPr sz="1800">
                 <a:latin typeface="맑은 고딕" charset="0"/>
                 <a:ea typeface="맑은 고딕" charset="0"/>
               </a:rPr>
-              <a:t> </a:t>
-            </a:r>
-            <a:r>
-              <a:rPr lang="ko-KR" sz="1800">
-                <a:latin typeface="맑은 고딕" charset="0"/>
-                <a:ea typeface="맑은 고딕" charset="0"/>
-              </a:rPr>
-              <a:t>이제 AutoMove 스크립트를 생성하고 Obstacle 오브젝트에 넣어줍니다.</a:t>
+              <a:t>Priority : 에이전트 간의 우선순위를 설정하며, 0~99 사이에 값을 설정할 수 있습니다.</a:t>
             </a:r>
             <a:endParaRPr lang="ko-KR" altLang="en-US" sz="1800">
               <a:latin typeface="맑은 고딕" charset="0"/>
               <a:ea typeface="맑은 고딕" charset="0"/>
             </a:endParaRPr>
           </a:p>
+          <a:p>
+            <a:pPr marL="0" indent="0" rtl="0" algn="l" defTabSz="914400" eaLnBrk="1" latinLnBrk="0" hangingPunct="1">
+              <a:buFontTx/>
+              <a:buNone/>
+            </a:pPr>
+            <a:endParaRPr lang="ko-KR" altLang="en-US" sz="1800">
+              <a:latin typeface="맑은 고딕" charset="0"/>
+              <a:ea typeface="맑은 고딕" charset="0"/>
+            </a:endParaRPr>
+          </a:p>
+          <a:p>
+            <a:pPr marL="0" indent="0" rtl="0" algn="l" defTabSz="914400" eaLnBrk="1" latinLnBrk="0" hangingPunct="1">
+              <a:buFontTx/>
+              <a:buNone/>
+            </a:pPr>
+            <a:r>
+              <a:rPr sz="1800">
+                <a:latin typeface="맑은 고딕" charset="0"/>
+                <a:ea typeface="맑은 고딕" charset="0"/>
+              </a:rPr>
+              <a:t>우선순위가 같다면 피해 가려는 움직임만 연출하고, 여의찮을 때 그대로 이동합니다.</a:t>
+            </a:r>
+            <a:endParaRPr lang="ko-KR" altLang="en-US" sz="1800">
+              <a:latin typeface="맑은 고딕" charset="0"/>
+              <a:ea typeface="맑은 고딕" charset="0"/>
+            </a:endParaRPr>
+          </a:p>
+          <a:p>
+            <a:pPr marL="0" indent="0" rtl="0" algn="l" defTabSz="914400" eaLnBrk="1" latinLnBrk="0" hangingPunct="1">
+              <a:buFontTx/>
+              <a:buNone/>
+            </a:pPr>
+            <a:endParaRPr lang="ko-KR" altLang="en-US" sz="1800">
+              <a:latin typeface="맑은 고딕" charset="0"/>
+              <a:ea typeface="맑은 고딕" charset="0"/>
+            </a:endParaRPr>
+          </a:p>
+          <a:p>
+            <a:pPr marL="0" indent="0" rtl="0" algn="l" defTabSz="914400" eaLnBrk="1" latinLnBrk="0" hangingPunct="1">
+              <a:buFontTx/>
+              <a:buNone/>
+            </a:pPr>
+            <a:r>
+              <a:rPr sz="1800">
+                <a:latin typeface="맑은 고딕" charset="0"/>
+                <a:ea typeface="맑은 고딕" charset="0"/>
+              </a:rPr>
+              <a:t>0이라는 값이 가장 큰 값을 의미하며, 99라는 값은 가장 작은 값을 의미합니다.</a:t>
+            </a:r>
+            <a:endParaRPr lang="ko-KR" altLang="en-US" sz="1800">
+              <a:latin typeface="맑은 고딕" charset="0"/>
+              <a:ea typeface="맑은 고딕" charset="0"/>
+            </a:endParaRPr>
+          </a:p>
+        </p:txBody>
+      </p:sp>
+      <p:sp>
+        <p:nvSpPr>
+          <p:cNvPr id="5" name="텍스트 상자 92"/>
+          <p:cNvSpPr txBox="1">
+            <a:spLocks/>
+          </p:cNvSpPr>
+          <p:nvPr/>
+        </p:nvSpPr>
+        <p:spPr>
+          <a:xfrm rot="0">
+            <a:off x="1229360" y="3354705"/>
+            <a:ext cx="4180205" cy="923925"/>
+          </a:xfrm>
+          <a:prstGeom prst="rect"/>
+          <a:noFill/>
+          <a:ln w="0">
+            <a:noFill/>
+            <a:prstDash/>
+          </a:ln>
+        </p:spPr>
+        <p:txBody>
+          <a:bodyPr wrap="square" lIns="89535" tIns="46355" rIns="89535" bIns="46355" numCol="1" vert="horz" anchor="t">
+            <a:spAutoFit/>
+          </a:bodyPr>
+          <a:lstStyle/>
+          <a:p>
+            <a:pPr marL="0" indent="0" rtl="0" algn="l" defTabSz="914400" eaLnBrk="1" latinLnBrk="0" hangingPunct="1">
+              <a:buFontTx/>
+              <a:buNone/>
+            </a:pPr>
+            <a:r>
+              <a:rPr sz="1800">
+                <a:latin typeface="맑은 고딕" charset="0"/>
+                <a:ea typeface="맑은 고딕" charset="0"/>
+              </a:rPr>
+              <a:t>Radius : 에이전트의 충돌 범위를 설정하며, 에이전트 컴포넌트를 가진 게임 오브젝트만 충돌됩니다.</a:t>
+            </a:r>
+            <a:endParaRPr lang="ko-KR" altLang="en-US" sz="1800">
+              <a:latin typeface="맑은 고딕" charset="0"/>
+              <a:ea typeface="맑은 고딕" charset="0"/>
+            </a:endParaRPr>
+          </a:p>
+        </p:txBody>
+      </p:sp>
+      <p:sp>
+        <p:nvSpPr>
+          <p:cNvPr id="6" name="텍스트 상자 93"/>
+          <p:cNvSpPr txBox="1">
+            <a:spLocks/>
+          </p:cNvSpPr>
+          <p:nvPr/>
+        </p:nvSpPr>
+        <p:spPr>
+          <a:xfrm rot="0">
+            <a:off x="1229995" y="5633720"/>
+            <a:ext cx="4148455" cy="647065"/>
+          </a:xfrm>
+          <a:prstGeom prst="rect"/>
+          <a:noFill/>
+          <a:ln w="0">
+            <a:noFill/>
+            <a:prstDash/>
+          </a:ln>
+        </p:spPr>
+        <p:txBody>
+          <a:bodyPr wrap="square" lIns="89535" tIns="46355" rIns="89535" bIns="46355" numCol="1" vert="horz" anchor="t">
+            <a:spAutoFit/>
+          </a:bodyPr>
+          <a:lstStyle/>
+          <a:p>
+            <a:pPr marL="0" indent="0" rtl="0" algn="l" defTabSz="914400" eaLnBrk="1" latinLnBrk="0" hangingPunct="1">
+              <a:buFontTx/>
+              <a:buNone/>
+            </a:pPr>
+            <a:r>
+              <a:rPr sz="1800">
+                <a:latin typeface="맑은 고딕" charset="0"/>
+                <a:ea typeface="맑은 고딕" charset="0"/>
+              </a:rPr>
+              <a:t>Quality : 에이전트와 에이전트간의 회피하는 품질을 설정합니다.</a:t>
+            </a:r>
+            <a:endParaRPr lang="ko-KR" altLang="en-US" sz="1800">
+              <a:latin typeface="맑은 고딕" charset="0"/>
+              <a:ea typeface="맑은 고딕" charset="0"/>
+            </a:endParaRPr>
+          </a:p>
         </p:txBody>
       </p:sp>
       <p:pic>
         <p:nvPicPr>
-          <p:cNvPr id="1214" name="그림 174" descr="C:/Users/Admin1/AppData/Roaming/PolarisOffice/ETemp/20556_22124416/fImage54593197035.png"/>
+          <p:cNvPr id="18" name="그림 149" descr="C:/Users/Admin1/AppData/Roaming/PolarisOffice/ETemp/7504_22066552/fImage1177203024771.png"/>
+          <p:cNvPicPr>
+            <a:picLocks noChangeAspect="1"/>
+          </p:cNvPicPr>
+          <p:nvPr/>
+        </p:nvPicPr>
+        <p:blipFill rotWithShape="1">
+          <a:blip r:embed="rId8" cstate="hqprint">
+            <a:extLst>
+              <a:ext uri="{28A0092B-C50C-407E-A947-70E740481C1C}">
+                <a14:useLocalDpi xmlns:a14="http://schemas.microsoft.com/office/drawing/2010/main"/>
+              </a:ext>
+            </a:extLst>
+          </a:blip>
+          <a:stretch>
+            <a:fillRect/>
+          </a:stretch>
+        </p:blipFill>
+        <p:spPr>
+          <a:xfrm rot="0">
+            <a:off x="6805930" y="1480820"/>
+            <a:ext cx="1082040" cy="1549400"/>
+          </a:xfrm>
+          <a:prstGeom prst="rect"/>
+          <a:noFill/>
+        </p:spPr>
+      </p:pic>
+      <p:sp>
+        <p:nvSpPr>
+          <p:cNvPr id="20" name="텍스트 상자 151"/>
+          <p:cNvSpPr txBox="1">
+            <a:spLocks/>
+          </p:cNvSpPr>
+          <p:nvPr/>
+        </p:nvSpPr>
+        <p:spPr>
+          <a:xfrm rot="0">
+            <a:off x="7231380" y="1596390"/>
+            <a:ext cx="291465" cy="478790"/>
+          </a:xfrm>
+          <a:prstGeom prst="rect"/>
+          <a:noFill/>
+          <a:ln w="0">
+            <a:noFill/>
+            <a:prstDash/>
+          </a:ln>
+        </p:spPr>
+        <p:txBody>
+          <a:bodyPr wrap="square" lIns="89535" tIns="46355" rIns="89535" bIns="46355" numCol="1" vert="horz" anchor="t">
+            <a:spAutoFit/>
+          </a:bodyPr>
+          <a:lstStyle/>
+          <a:p>
+            <a:pPr marL="0" indent="0" rtl="0" algn="ctr" defTabSz="914400" eaLnBrk="1" latinLnBrk="0" hangingPunct="1">
+              <a:buFontTx/>
+              <a:buNone/>
+            </a:pPr>
+            <a:r>
+              <a:rPr sz="2500" b="1">
+                <a:solidFill>
+                  <a:srgbClr val="FF0000"/>
+                </a:solidFill>
+                <a:latin typeface="맑은 고딕" charset="0"/>
+                <a:ea typeface="맑은 고딕" charset="0"/>
+              </a:rPr>
+              <a:t>0</a:t>
+            </a:r>
+            <a:endParaRPr lang="ko-KR" altLang="en-US" sz="2500" b="1">
+              <a:solidFill>
+                <a:srgbClr val="FF0000"/>
+              </a:solidFill>
+              <a:latin typeface="맑은 고딕" charset="0"/>
+              <a:ea typeface="맑은 고딕" charset="0"/>
+            </a:endParaRPr>
+          </a:p>
+        </p:txBody>
+      </p:sp>
+      <p:sp>
+        <p:nvSpPr>
+          <p:cNvPr id="21" name="텍스트 상자 152"/>
+          <p:cNvSpPr txBox="1">
+            <a:spLocks/>
+          </p:cNvSpPr>
+          <p:nvPr/>
+        </p:nvSpPr>
+        <p:spPr>
+          <a:xfrm rot="0">
+            <a:off x="8553450" y="1600835"/>
+            <a:ext cx="625475" cy="478790"/>
+          </a:xfrm>
+          <a:prstGeom prst="rect"/>
+          <a:noFill/>
+          <a:ln w="0">
+            <a:noFill/>
+            <a:prstDash/>
+          </a:ln>
+        </p:spPr>
+        <p:txBody>
+          <a:bodyPr wrap="square" lIns="89535" tIns="46355" rIns="89535" bIns="46355" numCol="1" vert="horz" anchor="t">
+            <a:spAutoFit/>
+          </a:bodyPr>
+          <a:lstStyle/>
+          <a:p>
+            <a:pPr marL="0" indent="0" rtl="0" algn="ctr" defTabSz="914400" eaLnBrk="1" latinLnBrk="0" hangingPunct="1">
+              <a:buFontTx/>
+              <a:buNone/>
+            </a:pPr>
+            <a:r>
+              <a:rPr lang="ko-KR" sz="2500" b="1">
+                <a:solidFill>
+                  <a:srgbClr val="FF0000"/>
+                </a:solidFill>
+                <a:latin typeface="맑은 고딕" charset="0"/>
+                <a:ea typeface="맑은 고딕" charset="0"/>
+              </a:rPr>
+              <a:t>99</a:t>
+            </a:r>
+            <a:endParaRPr lang="ko-KR" altLang="en-US" sz="2500" b="1">
+              <a:solidFill>
+                <a:srgbClr val="FF0000"/>
+              </a:solidFill>
+              <a:latin typeface="맑은 고딕" charset="0"/>
+              <a:ea typeface="맑은 고딕" charset="0"/>
+            </a:endParaRPr>
+          </a:p>
+        </p:txBody>
+      </p:sp>
+      <p:pic>
+        <p:nvPicPr>
+          <p:cNvPr id="23" name="그림 154" descr="C:/Users/Admin1/AppData/Roaming/PolarisOffice/ETemp/7504_22066552/fImage855303071538.png"/>
+          <p:cNvPicPr>
+            <a:picLocks noChangeAspect="1"/>
+          </p:cNvPicPr>
+          <p:nvPr/>
+        </p:nvPicPr>
+        <p:blipFill rotWithShape="1">
+          <a:blip r:embed="rId9" cstate="hqprint">
+            <a:extLst>
+              <a:ext uri="{28A0092B-C50C-407E-A947-70E740481C1C}">
+                <a14:useLocalDpi xmlns:a14="http://schemas.microsoft.com/office/drawing/2010/main"/>
+              </a:ext>
+            </a:extLst>
+          </a:blip>
+          <a:stretch>
+            <a:fillRect/>
+          </a:stretch>
+        </p:blipFill>
+        <p:spPr>
+          <a:xfrm rot="0">
+            <a:off x="9772650" y="1480820"/>
+            <a:ext cx="1181735" cy="1541780"/>
+          </a:xfrm>
+          <a:prstGeom prst="rect"/>
+          <a:noFill/>
+        </p:spPr>
+      </p:pic>
+      <p:pic>
+        <p:nvPicPr>
+          <p:cNvPr id="24" name="그림 155" descr="C:/Users/Admin1/AppData/Roaming/PolarisOffice/ETemp/7504_22066552/fImage85093081869.png"/>
           <p:cNvPicPr>
             <a:picLocks noChangeAspect="1"/>
           </p:cNvPicPr>
@@ -8051,8 +8354,8 @@
         </p:blipFill>
         <p:spPr>
           <a:xfrm rot="0">
-            <a:off x="1243330" y="1323340"/>
-            <a:ext cx="4144645" cy="1127760"/>
+            <a:off x="1238250" y="4429125"/>
+            <a:ext cx="4163695" cy="1068070"/>
           </a:xfrm>
           <a:prstGeom prst="roundRect"/>
           <a:solidFill>
@@ -8062,7 +8365,7 @@
       </p:pic>
       <p:pic>
         <p:nvPicPr>
-          <p:cNvPr id="1215" name="그림 178"/>
+          <p:cNvPr id="25" name="그림 158" descr="C:/Users/Admin1/AppData/Roaming/PolarisOffice/ETemp/7504_22066552/fImage110813099912.png"/>
           <p:cNvPicPr>
             <a:picLocks noChangeAspect="1"/>
           </p:cNvPicPr>
@@ -8082,8 +8385,8 @@
         </p:blipFill>
         <p:spPr>
           <a:xfrm rot="0">
-            <a:off x="10029825" y="3990975"/>
-            <a:ext cx="963295" cy="1029335"/>
+            <a:off x="1247140" y="2214880"/>
+            <a:ext cx="4131310" cy="996950"/>
           </a:xfrm>
           <a:prstGeom prst="roundRect"/>
           <a:solidFill>
@@ -8091,350 +8394,6 @@
           </a:solidFill>
         </p:spPr>
       </p:pic>
-      <p:pic>
-        <p:nvPicPr>
-          <p:cNvPr id="1216" name="그림 179"/>
-          <p:cNvPicPr>
-            <a:picLocks noChangeAspect="1"/>
-          </p:cNvPicPr>
-          <p:nvPr/>
-        </p:nvPicPr>
-        <p:blipFill rotWithShape="1">
-          <a:blip r:embed="rId12" cstate="print">
-            <a:extLst>
-              <a:ext uri="{28A0092B-C50C-407E-A947-70E740481C1C}">
-                <a14:useLocalDpi xmlns:a14="http://schemas.microsoft.com/office/drawing/2010/main" val="0"/>
-              </a:ext>
-            </a:extLst>
-          </a:blip>
-          <a:stretch>
-            <a:fillRect/>
-          </a:stretch>
-        </p:blipFill>
-        <p:spPr>
-          <a:xfrm rot="0">
-            <a:off x="6862445" y="1147445"/>
-            <a:ext cx="1248410" cy="1263015"/>
-          </a:xfrm>
-          <a:prstGeom prst="roundRect"/>
-          <a:solidFill>
-            <a:srgbClr val="EDEDED"/>
-          </a:solidFill>
-        </p:spPr>
-      </p:pic>
-      <p:pic>
-        <p:nvPicPr>
-          <p:cNvPr id="1217" name="그림 180"/>
-          <p:cNvPicPr>
-            <a:picLocks noChangeAspect="1"/>
-          </p:cNvPicPr>
-          <p:nvPr/>
-        </p:nvPicPr>
-        <p:blipFill rotWithShape="1">
-          <a:blip r:embed="rId13" cstate="print">
-            <a:extLst>
-              <a:ext uri="{28A0092B-C50C-407E-A947-70E740481C1C}">
-                <a14:useLocalDpi xmlns:a14="http://schemas.microsoft.com/office/drawing/2010/main" val="0"/>
-              </a:ext>
-            </a:extLst>
-          </a:blip>
-          <a:stretch>
-            <a:fillRect/>
-          </a:stretch>
-        </p:blipFill>
-        <p:spPr>
-          <a:xfrm rot="0">
-            <a:off x="8343900" y="1143000"/>
-            <a:ext cx="2658110" cy="1262380"/>
-          </a:xfrm>
-          <a:prstGeom prst="roundRect"/>
-          <a:solidFill>
-            <a:srgbClr val="EDEDED"/>
-          </a:solidFill>
-        </p:spPr>
-      </p:pic>
-      <p:sp>
-        <p:nvSpPr>
-          <p:cNvPr id="1218" name="텍스트 상자 185"/>
-          <p:cNvSpPr txBox="1">
-            <a:spLocks/>
-          </p:cNvSpPr>
-          <p:nvPr/>
-        </p:nvSpPr>
-        <p:spPr>
-          <a:xfrm>
-            <a:off x="6853555" y="2630170"/>
-            <a:ext cx="4158615" cy="923925"/>
-          </a:xfrm>
-          <a:prstGeom prst="rect"/>
-          <a:noFill/>
-          <a:ln w="0">
-            <a:noFill/>
-            <a:prstDash/>
-          </a:ln>
-        </p:spPr>
-        <p:txBody>
-          <a:bodyPr wrap="square" lIns="89535" tIns="46355" rIns="89535" bIns="46355" numCol="1" vert="horz" anchor="t">
-            <a:spAutoFit/>
-          </a:bodyPr>
-          <a:lstStyle/>
-          <a:p>
-            <a:pPr marL="0" indent="0" rtl="0" algn="l" defTabSz="914400" eaLnBrk="1" latinLnBrk="0" hangingPunct="1">
-              <a:buFontTx/>
-              <a:buNone/>
-            </a:pPr>
-            <a:r>
-              <a:rPr lang="ko-KR" sz="1800" b="1">
-                <a:solidFill>
-                  <a:srgbClr val="0611F2"/>
-                </a:solidFill>
-                <a:latin typeface="맑은 고딕" charset="0"/>
-                <a:ea typeface="맑은 고딕" charset="0"/>
-              </a:rPr>
-              <a:t>2</a:t>
-            </a:r>
-            <a:r>
-              <a:rPr lang="ko-KR" sz="1800" b="1">
-                <a:solidFill>
-                  <a:srgbClr val="0611F2"/>
-                </a:solidFill>
-                <a:latin typeface="맑은 고딕" charset="0"/>
-                <a:ea typeface="맑은 고딕" charset="0"/>
-              </a:rPr>
-              <a:t>7</a:t>
-            </a:r>
-            <a:r>
-              <a:rPr sz="1800" b="1">
-                <a:solidFill>
-                  <a:srgbClr val="0611F2"/>
-                </a:solidFill>
-                <a:latin typeface="맑은 고딕" charset="0"/>
-                <a:ea typeface="맑은 고딕" charset="0"/>
-              </a:rPr>
-              <a:t>.</a:t>
-            </a:r>
-            <a:r>
-              <a:rPr sz="1800">
-                <a:latin typeface="맑은 고딕" charset="0"/>
-                <a:ea typeface="맑은 고딕" charset="0"/>
-              </a:rPr>
-              <a:t> </a:t>
-            </a:r>
-            <a:r>
-              <a:rPr lang="ko-KR" sz="1800">
-                <a:latin typeface="맑은 고딕" charset="0"/>
-                <a:ea typeface="맑은 고딕" charset="0"/>
-              </a:rPr>
-              <a:t>그런 다음 Project 폴더에서 Texture에 Panel_D 텍스처를 선택하고 Obstacle 오브젝트에 넣어줍니다.</a:t>
-            </a:r>
-            <a:endParaRPr lang="ko-KR" altLang="en-US" sz="1800">
-              <a:latin typeface="맑은 고딕" charset="0"/>
-              <a:ea typeface="맑은 고딕" charset="0"/>
-            </a:endParaRPr>
-          </a:p>
-        </p:txBody>
-      </p:sp>
-      <p:pic>
-        <p:nvPicPr>
-          <p:cNvPr id="1219" name="그림 186" descr="C:/Users/Admin1/AppData/Roaming/PolarisOffice/ETemp/20556_22124416/fImage62243261322.png"/>
-          <p:cNvPicPr>
-            <a:picLocks noChangeAspect="1"/>
-          </p:cNvPicPr>
-          <p:nvPr/>
-        </p:nvPicPr>
-        <p:blipFill rotWithShape="1">
-          <a:blip r:embed="rId14" cstate="hqprint">
-            <a:extLst>
-              <a:ext uri="{28A0092B-C50C-407E-A947-70E740481C1C}">
-                <a14:useLocalDpi xmlns:a14="http://schemas.microsoft.com/office/drawing/2010/main"/>
-              </a:ext>
-            </a:extLst>
-          </a:blip>
-          <a:stretch>
-            <a:fillRect/>
-          </a:stretch>
-        </p:blipFill>
-        <p:spPr>
-          <a:xfrm rot="0">
-            <a:off x="6858000" y="3715385"/>
-            <a:ext cx="2676525" cy="1524635"/>
-          </a:xfrm>
-          <a:prstGeom prst="roundRect"/>
-          <a:solidFill>
-            <a:srgbClr val="EDEDED"/>
-          </a:solidFill>
-        </p:spPr>
-      </p:pic>
-      <p:cxnSp>
-        <p:nvCxnSpPr>
-          <p:cNvPr id="1220" name="도형 187"/>
-          <p:cNvCxnSpPr/>
-          <p:nvPr/>
-        </p:nvCxnSpPr>
-        <p:spPr>
-          <a:xfrm rot="0" flipH="1">
-            <a:off x="8564245" y="4505325"/>
-            <a:ext cx="1466850" cy="630555"/>
-          </a:xfrm>
-          <a:prstGeom prst="straightConnector1"/>
-          <a:ln w="6350" cap="flat" cmpd="sng">
-            <a:prstDash/>
-            <a:tailEnd type="triangle" w="med" len="med"/>
-          </a:ln>
-        </p:spPr>
-        <p:style>
-          <a:lnRef idx="1">
-            <a:schemeClr val="accent1"/>
-          </a:lnRef>
-          <a:fillRef idx="0">
-            <a:schemeClr val="accent1"/>
-          </a:fillRef>
-          <a:effectRef idx="0">
-            <a:schemeClr val="accent1"/>
-          </a:effectRef>
-          <a:fontRef idx="minor">
-            <a:schemeClr val="tx1"/>
-          </a:fontRef>
-        </p:style>
-      </p:cxnSp>
-      <p:pic>
-        <p:nvPicPr>
-          <p:cNvPr id="1221" name="그림 55" descr="C:/Users/Admin1/AppData/Roaming/PolarisOffice/ETemp/20556_22124416/fImage126303139358.png"/>
-          <p:cNvPicPr>
-            <a:picLocks noChangeAspect="1"/>
-          </p:cNvPicPr>
-          <p:nvPr/>
-        </p:nvPicPr>
-        <p:blipFill rotWithShape="1">
-          <a:blip r:embed="rId15" cstate="print">
-            <a:extLst>
-              <a:ext uri="{28A0092B-C50C-407E-A947-70E740481C1C}">
-                <a14:useLocalDpi xmlns:a14="http://schemas.microsoft.com/office/drawing/2010/main" val="0"/>
-              </a:ext>
-            </a:extLst>
-          </a:blip>
-          <a:stretch>
-            <a:fillRect/>
-          </a:stretch>
-        </p:blipFill>
-        <p:spPr>
-          <a:xfrm rot="0">
-            <a:off x="1259205" y="3654425"/>
-            <a:ext cx="4119245" cy="1819275"/>
-          </a:xfrm>
-          <a:prstGeom prst="roundRect"/>
-          <a:solidFill>
-            <a:srgbClr val="EDEDED"/>
-          </a:solidFill>
-        </p:spPr>
-      </p:pic>
-      <p:sp>
-        <p:nvSpPr>
-          <p:cNvPr id="1222" name="텍스트 상자 58"/>
-          <p:cNvSpPr txBox="1">
-            <a:spLocks/>
-          </p:cNvSpPr>
-          <p:nvPr/>
-        </p:nvSpPr>
-        <p:spPr>
-          <a:xfrm rot="0">
-            <a:off x="1249680" y="5626100"/>
-            <a:ext cx="4139565" cy="647065"/>
-          </a:xfrm>
-          <a:prstGeom prst="rect"/>
-          <a:noFill/>
-          <a:ln w="0">
-            <a:noFill/>
-            <a:prstDash/>
-          </a:ln>
-        </p:spPr>
-        <p:txBody>
-          <a:bodyPr wrap="square" lIns="89535" tIns="46355" rIns="89535" bIns="46355" numCol="1" vert="horz" anchor="t">
-            <a:spAutoFit/>
-          </a:bodyPr>
-          <a:lstStyle/>
-          <a:p>
-            <a:pPr marL="0" indent="0" rtl="0" algn="l" defTabSz="914400" eaLnBrk="1" latinLnBrk="0" hangingPunct="1">
-              <a:buFontTx/>
-              <a:buNone/>
-            </a:pPr>
-            <a:r>
-              <a:rPr sz="1800" b="1">
-                <a:solidFill>
-                  <a:srgbClr val="0611F2"/>
-                </a:solidFill>
-                <a:latin typeface="맑은 고딕" charset="0"/>
-                <a:ea typeface="맑은 고딕" charset="0"/>
-              </a:rPr>
-              <a:t>2</a:t>
-            </a:r>
-            <a:r>
-              <a:rPr lang="ko-KR" sz="1800" b="1">
-                <a:solidFill>
-                  <a:srgbClr val="0611F2"/>
-                </a:solidFill>
-                <a:latin typeface="맑은 고딕" charset="0"/>
-                <a:ea typeface="맑은 고딕" charset="0"/>
-              </a:rPr>
-              <a:t>6</a:t>
-            </a:r>
-            <a:r>
-              <a:rPr sz="1800" b="1">
-                <a:solidFill>
-                  <a:srgbClr val="0611F2"/>
-                </a:solidFill>
-                <a:latin typeface="맑은 고딕" charset="0"/>
-                <a:ea typeface="맑은 고딕" charset="0"/>
-              </a:rPr>
-              <a:t>.</a:t>
-            </a:r>
-            <a:r>
-              <a:rPr lang="ko-KR" sz="1800">
-                <a:latin typeface="맑은 고딕" charset="0"/>
-                <a:ea typeface="맑은 고딕" charset="0"/>
-              </a:rPr>
-              <a:t> 이제 Obstacle 오브젝트의 위치를 설정합니다.</a:t>
-            </a:r>
-            <a:endParaRPr lang="ko-KR" altLang="en-US" sz="1800">
-              <a:latin typeface="맑은 고딕" charset="0"/>
-              <a:ea typeface="맑은 고딕" charset="0"/>
-            </a:endParaRPr>
-          </a:p>
-        </p:txBody>
-      </p:sp>
-      <p:cxnSp>
-        <p:nvCxnSpPr>
-          <p:cNvPr id="1223" name="도형 59"/>
-          <p:cNvCxnSpPr/>
-          <p:nvPr/>
-        </p:nvCxnSpPr>
-        <p:spPr>
-          <a:xfrm rot="0" flipH="1">
-            <a:off x="7654925" y="1861820"/>
-            <a:ext cx="1550670" cy="450850"/>
-          </a:xfrm>
-          <a:prstGeom prst="straightConnector1"/>
-          <a:ln w="6350" cap="flat" cmpd="sng">
-            <a:prstDash/>
-            <a:headEnd type="none" w="med" len="med"/>
-            <a:tailEnd type="triangle" w="med" len="med"/>
-          </a:ln>
-        </p:spPr>
-        <p:style>
-          <a:lnRef idx="1">
-            <a:schemeClr val="accent1"/>
-          </a:lnRef>
-          <a:fillRef idx="0">
-            <a:schemeClr val="accent1"/>
-          </a:fillRef>
-          <a:effectRef idx="0">
-            <a:schemeClr val="accent1"/>
-          </a:effectRef>
-          <a:fontRef idx="minor">
-            <a:schemeClr val="tx1"/>
-          </a:fontRef>
-        </p:style>
-      </p:cxnSp>
     </p:spTree>
   </p:cSld>
   <p:clrMapOvr>
@@ -8485,8 +8444,8 @@
         </p:nvSpPr>
         <p:spPr>
           <a:xfrm rot="0">
-            <a:off x="4804410" y="346075"/>
-            <a:ext cx="2749550" cy="478155"/>
+            <a:off x="4552950" y="346075"/>
+            <a:ext cx="3096260" cy="478155"/>
           </a:xfrm>
           <a:prstGeom prst="rect"/>
           <a:noFill/>
@@ -8501,7 +8460,7 @@
           </a:bodyPr>
           <a:lstStyle/>
           <a:p>
-            <a:pPr marL="0" indent="0" algn="l" latinLnBrk="0">
+            <a:pPr marL="0" indent="0" algn="ctr" latinLnBrk="0">
               <a:buFontTx/>
               <a:buNone/>
             </a:pPr>
@@ -8513,7 +8472,7 @@
                 <a:latin typeface="나눔바른고딕" charset="0"/>
                 <a:ea typeface="나눔바른고딕" charset="0"/>
               </a:rPr>
-              <a:t>아홉</a:t>
+              <a:t>열</a:t>
             </a:r>
             <a:r>
               <a:rPr lang="ko-KR" altLang="en-US" sz="2500" b="1">
@@ -8537,7 +8496,7 @@
       </p:sp>
       <p:sp>
         <p:nvSpPr>
-          <p:cNvPr id="1200" name="Rect 0"/>
+          <p:cNvPr id="1192" name="Rect 0"/>
           <p:cNvSpPr txBox="1">
             <a:spLocks/>
           </p:cNvSpPr>
@@ -8545,8 +8504,8 @@
         </p:nvSpPr>
         <p:spPr>
           <a:xfrm rot="0">
-            <a:off x="6838950" y="3682365"/>
-            <a:ext cx="4125595" cy="2308225"/>
+            <a:off x="1238885" y="2661285"/>
+            <a:ext cx="4140835" cy="923925"/>
           </a:xfrm>
           <a:prstGeom prst="rect"/>
           <a:noFill/>
@@ -8583,7 +8542,7 @@
                 <a:latin typeface="맑은 고딕" charset="0"/>
                 <a:ea typeface="맑은 고딕" charset="0"/>
               </a:rPr>
-              <a:t>9</a:t>
+              <a:t>7</a:t>
             </a:r>
             <a:r>
               <a:rPr sz="1800" b="1">
@@ -8596,7 +8555,7 @@
               <a:t>.</a:t>
             </a:r>
             <a:r>
-              <a:rPr sz="1800">
+              <a:rPr lang="ko-KR" sz="1800">
                 <a:latin typeface="맑은 고딕" charset="0"/>
                 <a:ea typeface="맑은 고딕" charset="0"/>
               </a:rPr>
@@ -8607,45 +8566,25 @@
                 <a:latin typeface="맑은 고딕" charset="0"/>
                 <a:ea typeface="맑은 고딕" charset="0"/>
               </a:rPr>
-              <a:t>최종적으로 자기 자신의 위치를  Mathf.PingPong( )함수를 사용하여 좌ㆍ우로 반복적인 움직임을 할 수 있도록 설정합니다.</a:t>
+              <a:t>이제</a:t>
+            </a:r>
+            <a:r>
+              <a:rPr lang="ko-KR" sz="1800">
+                <a:latin typeface="맑은 고딕" charset="0"/>
+                <a:ea typeface="맑은 고딕" charset="0"/>
+              </a:rPr>
+              <a:t> Obstacle 오브젝트에 Navmesh Obstacle 컴포넌트를 추가합니다.</a:t>
             </a:r>
             <a:endParaRPr lang="ko-KR" altLang="en-US" sz="1800">
               <a:latin typeface="맑은 고딕" charset="0"/>
               <a:ea typeface="맑은 고딕" charset="0"/>
             </a:endParaRPr>
           </a:p>
-          <a:p>
-            <a:pPr marL="0" indent="0" rtl="0" algn="l" defTabSz="914400" eaLnBrk="1" latinLnBrk="0" hangingPunct="1">
-              <a:buFontTx/>
-              <a:buNone/>
-            </a:pPr>
-            <a:endParaRPr lang="ko-KR" altLang="en-US" sz="1800">
-              <a:latin typeface="맑은 고딕" charset="0"/>
-              <a:ea typeface="맑은 고딕" charset="0"/>
-            </a:endParaRPr>
-          </a:p>
-          <a:p>
-            <a:pPr marL="0" indent="0" rtl="0" algn="l" defTabSz="914400" eaLnBrk="1" latinLnBrk="0" hangingPunct="1">
-              <a:buFontTx/>
-              <a:buNone/>
-            </a:pPr>
-            <a:r>
-              <a:rPr lang="ko-KR" sz="1800">
-                <a:latin typeface="맑은 고딕" charset="0"/>
-                <a:ea typeface="맑은 고딕" charset="0"/>
-              </a:rPr>
-              <a:t>그리고 최소값에는 게임이 시작했을 때 시간을 설정하고 최대값에는 3이라는 값으로 설정합니다.</a:t>
-            </a:r>
-            <a:endParaRPr lang="ko-KR" altLang="en-US" sz="1800">
-              <a:latin typeface="맑은 고딕" charset="0"/>
-              <a:ea typeface="맑은 고딕" charset="0"/>
-            </a:endParaRPr>
-          </a:p>
-        </p:txBody>
-      </p:sp>
-      <p:sp>
-        <p:nvSpPr>
-          <p:cNvPr id="1221" name="텍스트 상자 192"/>
+        </p:txBody>
+      </p:sp>
+      <p:sp>
+        <p:nvSpPr>
+          <p:cNvPr id="1200" name="Rect 0"/>
           <p:cNvSpPr txBox="1">
             <a:spLocks/>
           </p:cNvSpPr>
@@ -8653,8 +8592,8 @@
         </p:nvSpPr>
         <p:spPr>
           <a:xfrm rot="0">
-            <a:off x="1238250" y="4236085"/>
-            <a:ext cx="4140200" cy="1755140"/>
+            <a:off x="6823710" y="5348605"/>
+            <a:ext cx="4130675" cy="923925"/>
           </a:xfrm>
           <a:prstGeom prst="rect"/>
           <a:noFill/>
@@ -8674,105 +8613,115 @@
               <a:buNone/>
             </a:pPr>
             <a:r>
+              <a:rPr sz="1800" b="1">
+                <a:solidFill>
+                  <a:srgbClr val="0611F2"/>
+                </a:solidFill>
+                <a:latin typeface="맑은 고딕" charset="0"/>
+                <a:ea typeface="맑은 고딕" charset="0"/>
+              </a:rPr>
+              <a:t>2</a:t>
+            </a:r>
+            <a:r>
+              <a:rPr lang="ko-KR" sz="1800" b="1">
+                <a:solidFill>
+                  <a:srgbClr val="0611F2"/>
+                </a:solidFill>
+                <a:latin typeface="맑은 고딕" charset="0"/>
+                <a:ea typeface="맑은 고딕" charset="0"/>
+              </a:rPr>
+              <a:t>9</a:t>
+            </a:r>
+            <a:r>
+              <a:rPr sz="1800" b="1">
+                <a:solidFill>
+                  <a:srgbClr val="0611F2"/>
+                </a:solidFill>
+                <a:latin typeface="맑은 고딕" charset="0"/>
+                <a:ea typeface="맑은 고딕" charset="0"/>
+              </a:rPr>
+              <a:t>.</a:t>
+            </a:r>
+            <a:r>
               <a:rPr sz="1800">
                 <a:latin typeface="맑은 고딕" charset="0"/>
                 <a:ea typeface="맑은 고딕" charset="0"/>
               </a:rPr>
-              <a:t>Mathf.PingPong( )</a:t>
+              <a:t> </a:t>
             </a:r>
             <a:r>
               <a:rPr lang="ko-KR" sz="1800">
                 <a:latin typeface="맑은 고딕" charset="0"/>
                 <a:ea typeface="맑은 고딕" charset="0"/>
               </a:rPr>
-              <a:t>함수는</a:t>
+              <a:t>그다음</a:t>
+            </a:r>
+            <a:r>
+              <a:rPr lang="ko-KR" sz="1800">
+                <a:latin typeface="맑은 고딕" charset="0"/>
+                <a:ea typeface="맑은 고딕" charset="0"/>
+              </a:rPr>
+              <a:t> </a:t>
+            </a:r>
+            <a:r>
+              <a:rPr lang="ko-KR" sz="1800">
+                <a:latin typeface="맑은 고딕" charset="0"/>
+                <a:ea typeface="맑은 고딕" charset="0"/>
+              </a:rPr>
+              <a:t>Left Wall</a:t>
             </a:r>
             <a:r>
               <a:rPr sz="1800">
                 <a:latin typeface="맑은 고딕" charset="0"/>
                 <a:ea typeface="맑은 고딕" charset="0"/>
               </a:rPr>
-              <a:t> </a:t>
+              <a:t> 오브젝트</a:t>
             </a:r>
             <a:r>
               <a:rPr lang="ko-KR" sz="1800">
                 <a:latin typeface="맑은 고딕" charset="0"/>
                 <a:ea typeface="맑은 고딕" charset="0"/>
               </a:rPr>
-              <a:t>지정한 </a:t>
+              <a:t>와 Right Wall 오브젝트를</a:t>
             </a:r>
             <a:r>
               <a:rPr sz="1800">
                 <a:latin typeface="맑은 고딕" charset="0"/>
                 <a:ea typeface="맑은 고딕" charset="0"/>
               </a:rPr>
-              <a:t>값이 최대값에 도달하게 되면 -값이 됩니</a:t>
+              <a:t> 선택</a:t>
             </a:r>
             <a:r>
               <a:rPr lang="ko-KR" sz="1800">
                 <a:latin typeface="맑은 고딕" charset="0"/>
                 <a:ea typeface="맑은 고딕" charset="0"/>
               </a:rPr>
-              <a:t>다.</a:t>
+              <a:t>하고</a:t>
+            </a:r>
+            <a:r>
+              <a:rPr sz="1800">
+                <a:latin typeface="맑은 고딕" charset="0"/>
+                <a:ea typeface="맑은 고딕" charset="0"/>
+              </a:rPr>
+              <a:t> Navigation Static을 설정합니다.</a:t>
             </a:r>
             <a:endParaRPr lang="ko-KR" altLang="en-US" sz="1800">
               <a:latin typeface="맑은 고딕" charset="0"/>
               <a:ea typeface="맑은 고딕" charset="0"/>
             </a:endParaRPr>
           </a:p>
-          <a:p>
-            <a:pPr marL="0" indent="0" rtl="0" algn="l" defTabSz="914400" eaLnBrk="1" latinLnBrk="0" hangingPunct="1">
-              <a:buFontTx/>
-              <a:buNone/>
-            </a:pPr>
-            <a:endParaRPr lang="ko-KR" altLang="en-US" sz="1800">
-              <a:latin typeface="맑은 고딕" charset="0"/>
-              <a:ea typeface="맑은 고딕" charset="0"/>
-            </a:endParaRPr>
-          </a:p>
-          <a:p>
-            <a:pPr marL="0" indent="0" rtl="0" algn="l" defTabSz="914400" eaLnBrk="1" latinLnBrk="0" hangingPunct="1">
-              <a:buFontTx/>
-              <a:buNone/>
-            </a:pPr>
-            <a:r>
-              <a:rPr lang="ko-KR" sz="1800">
-                <a:latin typeface="맑은 고딕" charset="0"/>
-                <a:ea typeface="맑은 고딕" charset="0"/>
-              </a:rPr>
-              <a:t>그리고</a:t>
-            </a:r>
-            <a:r>
-              <a:rPr sz="1800">
-                <a:latin typeface="맑은 고딕" charset="0"/>
-                <a:ea typeface="맑은 고딕" charset="0"/>
-              </a:rPr>
-              <a:t> 만약 0으로 값이 초기화가 되면 다시 최대값까지 +값이 </a:t>
-            </a:r>
-            <a:r>
-              <a:rPr lang="ko-KR" sz="1800">
-                <a:latin typeface="맑은 고딕" charset="0"/>
-                <a:ea typeface="맑은 고딕" charset="0"/>
-              </a:rPr>
-              <a:t>되며, 계속 값이 증가와 감소를 반복합니다.</a:t>
-            </a:r>
-            <a:endParaRPr lang="ko-KR" altLang="en-US" sz="1800">
-              <a:latin typeface="맑은 고딕" charset="0"/>
-              <a:ea typeface="맑은 고딕" charset="0"/>
-            </a:endParaRPr>
-          </a:p>
         </p:txBody>
       </p:sp>
       <p:pic>
         <p:nvPicPr>
-          <p:cNvPr id="1222" name="그림 193" descr="C:/Users/Admin1/AppData/Roaming/PolarisOffice/ETemp/20556_22124416/fImage4061418333.png"/>
+          <p:cNvPr id="1214" name="그림 174" descr="C:/Users/Admin1/AppData/Roaming/PolarisOffice/ETemp/11112_18352824/fImage54593197035.png"/>
           <p:cNvPicPr>
             <a:picLocks noChangeAspect="1"/>
           </p:cNvPicPr>
           <p:nvPr/>
         </p:nvPicPr>
         <p:blipFill rotWithShape="1">
-          <a:blip r:embed="rId2" cstate="hqprint">
+          <a:blip r:embed="rId10" cstate="hqprint">
             <a:extLst>
               <a:ext uri="{28A0092B-C50C-407E-A947-70E740481C1C}">
                 <a14:useLocalDpi xmlns:a14="http://schemas.microsoft.com/office/drawing/2010/main"/>
@@ -8785,8 +8734,8 @@
         </p:blipFill>
         <p:spPr>
           <a:xfrm rot="0">
-            <a:off x="6852920" y="1209675"/>
-            <a:ext cx="4101465" cy="2343785"/>
+            <a:off x="1238885" y="1437640"/>
+            <a:ext cx="4140200" cy="1126490"/>
           </a:xfrm>
           <a:prstGeom prst="roundRect"/>
           <a:solidFill>
@@ -8796,14 +8745,14 @@
       </p:pic>
       <p:pic>
         <p:nvPicPr>
-          <p:cNvPr id="1223" name="그림 196" descr="C:/Users/Admin1/AppData/Roaming/PolarisOffice/ETemp/20556_22124416/fImage129584197673.png"/>
+          <p:cNvPr id="1221" name="그림 55" descr="C:/Users/Admin1/AppData/Roaming/PolarisOffice/ETemp/11112_18352824/fImage126303139358.png"/>
           <p:cNvPicPr>
             <a:picLocks noChangeAspect="1"/>
           </p:cNvPicPr>
           <p:nvPr/>
         </p:nvPicPr>
         <p:blipFill rotWithShape="1">
-          <a:blip r:embed="rId3" cstate="hqprint">
+          <a:blip r:embed="rId15" cstate="hqprint">
             <a:extLst>
               <a:ext uri="{28A0092B-C50C-407E-A947-70E740481C1C}">
                 <a14:useLocalDpi xmlns:a14="http://schemas.microsoft.com/office/drawing/2010/main"/>
@@ -8816,8 +8765,189 @@
         </p:blipFill>
         <p:spPr>
           <a:xfrm rot="0">
-            <a:off x="1228725" y="1209675"/>
-            <a:ext cx="4153535" cy="2877185"/>
+            <a:off x="1230630" y="3740785"/>
+            <a:ext cx="4148455" cy="1750060"/>
+          </a:xfrm>
+          <a:prstGeom prst="roundRect"/>
+          <a:solidFill>
+            <a:srgbClr val="EDEDED"/>
+          </a:solidFill>
+        </p:spPr>
+      </p:pic>
+      <p:sp>
+        <p:nvSpPr>
+          <p:cNvPr id="1222" name="텍스트 상자 58"/>
+          <p:cNvSpPr txBox="1">
+            <a:spLocks/>
+          </p:cNvSpPr>
+          <p:nvPr/>
+        </p:nvSpPr>
+        <p:spPr>
+          <a:xfrm rot="0">
+            <a:off x="1230630" y="5626100"/>
+            <a:ext cx="4131945" cy="647065"/>
+          </a:xfrm>
+          <a:prstGeom prst="rect"/>
+          <a:noFill/>
+          <a:ln w="0">
+            <a:noFill/>
+            <a:prstDash/>
+          </a:ln>
+        </p:spPr>
+        <p:txBody>
+          <a:bodyPr wrap="square" lIns="89535" tIns="46355" rIns="89535" bIns="46355" numCol="1" vert="horz" anchor="t">
+            <a:spAutoFit/>
+          </a:bodyPr>
+          <a:lstStyle/>
+          <a:p>
+            <a:pPr marL="0" indent="0" rtl="0" algn="l" defTabSz="914400" eaLnBrk="1" latinLnBrk="0" hangingPunct="1">
+              <a:buFontTx/>
+              <a:buNone/>
+            </a:pPr>
+            <a:r>
+              <a:rPr sz="1800" b="1">
+                <a:solidFill>
+                  <a:srgbClr val="0611F2"/>
+                </a:solidFill>
+                <a:latin typeface="맑은 고딕" charset="0"/>
+                <a:ea typeface="맑은 고딕" charset="0"/>
+              </a:rPr>
+              <a:t>2</a:t>
+            </a:r>
+            <a:r>
+              <a:rPr lang="ko-KR" sz="1800" b="1">
+                <a:solidFill>
+                  <a:srgbClr val="0611F2"/>
+                </a:solidFill>
+                <a:latin typeface="맑은 고딕" charset="0"/>
+                <a:ea typeface="맑은 고딕" charset="0"/>
+              </a:rPr>
+              <a:t>8</a:t>
+            </a:r>
+            <a:r>
+              <a:rPr sz="1800" b="1">
+                <a:solidFill>
+                  <a:srgbClr val="0611F2"/>
+                </a:solidFill>
+                <a:latin typeface="맑은 고딕" charset="0"/>
+                <a:ea typeface="맑은 고딕" charset="0"/>
+              </a:rPr>
+              <a:t>.</a:t>
+            </a:r>
+            <a:r>
+              <a:rPr lang="ko-KR" sz="1800">
+                <a:latin typeface="맑은 고딕" charset="0"/>
+                <a:ea typeface="맑은 고딕" charset="0"/>
+              </a:rPr>
+              <a:t> </a:t>
+            </a:r>
+            <a:r>
+              <a:rPr lang="ko-KR" sz="1800">
+                <a:latin typeface="맑은 고딕" charset="0"/>
+                <a:ea typeface="맑은 고딕" charset="0"/>
+              </a:rPr>
+              <a:t>그리고</a:t>
+            </a:r>
+            <a:r>
+              <a:rPr lang="ko-KR" sz="1800">
+                <a:latin typeface="맑은 고딕" charset="0"/>
+                <a:ea typeface="맑은 고딕" charset="0"/>
+              </a:rPr>
+              <a:t> Obstacle 오브젝트의 위치를 설정합니다.</a:t>
+            </a:r>
+            <a:endParaRPr lang="ko-KR" altLang="en-US" sz="1800">
+              <a:latin typeface="맑은 고딕" charset="0"/>
+              <a:ea typeface="맑은 고딕" charset="0"/>
+            </a:endParaRPr>
+          </a:p>
+        </p:txBody>
+      </p:sp>
+      <p:pic>
+        <p:nvPicPr>
+          <p:cNvPr id="1223" name="그림 13" descr="C:/Users/Admin1/AppData/Roaming/PolarisOffice/ETemp/11112_18352824/fImage68753279169.png"/>
+          <p:cNvPicPr>
+            <a:picLocks noChangeAspect="1"/>
+          </p:cNvPicPr>
+          <p:nvPr/>
+        </p:nvPicPr>
+        <p:blipFill rotWithShape="1">
+          <a:blip r:embed="rId16" cstate="hqprint">
+            <a:extLst>
+              <a:ext uri="{28A0092B-C50C-407E-A947-70E740481C1C}">
+                <a14:useLocalDpi xmlns:a14="http://schemas.microsoft.com/office/drawing/2010/main"/>
+              </a:ext>
+            </a:extLst>
+          </a:blip>
+          <a:stretch>
+            <a:fillRect/>
+          </a:stretch>
+        </p:blipFill>
+        <p:spPr>
+          <a:xfrm rot="0">
+            <a:off x="6823710" y="3186430"/>
+            <a:ext cx="4130675" cy="1991995"/>
+          </a:xfrm>
+          <a:prstGeom prst="roundRect"/>
+          <a:solidFill>
+            <a:srgbClr val="EDEDED"/>
+          </a:solidFill>
+        </p:spPr>
+      </p:pic>
+      <p:pic>
+        <p:nvPicPr>
+          <p:cNvPr id="1224" name="그림 14" descr="C:/Users/Admin1/AppData/Roaming/PolarisOffice/ETemp/11112_18352824/fImage516522441.png"/>
+          <p:cNvPicPr>
+            <a:picLocks noChangeAspect="1"/>
+          </p:cNvPicPr>
+          <p:nvPr/>
+        </p:nvPicPr>
+        <p:blipFill rotWithShape="1">
+          <a:blip r:embed="rId17" cstate="print">
+            <a:extLst>
+              <a:ext uri="{28A0092B-C50C-407E-A947-70E740481C1C}">
+                <a14:useLocalDpi xmlns:a14="http://schemas.microsoft.com/office/drawing/2010/main" val="0"/>
+              </a:ext>
+            </a:extLst>
+          </a:blip>
+          <a:stretch>
+            <a:fillRect/>
+          </a:stretch>
+        </p:blipFill>
+        <p:spPr>
+          <a:xfrm rot="0">
+            <a:off x="6831965" y="2312035"/>
+            <a:ext cx="4130675" cy="702310"/>
+          </a:xfrm>
+          <a:prstGeom prst="roundRect"/>
+          <a:solidFill>
+            <a:srgbClr val="EDEDED"/>
+          </a:solidFill>
+        </p:spPr>
+      </p:pic>
+      <p:pic>
+        <p:nvPicPr>
+          <p:cNvPr id="1225" name="그림 15" descr="C:/Users/Admin1/AppData/Roaming/PolarisOffice/ETemp/11112_18352824/fImage50172258467.png"/>
+          <p:cNvPicPr>
+            <a:picLocks noChangeAspect="1"/>
+          </p:cNvPicPr>
+          <p:nvPr/>
+        </p:nvPicPr>
+        <p:blipFill rotWithShape="1">
+          <a:blip r:embed="rId18" cstate="print">
+            <a:extLst>
+              <a:ext uri="{28A0092B-C50C-407E-A947-70E740481C1C}">
+                <a14:useLocalDpi xmlns:a14="http://schemas.microsoft.com/office/drawing/2010/main" val="0"/>
+              </a:ext>
+            </a:extLst>
+          </a:blip>
+          <a:stretch>
+            <a:fillRect/>
+          </a:stretch>
+        </p:blipFill>
+        <p:spPr>
+          <a:xfrm rot="0">
+            <a:off x="6823710" y="1433830"/>
+            <a:ext cx="4139565" cy="714375"/>
           </a:xfrm>
           <a:prstGeom prst="roundRect"/>
           <a:solidFill>
@@ -8867,7 +8997,7 @@
       </p:grpSpPr>
       <p:sp>
         <p:nvSpPr>
-          <p:cNvPr id="2" name="텍스트 상자 113"/>
+          <p:cNvPr id="1031" name="Rect 0"/>
           <p:cNvSpPr txBox="1">
             <a:spLocks/>
           </p:cNvSpPr>
@@ -8875,8 +9005,8 @@
         </p:nvSpPr>
         <p:spPr>
           <a:xfrm rot="0">
-            <a:off x="4288155" y="671195"/>
-            <a:ext cx="3622675" cy="554990"/>
+            <a:off x="4331335" y="346075"/>
+            <a:ext cx="3533775" cy="478155"/>
           </a:xfrm>
           <a:prstGeom prst="rect"/>
           <a:noFill/>
@@ -8886,38 +9016,48 @@
           </a:ln>
         </p:spPr>
         <p:txBody>
-          <a:bodyPr wrap="square" lIns="89535" tIns="46355" rIns="89535" bIns="46355" vert="horz" anchor="t">
+          <a:bodyPr wrap="square" lIns="89535" tIns="46355" rIns="89535" bIns="46355" numCol="1" vert="horz" anchor="t">
             <a:spAutoFit/>
           </a:bodyPr>
           <a:lstStyle/>
           <a:p>
-            <a:pPr marL="0" indent="0" rtl="0" algn="l" defTabSz="914400" eaLnBrk="1" latinLnBrk="0" hangingPunct="1">
-              <a:buFontTx/>
-              <a:buNone/>
-            </a:pPr>
-            <a:r>
-              <a:rPr sz="3000" b="1">
+            <a:pPr marL="0" indent="0" algn="ctr" latinLnBrk="0">
+              <a:buFontTx/>
+              <a:buNone/>
+            </a:pPr>
+            <a:r>
+              <a:rPr lang="ko-KR" altLang="en-US" sz="2500" b="1">
                 <a:solidFill>
                   <a:schemeClr val="tx1"/>
                 </a:solidFill>
-                <a:latin typeface="맑은 고딕" charset="0"/>
-                <a:ea typeface="맑은 고딕" charset="0"/>
-              </a:rPr>
-              <a:t>NavMesh Obstacle</a:t>
-            </a:r>
-            <a:endParaRPr lang="ko-KR" altLang="en-US" sz="3000" b="1">
+                <a:latin typeface="나눔바른고딕" charset="0"/>
+                <a:ea typeface="나눔바른고딕" charset="0"/>
+              </a:rPr>
+              <a:t>열한</a:t>
+            </a:r>
+            <a:r>
+              <a:rPr lang="ko-KR" altLang="en-US" sz="2500" b="1">
+                <a:solidFill>
+                  <a:schemeClr val="tx1"/>
+                </a:solidFill>
+                <a:latin typeface="나눔바른고딕" charset="0"/>
+                <a:ea typeface="나눔바른고딕" charset="0"/>
+              </a:rPr>
+              <a:t> 번째 튜토리얼</a:t>
+            </a:r>
+            <a:endParaRPr lang="ko-KR" altLang="en-US" sz="2500" b="1">
               <a:solidFill>
                 <a:schemeClr val="tx1"/>
               </a:solidFill>
-              <a:latin typeface="맑은 고딕" charset="0"/>
-              <a:ea typeface="맑은 고딕" charset="0"/>
+              <a:latin typeface="나눔바른고딕" charset="0"/>
+              <a:ea typeface="나눔바른고딕" charset="0"/>
             </a:endParaRPr>
           </a:p>
         </p:txBody>
       </p:sp>
       <p:sp>
         <p:nvSpPr>
-          <p:cNvPr id="3" name="텍스트 상자 114"/>
+          <p:cNvPr id="1200" name="Rect 0"/>
           <p:cNvSpPr txBox="1">
             <a:spLocks/>
           </p:cNvSpPr>
@@ -8925,8 +9065,8 @@
         </p:nvSpPr>
         <p:spPr>
           <a:xfrm rot="0">
-            <a:off x="1000125" y="1492885"/>
-            <a:ext cx="4360545" cy="923925"/>
+            <a:off x="6847840" y="4037330"/>
+            <a:ext cx="4098290" cy="2308225"/>
           </a:xfrm>
           <a:prstGeom prst="rect"/>
           <a:noFill/>
@@ -8936,7 +9076,7 @@
           </a:ln>
         </p:spPr>
         <p:txBody>
-          <a:bodyPr wrap="square" lIns="89535" tIns="46355" rIns="89535" bIns="46355" vert="horz" anchor="t">
+          <a:bodyPr wrap="square" lIns="89535" tIns="46355" rIns="89535" bIns="46355" numCol="1" vert="horz" anchor="t">
             <a:spAutoFit/>
           </a:bodyPr>
           <a:lstStyle/>
@@ -8946,22 +9086,153 @@
               <a:buNone/>
             </a:pPr>
             <a:r>
+              <a:rPr sz="1800" b="1">
+                <a:solidFill>
+                  <a:srgbClr val="0611F2"/>
+                </a:solidFill>
+                <a:latin typeface="맑은 고딕" charset="0"/>
+                <a:ea typeface="맑은 고딕" charset="0"/>
+              </a:rPr>
+              <a:t>32</a:t>
+            </a:r>
+            <a:r>
+              <a:rPr sz="1800" b="1">
+                <a:solidFill>
+                  <a:srgbClr val="0611F2"/>
+                </a:solidFill>
+                <a:latin typeface="맑은 고딕" charset="0"/>
+                <a:ea typeface="맑은 고딕" charset="0"/>
+              </a:rPr>
+              <a:t>.</a:t>
+            </a:r>
+            <a:r>
               <a:rPr sz="1800">
                 <a:latin typeface="맑은 고딕" charset="0"/>
                 <a:ea typeface="맑은 고딕" charset="0"/>
               </a:rPr>
-              <a:t>NavMesh Obstacle : 고정되어 있거나 동적으로 움직일 수 있는 오브젝트를 설정합니다.</a:t>
+              <a:t> </a:t>
+            </a:r>
+            <a:r>
+              <a:rPr lang="ko-KR" sz="1800">
+                <a:latin typeface="맑은 고딕" charset="0"/>
+                <a:ea typeface="맑은 고딕" charset="0"/>
+              </a:rPr>
+              <a:t>이제</a:t>
+            </a:r>
+            <a:r>
+              <a:rPr lang="ko-KR" sz="1800">
+                <a:latin typeface="맑은 고딕" charset="0"/>
+                <a:ea typeface="맑은 고딕" charset="0"/>
+              </a:rPr>
+              <a:t> 자기 자신의 위치를  Mathf.PingPong( )함수를 사용하여 좌ㆍ우로 반복적인 움직임을 할 수 있도록 설정합니다.</a:t>
             </a:r>
             <a:endParaRPr lang="ko-KR" altLang="en-US" sz="1800">
               <a:latin typeface="맑은 고딕" charset="0"/>
               <a:ea typeface="맑은 고딕" charset="0"/>
             </a:endParaRPr>
           </a:p>
-        </p:txBody>
-      </p:sp>
-      <p:sp>
-        <p:nvSpPr>
-          <p:cNvPr id="4" name="텍스트 상자 115"/>
+          <a:p>
+            <a:pPr marL="0" indent="0" rtl="0" algn="l" defTabSz="914400" eaLnBrk="1" latinLnBrk="0" hangingPunct="1">
+              <a:buFontTx/>
+              <a:buNone/>
+            </a:pPr>
+            <a:endParaRPr lang="ko-KR" altLang="en-US" sz="1800">
+              <a:latin typeface="맑은 고딕" charset="0"/>
+              <a:ea typeface="맑은 고딕" charset="0"/>
+            </a:endParaRPr>
+          </a:p>
+          <a:p>
+            <a:pPr marL="0" indent="0" rtl="0" algn="l" defTabSz="914400" eaLnBrk="1" latinLnBrk="0" hangingPunct="1">
+              <a:buFontTx/>
+              <a:buNone/>
+            </a:pPr>
+            <a:r>
+              <a:rPr lang="ko-KR" sz="1800">
+                <a:latin typeface="맑은 고딕" charset="0"/>
+                <a:ea typeface="맑은 고딕" charset="0"/>
+              </a:rPr>
+              <a:t>그</a:t>
+            </a:r>
+            <a:r>
+              <a:rPr lang="ko-KR" sz="1800">
+                <a:latin typeface="맑은 고딕" charset="0"/>
+                <a:ea typeface="맑은 고딕" charset="0"/>
+              </a:rPr>
+              <a:t>리고 </a:t>
+            </a:r>
+            <a:r>
+              <a:rPr lang="ko-KR" sz="1800">
+                <a:latin typeface="맑은 고딕" charset="0"/>
+                <a:ea typeface="맑은 고딕" charset="0"/>
+              </a:rPr>
+              <a:t>최소값에는 게임이 시작했을 때 시간</a:t>
+            </a:r>
+            <a:r>
+              <a:rPr lang="ko-KR" sz="1800">
+                <a:latin typeface="맑은 고딕" charset="0"/>
+                <a:ea typeface="맑은 고딕" charset="0"/>
+              </a:rPr>
+              <a:t> 값을</a:t>
+            </a:r>
+            <a:r>
+              <a:rPr lang="ko-KR" sz="1800">
+                <a:latin typeface="맑은 고딕" charset="0"/>
+                <a:ea typeface="맑은 고딕" charset="0"/>
+              </a:rPr>
+              <a:t> 설정하고 최대값에는 3</a:t>
+            </a:r>
+            <a:r>
+              <a:rPr lang="ko-KR" sz="1800">
+                <a:latin typeface="맑은 고딕" charset="0"/>
+                <a:ea typeface="맑은 고딕" charset="0"/>
+              </a:rPr>
+              <a:t> </a:t>
+            </a:r>
+            <a:r>
+              <a:rPr lang="ko-KR" sz="1800">
+                <a:latin typeface="맑은 고딕" charset="0"/>
+                <a:ea typeface="맑은 고딕" charset="0"/>
+              </a:rPr>
+              <a:t>이라는 </a:t>
+            </a:r>
+            <a:r>
+              <a:rPr lang="ko-KR" sz="1800">
+                <a:latin typeface="맑은 고딕" charset="0"/>
+                <a:ea typeface="맑은 고딕" charset="0"/>
+              </a:rPr>
+              <a:t>상수 </a:t>
+            </a:r>
+            <a:r>
+              <a:rPr lang="ko-KR" sz="1800">
+                <a:latin typeface="맑은 고딕" charset="0"/>
+                <a:ea typeface="맑은 고딕" charset="0"/>
+              </a:rPr>
+              <a:t>값</a:t>
+            </a:r>
+            <a:r>
+              <a:rPr lang="ko-KR" sz="1800">
+                <a:latin typeface="맑은 고딕" charset="0"/>
+                <a:ea typeface="맑은 고딕" charset="0"/>
+              </a:rPr>
+              <a:t>을</a:t>
+            </a:r>
+            <a:r>
+              <a:rPr lang="ko-KR" sz="1800">
+                <a:latin typeface="맑은 고딕" charset="0"/>
+                <a:ea typeface="맑은 고딕" charset="0"/>
+              </a:rPr>
+              <a:t> 설정합니다.</a:t>
+            </a:r>
+            <a:endParaRPr lang="ko-KR" altLang="en-US" sz="1800">
+              <a:latin typeface="맑은 고딕" charset="0"/>
+              <a:ea typeface="맑은 고딕" charset="0"/>
+            </a:endParaRPr>
+          </a:p>
+        </p:txBody>
+      </p:sp>
+      <p:sp>
+        <p:nvSpPr>
+          <p:cNvPr id="1223" name="텍스트 상자 1"/>
           <p:cNvSpPr txBox="1">
             <a:spLocks/>
           </p:cNvSpPr>
@@ -8969,8 +9240,8 @@
         </p:nvSpPr>
         <p:spPr>
           <a:xfrm rot="0">
-            <a:off x="6838950" y="2882265"/>
-            <a:ext cx="4210685" cy="1200785"/>
+            <a:off x="1196975" y="5422900"/>
+            <a:ext cx="4165600" cy="923925"/>
           </a:xfrm>
           <a:prstGeom prst="rect"/>
           <a:noFill/>
@@ -8980,7 +9251,7 @@
           </a:ln>
         </p:spPr>
         <p:txBody>
-          <a:bodyPr wrap="square" lIns="89535" tIns="46355" rIns="89535" bIns="46355" vert="horz" anchor="t">
+          <a:bodyPr wrap="square" lIns="89535" tIns="46355" rIns="89535" bIns="46355" numCol="1" vert="horz" anchor="t">
             <a:spAutoFit/>
           </a:bodyPr>
           <a:lstStyle/>
@@ -8990,11 +9261,45 @@
               <a:buNone/>
             </a:pPr>
             <a:r>
+              <a:rPr sz="1800" b="1">
+                <a:solidFill>
+                  <a:srgbClr val="0611F2"/>
+                </a:solidFill>
+                <a:latin typeface="맑은 고딕" charset="0"/>
+                <a:ea typeface="맑은 고딕" charset="0"/>
+              </a:rPr>
+              <a:t>31</a:t>
+            </a:r>
+            <a:r>
+              <a:rPr sz="1800" b="1">
+                <a:solidFill>
+                  <a:srgbClr val="0611F2"/>
+                </a:solidFill>
+                <a:latin typeface="맑은 고딕" charset="0"/>
+                <a:ea typeface="맑은 고딕" charset="0"/>
+              </a:rPr>
+              <a:t>.</a:t>
+            </a:r>
+            <a:r>
               <a:rPr sz="1800">
                 <a:latin typeface="맑은 고딕" charset="0"/>
                 <a:ea typeface="맑은 고딕" charset="0"/>
               </a:rPr>
-              <a:t>Carve : 내비게이션 영역을 새로 설정하지 않아도 실시간으로 다시 계산해서 에이전트가 지나갈 수 없는 영역으로 설정하는 것입니다.</a:t>
+              <a:t> </a:t>
+            </a:r>
+            <a:r>
+              <a:rPr lang="ko-KR" sz="1800">
+                <a:latin typeface="맑은 고딕" charset="0"/>
+                <a:ea typeface="맑은 고딕" charset="0"/>
+              </a:rPr>
+              <a:t>마지막으로</a:t>
+            </a:r>
+            <a:r>
+              <a:rPr lang="ko-KR" sz="1800">
+                <a:latin typeface="맑은 고딕" charset="0"/>
+                <a:ea typeface="맑은 고딕" charset="0"/>
+              </a:rPr>
+              <a:t> AutoMove 스크립트를 생성하고 Obstacle 오브젝트에 넣어줍니다.</a:t>
             </a:r>
             <a:endParaRPr lang="ko-KR" altLang="en-US" sz="1800">
               <a:latin typeface="맑은 고딕" charset="0"/>
@@ -9003,9 +9308,71 @@
           </a:p>
         </p:txBody>
       </p:sp>
-      <p:sp>
-        <p:nvSpPr>
-          <p:cNvPr id="5" name="텍스트 상자 116"/>
+      <p:pic>
+        <p:nvPicPr>
+          <p:cNvPr id="1224" name="그림 2" descr="C:/Users/Admin1/AppData/Roaming/PolarisOffice/ETemp/11112_18352824/fImage22083229894.png"/>
+          <p:cNvPicPr>
+            <a:picLocks noChangeAspect="1"/>
+          </p:cNvPicPr>
+          <p:nvPr/>
+        </p:nvPicPr>
+        <p:blipFill rotWithShape="1">
+          <a:blip r:embed="rId5" cstate="hqprint">
+            <a:extLst>
+              <a:ext uri="{28A0092B-C50C-407E-A947-70E740481C1C}">
+                <a14:useLocalDpi xmlns:a14="http://schemas.microsoft.com/office/drawing/2010/main"/>
+              </a:ext>
+            </a:extLst>
+          </a:blip>
+          <a:stretch>
+            <a:fillRect/>
+          </a:stretch>
+        </p:blipFill>
+        <p:spPr>
+          <a:xfrm rot="0">
+            <a:off x="4537710" y="4138295"/>
+            <a:ext cx="824865" cy="892810"/>
+          </a:xfrm>
+          <a:prstGeom prst="roundRect"/>
+          <a:solidFill>
+            <a:srgbClr val="EDEDED"/>
+          </a:solidFill>
+        </p:spPr>
+      </p:pic>
+      <p:pic>
+        <p:nvPicPr>
+          <p:cNvPr id="1226" name="그림 4" descr="C:/Users/Admin1/AppData/Roaming/PolarisOffice/ETemp/11112_18352824/fImage186643243811.png"/>
+          <p:cNvPicPr>
+            <a:picLocks noChangeAspect="1"/>
+          </p:cNvPicPr>
+          <p:nvPr/>
+        </p:nvPicPr>
+        <p:blipFill rotWithShape="1">
+          <a:blip r:embed="rId6" cstate="hqprint">
+            <a:extLst>
+              <a:ext uri="{28A0092B-C50C-407E-A947-70E740481C1C}">
+                <a14:useLocalDpi xmlns:a14="http://schemas.microsoft.com/office/drawing/2010/main"/>
+              </a:ext>
+            </a:extLst>
+          </a:blip>
+          <a:stretch>
+            <a:fillRect/>
+          </a:stretch>
+        </p:blipFill>
+        <p:spPr>
+          <a:xfrm rot="0">
+            <a:off x="2790825" y="1454785"/>
+            <a:ext cx="2580005" cy="1258570"/>
+          </a:xfrm>
+          <a:prstGeom prst="roundRect"/>
+          <a:solidFill>
+            <a:srgbClr val="EDEDED"/>
+          </a:solidFill>
+        </p:spPr>
+      </p:pic>
+      <p:sp>
+        <p:nvSpPr>
+          <p:cNvPr id="1227" name="텍스트 상자 5"/>
           <p:cNvSpPr txBox="1">
             <a:spLocks/>
           </p:cNvSpPr>
@@ -9013,8 +9380,8 @@
         </p:nvSpPr>
         <p:spPr>
           <a:xfrm rot="0">
-            <a:off x="984250" y="4887595"/>
-            <a:ext cx="4376420" cy="1201420"/>
+            <a:off x="1230630" y="2796540"/>
+            <a:ext cx="4131945" cy="923925"/>
           </a:xfrm>
           <a:prstGeom prst="rect"/>
           <a:noFill/>
@@ -9024,7 +9391,7 @@
           </a:ln>
         </p:spPr>
         <p:txBody>
-          <a:bodyPr wrap="square" lIns="89535" tIns="46355" rIns="89535" bIns="46355" vert="horz" anchor="t">
+          <a:bodyPr wrap="square" lIns="89535" tIns="46355" rIns="89535" bIns="46355" numCol="1" vert="horz" anchor="t">
             <a:spAutoFit/>
           </a:bodyPr>
           <a:lstStyle/>
@@ -9034,11 +9401,496 @@
               <a:buNone/>
             </a:pPr>
             <a:r>
+              <a:rPr lang="ko-KR" sz="1800" b="1">
+                <a:solidFill>
+                  <a:srgbClr val="0611F2"/>
+                </a:solidFill>
+                <a:latin typeface="맑은 고딕" charset="0"/>
+                <a:ea typeface="맑은 고딕" charset="0"/>
+              </a:rPr>
+              <a:t>30</a:t>
+            </a:r>
+            <a:r>
+              <a:rPr sz="1800" b="1">
+                <a:solidFill>
+                  <a:srgbClr val="0611F2"/>
+                </a:solidFill>
+                <a:latin typeface="맑은 고딕" charset="0"/>
+                <a:ea typeface="맑은 고딕" charset="0"/>
+              </a:rPr>
+              <a:t>.</a:t>
+            </a:r>
+            <a:r>
               <a:rPr sz="1800">
                 <a:latin typeface="맑은 고딕" charset="0"/>
                 <a:ea typeface="맑은 고딕" charset="0"/>
               </a:rPr>
-              <a:t>Move Threshold :  최소 이동 거리를 의미하며, 최소 이동 거리보다 조금 움직인 것은 오브젝트가 움직이지 않은 것으로 Carve를 새로 계산하지 않습니다.</a:t>
+              <a:t> </a:t>
+            </a:r>
+            <a:r>
+              <a:rPr lang="ko-KR" sz="1800">
+                <a:latin typeface="맑은 고딕" charset="0"/>
+                <a:ea typeface="맑은 고딕" charset="0"/>
+              </a:rPr>
+              <a:t>그런 다음 Project 폴더에서 Texture에 Panel_D 텍스처를 선택하고 Obstacle 오브젝트에 넣어줍니다.</a:t>
+            </a:r>
+            <a:endParaRPr lang="ko-KR" altLang="en-US" sz="1800">
+              <a:latin typeface="맑은 고딕" charset="0"/>
+              <a:ea typeface="맑은 고딕" charset="0"/>
+            </a:endParaRPr>
+          </a:p>
+        </p:txBody>
+      </p:sp>
+      <p:pic>
+        <p:nvPicPr>
+          <p:cNvPr id="1231" name="그림 9" descr="C:/Users/Admin1/AppData/Roaming/PolarisOffice/ETemp/11112_18352824/fImage78602216334.png"/>
+          <p:cNvPicPr>
+            <a:picLocks noChangeAspect="1"/>
+          </p:cNvPicPr>
+          <p:nvPr/>
+        </p:nvPicPr>
+        <p:blipFill rotWithShape="1">
+          <a:blip r:embed="rId7" cstate="print">
+            <a:extLst>
+              <a:ext uri="{28A0092B-C50C-407E-A947-70E740481C1C}">
+                <a14:useLocalDpi xmlns:a14="http://schemas.microsoft.com/office/drawing/2010/main" val="0"/>
+              </a:ext>
+            </a:extLst>
+          </a:blip>
+          <a:stretch>
+            <a:fillRect/>
+          </a:stretch>
+        </p:blipFill>
+        <p:spPr>
+          <a:xfrm rot="0">
+            <a:off x="1222375" y="1454785"/>
+            <a:ext cx="1506220" cy="1222375"/>
+          </a:xfrm>
+          <a:prstGeom prst="roundRect"/>
+          <a:solidFill>
+            <a:srgbClr val="EDEDED"/>
+          </a:solidFill>
+        </p:spPr>
+      </p:pic>
+      <p:cxnSp>
+        <p:nvCxnSpPr>
+          <p:cNvPr id="1230" name="도형 8"/>
+          <p:cNvCxnSpPr/>
+          <p:nvPr/>
+        </p:nvCxnSpPr>
+        <p:spPr>
+          <a:xfrm rot="0" flipH="1">
+            <a:off x="2169795" y="2086610"/>
+            <a:ext cx="1480185" cy="482600"/>
+          </a:xfrm>
+          <a:prstGeom prst="straightConnector1"/>
+          <a:ln w="6350" cap="flat" cmpd="sng">
+            <a:prstDash/>
+            <a:tailEnd type="triangle" w="med" len="med"/>
+          </a:ln>
+        </p:spPr>
+        <p:style>
+          <a:lnRef idx="1">
+            <a:schemeClr val="accent1"/>
+          </a:lnRef>
+          <a:fillRef idx="0">
+            <a:schemeClr val="accent1"/>
+          </a:fillRef>
+          <a:effectRef idx="0">
+            <a:schemeClr val="accent1"/>
+          </a:effectRef>
+          <a:fontRef idx="minor">
+            <a:schemeClr val="tx1"/>
+          </a:fontRef>
+        </p:style>
+      </p:cxnSp>
+      <p:pic>
+        <p:nvPicPr>
+          <p:cNvPr id="1232" name="그림 12" descr="C:/Users/Admin1/AppData/Roaming/PolarisOffice/ETemp/11112_18352824/fImage78602226500.png"/>
+          <p:cNvPicPr>
+            <a:picLocks noChangeAspect="1"/>
+          </p:cNvPicPr>
+          <p:nvPr/>
+        </p:nvPicPr>
+        <p:blipFill rotWithShape="1">
+          <a:blip r:embed="rId8" cstate="print">
+            <a:extLst>
+              <a:ext uri="{28A0092B-C50C-407E-A947-70E740481C1C}">
+                <a14:useLocalDpi xmlns:a14="http://schemas.microsoft.com/office/drawing/2010/main" val="0"/>
+              </a:ext>
+            </a:extLst>
+          </a:blip>
+          <a:stretch>
+            <a:fillRect/>
+          </a:stretch>
+        </p:blipFill>
+        <p:spPr>
+          <a:xfrm rot="0">
+            <a:off x="1194435" y="3848735"/>
+            <a:ext cx="2946400" cy="1497330"/>
+          </a:xfrm>
+          <a:prstGeom prst="roundRect"/>
+          <a:solidFill>
+            <a:srgbClr val="EDEDED"/>
+          </a:solidFill>
+        </p:spPr>
+      </p:pic>
+      <p:cxnSp>
+        <p:nvCxnSpPr>
+          <p:cNvPr id="1229" name="도형 7"/>
+          <p:cNvCxnSpPr>
+            <a:stCxn id="1224" idx="1"/>
+          </p:cNvCxnSpPr>
+          <p:nvPr/>
+        </p:nvCxnSpPr>
+        <p:spPr>
+          <a:xfrm rot="0" flipH="1">
+            <a:off x="3074035" y="4584065"/>
+            <a:ext cx="1464310" cy="612140"/>
+          </a:xfrm>
+          <a:prstGeom prst="straightConnector1"/>
+          <a:ln w="6350" cap="flat" cmpd="sng">
+            <a:prstDash/>
+            <a:tailEnd type="triangle" w="med" len="med"/>
+          </a:ln>
+        </p:spPr>
+        <p:style>
+          <a:lnRef idx="1">
+            <a:schemeClr val="accent1"/>
+          </a:lnRef>
+          <a:fillRef idx="0">
+            <a:schemeClr val="accent1"/>
+          </a:fillRef>
+          <a:effectRef idx="0">
+            <a:schemeClr val="accent1"/>
+          </a:effectRef>
+          <a:fontRef idx="minor">
+            <a:schemeClr val="tx1"/>
+          </a:fontRef>
+        </p:style>
+      </p:cxnSp>
+      <p:pic>
+        <p:nvPicPr>
+          <p:cNvPr id="1233" name="그림 20" descr="C:/Users/Admin1/AppData/Roaming/PolarisOffice/ETemp/11112_18352824/fImage199152269169.png"/>
+          <p:cNvPicPr>
+            <a:picLocks noChangeAspect="1"/>
+          </p:cNvPicPr>
+          <p:nvPr/>
+        </p:nvPicPr>
+        <p:blipFill rotWithShape="1">
+          <a:blip r:embed="rId9" cstate="print">
+            <a:extLst>
+              <a:ext uri="{28A0092B-C50C-407E-A947-70E740481C1C}">
+                <a14:useLocalDpi xmlns:a14="http://schemas.microsoft.com/office/drawing/2010/main" val="0"/>
+              </a:ext>
+            </a:extLst>
+          </a:blip>
+          <a:stretch>
+            <a:fillRect/>
+          </a:stretch>
+        </p:blipFill>
+        <p:spPr>
+          <a:xfrm rot="0">
+            <a:off x="6846570" y="1463675"/>
+            <a:ext cx="4107815" cy="2407920"/>
+          </a:xfrm>
+          <a:prstGeom prst="roundRect"/>
+          <a:solidFill>
+            <a:srgbClr val="EDEDED"/>
+          </a:solidFill>
+        </p:spPr>
+      </p:pic>
+    </p:spTree>
+  </p:cSld>
+  <p:clrMapOvr>
+    <a:masterClrMapping/>
+  </p:clrMapOvr>
+  <mc:AlternateContent xmlns:mc="http://schemas.openxmlformats.org/markup-compatibility/2006">
+    <mc:Choice xmlns:p14="http://schemas.microsoft.com/office/powerpoint/2010/main" Requires="p14">
+      <p:transition spd="slow" p14:dur="2000"/>
+    </mc:Choice>
+    <mc:Fallback>
+      <p:transition spd="slow"/>
+    </mc:Fallback>
+  </mc:AlternateContent>
+  <p:timing>
+    <p:tnLst>
+      <p:par>
+        <p:cTn id="1" dur="indefinite" restart="never" nodeType="tmRoot"/>
+      </p:par>
+    </p:tnLst>
+  </p:timing>
+</p:sld>
+</file>
+
+<file path=ppt/slides/slide13.xml><?xml version="1.0" encoding="utf-8"?>
+<p:sld xmlns:a="http://schemas.openxmlformats.org/drawingml/2006/main" xmlns:r="http://schemas.openxmlformats.org/officeDocument/2006/relationships" xmlns:p="http://schemas.openxmlformats.org/presentationml/2006/main" xmlns:p14="http://schemas.microsoft.com/office/powerpoint/2010/main">
+  <p:cSld>
+    <p:spTree>
+      <p:nvGrpSpPr>
+        <p:cNvPr id="1" name=""/>
+        <p:cNvGrpSpPr/>
+        <p:nvPr/>
+      </p:nvGrpSpPr>
+      <p:grpSpPr>
+        <a:xfrm>
+          <a:off x="0" y="0"/>
+          <a:ext cx="0" cy="0"/>
+          <a:chOff x="0" y="0"/>
+          <a:chExt cx="0" cy="0"/>
+        </a:xfrm>
+      </p:grpSpPr>
+      <p:sp>
+        <p:nvSpPr>
+          <p:cNvPr id="2" name="텍스트 상자 113"/>
+          <p:cNvSpPr txBox="1">
+            <a:spLocks/>
+          </p:cNvSpPr>
+          <p:nvPr/>
+        </p:nvSpPr>
+        <p:spPr>
+          <a:xfrm rot="0">
+            <a:off x="4288155" y="433070"/>
+            <a:ext cx="3623310" cy="478155"/>
+          </a:xfrm>
+          <a:prstGeom prst="rect"/>
+          <a:noFill/>
+          <a:ln w="0">
+            <a:noFill/>
+            <a:prstDash/>
+          </a:ln>
+        </p:spPr>
+        <p:txBody>
+          <a:bodyPr wrap="square" lIns="89535" tIns="46355" rIns="89535" bIns="46355" numCol="1" vert="horz" anchor="t">
+            <a:spAutoFit/>
+          </a:bodyPr>
+          <a:lstStyle/>
+          <a:p>
+            <a:pPr marL="0" indent="0" rtl="0" algn="ctr" defTabSz="914400" eaLnBrk="1" latinLnBrk="0" hangingPunct="1">
+              <a:buFontTx/>
+              <a:buNone/>
+            </a:pPr>
+            <a:r>
+              <a:rPr sz="2500" b="1">
+                <a:solidFill>
+                  <a:schemeClr val="tx1"/>
+                </a:solidFill>
+                <a:latin typeface="나눔바른고딕" charset="0"/>
+                <a:ea typeface="나눔바른고딕" charset="0"/>
+              </a:rPr>
+              <a:t>NavMesh Obstacle</a:t>
+            </a:r>
+            <a:endParaRPr lang="ko-KR" altLang="en-US" sz="2500" b="1">
+              <a:solidFill>
+                <a:schemeClr val="tx1"/>
+              </a:solidFill>
+              <a:latin typeface="나눔바른고딕" charset="0"/>
+              <a:ea typeface="나눔바른고딕" charset="0"/>
+            </a:endParaRPr>
+          </a:p>
+        </p:txBody>
+      </p:sp>
+      <p:sp>
+        <p:nvSpPr>
+          <p:cNvPr id="3" name="텍스트 상자 114"/>
+          <p:cNvSpPr txBox="1">
+            <a:spLocks/>
+          </p:cNvSpPr>
+          <p:nvPr/>
+        </p:nvSpPr>
+        <p:spPr>
+          <a:xfrm rot="0">
+            <a:off x="1228725" y="1454785"/>
+            <a:ext cx="4132580" cy="923925"/>
+          </a:xfrm>
+          <a:prstGeom prst="rect"/>
+          <a:noFill/>
+          <a:ln w="0">
+            <a:noFill/>
+            <a:prstDash/>
+          </a:ln>
+        </p:spPr>
+        <p:txBody>
+          <a:bodyPr wrap="square" lIns="89535" tIns="46355" rIns="89535" bIns="46355" numCol="1" vert="horz" anchor="t">
+            <a:spAutoFit/>
+          </a:bodyPr>
+          <a:lstStyle/>
+          <a:p>
+            <a:pPr marL="0" indent="0" rtl="0" algn="l" defTabSz="914400" eaLnBrk="1" latinLnBrk="0" hangingPunct="1">
+              <a:buFontTx/>
+              <a:buNone/>
+            </a:pPr>
+            <a:r>
+              <a:rPr sz="1800">
+                <a:latin typeface="맑은 고딕" charset="0"/>
+                <a:ea typeface="맑은 고딕" charset="0"/>
+              </a:rPr>
+              <a:t>NavMesh Obstacle : 고정되어 있거나 동적으로 움직일 수 있는 오브젝트를 설정합니다.</a:t>
+            </a:r>
+            <a:endParaRPr lang="ko-KR" altLang="en-US" sz="1800">
+              <a:latin typeface="맑은 고딕" charset="0"/>
+              <a:ea typeface="맑은 고딕" charset="0"/>
+            </a:endParaRPr>
+          </a:p>
+        </p:txBody>
+      </p:sp>
+      <p:sp>
+        <p:nvSpPr>
+          <p:cNvPr id="4" name="텍스트 상자 115"/>
+          <p:cNvSpPr txBox="1">
+            <a:spLocks/>
+          </p:cNvSpPr>
+          <p:nvPr/>
+        </p:nvSpPr>
+        <p:spPr>
+          <a:xfrm rot="0">
+            <a:off x="6838950" y="2901315"/>
+            <a:ext cx="4124960" cy="1200785"/>
+          </a:xfrm>
+          <a:prstGeom prst="rect"/>
+          <a:noFill/>
+          <a:ln w="0">
+            <a:noFill/>
+            <a:prstDash/>
+          </a:ln>
+        </p:spPr>
+        <p:txBody>
+          <a:bodyPr wrap="square" lIns="89535" tIns="46355" rIns="89535" bIns="46355" numCol="1" vert="horz" anchor="t">
+            <a:spAutoFit/>
+          </a:bodyPr>
+          <a:lstStyle/>
+          <a:p>
+            <a:pPr marL="0" indent="0" rtl="0" algn="l" defTabSz="914400" eaLnBrk="1" latinLnBrk="0" hangingPunct="1">
+              <a:buFontTx/>
+              <a:buNone/>
+            </a:pPr>
+            <a:r>
+              <a:rPr sz="1800">
+                <a:latin typeface="맑은 고딕" charset="0"/>
+                <a:ea typeface="맑은 고딕" charset="0"/>
+              </a:rPr>
+              <a:t>Carve : 내비게이션 영역을 새로 설정하지 않아도 실시간으로 다시 계산해서 에이전트가 지나갈 수 없는 영역으로 설정하는 </a:t>
+            </a:r>
+            <a:r>
+              <a:rPr sz="1800">
+                <a:latin typeface="맑은 고딕" charset="0"/>
+                <a:ea typeface="맑은 고딕" charset="0"/>
+              </a:rPr>
+              <a:t>기</a:t>
+            </a:r>
+            <a:r>
+              <a:rPr lang="ko-KR" sz="1800">
+                <a:latin typeface="맑은 고딕" charset="0"/>
+                <a:ea typeface="맑은 고딕" charset="0"/>
+              </a:rPr>
+              <a:t>능</a:t>
+            </a:r>
+            <a:r>
+              <a:rPr sz="1800">
+                <a:latin typeface="맑은 고딕" charset="0"/>
+                <a:ea typeface="맑은 고딕" charset="0"/>
+              </a:rPr>
+              <a:t>입니다.</a:t>
+            </a:r>
+            <a:endParaRPr lang="ko-KR" altLang="en-US" sz="1800">
+              <a:latin typeface="맑은 고딕" charset="0"/>
+              <a:ea typeface="맑은 고딕" charset="0"/>
+            </a:endParaRPr>
+          </a:p>
+        </p:txBody>
+      </p:sp>
+      <p:sp>
+        <p:nvSpPr>
+          <p:cNvPr id="5" name="텍스트 상자 116"/>
+          <p:cNvSpPr txBox="1">
+            <a:spLocks/>
+          </p:cNvSpPr>
+          <p:nvPr/>
+        </p:nvSpPr>
+        <p:spPr>
+          <a:xfrm rot="0">
+            <a:off x="1228725" y="5059045"/>
+            <a:ext cx="4132580" cy="1200785"/>
+          </a:xfrm>
+          <a:prstGeom prst="rect"/>
+          <a:noFill/>
+          <a:ln w="0">
+            <a:noFill/>
+            <a:prstDash/>
+          </a:ln>
+        </p:spPr>
+        <p:txBody>
+          <a:bodyPr wrap="square" lIns="89535" tIns="46355" rIns="89535" bIns="46355" numCol="1" vert="horz" anchor="t">
+            <a:spAutoFit/>
+          </a:bodyPr>
+          <a:lstStyle/>
+          <a:p>
+            <a:pPr marL="0" indent="0" rtl="0" algn="l" defTabSz="914400" eaLnBrk="1" latinLnBrk="0" hangingPunct="1">
+              <a:buFontTx/>
+              <a:buNone/>
+            </a:pPr>
+            <a:r>
+              <a:rPr sz="1800">
+                <a:latin typeface="맑은 고딕" charset="0"/>
+                <a:ea typeface="맑은 고딕" charset="0"/>
+              </a:rPr>
+              <a:t>Move Threshold : 최소 이동 거리보다 조금 움직인 오브젝트</a:t>
+            </a:r>
+            <a:r>
+              <a:rPr lang="ko-KR" sz="1800">
+                <a:latin typeface="맑은 고딕" charset="0"/>
+                <a:ea typeface="맑은 고딕" charset="0"/>
+              </a:rPr>
+              <a:t>는</a:t>
+            </a:r>
+            <a:r>
+              <a:rPr sz="1800">
+                <a:latin typeface="맑은 고딕" charset="0"/>
+                <a:ea typeface="맑은 고딕" charset="0"/>
+              </a:rPr>
+              <a:t> 움직이지 않은 것으로 </a:t>
+            </a:r>
+            <a:r>
+              <a:rPr sz="1800">
+                <a:latin typeface="맑은 고딕" charset="0"/>
+                <a:ea typeface="맑은 고딕" charset="0"/>
+              </a:rPr>
+              <a:t>간주하</a:t>
+            </a:r>
+            <a:r>
+              <a:rPr lang="ko-KR" sz="1800">
+                <a:latin typeface="맑은 고딕" charset="0"/>
+                <a:ea typeface="맑은 고딕" charset="0"/>
+              </a:rPr>
+              <a:t>여 </a:t>
+            </a:r>
+            <a:r>
+              <a:rPr sz="1800">
+                <a:latin typeface="맑은 고딕" charset="0"/>
+                <a:ea typeface="맑은 고딕" charset="0"/>
+              </a:rPr>
+              <a:t>Carve를 새로 계산하지</a:t>
+            </a:r>
+            <a:r>
+              <a:rPr sz="1800">
+                <a:latin typeface="맑은 고딕" charset="0"/>
+                <a:ea typeface="맑은 고딕" charset="0"/>
+              </a:rPr>
+              <a:t> 않</a:t>
+            </a:r>
+            <a:r>
+              <a:rPr lang="ko-KR" sz="1800">
+                <a:latin typeface="맑은 고딕" charset="0"/>
+                <a:ea typeface="맑은 고딕" charset="0"/>
+              </a:rPr>
+              <a:t>는 기능입니다</a:t>
+            </a:r>
+            <a:r>
+              <a:rPr sz="1800">
+                <a:latin typeface="맑은 고딕" charset="0"/>
+                <a:ea typeface="맑은 고딕" charset="0"/>
+              </a:rPr>
+              <a:t>.</a:t>
             </a:r>
             <a:endParaRPr lang="ko-KR" altLang="en-US" sz="1800">
               <a:latin typeface="맑은 고딕" charset="0"/>
@@ -9069,8 +9921,8 @@
         </p:blipFill>
         <p:spPr>
           <a:xfrm rot="0">
-            <a:off x="1000125" y="2609850"/>
-            <a:ext cx="4458970" cy="2096135"/>
+            <a:off x="1238250" y="2609850"/>
+            <a:ext cx="4153535" cy="2258060"/>
           </a:xfrm>
           <a:prstGeom prst="roundRect"/>
           <a:solidFill>
@@ -9088,8 +9940,8 @@
         </p:nvSpPr>
         <p:spPr>
           <a:xfrm rot="0">
-            <a:off x="6838950" y="5168900"/>
-            <a:ext cx="4229735" cy="923925"/>
+            <a:off x="6838950" y="5321300"/>
+            <a:ext cx="4115435" cy="923925"/>
           </a:xfrm>
           <a:prstGeom prst="rect"/>
           <a:noFill/>
@@ -9099,7 +9951,7 @@
           </a:ln>
         </p:spPr>
         <p:txBody>
-          <a:bodyPr wrap="square" lIns="89535" tIns="46355" rIns="89535" bIns="46355" vert="horz" anchor="t">
+          <a:bodyPr wrap="square" lIns="89535" tIns="46355" rIns="89535" bIns="46355" numCol="1" vert="horz" anchor="t">
             <a:spAutoFit/>
           </a:bodyPr>
           <a:lstStyle/>
@@ -9144,8 +9996,8 @@
         </p:blipFill>
         <p:spPr>
           <a:xfrm rot="0">
-            <a:off x="6829425" y="4229100"/>
-            <a:ext cx="4220210" cy="782320"/>
+            <a:off x="6838950" y="4286250"/>
+            <a:ext cx="4115435" cy="886460"/>
           </a:xfrm>
           <a:prstGeom prst="roundRect"/>
           <a:solidFill>
@@ -9155,17 +10007,17 @@
       </p:pic>
       <p:pic>
         <p:nvPicPr>
-          <p:cNvPr id="10" name="그림 189"/>
+          <p:cNvPr id="10" name="그림 189" descr="C:/Users/Admin1/AppData/Roaming/PolarisOffice/ETemp/11112_18352824/fImage80643297711.png"/>
           <p:cNvPicPr>
             <a:picLocks noChangeAspect="1"/>
           </p:cNvPicPr>
           <p:nvPr/>
         </p:nvPicPr>
         <p:blipFill rotWithShape="1">
-          <a:blip r:embed="rId9" cstate="print">
+          <a:blip r:embed="rId9" cstate="hqprint">
             <a:extLst>
               <a:ext uri="{28A0092B-C50C-407E-A947-70E740481C1C}">
-                <a14:useLocalDpi xmlns:a14="http://schemas.microsoft.com/office/drawing/2010/main" val="0"/>
+                <a14:useLocalDpi xmlns:a14="http://schemas.microsoft.com/office/drawing/2010/main"/>
               </a:ext>
             </a:extLst>
           </a:blip>
@@ -9175,8 +10027,8 @@
         </p:blipFill>
         <p:spPr>
           <a:xfrm rot="0">
-            <a:off x="6843395" y="1495425"/>
-            <a:ext cx="4215765" cy="1305560"/>
+            <a:off x="6843395" y="1456690"/>
+            <a:ext cx="4111625" cy="1354455"/>
           </a:xfrm>
           <a:prstGeom prst="roundRect"/>
           <a:solidFill>
@@ -9234,8 +10086,8 @@
         </p:nvSpPr>
         <p:spPr>
           <a:xfrm rot="0">
-            <a:off x="4943475" y="346075"/>
-            <a:ext cx="2439035" cy="478155"/>
+            <a:off x="4676140" y="346075"/>
+            <a:ext cx="2837180" cy="478155"/>
           </a:xfrm>
           <a:prstGeom prst="rect"/>
           <a:noFill/>
@@ -9250,7 +10102,7 @@
           </a:bodyPr>
           <a:lstStyle/>
           <a:p>
-            <a:pPr marL="0" indent="0" algn="l" latinLnBrk="0">
+            <a:pPr marL="0" indent="0" algn="ctr" latinLnBrk="0">
               <a:buFontTx/>
               <a:buNone/>
             </a:pPr>
@@ -9284,8 +10136,8 @@
         </p:nvSpPr>
         <p:spPr>
           <a:xfrm rot="0">
-            <a:off x="1401445" y="4634865"/>
-            <a:ext cx="3961765" cy="1477645"/>
+            <a:off x="1247140" y="5180330"/>
+            <a:ext cx="4122420" cy="923925"/>
           </a:xfrm>
           <a:prstGeom prst="rect"/>
           <a:noFill/>
@@ -9312,73 +10164,84 @@
                 <a:latin typeface="맑은 고딕" charset="0"/>
                 <a:ea typeface="맑은 고딕" charset="0"/>
               </a:rPr>
-              <a:t>5.</a:t>
+              <a:t>4</a:t>
+            </a:r>
+            <a:r>
+              <a:rPr sz="1800" b="1">
+                <a:solidFill>
+                  <a:srgbClr val="0611F2"/>
+                </a:solidFill>
+                <a:latin typeface="맑은 고딕" charset="0"/>
+                <a:ea typeface="맑은 고딕" charset="0"/>
+              </a:rPr>
+              <a:t>.</a:t>
             </a:r>
             <a:r>
               <a:rPr sz="1800">
                 <a:latin typeface="맑은 고딕" charset="0"/>
                 <a:ea typeface="맑은 고딕" charset="0"/>
               </a:rPr>
-              <a:t> 그리</a:t>
+              <a:t> 그</a:t>
+            </a:r>
+            <a:r>
+              <a:rPr sz="1800">
+                <a:latin typeface="맑은 고딕" charset="0"/>
+                <a:ea typeface="맑은 고딕" charset="0"/>
+              </a:rPr>
+              <a:t>러</a:t>
             </a:r>
             <a:r>
               <a:rPr lang="ko-KR" sz="1800">
                 <a:latin typeface="맑은 고딕" charset="0"/>
                 <a:ea typeface="맑은 고딕" charset="0"/>
               </a:rPr>
-              <a:t>고 3D Object에 Plane</a:t>
+              <a:t>고 나서</a:t>
             </a:r>
             <a:r>
               <a:rPr lang="ko-KR" sz="1800">
                 <a:latin typeface="맑은 고딕" charset="0"/>
                 <a:ea typeface="맑은 고딕" charset="0"/>
               </a:rPr>
-              <a:t> 오브젝트를 생성합니다.</a:t>
+              <a:t> 3D Object에 Plane 오브젝트를 생</a:t>
+            </a:r>
+            <a:r>
+              <a:rPr lang="ko-KR" sz="1800">
+                <a:latin typeface="맑은 고딕" charset="0"/>
+                <a:ea typeface="맑은 고딕" charset="0"/>
+              </a:rPr>
+              <a:t>성하고</a:t>
+            </a:r>
+            <a:r>
+              <a:rPr lang="ko-KR" sz="1800">
+                <a:latin typeface="맑은 고딕" charset="0"/>
+                <a:ea typeface="맑은 고딕" charset="0"/>
+              </a:rPr>
+              <a:t> Floor</a:t>
+            </a:r>
+            <a:r>
+              <a:rPr lang="ko-KR" sz="1800">
+                <a:latin typeface="맑은 고딕" charset="0"/>
+                <a:ea typeface="맑은 고딕" charset="0"/>
+              </a:rPr>
+              <a:t>라는 이름으로</a:t>
+            </a:r>
+            <a:r>
+              <a:rPr lang="ko-KR" sz="1800">
+                <a:latin typeface="맑은 고딕" charset="0"/>
+                <a:ea typeface="맑은 고딕" charset="0"/>
+              </a:rPr>
+              <a:t> 정의합니다. </a:t>
             </a:r>
             <a:endParaRPr lang="ko-KR" altLang="en-US" sz="1800">
               <a:latin typeface="맑은 고딕" charset="0"/>
               <a:ea typeface="맑은 고딕" charset="0"/>
             </a:endParaRPr>
           </a:p>
-          <a:p>
-            <a:pPr marL="0" indent="0" rtl="0" algn="l" defTabSz="914400" eaLnBrk="1" latinLnBrk="0" hangingPunct="1">
-              <a:buFontTx/>
-              <a:buNone/>
-            </a:pPr>
-            <a:endParaRPr lang="ko-KR" altLang="en-US" sz="1800">
-              <a:latin typeface="맑은 고딕" charset="0"/>
-              <a:ea typeface="맑은 고딕" charset="0"/>
-            </a:endParaRPr>
-          </a:p>
-          <a:p>
-            <a:pPr marL="0" indent="0" rtl="0" algn="l" defTabSz="914400" eaLnBrk="1" latinLnBrk="0" hangingPunct="1">
-              <a:buFontTx/>
-              <a:buNone/>
-            </a:pPr>
-            <a:r>
-              <a:rPr lang="ko-KR" sz="1800">
-                <a:latin typeface="맑은 고딕" charset="0"/>
-                <a:ea typeface="맑은 고딕" charset="0"/>
-              </a:rPr>
-              <a:t>그런 다음</a:t>
-            </a:r>
-            <a:r>
-              <a:rPr lang="ko-KR" sz="1800">
-                <a:latin typeface="맑은 고딕" charset="0"/>
-                <a:ea typeface="맑은 고딕" charset="0"/>
-              </a:rPr>
-              <a:t> 이름을 Floor로 정의합니다. </a:t>
-            </a:r>
-            <a:endParaRPr lang="ko-KR" altLang="en-US" sz="1800">
-              <a:latin typeface="맑은 고딕" charset="0"/>
-              <a:ea typeface="맑은 고딕" charset="0"/>
-            </a:endParaRPr>
-          </a:p>
         </p:txBody>
       </p:sp>
       <p:pic>
         <p:nvPicPr>
-          <p:cNvPr id="1183" name="그림 25" descr="C:/Users/Admin1/AppData/Roaming/PolarisOffice/ETemp/20556_22124416/fImage159532179169.png"/>
+          <p:cNvPr id="1183" name="그림 25" descr="C:/Users/Admin1/AppData/Roaming/PolarisOffice/ETemp/7504_22066552/fImage159532179169.png"/>
           <p:cNvPicPr>
             <a:picLocks noChangeAspect="1"/>
           </p:cNvPicPr>
@@ -9398,8 +10261,8 @@
         </p:blipFill>
         <p:spPr>
           <a:xfrm rot="0">
-            <a:off x="1400810" y="1236980"/>
-            <a:ext cx="2581275" cy="3221355"/>
+            <a:off x="1245235" y="1454785"/>
+            <a:ext cx="2729865" cy="3515995"/>
           </a:xfrm>
           <a:prstGeom prst="roundRect"/>
           <a:solidFill>
@@ -9409,14 +10272,14 @@
       </p:pic>
       <p:pic>
         <p:nvPicPr>
-          <p:cNvPr id="1198" name="그림 29"/>
+          <p:cNvPr id="1204" name="그림 6" descr="C:/Users/Admin1/AppData/Roaming/PolarisOffice/ETemp/7504_22066552/fImage481428641.png"/>
           <p:cNvPicPr>
             <a:picLocks noChangeAspect="1"/>
           </p:cNvPicPr>
           <p:nvPr/>
         </p:nvPicPr>
         <p:blipFill rotWithShape="1">
-          <a:blip r:embed="rId4" cstate="hqprint">
+          <a:blip r:embed="rId13" cstate="hqprint">
             <a:extLst>
               <a:ext uri="{28A0092B-C50C-407E-A947-70E740481C1C}">
                 <a14:useLocalDpi xmlns:a14="http://schemas.microsoft.com/office/drawing/2010/main"/>
@@ -9429,8 +10292,8 @@
         </p:blipFill>
         <p:spPr>
           <a:xfrm rot="0">
-            <a:off x="6819900" y="1224280"/>
-            <a:ext cx="2547620" cy="1510030"/>
+            <a:off x="4133215" y="2303780"/>
+            <a:ext cx="1236345" cy="1819910"/>
           </a:xfrm>
           <a:prstGeom prst="roundRect"/>
           <a:solidFill>
@@ -9440,16 +10303,16 @@
       </p:pic>
       <p:sp>
         <p:nvSpPr>
-          <p:cNvPr id="1199" name="텍스트 상자 30"/>
+          <p:cNvPr id="1205" name="텍스트 상자 20"/>
           <p:cNvSpPr txBox="1">
             <a:spLocks/>
           </p:cNvSpPr>
           <p:nvPr/>
         </p:nvSpPr>
         <p:spPr>
-          <a:xfrm>
-            <a:off x="6812280" y="2926715"/>
-            <a:ext cx="4199890" cy="647065"/>
+          <a:xfrm rot="0">
+            <a:off x="6823710" y="5462270"/>
+            <a:ext cx="4123055" cy="647065"/>
           </a:xfrm>
           <a:prstGeom prst="rect"/>
           <a:noFill/>
@@ -9459,7 +10322,7 @@
           </a:ln>
         </p:spPr>
         <p:txBody>
-          <a:bodyPr wrap="square" lIns="89535" tIns="46355" rIns="89535" bIns="46355" numCol="1" vert="horz" anchor="t">
+          <a:bodyPr wrap="square" lIns="89535" tIns="46355" rIns="89535" bIns="46355" vert="horz" anchor="t">
             <a:spAutoFit/>
           </a:bodyPr>
           <a:lstStyle/>
@@ -9468,16 +10331,6 @@
               <a:buFontTx/>
               <a:buNone/>
             </a:pPr>
-            <a:r>
-              <a:rPr lang="ko-KR" sz="1800" b="1">
-                <a:solidFill>
-                  <a:srgbClr val="0611F2"/>
-                </a:solidFill>
-                <a:latin typeface="맑은 고딕" charset="0"/>
-                <a:ea typeface="맑은 고딕" charset="0"/>
-              </a:rPr>
-              <a:t>6</a:t>
-            </a:r>
             <a:r>
               <a:rPr sz="1800" b="1">
                 <a:solidFill>
@@ -9486,6 +10339,16 @@
                 <a:latin typeface="맑은 고딕" charset="0"/>
                 <a:ea typeface="맑은 고딕" charset="0"/>
               </a:rPr>
+              <a:t>5</a:t>
+            </a:r>
+            <a:r>
+              <a:rPr sz="1800" b="1">
+                <a:solidFill>
+                  <a:srgbClr val="0611F2"/>
+                </a:solidFill>
+                <a:latin typeface="맑은 고딕" charset="0"/>
+                <a:ea typeface="맑은 고딕" charset="0"/>
+              </a:rPr>
               <a:t>.</a:t>
             </a:r>
             <a:r>
@@ -9493,14 +10356,7 @@
                 <a:latin typeface="맑은 고딕" charset="0"/>
                 <a:ea typeface="맑은 고딕" charset="0"/>
               </a:rPr>
-              <a:t> </a:t>
-            </a:r>
-            <a:r>
-              <a:rPr lang="ko-KR" sz="1800">
-                <a:latin typeface="맑은 고딕" charset="0"/>
-                <a:ea typeface="맑은 고딕" charset="0"/>
-              </a:rPr>
-              <a:t>그다음으로 Window에서 AI를 선택한 다음 Navigation을 선택합니다.</a:t>
+              <a:t> 이제 Window를 선택한 다음 AI에서 Navigation을 선택합니다.</a:t>
             </a:r>
             <a:endParaRPr lang="ko-KR" altLang="en-US" sz="1800">
               <a:latin typeface="맑은 고딕" charset="0"/>
@@ -9511,14 +10367,14 @@
       </p:sp>
       <p:pic>
         <p:nvPicPr>
-          <p:cNvPr id="1200" name="그림 31"/>
+          <p:cNvPr id="1206" name="그림 21" descr="C:/Users/Admin1/AppData/Roaming/PolarisOffice/ETemp/7504_22066552/fImage199543246334.png"/>
           <p:cNvPicPr>
             <a:picLocks noChangeAspect="1"/>
           </p:cNvPicPr>
           <p:nvPr/>
         </p:nvPicPr>
         <p:blipFill rotWithShape="1">
-          <a:blip r:embed="rId5" cstate="hqprint">
+          <a:blip r:embed="rId14" cstate="hqprint">
             <a:extLst>
               <a:ext uri="{28A0092B-C50C-407E-A947-70E740481C1C}">
                 <a14:useLocalDpi xmlns:a14="http://schemas.microsoft.com/office/drawing/2010/main"/>
@@ -9531,225 +10387,11 @@
         </p:blipFill>
         <p:spPr>
           <a:xfrm rot="0">
-            <a:off x="9934575" y="1810385"/>
-            <a:ext cx="1115060" cy="552450"/>
-          </a:xfrm>
-          <a:prstGeom prst="roundRect"/>
-          <a:solidFill>
-            <a:srgbClr val="EDEDED"/>
-          </a:solidFill>
-        </p:spPr>
-      </p:pic>
-      <p:sp>
-        <p:nvSpPr>
-          <p:cNvPr id="1201" name="도형 32"/>
-          <p:cNvSpPr>
-            <a:spLocks/>
-          </p:cNvSpPr>
-          <p:nvPr/>
-        </p:nvSpPr>
-        <p:spPr>
-          <a:xfrm rot="0">
-            <a:off x="9474200" y="1953895"/>
-            <a:ext cx="362585" cy="281305"/>
-          </a:xfrm>
-          <a:prstGeom prst="notchedRightArrow"/>
-          <a:scene3d>
-            <a:camera prst="orthographicFront"/>
-            <a:lightRig rig="threePt" dir="t"/>
-          </a:scene3d>
-          <a:sp3d prstMaterial="warmMatte">
-            <a:bevelT w="76200" h="76200" prst="circle"/>
-            <a:contourClr>
-              <a:srgbClr val="000000"/>
-            </a:contourClr>
-          </a:sp3d>
-        </p:spPr>
-        <p:style>
-          <a:lnRef idx="2">
-            <a:schemeClr val="accent1">
-              <a:shade val="50000"/>
-            </a:schemeClr>
-          </a:lnRef>
-          <a:fillRef idx="1">
-            <a:schemeClr val="accent1"/>
-          </a:fillRef>
-          <a:effectRef idx="0">
-            <a:schemeClr val="accent1"/>
-          </a:effectRef>
-          <a:fontRef idx="minor">
-            <a:schemeClr val="lt1"/>
-          </a:fontRef>
-        </p:style>
-        <p:txBody>
-          <a:bodyPr wrap="square" lIns="91440" tIns="45720" rIns="91440" bIns="45720" numCol="1" vert="horz" anchor="ctr">
-            <a:noAutofit/>
-          </a:bodyPr>
-          <a:lstStyle/>
-          <a:p>
-            <a:pPr marL="0" indent="0" algn="ctr" latinLnBrk="0" hangingPunct="1">
-              <a:buFontTx/>
-              <a:buNone/>
-            </a:pPr>
-            <a:endParaRPr lang="ko-KR" altLang="en-US" sz="1800">
-              <a:latin typeface="맑은 고딕" charset="0"/>
-              <a:ea typeface="맑은 고딕" charset="0"/>
-            </a:endParaRPr>
-          </a:p>
-        </p:txBody>
-      </p:sp>
-      <p:sp>
-        <p:nvSpPr>
-          <p:cNvPr id="1202" name="텍스트 상자 33"/>
-          <p:cNvSpPr txBox="1">
-            <a:spLocks/>
-          </p:cNvSpPr>
-          <p:nvPr/>
-        </p:nvSpPr>
-        <p:spPr>
-          <a:xfrm rot="0">
-            <a:off x="6812915" y="5457190"/>
-            <a:ext cx="4165600" cy="647065"/>
+            <a:off x="6823710" y="1454785"/>
+            <a:ext cx="4139565" cy="3819525"/>
           </a:xfrm>
           <a:prstGeom prst="rect"/>
           <a:noFill/>
-          <a:ln w="0">
-            <a:noFill/>
-            <a:prstDash/>
-          </a:ln>
-        </p:spPr>
-        <p:txBody>
-          <a:bodyPr wrap="square" lIns="89535" tIns="46355" rIns="89535" bIns="46355" numCol="1" vert="horz" anchor="t">
-            <a:spAutoFit/>
-          </a:bodyPr>
-          <a:lstStyle/>
-          <a:p>
-            <a:pPr marL="0" indent="0" rtl="0" algn="l" defTabSz="914400" eaLnBrk="1" latinLnBrk="0" hangingPunct="1">
-              <a:buFontTx/>
-              <a:buNone/>
-            </a:pPr>
-            <a:r>
-              <a:rPr sz="1800" b="1">
-                <a:solidFill>
-                  <a:srgbClr val="0611F2"/>
-                </a:solidFill>
-                <a:latin typeface="맑은 고딕" charset="0"/>
-                <a:ea typeface="맑은 고딕" charset="0"/>
-              </a:rPr>
-              <a:t>7</a:t>
-            </a:r>
-            <a:r>
-              <a:rPr sz="1800" b="1">
-                <a:solidFill>
-                  <a:srgbClr val="0611F2"/>
-                </a:solidFill>
-                <a:latin typeface="맑은 고딕" charset="0"/>
-                <a:ea typeface="맑은 고딕" charset="0"/>
-              </a:rPr>
-              <a:t>.</a:t>
-            </a:r>
-            <a:r>
-              <a:rPr sz="1800">
-                <a:latin typeface="맑은 고딕" charset="0"/>
-                <a:ea typeface="맑은 고딕" charset="0"/>
-              </a:rPr>
-              <a:t> </a:t>
-            </a:r>
-            <a:r>
-              <a:rPr lang="ko-KR" sz="1800">
-                <a:latin typeface="맑은 고딕" charset="0"/>
-                <a:ea typeface="맑은 고딕" charset="0"/>
-              </a:rPr>
-              <a:t>이제</a:t>
-            </a:r>
-            <a:r>
-              <a:rPr lang="ko-KR" sz="1800">
-                <a:latin typeface="맑은 고딕" charset="0"/>
-                <a:ea typeface="맑은 고딕" charset="0"/>
-              </a:rPr>
-              <a:t> Character</a:t>
-            </a:r>
-            <a:r>
-              <a:rPr sz="1800">
-                <a:latin typeface="맑은 고딕" charset="0"/>
-                <a:ea typeface="맑은 고딕" charset="0"/>
-              </a:rPr>
-              <a:t> </a:t>
-            </a:r>
-            <a:r>
-              <a:rPr lang="ko-KR" sz="1800">
-                <a:latin typeface="맑은 고딕" charset="0"/>
-                <a:ea typeface="맑은 고딕" charset="0"/>
-              </a:rPr>
-              <a:t>오브젝트에 Nav Mesh Agent 컴포넌트를 추가합니다.</a:t>
-            </a:r>
-            <a:endParaRPr lang="ko-KR" altLang="en-US" sz="1800">
-              <a:latin typeface="맑은 고딕" charset="0"/>
-              <a:ea typeface="맑은 고딕" charset="0"/>
-            </a:endParaRPr>
-          </a:p>
-        </p:txBody>
-      </p:sp>
-      <p:pic>
-        <p:nvPicPr>
-          <p:cNvPr id="1203" name="그림 34" descr="C:/Users/Admin1/AppData/Roaming/PolarisOffice/ETemp/20556_22124416/fImage53352906962.png"/>
-          <p:cNvPicPr>
-            <a:picLocks noChangeAspect="1"/>
-          </p:cNvPicPr>
-          <p:nvPr/>
-        </p:nvPicPr>
-        <p:blipFill rotWithShape="1">
-          <a:blip r:embed="rId12" cstate="hqprint">
-            <a:extLst>
-              <a:ext uri="{28A0092B-C50C-407E-A947-70E740481C1C}">
-                <a14:useLocalDpi xmlns:a14="http://schemas.microsoft.com/office/drawing/2010/main"/>
-              </a:ext>
-            </a:extLst>
-          </a:blip>
-          <a:stretch>
-            <a:fillRect/>
-          </a:stretch>
-        </p:blipFill>
-        <p:spPr>
-          <a:xfrm rot="0">
-            <a:off x="6819900" y="3743325"/>
-            <a:ext cx="4239895" cy="1572260"/>
-          </a:xfrm>
-          <a:prstGeom prst="roundRect"/>
-          <a:solidFill>
-            <a:srgbClr val="EDEDED"/>
-          </a:solidFill>
-        </p:spPr>
-      </p:pic>
-      <p:pic>
-        <p:nvPicPr>
-          <p:cNvPr id="1204" name="그림 6" descr="C:/Users/Admin1/AppData/Roaming/PolarisOffice/ETemp/20556_22124416/fImage481428641.png"/>
-          <p:cNvPicPr>
-            <a:picLocks noChangeAspect="1"/>
-          </p:cNvPicPr>
-          <p:nvPr/>
-        </p:nvPicPr>
-        <p:blipFill rotWithShape="1">
-          <a:blip r:embed="rId13" cstate="print">
-            <a:extLst>
-              <a:ext uri="{28A0092B-C50C-407E-A947-70E740481C1C}">
-                <a14:useLocalDpi xmlns:a14="http://schemas.microsoft.com/office/drawing/2010/main" val="0"/>
-              </a:ext>
-            </a:extLst>
-          </a:blip>
-          <a:stretch>
-            <a:fillRect/>
-          </a:stretch>
-        </p:blipFill>
-        <p:spPr>
-          <a:xfrm rot="0">
-            <a:off x="4124325" y="1990725"/>
-            <a:ext cx="1238885" cy="1734185"/>
-          </a:xfrm>
-          <a:prstGeom prst="roundRect"/>
-          <a:solidFill>
-            <a:srgbClr val="EDEDED"/>
-          </a:solidFill>
         </p:spPr>
       </p:pic>
     </p:spTree>
@@ -9776,7 +10418,7 @@
 </file>
 
 <file path=ppt/slides/slide3.xml><?xml version="1.0" encoding="utf-8"?>
-<p:sld xmlns:a="http://schemas.openxmlformats.org/drawingml/2006/main" xmlns:r="http://schemas.openxmlformats.org/officeDocument/2006/relationships" xmlns:p="http://schemas.openxmlformats.org/presentationml/2006/main">
+<p:sld xmlns:a="http://schemas.openxmlformats.org/drawingml/2006/main" xmlns:r="http://schemas.openxmlformats.org/officeDocument/2006/relationships" xmlns:p="http://schemas.openxmlformats.org/presentationml/2006/main" xmlns:p14="http://schemas.microsoft.com/office/powerpoint/2010/main">
   <p:cSld>
     <p:spTree>
       <p:nvGrpSpPr>
@@ -9802,8 +10444,8 @@
         </p:nvSpPr>
         <p:spPr>
           <a:xfrm rot="0">
-            <a:off x="4943475" y="346075"/>
-            <a:ext cx="2439035" cy="478155"/>
+            <a:off x="4589780" y="354965"/>
+            <a:ext cx="3009900" cy="478155"/>
           </a:xfrm>
           <a:prstGeom prst="rect"/>
           <a:noFill/>
@@ -9818,7 +10460,7 @@
           </a:bodyPr>
           <a:lstStyle/>
           <a:p>
-            <a:pPr marL="0" indent="0" algn="l" latinLnBrk="0">
+            <a:pPr marL="0" indent="0" algn="ctr" latinLnBrk="0">
               <a:buFontTx/>
               <a:buNone/>
             </a:pPr>
@@ -9830,17 +10472,7 @@
                 <a:latin typeface="나눔바른고딕" charset="0"/>
                 <a:ea typeface="나눔바른고딕" charset="0"/>
               </a:rPr>
-              <a:t>세</a:t>
-            </a:r>
-            <a:r>
-              <a:rPr lang="ko-KR" altLang="en-US" sz="2500" b="1">
-                <a:solidFill>
-                  <a:schemeClr val="tx1"/>
-                </a:solidFill>
-                <a:latin typeface="나눔바른고딕" charset="0"/>
-                <a:ea typeface="나눔바른고딕" charset="0"/>
-              </a:rPr>
-              <a:t> 번째 튜토리얼</a:t>
+              <a:t>세 번째 튜토리얼</a:t>
             </a:r>
             <a:endParaRPr lang="ko-KR" altLang="en-US" sz="2500" b="1">
               <a:solidFill>
@@ -9854,38 +10486,7 @@
       </p:sp>
       <p:pic>
         <p:nvPicPr>
-          <p:cNvPr id="1195" name="Picture " descr="C:/Users/Admin1/AppData/Roaming/PolarisOffice/ETemp/20556_22124416/fImage26841981478.png"/>
-          <p:cNvPicPr>
-            <a:picLocks noChangeAspect="1"/>
-          </p:cNvPicPr>
-          <p:nvPr/>
-        </p:nvPicPr>
-        <p:blipFill rotWithShape="1">
-          <a:blip r:embed="rId2" cstate="hqprint">
-            <a:extLst>
-              <a:ext uri="{28A0092B-C50C-407E-A947-70E740481C1C}">
-                <a14:useLocalDpi xmlns:a14="http://schemas.microsoft.com/office/drawing/2010/main"/>
-              </a:ext>
-            </a:extLst>
-          </a:blip>
-          <a:stretch>
-            <a:fillRect/>
-          </a:stretch>
-        </p:blipFill>
-        <p:spPr>
-          <a:xfrm rot="0">
-            <a:off x="1391285" y="1355090"/>
-            <a:ext cx="1276350" cy="1124585"/>
-          </a:xfrm>
-          <a:prstGeom prst="roundRect"/>
-          <a:solidFill>
-            <a:srgbClr val="EDEDED"/>
-          </a:solidFill>
-        </p:spPr>
-      </p:pic>
-      <p:pic>
-        <p:nvPicPr>
-          <p:cNvPr id="1196" name="Picture " descr="C:/Users/Admin1/AppData/Roaming/PolarisOffice/ETemp/20556_22124416/fImage168521999358.png"/>
+          <p:cNvPr id="1196" name="Picture " descr="C:/Users/Admin1/AppData/Roaming/PolarisOffice/ETemp/7504_22066552/fImage168521999358.png"/>
           <p:cNvPicPr>
             <a:picLocks noChangeAspect="1"/>
           </p:cNvPicPr>
@@ -9905,8 +10506,8 @@
         </p:blipFill>
         <p:spPr>
           <a:xfrm rot="0">
-            <a:off x="2886075" y="1352550"/>
-            <a:ext cx="2486660" cy="1096010"/>
+            <a:off x="2675890" y="1445895"/>
+            <a:ext cx="2688590" cy="1143635"/>
           </a:xfrm>
           <a:prstGeom prst="roundRect"/>
           <a:solidFill>
@@ -9924,8 +10525,8 @@
         </p:nvSpPr>
         <p:spPr>
           <a:xfrm rot="0">
-            <a:off x="1387475" y="2677795"/>
-            <a:ext cx="3975735" cy="923925"/>
+            <a:off x="1247140" y="2754630"/>
+            <a:ext cx="4113530" cy="1200785"/>
           </a:xfrm>
           <a:prstGeom prst="rect"/>
           <a:noFill/>
@@ -9952,7 +10553,7 @@
                 <a:latin typeface="맑은 고딕" charset="0"/>
                 <a:ea typeface="맑은 고딕" charset="0"/>
               </a:rPr>
-              <a:t>8</a:t>
+              <a:t>6</a:t>
             </a:r>
             <a:r>
               <a:rPr sz="1800" b="1">
@@ -9976,14 +10577,49 @@
                 <a:latin typeface="맑은 고딕" charset="0"/>
                 <a:ea typeface="맑은 고딕" charset="0"/>
               </a:rPr>
-              <a:t>그다음</a:t>
+              <a:t>그</a:t>
             </a:r>
             <a:r>
               <a:rPr lang="ko-KR" sz="1800">
                 <a:latin typeface="맑은 고딕" charset="0"/>
                 <a:ea typeface="맑은 고딕" charset="0"/>
               </a:rPr>
-              <a:t> Project 폴더에서 Texture에 Wood 텍스처를 선택하고 Floor 오브젝트에 넣어줍니다.</a:t>
+              <a:t>런 다음</a:t>
+            </a:r>
+            <a:r>
+              <a:rPr lang="ko-KR" sz="1800">
+                <a:latin typeface="맑은 고딕" charset="0"/>
+                <a:ea typeface="맑은 고딕" charset="0"/>
+              </a:rPr>
+              <a:t> Project 폴더</a:t>
+            </a:r>
+            <a:r>
+              <a:rPr lang="ko-KR" sz="1800">
+                <a:latin typeface="맑은 고딕" charset="0"/>
+                <a:ea typeface="맑은 고딕" charset="0"/>
+              </a:rPr>
+              <a:t> 아래에 있는</a:t>
+            </a:r>
+            <a:r>
+              <a:rPr lang="ko-KR" sz="1800">
+                <a:latin typeface="맑은 고딕" charset="0"/>
+                <a:ea typeface="맑은 고딕" charset="0"/>
+              </a:rPr>
+              <a:t> Texture</a:t>
+            </a:r>
+            <a:r>
+              <a:rPr lang="ko-KR" sz="1800">
+                <a:latin typeface="맑은 고딕" charset="0"/>
+                <a:ea typeface="맑은 고딕" charset="0"/>
+              </a:rPr>
+              <a:t> 폴더</a:t>
+            </a:r>
+            <a:r>
+              <a:rPr lang="ko-KR" sz="1800">
+                <a:latin typeface="맑은 고딕" charset="0"/>
+                <a:ea typeface="맑은 고딕" charset="0"/>
+              </a:rPr>
+              <a:t>에 Wood 텍스처를 선택하고 Floor 오브젝트에 넣어줍니다.</a:t>
             </a:r>
             <a:endParaRPr lang="ko-KR" altLang="en-US" sz="1800">
               <a:latin typeface="맑은 고딕" charset="0"/>
@@ -9992,6 +10628,245 @@
           </a:p>
         </p:txBody>
       </p:sp>
+      <p:sp>
+        <p:nvSpPr>
+          <p:cNvPr id="1205" name="텍스트 상자 10"/>
+          <p:cNvSpPr txBox="1">
+            <a:spLocks/>
+          </p:cNvSpPr>
+          <p:nvPr/>
+        </p:nvSpPr>
+        <p:spPr>
+          <a:xfrm rot="0">
+            <a:off x="1247140" y="5501005"/>
+            <a:ext cx="4122420" cy="647065"/>
+          </a:xfrm>
+          <a:prstGeom prst="rect"/>
+          <a:noFill/>
+          <a:ln w="0">
+            <a:noFill/>
+            <a:prstDash/>
+          </a:ln>
+        </p:spPr>
+        <p:txBody>
+          <a:bodyPr wrap="square" lIns="89535" tIns="46355" rIns="89535" bIns="46355" numCol="1" vert="horz" anchor="t">
+            <a:spAutoFit/>
+          </a:bodyPr>
+          <a:lstStyle/>
+          <a:p>
+            <a:pPr marL="0" indent="0" rtl="0" algn="l" defTabSz="914400" eaLnBrk="1" latinLnBrk="0" hangingPunct="1">
+              <a:buFontTx/>
+              <a:buNone/>
+            </a:pPr>
+            <a:r>
+              <a:rPr lang="ko-KR" sz="1800" b="1">
+                <a:solidFill>
+                  <a:srgbClr val="0611F2"/>
+                </a:solidFill>
+                <a:latin typeface="맑은 고딕" charset="0"/>
+                <a:ea typeface="맑은 고딕" charset="0"/>
+              </a:rPr>
+              <a:t>7</a:t>
+            </a:r>
+            <a:r>
+              <a:rPr sz="1800" b="1">
+                <a:solidFill>
+                  <a:srgbClr val="0611F2"/>
+                </a:solidFill>
+                <a:latin typeface="맑은 고딕" charset="0"/>
+                <a:ea typeface="맑은 고딕" charset="0"/>
+              </a:rPr>
+              <a:t>.</a:t>
+            </a:r>
+            <a:r>
+              <a:rPr sz="1800">
+                <a:latin typeface="맑은 고딕" charset="0"/>
+                <a:ea typeface="맑은 고딕" charset="0"/>
+              </a:rPr>
+              <a:t> </a:t>
+            </a:r>
+            <a:r>
+              <a:rPr sz="1800">
+                <a:latin typeface="맑은 고딕" charset="0"/>
+                <a:ea typeface="맑은 고딕" charset="0"/>
+              </a:rPr>
+              <a:t>그리</a:t>
+            </a:r>
+            <a:r>
+              <a:rPr lang="ko-KR" sz="1800">
+                <a:latin typeface="맑은 고딕" charset="0"/>
+                <a:ea typeface="맑은 고딕" charset="0"/>
+              </a:rPr>
+              <a:t>고</a:t>
+            </a:r>
+            <a:r>
+              <a:rPr lang="ko-KR" sz="1800">
+                <a:latin typeface="맑은 고딕" charset="0"/>
+                <a:ea typeface="맑은 고딕" charset="0"/>
+              </a:rPr>
+              <a:t> Floor 오브젝트</a:t>
+            </a:r>
+            <a:r>
+              <a:rPr lang="ko-KR" sz="1800">
+                <a:latin typeface="맑은 고딕" charset="0"/>
+                <a:ea typeface="맑은 고딕" charset="0"/>
+              </a:rPr>
+              <a:t>의 위치와 회전 값을 초기화합니다.</a:t>
+            </a:r>
+            <a:endParaRPr lang="ko-KR" altLang="en-US" sz="1800">
+              <a:latin typeface="맑은 고딕" charset="0"/>
+              <a:ea typeface="맑은 고딕" charset="0"/>
+            </a:endParaRPr>
+          </a:p>
+        </p:txBody>
+      </p:sp>
+      <p:pic>
+        <p:nvPicPr>
+          <p:cNvPr id="1207" name="그림 12" descr="C:/Users/Admin1/AppData/Roaming/PolarisOffice/ETemp/7504_22066552/fImage122752908467.png"/>
+          <p:cNvPicPr>
+            <a:picLocks noChangeAspect="1"/>
+          </p:cNvPicPr>
+          <p:nvPr/>
+        </p:nvPicPr>
+        <p:blipFill rotWithShape="1">
+          <a:blip r:embed="rId5" cstate="hqprint">
+            <a:extLst>
+              <a:ext uri="{28A0092B-C50C-407E-A947-70E740481C1C}">
+                <a14:useLocalDpi xmlns:a14="http://schemas.microsoft.com/office/drawing/2010/main"/>
+              </a:ext>
+            </a:extLst>
+          </a:blip>
+          <a:stretch>
+            <a:fillRect/>
+          </a:stretch>
+        </p:blipFill>
+        <p:spPr>
+          <a:xfrm rot="0">
+            <a:off x="6806565" y="1437640"/>
+            <a:ext cx="4147820" cy="1455420"/>
+          </a:xfrm>
+          <a:prstGeom prst="roundRect"/>
+          <a:solidFill>
+            <a:srgbClr val="EDEDED"/>
+          </a:solidFill>
+        </p:spPr>
+      </p:pic>
+      <p:sp>
+        <p:nvSpPr>
+          <p:cNvPr id="1208" name="텍스트 상자 15"/>
+          <p:cNvSpPr txBox="1">
+            <a:spLocks/>
+          </p:cNvSpPr>
+          <p:nvPr/>
+        </p:nvSpPr>
+        <p:spPr>
+          <a:xfrm rot="0">
+            <a:off x="6806565" y="3042920"/>
+            <a:ext cx="4139565" cy="647065"/>
+          </a:xfrm>
+          <a:prstGeom prst="rect"/>
+          <a:noFill/>
+          <a:ln w="0">
+            <a:noFill/>
+            <a:prstDash/>
+          </a:ln>
+        </p:spPr>
+        <p:txBody>
+          <a:bodyPr wrap="square" lIns="89535" tIns="46355" rIns="89535" bIns="46355" numCol="1" vert="horz" anchor="t">
+            <a:spAutoFit/>
+          </a:bodyPr>
+          <a:lstStyle/>
+          <a:p>
+            <a:pPr marL="0" indent="0" rtl="0" algn="l" defTabSz="914400" eaLnBrk="1" latinLnBrk="0" hangingPunct="1">
+              <a:buFontTx/>
+              <a:buNone/>
+            </a:pPr>
+            <a:r>
+              <a:rPr lang="ko-KR" sz="1800" b="1">
+                <a:solidFill>
+                  <a:srgbClr val="0611F2"/>
+                </a:solidFill>
+                <a:latin typeface="맑은 고딕" charset="0"/>
+                <a:ea typeface="맑은 고딕" charset="0"/>
+              </a:rPr>
+              <a:t>8</a:t>
+            </a:r>
+            <a:r>
+              <a:rPr sz="1800" b="1">
+                <a:solidFill>
+                  <a:srgbClr val="0611F2"/>
+                </a:solidFill>
+                <a:latin typeface="맑은 고딕" charset="0"/>
+                <a:ea typeface="맑은 고딕" charset="0"/>
+              </a:rPr>
+              <a:t>.</a:t>
+            </a:r>
+            <a:r>
+              <a:rPr sz="1800">
+                <a:latin typeface="맑은 고딕" charset="0"/>
+                <a:ea typeface="맑은 고딕" charset="0"/>
+              </a:rPr>
+              <a:t> </a:t>
+            </a:r>
+            <a:r>
+              <a:rPr lang="ko-KR" sz="1800">
+                <a:latin typeface="맑은 고딕" charset="0"/>
+                <a:ea typeface="맑은 고딕" charset="0"/>
+              </a:rPr>
+              <a:t>그</a:t>
+            </a:r>
+            <a:r>
+              <a:rPr lang="ko-KR" sz="1800">
+                <a:latin typeface="맑은 고딕" charset="0"/>
+                <a:ea typeface="맑은 고딕" charset="0"/>
+              </a:rPr>
+              <a:t>러고 나서</a:t>
+            </a:r>
+            <a:r>
+              <a:rPr lang="ko-KR" sz="1800">
+                <a:latin typeface="맑은 고딕" charset="0"/>
+                <a:ea typeface="맑은 고딕" charset="0"/>
+              </a:rPr>
+              <a:t> Character 오브젝트의 위치를 설정합니다.</a:t>
+            </a:r>
+            <a:endParaRPr lang="ko-KR" altLang="en-US" sz="1800">
+              <a:latin typeface="맑은 고딕" charset="0"/>
+              <a:ea typeface="맑은 고딕" charset="0"/>
+            </a:endParaRPr>
+          </a:p>
+        </p:txBody>
+      </p:sp>
+      <p:pic>
+        <p:nvPicPr>
+          <p:cNvPr id="1211" name="그림 11" descr="C:/Users/Admin1/AppData/Roaming/PolarisOffice/ETemp/7504_22066552/fImage481428641.png"/>
+          <p:cNvPicPr>
+            <a:picLocks noChangeAspect="1"/>
+          </p:cNvPicPr>
+          <p:nvPr/>
+        </p:nvPicPr>
+        <p:blipFill rotWithShape="1">
+          <a:blip r:embed="rId8" cstate="hqprint">
+            <a:extLst>
+              <a:ext uri="{28A0092B-C50C-407E-A947-70E740481C1C}">
+                <a14:useLocalDpi xmlns:a14="http://schemas.microsoft.com/office/drawing/2010/main"/>
+              </a:ext>
+            </a:extLst>
+          </a:blip>
+          <a:stretch>
+            <a:fillRect/>
+          </a:stretch>
+        </p:blipFill>
+        <p:spPr>
+          <a:xfrm rot="0">
+            <a:off x="1257935" y="1445895"/>
+            <a:ext cx="1271270" cy="1143635"/>
+          </a:xfrm>
+          <a:prstGeom prst="roundRect"/>
+          <a:solidFill>
+            <a:srgbClr val="EDEDED"/>
+          </a:solidFill>
+        </p:spPr>
+      </p:pic>
       <p:cxnSp>
         <p:nvCxnSpPr>
           <p:cNvPr id="1204" name="도형 9"/>
@@ -10000,13 +10875,12 @@
         </p:nvCxnSpPr>
         <p:spPr>
           <a:xfrm rot="0" flipH="1">
-            <a:off x="2057400" y="1952625"/>
-            <a:ext cx="1610360" cy="267335"/>
+            <a:off x="1913890" y="2078355"/>
+            <a:ext cx="1602740" cy="372745"/>
           </a:xfrm>
           <a:prstGeom prst="straightConnector1"/>
           <a:ln w="6350" cap="flat" cmpd="sng">
             <a:prstDash/>
-            <a:headEnd type="none" w="med" len="med"/>
             <a:tailEnd type="triangle" w="med" len="med"/>
           </a:ln>
         </p:spPr>
@@ -10025,87 +10899,139 @@
           </a:fontRef>
         </p:style>
       </p:cxnSp>
-      <p:sp>
-        <p:nvSpPr>
-          <p:cNvPr id="1205" name="텍스트 상자 10"/>
-          <p:cNvSpPr txBox="1">
-            <a:spLocks/>
-          </p:cNvSpPr>
-          <p:nvPr/>
-        </p:nvSpPr>
-        <p:spPr>
-          <a:xfrm rot="0">
-            <a:off x="1390650" y="5233035"/>
-            <a:ext cx="3975100" cy="924560"/>
-          </a:xfrm>
-          <a:prstGeom prst="rect"/>
-          <a:noFill/>
-          <a:ln w="0">
-            <a:noFill/>
-            <a:prstDash/>
-          </a:ln>
-        </p:spPr>
-        <p:txBody>
-          <a:bodyPr wrap="square" lIns="89535" tIns="46355" rIns="89535" bIns="46355" numCol="1" vert="horz" anchor="t">
-            <a:spAutoFit/>
-          </a:bodyPr>
-          <a:lstStyle/>
-          <a:p>
-            <a:pPr marL="0" indent="0" rtl="0" algn="l" defTabSz="914400" eaLnBrk="1" latinLnBrk="0" hangingPunct="1">
-              <a:buFontTx/>
-              <a:buNone/>
-            </a:pPr>
-            <a:r>
-              <a:rPr lang="ko-KR" sz="1800" b="1">
-                <a:solidFill>
-                  <a:srgbClr val="0611F2"/>
-                </a:solidFill>
-                <a:latin typeface="맑은 고딕" charset="0"/>
-                <a:ea typeface="맑은 고딕" charset="0"/>
-              </a:rPr>
-              <a:t>9</a:t>
-            </a:r>
-            <a:r>
-              <a:rPr sz="1800" b="1">
-                <a:solidFill>
-                  <a:srgbClr val="0611F2"/>
-                </a:solidFill>
-                <a:latin typeface="맑은 고딕" charset="0"/>
-                <a:ea typeface="맑은 고딕" charset="0"/>
-              </a:rPr>
-              <a:t>.</a:t>
-            </a:r>
-            <a:r>
-              <a:rPr sz="1800">
-                <a:latin typeface="맑은 고딕" charset="0"/>
-                <a:ea typeface="맑은 고딕" charset="0"/>
-              </a:rPr>
-              <a:t> 그</a:t>
-            </a:r>
-            <a:r>
-              <a:rPr lang="ko-KR" sz="1800">
-                <a:latin typeface="맑은 고딕" charset="0"/>
-                <a:ea typeface="맑은 고딕" charset="0"/>
-              </a:rPr>
-              <a:t>런 다음 Floor 오브젝트를 선택한 다음 Navigation Static을 선택합니다.</a:t>
-            </a:r>
-            <a:endParaRPr lang="ko-KR" altLang="en-US" sz="1800">
-              <a:latin typeface="맑은 고딕" charset="0"/>
-              <a:ea typeface="맑은 고딕" charset="0"/>
-            </a:endParaRPr>
-          </a:p>
-        </p:txBody>
-      </p:sp>
       <p:pic>
         <p:nvPicPr>
-          <p:cNvPr id="1206" name="그림 11" descr="C:/Users/Admin1/AppData/Roaming/PolarisOffice/ETemp/20556_22124416/fImage70502106962.png"/>
+          <p:cNvPr id="1212" name="그림 12" descr="C:/Users/Admin1/AppData/Roaming/PolarisOffice/ETemp/7504_22066552/fImage111143046500.png"/>
           <p:cNvPicPr>
             <a:picLocks noChangeAspect="1"/>
           </p:cNvPicPr>
           <p:nvPr/>
         </p:nvPicPr>
         <p:blipFill rotWithShape="1">
-          <a:blip r:embed="rId4" cstate="hqprint">
+          <a:blip r:embed="rId9" cstate="print">
+            <a:extLst>
+              <a:ext uri="{28A0092B-C50C-407E-A947-70E740481C1C}">
+                <a14:useLocalDpi xmlns:a14="http://schemas.microsoft.com/office/drawing/2010/main" val="0"/>
+              </a:ext>
+            </a:extLst>
+          </a:blip>
+          <a:stretch>
+            <a:fillRect/>
+          </a:stretch>
+        </p:blipFill>
+        <p:spPr>
+          <a:xfrm rot="0">
+            <a:off x="1247140" y="4073525"/>
+            <a:ext cx="4122420" cy="1321435"/>
+          </a:xfrm>
+          <a:prstGeom prst="roundRect"/>
+          <a:solidFill>
+            <a:srgbClr val="EDEDED"/>
+          </a:solidFill>
+        </p:spPr>
+      </p:pic>
+      <p:sp>
+        <p:nvSpPr>
+          <p:cNvPr id="1213" name="텍스트 상자 18"/>
+          <p:cNvSpPr txBox="1">
+            <a:spLocks/>
+          </p:cNvSpPr>
+          <p:nvPr/>
+        </p:nvSpPr>
+        <p:spPr>
+          <a:xfrm rot="0">
+            <a:off x="6804025" y="5500370"/>
+            <a:ext cx="4150360" cy="647065"/>
+          </a:xfrm>
+          <a:prstGeom prst="rect"/>
+          <a:noFill/>
+          <a:ln w="0">
+            <a:noFill/>
+            <a:prstDash/>
+          </a:ln>
+        </p:spPr>
+        <p:txBody>
+          <a:bodyPr wrap="square" lIns="89535" tIns="46355" rIns="89535" bIns="46355" numCol="1" vert="horz" anchor="t">
+            <a:spAutoFit/>
+          </a:bodyPr>
+          <a:lstStyle/>
+          <a:p>
+            <a:pPr marL="0" indent="0" rtl="0" algn="l" defTabSz="914400" eaLnBrk="1" latinLnBrk="0" hangingPunct="1">
+              <a:buFontTx/>
+              <a:buNone/>
+            </a:pPr>
+            <a:r>
+              <a:rPr lang="ko-KR" sz="1800" b="1">
+                <a:solidFill>
+                  <a:srgbClr val="0611F2"/>
+                </a:solidFill>
+                <a:latin typeface="맑은 고딕" charset="0"/>
+                <a:ea typeface="맑은 고딕" charset="0"/>
+              </a:rPr>
+              <a:t>9</a:t>
+            </a:r>
+            <a:r>
+              <a:rPr sz="1800" b="1">
+                <a:solidFill>
+                  <a:srgbClr val="0611F2"/>
+                </a:solidFill>
+                <a:latin typeface="맑은 고딕" charset="0"/>
+                <a:ea typeface="맑은 고딕" charset="0"/>
+              </a:rPr>
+              <a:t>.</a:t>
+            </a:r>
+            <a:r>
+              <a:rPr sz="1800">
+                <a:latin typeface="맑은 고딕" charset="0"/>
+                <a:ea typeface="맑은 고딕" charset="0"/>
+              </a:rPr>
+              <a:t> </a:t>
+            </a:r>
+            <a:r>
+              <a:rPr lang="ko-KR" sz="1800">
+                <a:latin typeface="맑은 고딕" charset="0"/>
+                <a:ea typeface="맑은 고딕" charset="0"/>
+              </a:rPr>
+              <a:t>그다음</a:t>
+            </a:r>
+            <a:r>
+              <a:rPr lang="ko-KR" sz="1800">
+                <a:latin typeface="맑은 고딕" charset="0"/>
+                <a:ea typeface="맑은 고딕" charset="0"/>
+              </a:rPr>
+              <a:t> Character</a:t>
+            </a:r>
+            <a:r>
+              <a:rPr sz="1800">
+                <a:latin typeface="맑은 고딕" charset="0"/>
+                <a:ea typeface="맑은 고딕" charset="0"/>
+              </a:rPr>
+              <a:t> </a:t>
+            </a:r>
+            <a:r>
+              <a:rPr lang="ko-KR" sz="1800">
+                <a:latin typeface="맑은 고딕" charset="0"/>
+                <a:ea typeface="맑은 고딕" charset="0"/>
+              </a:rPr>
+              <a:t>오브젝트에 Nav Mesh Agent 컴포넌트를 추가합니다.</a:t>
+            </a:r>
+            <a:endParaRPr lang="ko-KR" altLang="en-US" sz="1800">
+              <a:latin typeface="맑은 고딕" charset="0"/>
+              <a:ea typeface="맑은 고딕" charset="0"/>
+            </a:endParaRPr>
+          </a:p>
+        </p:txBody>
+      </p:sp>
+      <p:pic>
+        <p:nvPicPr>
+          <p:cNvPr id="1214" name="그림 19" descr="C:/Users/Admin1/AppData/Roaming/PolarisOffice/ETemp/7504_22066552/fImage53352906962.png"/>
+          <p:cNvPicPr>
+            <a:picLocks noChangeAspect="1"/>
+          </p:cNvPicPr>
+          <p:nvPr/>
+        </p:nvPicPr>
+        <p:blipFill rotWithShape="1">
+          <a:blip r:embed="rId10" cstate="hqprint">
             <a:extLst>
               <a:ext uri="{28A0092B-C50C-407E-A947-70E740481C1C}">
                 <a14:useLocalDpi xmlns:a14="http://schemas.microsoft.com/office/drawing/2010/main"/>
@@ -10118,222 +11044,13 @@
         </p:blipFill>
         <p:spPr>
           <a:xfrm rot="0">
-            <a:off x="1390650" y="3790950"/>
-            <a:ext cx="3963670" cy="1286510"/>
+            <a:off x="6802755" y="3836035"/>
+            <a:ext cx="4160520" cy="1507490"/>
           </a:xfrm>
           <a:prstGeom prst="roundRect"/>
           <a:solidFill>
             <a:srgbClr val="EDEDED"/>
           </a:solidFill>
-        </p:spPr>
-      </p:pic>
-      <p:pic>
-        <p:nvPicPr>
-          <p:cNvPr id="1207" name="그림 12" descr="C:/Users/Admin1/AppData/Roaming/PolarisOffice/ETemp/20556_22124416/fImage122752908467.png"/>
-          <p:cNvPicPr>
-            <a:picLocks noChangeAspect="1"/>
-          </p:cNvPicPr>
-          <p:nvPr/>
-        </p:nvPicPr>
-        <p:blipFill rotWithShape="1">
-          <a:blip r:embed="rId5" cstate="print">
-            <a:extLst>
-              <a:ext uri="{28A0092B-C50C-407E-A947-70E740481C1C}">
-                <a14:useLocalDpi xmlns:a14="http://schemas.microsoft.com/office/drawing/2010/main" val="0"/>
-              </a:ext>
-            </a:extLst>
-          </a:blip>
-          <a:stretch>
-            <a:fillRect/>
-          </a:stretch>
-        </p:blipFill>
-        <p:spPr>
-          <a:xfrm rot="0">
-            <a:off x="6810375" y="1352550"/>
-            <a:ext cx="4067810" cy="1286510"/>
-          </a:xfrm>
-          <a:prstGeom prst="roundRect"/>
-          <a:solidFill>
-            <a:srgbClr val="EDEDED"/>
-          </a:solidFill>
-        </p:spPr>
-      </p:pic>
-      <p:sp>
-        <p:nvSpPr>
-          <p:cNvPr id="1208" name="텍스트 상자 15"/>
-          <p:cNvSpPr txBox="1">
-            <a:spLocks/>
-          </p:cNvSpPr>
-          <p:nvPr/>
-        </p:nvSpPr>
-        <p:spPr>
-          <a:xfrm rot="0">
-            <a:off x="6821805" y="2749550"/>
-            <a:ext cx="4046855" cy="647065"/>
-          </a:xfrm>
-          <a:prstGeom prst="rect"/>
-          <a:noFill/>
-          <a:ln w="0">
-            <a:noFill/>
-            <a:prstDash/>
-          </a:ln>
-        </p:spPr>
-        <p:txBody>
-          <a:bodyPr wrap="square" lIns="89535" tIns="46355" rIns="89535" bIns="46355" numCol="1" vert="horz" anchor="t">
-            <a:spAutoFit/>
-          </a:bodyPr>
-          <a:lstStyle/>
-          <a:p>
-            <a:pPr marL="0" indent="0" rtl="0" algn="l" defTabSz="914400" eaLnBrk="1" latinLnBrk="0" hangingPunct="1">
-              <a:buFontTx/>
-              <a:buNone/>
-            </a:pPr>
-            <a:r>
-              <a:rPr lang="ko-KR" sz="1800" b="1">
-                <a:solidFill>
-                  <a:srgbClr val="0611F2"/>
-                </a:solidFill>
-                <a:latin typeface="맑은 고딕" charset="0"/>
-                <a:ea typeface="맑은 고딕" charset="0"/>
-              </a:rPr>
-              <a:t>10</a:t>
-            </a:r>
-            <a:r>
-              <a:rPr sz="1800" b="1">
-                <a:solidFill>
-                  <a:srgbClr val="0611F2"/>
-                </a:solidFill>
-                <a:latin typeface="맑은 고딕" charset="0"/>
-                <a:ea typeface="맑은 고딕" charset="0"/>
-              </a:rPr>
-              <a:t>.</a:t>
-            </a:r>
-            <a:r>
-              <a:rPr sz="1800">
-                <a:latin typeface="맑은 고딕" charset="0"/>
-                <a:ea typeface="맑은 고딕" charset="0"/>
-              </a:rPr>
-              <a:t> </a:t>
-            </a:r>
-            <a:r>
-              <a:rPr lang="ko-KR" sz="1800">
-                <a:latin typeface="맑은 고딕" charset="0"/>
-                <a:ea typeface="맑은 고딕" charset="0"/>
-              </a:rPr>
-              <a:t>그리고 Character 오브젝트의 위치를 설정합니다.</a:t>
-            </a:r>
-            <a:endParaRPr lang="ko-KR" altLang="en-US" sz="1800">
-              <a:latin typeface="맑은 고딕" charset="0"/>
-              <a:ea typeface="맑은 고딕" charset="0"/>
-            </a:endParaRPr>
-          </a:p>
-        </p:txBody>
-      </p:sp>
-      <p:sp>
-        <p:nvSpPr>
-          <p:cNvPr id="1209" name="텍스트 상자 24"/>
-          <p:cNvSpPr txBox="1">
-            <a:spLocks/>
-          </p:cNvSpPr>
-          <p:nvPr/>
-        </p:nvSpPr>
-        <p:spPr>
-          <a:xfrm rot="0">
-            <a:off x="6797675" y="5229860"/>
-            <a:ext cx="4080510" cy="923925"/>
-          </a:xfrm>
-          <a:prstGeom prst="rect"/>
-          <a:noFill/>
-          <a:ln w="0">
-            <a:noFill/>
-            <a:prstDash/>
-          </a:ln>
-        </p:spPr>
-        <p:txBody>
-          <a:bodyPr wrap="square" lIns="89535" tIns="46355" rIns="89535" bIns="46355" numCol="1" vert="horz" anchor="t">
-            <a:spAutoFit/>
-          </a:bodyPr>
-          <a:lstStyle/>
-          <a:p>
-            <a:pPr marL="0" indent="0" rtl="0" algn="l" defTabSz="914400" eaLnBrk="1" latinLnBrk="0" hangingPunct="1">
-              <a:buFontTx/>
-              <a:buNone/>
-            </a:pPr>
-            <a:r>
-              <a:rPr lang="ko-KR" sz="1800" b="1">
-                <a:solidFill>
-                  <a:srgbClr val="0611F2"/>
-                </a:solidFill>
-                <a:latin typeface="맑은 고딕" charset="0"/>
-                <a:ea typeface="맑은 고딕" charset="0"/>
-              </a:rPr>
-              <a:t>11</a:t>
-            </a:r>
-            <a:r>
-              <a:rPr sz="1800" b="1">
-                <a:solidFill>
-                  <a:srgbClr val="0611F2"/>
-                </a:solidFill>
-                <a:latin typeface="맑은 고딕" charset="0"/>
-                <a:ea typeface="맑은 고딕" charset="0"/>
-              </a:rPr>
-              <a:t>.</a:t>
-            </a:r>
-            <a:r>
-              <a:rPr sz="1800">
-                <a:latin typeface="맑은 고딕" charset="0"/>
-                <a:ea typeface="맑은 고딕" charset="0"/>
-              </a:rPr>
-              <a:t> </a:t>
-            </a:r>
-            <a:r>
-              <a:rPr lang="ko-KR" sz="1800">
-                <a:latin typeface="맑은 고딕" charset="0"/>
-                <a:ea typeface="맑은 고딕" charset="0"/>
-              </a:rPr>
-              <a:t>이제</a:t>
-            </a:r>
-            <a:r>
-              <a:rPr lang="ko-KR" sz="1800">
-                <a:latin typeface="맑은 고딕" charset="0"/>
-                <a:ea typeface="맑은 고딕" charset="0"/>
-              </a:rPr>
-              <a:t> Arrival 스크립트에서 방향 변수를 선언하고 NavMeshAgent 컴포넌트를 가져옵니다.</a:t>
-            </a:r>
-            <a:endParaRPr lang="ko-KR" altLang="en-US" sz="1800">
-              <a:latin typeface="맑은 고딕" charset="0"/>
-              <a:ea typeface="맑은 고딕" charset="0"/>
-            </a:endParaRPr>
-          </a:p>
-        </p:txBody>
-      </p:sp>
-      <p:pic>
-        <p:nvPicPr>
-          <p:cNvPr id="1210" name="그림 25" descr="C:/Users/Admin1/AppData/Roaming/PolarisOffice/ETemp/20556_22124416/fImage47262148145.png"/>
-          <p:cNvPicPr>
-            <a:picLocks noChangeAspect="1"/>
-          </p:cNvPicPr>
-          <p:nvPr/>
-        </p:nvPicPr>
-        <p:blipFill rotWithShape="1">
-          <a:blip r:embed="rId6" cstate="hqprint">
-            <a:extLst>
-              <a:ext uri="{28A0092B-C50C-407E-A947-70E740481C1C}">
-                <a14:useLocalDpi xmlns:a14="http://schemas.microsoft.com/office/drawing/2010/main"/>
-              </a:ext>
-            </a:extLst>
-          </a:blip>
-          <a:stretch>
-            <a:fillRect/>
-          </a:stretch>
-        </p:blipFill>
-        <p:spPr>
-          <a:xfrm rot="0">
-            <a:off x="6810375" y="3543300"/>
-            <a:ext cx="4067810" cy="1562735"/>
-          </a:xfrm>
-          <a:prstGeom prst="rect"/>
-          <a:noFill/>
         </p:spPr>
       </p:pic>
     </p:spTree>
@@ -10360,7 +11077,7 @@
 </file>
 
 <file path=ppt/slides/slide4.xml><?xml version="1.0" encoding="utf-8"?>
-<p:sld xmlns:a="http://schemas.openxmlformats.org/drawingml/2006/main" xmlns:r="http://schemas.openxmlformats.org/officeDocument/2006/relationships" xmlns:p="http://schemas.openxmlformats.org/presentationml/2006/main" xmlns:p14="http://schemas.microsoft.com/office/powerpoint/2010/main">
+<p:sld xmlns:a="http://schemas.openxmlformats.org/drawingml/2006/main" xmlns:r="http://schemas.openxmlformats.org/officeDocument/2006/relationships" xmlns:p="http://schemas.openxmlformats.org/presentationml/2006/main">
   <p:cSld>
     <p:spTree>
       <p:nvGrpSpPr>
@@ -10386,8 +11103,8 @@
         </p:nvSpPr>
         <p:spPr>
           <a:xfrm rot="0">
-            <a:off x="4943475" y="346075"/>
-            <a:ext cx="2448560" cy="478155"/>
+            <a:off x="4580890" y="328930"/>
+            <a:ext cx="3031490" cy="478155"/>
           </a:xfrm>
           <a:prstGeom prst="rect"/>
           <a:noFill/>
@@ -10402,7 +11119,7 @@
           </a:bodyPr>
           <a:lstStyle/>
           <a:p>
-            <a:pPr marL="0" indent="0" algn="l" latinLnBrk="0">
+            <a:pPr marL="0" indent="0" algn="ctr" latinLnBrk="0">
               <a:buFontTx/>
               <a:buNone/>
             </a:pPr>
@@ -10438,7 +11155,7 @@
       </p:sp>
       <p:sp>
         <p:nvSpPr>
-          <p:cNvPr id="1181" name="Rect 0"/>
+          <p:cNvPr id="1205" name="Rect 0"/>
           <p:cNvSpPr txBox="1">
             <a:spLocks/>
           </p:cNvSpPr>
@@ -10446,8 +11163,8 @@
         </p:nvSpPr>
         <p:spPr>
           <a:xfrm rot="0">
-            <a:off x="6826250" y="2972435"/>
-            <a:ext cx="4081145" cy="647065"/>
+            <a:off x="1247140" y="5501005"/>
+            <a:ext cx="4131310" cy="647065"/>
           </a:xfrm>
           <a:prstGeom prst="rect"/>
           <a:noFill/>
@@ -10474,17 +11191,7 @@
                 <a:latin typeface="맑은 고딕" charset="0"/>
                 <a:ea typeface="맑은 고딕" charset="0"/>
               </a:rPr>
-              <a:t>1</a:t>
-            </a:r>
-            <a:r>
-              <a:rPr lang="ko-KR" sz="1800" b="1">
-                <a:solidFill>
-                  <a:srgbClr val="0611F2"/>
-                </a:solidFill>
-                <a:latin typeface="맑은 고딕" charset="0"/>
-                <a:ea typeface="맑은 고딕" charset="0"/>
-              </a:rPr>
-              <a:t>3</a:t>
+              <a:t>10</a:t>
             </a:r>
             <a:r>
               <a:rPr sz="1800" b="1">
@@ -10508,14 +11215,21 @@
                 <a:latin typeface="맑은 고딕" charset="0"/>
                 <a:ea typeface="맑은 고딕" charset="0"/>
               </a:rPr>
-              <a:t>그리고 Arrival </a:t>
+              <a:t>이제</a:t>
             </a:r>
             <a:r>
               <a:rPr lang="ko-KR" sz="1800">
                 <a:latin typeface="맑은 고딕" charset="0"/>
                 <a:ea typeface="맑은 고딕" charset="0"/>
               </a:rPr>
-              <a:t>Point 오브젝트의 위치를 설정합니다.</a:t>
+              <a:t> </a:t>
+            </a:r>
+            <a:r>
+              <a:rPr sz="1800">
+                <a:latin typeface="맑은 고딕" charset="0"/>
+                <a:ea typeface="맑은 고딕" charset="0"/>
+              </a:rPr>
+              <a:t>Floor 오브젝트를 선택하고 Navigation Static을 설정합니다.</a:t>
             </a:r>
             <a:endParaRPr lang="ko-KR" altLang="en-US" sz="1800">
               <a:latin typeface="맑은 고딕" charset="0"/>
@@ -10526,14 +11240,14 @@
       </p:sp>
       <p:pic>
         <p:nvPicPr>
-          <p:cNvPr id="1193" name="그림 41" descr="C:/Users/Admin1/AppData/Roaming/PolarisOffice/ETemp/20556_22124416/fImage85062125705.png"/>
+          <p:cNvPr id="1206" name="Picture " descr="C:/Users/Admin1/AppData/Roaming/PolarisOffice/ETemp/7504_22066552/fImage70502106962.png"/>
           <p:cNvPicPr>
             <a:picLocks noChangeAspect="1"/>
           </p:cNvPicPr>
           <p:nvPr/>
         </p:nvPicPr>
         <p:blipFill rotWithShape="1">
-          <a:blip r:embed="rId11" cstate="hqprint">
+          <a:blip r:embed="rId2" cstate="hqprint">
             <a:extLst>
               <a:ext uri="{28A0092B-C50C-407E-A947-70E740481C1C}">
                 <a14:useLocalDpi xmlns:a14="http://schemas.microsoft.com/office/drawing/2010/main"/>
@@ -10546,8 +11260,8 @@
         </p:blipFill>
         <p:spPr>
           <a:xfrm rot="0">
-            <a:off x="1414145" y="1381125"/>
-            <a:ext cx="2406015" cy="3668395"/>
+            <a:off x="1247140" y="1445895"/>
+            <a:ext cx="4131310" cy="1022985"/>
           </a:xfrm>
           <a:prstGeom prst="roundRect"/>
           <a:solidFill>
@@ -10557,7 +11271,7 @@
       </p:pic>
       <p:sp>
         <p:nvSpPr>
-          <p:cNvPr id="1194" name="텍스트 상자 44"/>
+          <p:cNvPr id="1209" name="Rect 0"/>
           <p:cNvSpPr txBox="1">
             <a:spLocks/>
           </p:cNvSpPr>
@@ -10565,8 +11279,8 @@
         </p:nvSpPr>
         <p:spPr>
           <a:xfrm rot="0">
-            <a:off x="1405255" y="5200015"/>
-            <a:ext cx="3957955" cy="923925"/>
+            <a:off x="6814820" y="3048000"/>
+            <a:ext cx="4131310" cy="923925"/>
           </a:xfrm>
           <a:prstGeom prst="rect"/>
           <a:noFill/>
@@ -10593,17 +11307,7 @@
                 <a:latin typeface="맑은 고딕" charset="0"/>
                 <a:ea typeface="맑은 고딕" charset="0"/>
               </a:rPr>
-              <a:t>1</a:t>
-            </a:r>
-            <a:r>
-              <a:rPr lang="ko-KR" sz="1800" b="1">
-                <a:solidFill>
-                  <a:srgbClr val="0611F2"/>
-                </a:solidFill>
-                <a:latin typeface="맑은 고딕" charset="0"/>
-                <a:ea typeface="맑은 고딕" charset="0"/>
-              </a:rPr>
-              <a:t>2</a:t>
+              <a:t>11</a:t>
             </a:r>
             <a:r>
               <a:rPr sz="1800" b="1">
@@ -10627,14 +11331,63 @@
                 <a:latin typeface="맑은 고딕" charset="0"/>
                 <a:ea typeface="맑은 고딕" charset="0"/>
               </a:rPr>
-              <a:t>마지막으로</a:t>
+              <a:t>그런 다음</a:t>
             </a:r>
             <a:r>
               <a:rPr lang="ko-KR" sz="1800">
                 <a:latin typeface="맑은 고딕" charset="0"/>
                 <a:ea typeface="맑은 고딕" charset="0"/>
               </a:rPr>
-              <a:t> 빈 게임 오브젝트를 생성한 다음 Arrive Point로 이름을 정의합니다.</a:t>
+              <a:t> Arrival 스크립트에서 </a:t>
+            </a:r>
+            <a:r>
+              <a:rPr lang="ko-KR" sz="1800">
+                <a:latin typeface="맑은 고딕" charset="0"/>
+                <a:ea typeface="맑은 고딕" charset="0"/>
+              </a:rPr>
+              <a:t>Trasnform</a:t>
+            </a:r>
+            <a:r>
+              <a:rPr lang="ko-KR" sz="1800">
+                <a:latin typeface="맑은 고딕" charset="0"/>
+                <a:ea typeface="맑은 고딕" charset="0"/>
+              </a:rPr>
+              <a:t> 변수</a:t>
+            </a:r>
+            <a:r>
+              <a:rPr lang="ko-KR" sz="1800">
+                <a:latin typeface="맑은 고딕" charset="0"/>
+                <a:ea typeface="맑은 고딕" charset="0"/>
+              </a:rPr>
+              <a:t>와 </a:t>
+            </a:r>
+            <a:r>
+              <a:rPr lang="ko-KR" sz="1800">
+                <a:latin typeface="맑은 고딕" charset="0"/>
+                <a:ea typeface="맑은 고딕" charset="0"/>
+              </a:rPr>
+              <a:t>NavMeshAgent </a:t>
+            </a:r>
+            <a:r>
+              <a:rPr lang="ko-KR" sz="1800">
+                <a:latin typeface="맑은 고딕" charset="0"/>
+                <a:ea typeface="맑은 고딕" charset="0"/>
+              </a:rPr>
+              <a:t>변수를 </a:t>
+            </a:r>
+            <a:r>
+              <a:rPr lang="ko-KR" sz="1800">
+                <a:latin typeface="맑은 고딕" charset="0"/>
+                <a:ea typeface="맑은 고딕" charset="0"/>
+              </a:rPr>
+              <a:t>선언</a:t>
+            </a:r>
+            <a:r>
+              <a:rPr lang="ko-KR" sz="1800">
+                <a:latin typeface="맑은 고딕" charset="0"/>
+                <a:ea typeface="맑은 고딕" charset="0"/>
+              </a:rPr>
+              <a:t>합니다.</a:t>
             </a:r>
             <a:endParaRPr lang="ko-KR" altLang="en-US" sz="1800">
               <a:latin typeface="맑은 고딕" charset="0"/>
@@ -10645,14 +11398,14 @@
       </p:sp>
       <p:pic>
         <p:nvPicPr>
-          <p:cNvPr id="1196" name="그림 48" descr="C:/Users/Admin1/AppData/Roaming/PolarisOffice/ETemp/20556_22124416/fImage20042153281.png"/>
+          <p:cNvPr id="1210" name="그림 23" descr="C:/Users/Admin1/AppData/Roaming/PolarisOffice/ETemp/7504_22066552/fImage68753279169.png"/>
           <p:cNvPicPr>
             <a:picLocks noChangeAspect="1"/>
           </p:cNvPicPr>
           <p:nvPr/>
         </p:nvPicPr>
         <p:blipFill rotWithShape="1">
-          <a:blip r:embed="rId13" cstate="hqprint">
+          <a:blip r:embed="rId3" cstate="hqprint">
             <a:extLst>
               <a:ext uri="{28A0092B-C50C-407E-A947-70E740481C1C}">
                 <a14:useLocalDpi xmlns:a14="http://schemas.microsoft.com/office/drawing/2010/main"/>
@@ -10665,8 +11418,8 @@
         </p:blipFill>
         <p:spPr>
           <a:xfrm rot="0">
-            <a:off x="6829425" y="3810000"/>
-            <a:ext cx="4068445" cy="1515745"/>
+            <a:off x="1247140" y="2623820"/>
+            <a:ext cx="4131310" cy="2745105"/>
           </a:xfrm>
           <a:prstGeom prst="roundRect"/>
           <a:solidFill>
@@ -10674,97 +11427,128 @@
           </a:solidFill>
         </p:spPr>
       </p:pic>
-      <p:sp>
-        <p:nvSpPr>
-          <p:cNvPr id="1197" name="텍스트 상자 51"/>
-          <p:cNvSpPr txBox="1">
-            <a:spLocks/>
-          </p:cNvSpPr>
-          <p:nvPr/>
-        </p:nvSpPr>
-        <p:spPr>
-          <a:xfrm>
-            <a:off x="6831330" y="5473065"/>
-            <a:ext cx="4081145" cy="647065"/>
-          </a:xfrm>
-          <a:prstGeom prst="rect"/>
-          <a:noFill/>
-          <a:ln w="0">
-            <a:noFill/>
-            <a:prstDash/>
-          </a:ln>
-        </p:spPr>
-        <p:txBody>
-          <a:bodyPr wrap="square" lIns="89535" tIns="46355" rIns="89535" bIns="46355" numCol="1" vert="horz" anchor="t">
-            <a:spAutoFit/>
-          </a:bodyPr>
-          <a:lstStyle/>
-          <a:p>
-            <a:pPr marL="0" indent="0" rtl="0" algn="l" defTabSz="914400" eaLnBrk="1" latinLnBrk="0" hangingPunct="1">
-              <a:buFontTx/>
-              <a:buNone/>
-            </a:pPr>
-            <a:r>
-              <a:rPr lang="ko-KR" sz="1800" b="1">
-                <a:solidFill>
-                  <a:srgbClr val="0611F2"/>
-                </a:solidFill>
-                <a:latin typeface="맑은 고딕" charset="0"/>
-                <a:ea typeface="맑은 고딕" charset="0"/>
-              </a:rPr>
-              <a:t>1</a:t>
-            </a:r>
-            <a:r>
-              <a:rPr lang="ko-KR" sz="1800" b="1">
-                <a:solidFill>
-                  <a:srgbClr val="0611F2"/>
-                </a:solidFill>
-                <a:latin typeface="맑은 고딕" charset="0"/>
-                <a:ea typeface="맑은 고딕" charset="0"/>
-              </a:rPr>
-              <a:t>4</a:t>
-            </a:r>
-            <a:r>
-              <a:rPr sz="1800" b="1">
-                <a:solidFill>
-                  <a:srgbClr val="0611F2"/>
-                </a:solidFill>
-                <a:latin typeface="맑은 고딕" charset="0"/>
-                <a:ea typeface="맑은 고딕" charset="0"/>
-              </a:rPr>
-              <a:t>.</a:t>
-            </a:r>
-            <a:r>
-              <a:rPr sz="1800">
-                <a:latin typeface="맑은 고딕" charset="0"/>
-                <a:ea typeface="맑은 고딕" charset="0"/>
-              </a:rPr>
-              <a:t> </a:t>
-            </a:r>
-            <a:r>
-              <a:rPr lang="ko-KR" sz="1800">
-                <a:latin typeface="맑은 고딕" charset="0"/>
-                <a:ea typeface="맑은 고딕" charset="0"/>
-              </a:rPr>
-              <a:t>그다음으로 Update( ) 함수에서 방향 변수를 도착 지점을 설정합니다.</a:t>
-            </a:r>
-            <a:endParaRPr lang="ko-KR" altLang="en-US" sz="1800">
-              <a:latin typeface="맑은 고딕" charset="0"/>
-              <a:ea typeface="맑은 고딕" charset="0"/>
-            </a:endParaRPr>
-          </a:p>
-        </p:txBody>
-      </p:sp>
       <p:pic>
         <p:nvPicPr>
-          <p:cNvPr id="1198" name="그림 21" descr="C:/Users/Admin1/AppData/Roaming/PolarisOffice/ETemp/20556_22124416/fImage54192976334.png"/>
+          <p:cNvPr id="1211" name="그림 24" descr="C:/Users/Admin1/AppData/Roaming/PolarisOffice/ETemp/7504_22066552/fImage20042153281.png"/>
           <p:cNvPicPr>
             <a:picLocks noChangeAspect="1"/>
           </p:cNvPicPr>
           <p:nvPr/>
         </p:nvPicPr>
         <p:blipFill rotWithShape="1">
-          <a:blip r:embed="rId14" cstate="print">
+          <a:blip r:embed="rId4" cstate="hqprint">
+            <a:extLst>
+              <a:ext uri="{28A0092B-C50C-407E-A947-70E740481C1C}">
+                <a14:useLocalDpi xmlns:a14="http://schemas.microsoft.com/office/drawing/2010/main"/>
+              </a:ext>
+            </a:extLst>
+          </a:blip>
+          <a:stretch>
+            <a:fillRect/>
+          </a:stretch>
+        </p:blipFill>
+        <p:spPr>
+          <a:xfrm rot="0">
+            <a:off x="6814820" y="4104005"/>
+            <a:ext cx="4131310" cy="1264920"/>
+          </a:xfrm>
+          <a:prstGeom prst="roundRect"/>
+          <a:solidFill>
+            <a:srgbClr val="EDEDED"/>
+          </a:solidFill>
+        </p:spPr>
+      </p:pic>
+      <p:sp>
+        <p:nvSpPr>
+          <p:cNvPr id="1212" name="텍스트 상자 25"/>
+          <p:cNvSpPr txBox="1">
+            <a:spLocks/>
+          </p:cNvSpPr>
+          <p:nvPr/>
+        </p:nvSpPr>
+        <p:spPr>
+          <a:xfrm rot="0">
+            <a:off x="6814820" y="5499100"/>
+            <a:ext cx="4148455" cy="647065"/>
+          </a:xfrm>
+          <a:prstGeom prst="rect"/>
+          <a:noFill/>
+          <a:ln w="0">
+            <a:noFill/>
+            <a:prstDash/>
+          </a:ln>
+        </p:spPr>
+        <p:txBody>
+          <a:bodyPr wrap="square" lIns="89535" tIns="46355" rIns="89535" bIns="46355" numCol="1" vert="horz" anchor="t">
+            <a:spAutoFit/>
+          </a:bodyPr>
+          <a:lstStyle/>
+          <a:p>
+            <a:pPr marL="0" indent="0" rtl="0" algn="l" defTabSz="914400" eaLnBrk="1" latinLnBrk="0" hangingPunct="1">
+              <a:buFontTx/>
+              <a:buNone/>
+            </a:pPr>
+            <a:r>
+              <a:rPr lang="ko-KR" sz="1800" b="1">
+                <a:solidFill>
+                  <a:srgbClr val="0611F2"/>
+                </a:solidFill>
+                <a:latin typeface="맑은 고딕" charset="0"/>
+                <a:ea typeface="맑은 고딕" charset="0"/>
+              </a:rPr>
+              <a:t>1</a:t>
+            </a:r>
+            <a:r>
+              <a:rPr lang="ko-KR" sz="1800" b="1">
+                <a:solidFill>
+                  <a:srgbClr val="0611F2"/>
+                </a:solidFill>
+                <a:latin typeface="맑은 고딕" charset="0"/>
+                <a:ea typeface="맑은 고딕" charset="0"/>
+              </a:rPr>
+              <a:t>2</a:t>
+            </a:r>
+            <a:r>
+              <a:rPr sz="1800" b="1">
+                <a:solidFill>
+                  <a:srgbClr val="0611F2"/>
+                </a:solidFill>
+                <a:latin typeface="맑은 고딕" charset="0"/>
+                <a:ea typeface="맑은 고딕" charset="0"/>
+              </a:rPr>
+              <a:t>.</a:t>
+            </a:r>
+            <a:r>
+              <a:rPr sz="1800">
+                <a:latin typeface="맑은 고딕" charset="0"/>
+                <a:ea typeface="맑은 고딕" charset="0"/>
+              </a:rPr>
+              <a:t> </a:t>
+            </a:r>
+            <a:r>
+              <a:rPr lang="ko-KR" sz="1800">
+                <a:latin typeface="맑은 고딕" charset="0"/>
+                <a:ea typeface="맑은 고딕" charset="0"/>
+              </a:rPr>
+              <a:t>그다음으로 Update( ) 함수에서 방향 변수를 도착 지점을 설정합니다.</a:t>
+            </a:r>
+            <a:endParaRPr lang="ko-KR" altLang="en-US" sz="1800">
+              <a:latin typeface="맑은 고딕" charset="0"/>
+              <a:ea typeface="맑은 고딕" charset="0"/>
+            </a:endParaRPr>
+          </a:p>
+        </p:txBody>
+      </p:sp>
+      <p:pic>
+        <p:nvPicPr>
+          <p:cNvPr id="1213" name="그림 26" descr="C:/Users/Admin1/AppData/Roaming/PolarisOffice/ETemp/7504_22066552/fImage220243305724.png"/>
+          <p:cNvPicPr>
+            <a:picLocks noChangeAspect="1"/>
+          </p:cNvPicPr>
+          <p:nvPr/>
+        </p:nvPicPr>
+        <p:blipFill rotWithShape="1">
+          <a:blip r:embed="rId5" cstate="print">
             <a:extLst>
               <a:ext uri="{28A0092B-C50C-407E-A947-70E740481C1C}">
                 <a14:useLocalDpi xmlns:a14="http://schemas.microsoft.com/office/drawing/2010/main" val="0"/>
@@ -10777,39 +11561,8 @@
         </p:blipFill>
         <p:spPr>
           <a:xfrm rot="0">
-            <a:off x="4010025" y="2009775"/>
-            <a:ext cx="1362710" cy="2315210"/>
-          </a:xfrm>
-          <a:prstGeom prst="roundRect"/>
-          <a:solidFill>
-            <a:srgbClr val="EDEDED"/>
-          </a:solidFill>
-        </p:spPr>
-      </p:pic>
-      <p:pic>
-        <p:nvPicPr>
-          <p:cNvPr id="1199" name="그림 28" descr="C:/Users/Admin1/AppData/Roaming/PolarisOffice/ETemp/20556_22124416/fImage123683006500.png"/>
-          <p:cNvPicPr>
-            <a:picLocks noChangeAspect="1"/>
-          </p:cNvPicPr>
-          <p:nvPr/>
-        </p:nvPicPr>
-        <p:blipFill rotWithShape="1">
-          <a:blip r:embed="rId15" cstate="print">
-            <a:extLst>
-              <a:ext uri="{28A0092B-C50C-407E-A947-70E740481C1C}">
-                <a14:useLocalDpi xmlns:a14="http://schemas.microsoft.com/office/drawing/2010/main" val="0"/>
-              </a:ext>
-            </a:extLst>
-          </a:blip>
-          <a:stretch>
-            <a:fillRect/>
-          </a:stretch>
-        </p:blipFill>
-        <p:spPr>
-          <a:xfrm rot="0">
-            <a:off x="6838950" y="1371600"/>
-            <a:ext cx="4081780" cy="1429385"/>
+            <a:off x="6826885" y="1437640"/>
+            <a:ext cx="4127500" cy="1489710"/>
           </a:xfrm>
           <a:prstGeom prst="roundRect"/>
           <a:solidFill>
@@ -10867,8 +11620,8 @@
         </p:nvSpPr>
         <p:spPr>
           <a:xfrm rot="0">
-            <a:off x="4905375" y="346075"/>
-            <a:ext cx="2620010" cy="478155"/>
+            <a:off x="4459605" y="389255"/>
+            <a:ext cx="3279140" cy="478155"/>
           </a:xfrm>
           <a:prstGeom prst="rect"/>
           <a:noFill/>
@@ -10883,7 +11636,7 @@
           </a:bodyPr>
           <a:lstStyle/>
           <a:p>
-            <a:pPr marL="0" indent="0" algn="l" latinLnBrk="0">
+            <a:pPr marL="0" indent="0" algn="ctr" latinLnBrk="0">
               <a:buFontTx/>
               <a:buNone/>
             </a:pPr>
@@ -10895,7 +11648,7 @@
                 <a:latin typeface="나눔바른고딕" charset="0"/>
                 <a:ea typeface="나눔바른고딕" charset="0"/>
               </a:rPr>
-              <a:t>다섯</a:t>
+              <a:t>다섯 </a:t>
             </a:r>
             <a:r>
               <a:rPr lang="ko-KR" altLang="en-US" sz="2500" b="1">
@@ -10905,7 +11658,7 @@
                 <a:latin typeface="나눔바른고딕" charset="0"/>
                 <a:ea typeface="나눔바른고딕" charset="0"/>
               </a:rPr>
-              <a:t> 번째 튜토리얼</a:t>
+              <a:t>번째 튜토리얼</a:t>
             </a:r>
             <a:endParaRPr lang="ko-KR" altLang="en-US" sz="2500" b="1">
               <a:solidFill>
@@ -10919,16 +11672,16 @@
       </p:sp>
       <p:sp>
         <p:nvSpPr>
-          <p:cNvPr id="1188" name="텍스트 상자 72"/>
+          <p:cNvPr id="1181" name="Rect 0"/>
           <p:cNvSpPr txBox="1">
             <a:spLocks/>
           </p:cNvSpPr>
           <p:nvPr/>
         </p:nvSpPr>
         <p:spPr>
-          <a:xfrm>
-            <a:off x="1304925" y="4594860"/>
-            <a:ext cx="4058920" cy="1477645"/>
+          <a:xfrm rot="0">
+            <a:off x="6831965" y="3162300"/>
+            <a:ext cx="4131310" cy="647065"/>
           </a:xfrm>
           <a:prstGeom prst="rect"/>
           <a:noFill/>
@@ -10948,6 +11701,26 @@
               <a:buNone/>
             </a:pPr>
             <a:r>
+              <a:rPr lang="ko-KR" sz="1800" b="1">
+                <a:solidFill>
+                  <a:srgbClr val="0611F2"/>
+                </a:solidFill>
+                <a:latin typeface="맑은 고딕" charset="0"/>
+                <a:ea typeface="맑은 고딕" charset="0"/>
+              </a:rPr>
+              <a:t>1</a:t>
+            </a:r>
+            <a:r>
+              <a:rPr lang="ko-KR" sz="1800" b="1">
+                <a:solidFill>
+                  <a:srgbClr val="0611F2"/>
+                </a:solidFill>
+                <a:latin typeface="맑은 고딕" charset="0"/>
+                <a:ea typeface="맑은 고딕" charset="0"/>
+              </a:rPr>
+              <a:t>4</a:t>
+            </a:r>
+            <a:r>
               <a:rPr sz="1800" b="1">
                 <a:solidFill>
                   <a:srgbClr val="0611F2"/>
@@ -10955,26 +11728,6 @@
                 <a:latin typeface="맑은 고딕" charset="0"/>
                 <a:ea typeface="맑은 고딕" charset="0"/>
               </a:rPr>
-              <a:t>1</a:t>
-            </a:r>
-            <a:r>
-              <a:rPr sz="1800" b="1">
-                <a:solidFill>
-                  <a:srgbClr val="0611F2"/>
-                </a:solidFill>
-                <a:latin typeface="맑은 고딕" charset="0"/>
-                <a:ea typeface="맑은 고딕" charset="0"/>
-              </a:rPr>
-              <a:t>5</a:t>
-            </a:r>
-            <a:r>
-              <a:rPr sz="1800" b="1">
-                <a:solidFill>
-                  <a:srgbClr val="0611F2"/>
-                </a:solidFill>
-                <a:latin typeface="맑은 고딕" charset="0"/>
-                <a:ea typeface="맑은 고딕" charset="0"/>
-              </a:rPr>
               <a:t>.</a:t>
             </a:r>
             <a:r>
@@ -10989,83 +11742,39 @@
                 <a:latin typeface="맑은 고딕" charset="0"/>
                 <a:ea typeface="맑은 고딕" charset="0"/>
               </a:rPr>
-              <a:t>그런 다음 3D Object를 선택하고 Cube를 2개 생성합니다.</a:t>
+              <a:t>그</a:t>
+            </a:r>
+            <a:r>
+              <a:rPr lang="ko-KR" sz="1800">
+                <a:latin typeface="맑은 고딕" charset="0"/>
+                <a:ea typeface="맑은 고딕" charset="0"/>
+              </a:rPr>
+              <a:t>러고 나서</a:t>
+            </a:r>
+            <a:r>
+              <a:rPr lang="ko-KR" sz="1800">
+                <a:latin typeface="맑은 고딕" charset="0"/>
+                <a:ea typeface="맑은 고딕" charset="0"/>
+              </a:rPr>
+              <a:t> Arrival Point 오브젝트의 위치를 설정합니다.</a:t>
             </a:r>
             <a:endParaRPr lang="ko-KR" altLang="en-US" sz="1800">
               <a:latin typeface="맑은 고딕" charset="0"/>
               <a:ea typeface="맑은 고딕" charset="0"/>
             </a:endParaRPr>
           </a:p>
-          <a:p>
-            <a:pPr marL="0" indent="0" rtl="0" algn="l" defTabSz="914400" eaLnBrk="1" latinLnBrk="0" hangingPunct="1">
-              <a:buFontTx/>
-              <a:buNone/>
-            </a:pPr>
-            <a:endParaRPr lang="ko-KR" altLang="en-US" sz="1800">
-              <a:latin typeface="맑은 고딕" charset="0"/>
-              <a:ea typeface="맑은 고딕" charset="0"/>
-            </a:endParaRPr>
-          </a:p>
-          <a:p>
-            <a:pPr marL="0" indent="0" rtl="0" algn="l" defTabSz="914400" eaLnBrk="1" latinLnBrk="0" hangingPunct="1">
-              <a:buFontTx/>
-              <a:buNone/>
-            </a:pPr>
-            <a:r>
-              <a:rPr lang="ko-KR" sz="1800">
-                <a:latin typeface="맑은 고딕" charset="0"/>
-                <a:ea typeface="맑은 고딕" charset="0"/>
-              </a:rPr>
-              <a:t>그리고 Right Wall과 Left Wall이라는 이름으로 각각 정의합니다. </a:t>
-            </a:r>
-            <a:endParaRPr lang="ko-KR" altLang="en-US" sz="1800">
-              <a:latin typeface="맑은 고딕" charset="0"/>
-              <a:ea typeface="맑은 고딕" charset="0"/>
-            </a:endParaRPr>
-          </a:p>
         </p:txBody>
       </p:sp>
       <p:pic>
         <p:nvPicPr>
-          <p:cNvPr id="1189" name="그림 52"/>
+          <p:cNvPr id="1193" name="그림 41" descr="C:/Users/Admin1/AppData/Roaming/PolarisOffice/ETemp/7504_22066552/fImage85062125705.png"/>
           <p:cNvPicPr>
             <a:picLocks noChangeAspect="1"/>
           </p:cNvPicPr>
           <p:nvPr/>
         </p:nvPicPr>
         <p:blipFill rotWithShape="1">
-          <a:blip r:embed="rId6" cstate="print">
-            <a:extLst>
-              <a:ext uri="{28A0092B-C50C-407E-A947-70E740481C1C}">
-                <a14:useLocalDpi xmlns:a14="http://schemas.microsoft.com/office/drawing/2010/main" val="0"/>
-              </a:ext>
-            </a:extLst>
-          </a:blip>
-          <a:stretch>
-            <a:fillRect/>
-          </a:stretch>
-        </p:blipFill>
-        <p:spPr>
-          <a:xfrm rot="0">
-            <a:off x="4052570" y="1995170"/>
-            <a:ext cx="1310640" cy="1510665"/>
-          </a:xfrm>
-          <a:prstGeom prst="roundRect"/>
-          <a:solidFill>
-            <a:srgbClr val="EDEDED"/>
-          </a:solidFill>
-        </p:spPr>
-      </p:pic>
-      <p:pic>
-        <p:nvPicPr>
-          <p:cNvPr id="1190" name="그림 56"/>
-          <p:cNvPicPr>
-            <a:picLocks noChangeAspect="1"/>
-          </p:cNvPicPr>
-          <p:nvPr/>
-        </p:nvPicPr>
-        <p:blipFill rotWithShape="1">
-          <a:blip r:embed="rId7" cstate="hqprint">
+          <a:blip r:embed="rId11" cstate="hqprint">
             <a:extLst>
               <a:ext uri="{28A0092B-C50C-407E-A947-70E740481C1C}">
                 <a14:useLocalDpi xmlns:a14="http://schemas.microsoft.com/office/drawing/2010/main"/>
@@ -11078,8 +11787,8 @@
         </p:blipFill>
         <p:spPr>
           <a:xfrm rot="0">
-            <a:off x="1313815" y="1143000"/>
-            <a:ext cx="2392045" cy="3220085"/>
+            <a:off x="1229995" y="1454785"/>
+            <a:ext cx="2599690" cy="3784600"/>
           </a:xfrm>
           <a:prstGeom prst="roundRect"/>
           <a:solidFill>
@@ -11087,19 +11796,107 @@
           </a:solidFill>
         </p:spPr>
       </p:pic>
+      <p:sp>
+        <p:nvSpPr>
+          <p:cNvPr id="1194" name="텍스트 상자 44"/>
+          <p:cNvSpPr txBox="1">
+            <a:spLocks/>
+          </p:cNvSpPr>
+          <p:nvPr/>
+        </p:nvSpPr>
+        <p:spPr>
+          <a:xfrm rot="0">
+            <a:off x="1229360" y="5476875"/>
+            <a:ext cx="4140200" cy="647065"/>
+          </a:xfrm>
+          <a:prstGeom prst="rect"/>
+          <a:noFill/>
+          <a:ln w="0">
+            <a:noFill/>
+            <a:prstDash/>
+          </a:ln>
+        </p:spPr>
+        <p:txBody>
+          <a:bodyPr wrap="square" lIns="89535" tIns="46355" rIns="89535" bIns="46355" numCol="1" vert="horz" anchor="t">
+            <a:spAutoFit/>
+          </a:bodyPr>
+          <a:lstStyle/>
+          <a:p>
+            <a:pPr marL="0" indent="0" rtl="0" algn="l" defTabSz="914400" eaLnBrk="1" latinLnBrk="0" hangingPunct="1">
+              <a:buFontTx/>
+              <a:buNone/>
+            </a:pPr>
+            <a:r>
+              <a:rPr lang="ko-KR" sz="1800" b="1">
+                <a:solidFill>
+                  <a:srgbClr val="0611F2"/>
+                </a:solidFill>
+                <a:latin typeface="맑은 고딕" charset="0"/>
+                <a:ea typeface="맑은 고딕" charset="0"/>
+              </a:rPr>
+              <a:t>1</a:t>
+            </a:r>
+            <a:r>
+              <a:rPr lang="ko-KR" sz="1800" b="1">
+                <a:solidFill>
+                  <a:srgbClr val="0611F2"/>
+                </a:solidFill>
+                <a:latin typeface="맑은 고딕" charset="0"/>
+                <a:ea typeface="맑은 고딕" charset="0"/>
+              </a:rPr>
+              <a:t>3</a:t>
+            </a:r>
+            <a:r>
+              <a:rPr sz="1800" b="1">
+                <a:solidFill>
+                  <a:srgbClr val="0611F2"/>
+                </a:solidFill>
+                <a:latin typeface="맑은 고딕" charset="0"/>
+                <a:ea typeface="맑은 고딕" charset="0"/>
+              </a:rPr>
+              <a:t>.</a:t>
+            </a:r>
+            <a:r>
+              <a:rPr sz="1800">
+                <a:latin typeface="맑은 고딕" charset="0"/>
+                <a:ea typeface="맑은 고딕" charset="0"/>
+              </a:rPr>
+              <a:t> </a:t>
+            </a:r>
+            <a:r>
+              <a:rPr lang="ko-KR" sz="1800">
+                <a:latin typeface="맑은 고딕" charset="0"/>
+                <a:ea typeface="맑은 고딕" charset="0"/>
+              </a:rPr>
+              <a:t>그리고</a:t>
+            </a:r>
+            <a:r>
+              <a:rPr lang="ko-KR" sz="1800">
+                <a:latin typeface="맑은 고딕" charset="0"/>
+                <a:ea typeface="맑은 고딕" charset="0"/>
+              </a:rPr>
+              <a:t> 빈 게임 오브젝트를 생성한 다음 Arrive Point로 이름을 정의합니다.</a:t>
+            </a:r>
+            <a:endParaRPr lang="ko-KR" altLang="en-US" sz="1800">
+              <a:latin typeface="맑은 고딕" charset="0"/>
+              <a:ea typeface="맑은 고딕" charset="0"/>
+            </a:endParaRPr>
+          </a:p>
+        </p:txBody>
+      </p:sp>
       <p:pic>
         <p:nvPicPr>
-          <p:cNvPr id="1192" name="그림 82"/>
+          <p:cNvPr id="1198" name="그림 21" descr="C:/Users/Admin1/AppData/Roaming/PolarisOffice/ETemp/7504_22066552/fImage54192976334.png"/>
           <p:cNvPicPr>
             <a:picLocks noChangeAspect="1"/>
           </p:cNvPicPr>
           <p:nvPr/>
         </p:nvPicPr>
         <p:blipFill rotWithShape="1">
-          <a:blip r:embed="rId8" cstate="print">
+          <a:blip r:embed="rId14" cstate="hqprint">
             <a:extLst>
               <a:ext uri="{28A0092B-C50C-407E-A947-70E740481C1C}">
-                <a14:useLocalDpi xmlns:a14="http://schemas.microsoft.com/office/drawing/2010/main" val="0"/>
+                <a14:useLocalDpi xmlns:a14="http://schemas.microsoft.com/office/drawing/2010/main"/>
               </a:ext>
             </a:extLst>
           </a:blip>
@@ -11109,8 +11906,8 @@
         </p:blipFill>
         <p:spPr>
           <a:xfrm rot="0">
-            <a:off x="6829425" y="2590800"/>
-            <a:ext cx="4105910" cy="1267460"/>
+            <a:off x="3974465" y="2355215"/>
+            <a:ext cx="1403985" cy="1975485"/>
           </a:xfrm>
           <a:prstGeom prst="roundRect"/>
           <a:solidFill>
@@ -11120,17 +11917,17 @@
       </p:pic>
       <p:pic>
         <p:nvPicPr>
-          <p:cNvPr id="1193" name="그림 85"/>
+          <p:cNvPr id="1199" name="그림 28" descr="C:/Users/Admin1/AppData/Roaming/PolarisOffice/ETemp/7504_22066552/fImage123683006500.png"/>
           <p:cNvPicPr>
             <a:picLocks noChangeAspect="1"/>
           </p:cNvPicPr>
           <p:nvPr/>
         </p:nvPicPr>
         <p:blipFill rotWithShape="1">
-          <a:blip r:embed="rId9" cstate="print">
+          <a:blip r:embed="rId15" cstate="hqprint">
             <a:extLst>
               <a:ext uri="{28A0092B-C50C-407E-A947-70E740481C1C}">
-                <a14:useLocalDpi xmlns:a14="http://schemas.microsoft.com/office/drawing/2010/main" val="0"/>
+                <a14:useLocalDpi xmlns:a14="http://schemas.microsoft.com/office/drawing/2010/main"/>
               </a:ext>
             </a:extLst>
           </a:blip>
@@ -11140,8 +11937,8 @@
         </p:blipFill>
         <p:spPr>
           <a:xfrm rot="0">
-            <a:off x="6829425" y="1143000"/>
-            <a:ext cx="4105910" cy="1276985"/>
+            <a:off x="6823710" y="1454785"/>
+            <a:ext cx="4139565" cy="1593850"/>
           </a:xfrm>
           <a:prstGeom prst="roundRect"/>
           <a:solidFill>
@@ -11151,16 +11948,16 @@
       </p:pic>
       <p:sp>
         <p:nvSpPr>
-          <p:cNvPr id="1194" name="텍스트 상자 88"/>
+          <p:cNvPr id="1200" name="텍스트 상자 29"/>
           <p:cNvSpPr txBox="1">
             <a:spLocks/>
           </p:cNvSpPr>
           <p:nvPr/>
         </p:nvSpPr>
         <p:spPr>
-          <a:xfrm>
-            <a:off x="6815455" y="4037965"/>
-            <a:ext cx="4120515" cy="2031365"/>
+          <a:xfrm rot="0">
+            <a:off x="6823710" y="5442585"/>
+            <a:ext cx="4130675" cy="677545"/>
           </a:xfrm>
           <a:prstGeom prst="rect"/>
           <a:noFill/>
@@ -11180,7 +11977,7 @@
               <a:buNone/>
             </a:pPr>
             <a:r>
-              <a:rPr sz="1800" b="1">
+              <a:rPr sz="2000" b="1">
                 <a:solidFill>
                   <a:srgbClr val="0611F2"/>
                 </a:solidFill>
@@ -11190,30 +11987,44 @@
               <a:t>1</a:t>
             </a:r>
             <a:r>
-              <a:rPr lang="ko-KR" sz="1800" b="1">
+              <a:rPr sz="2000" b="1">
                 <a:solidFill>
                   <a:srgbClr val="0611F2"/>
                 </a:solidFill>
                 <a:latin typeface="맑은 고딕" charset="0"/>
                 <a:ea typeface="맑은 고딕" charset="0"/>
               </a:rPr>
-              <a:t>6</a:t>
-            </a:r>
-            <a:r>
-              <a:rPr sz="1800" b="1">
+              <a:t>5</a:t>
+            </a:r>
+            <a:r>
+              <a:rPr sz="2000" b="1">
                 <a:solidFill>
                   <a:srgbClr val="0611F2"/>
                 </a:solidFill>
                 <a:latin typeface="맑은 고딕" charset="0"/>
                 <a:ea typeface="맑은 고딕" charset="0"/>
               </a:rPr>
-              <a:t>.</a:t>
+              <a:t>. </a:t>
             </a:r>
             <a:r>
               <a:rPr sz="1800">
                 <a:latin typeface="맑은 고딕" charset="0"/>
                 <a:ea typeface="맑은 고딕" charset="0"/>
               </a:rPr>
+              <a:t>이</a:t>
+            </a:r>
+            <a:r>
+              <a:rPr lang="ko-KR" sz="1800">
+                <a:latin typeface="맑은 고딕" charset="0"/>
+                <a:ea typeface="맑은 고딕" charset="0"/>
+              </a:rPr>
+              <a:t>제</a:t>
+            </a:r>
+            <a:r>
+              <a:rPr sz="1800">
+                <a:latin typeface="맑은 고딕" charset="0"/>
+                <a:ea typeface="맑은 고딕" charset="0"/>
+              </a:rPr>
               <a:t> </a:t>
             </a:r>
             <a:r>
@@ -11221,42 +12032,53 @@
                 <a:latin typeface="맑은 고딕" charset="0"/>
                 <a:ea typeface="맑은 고딕" charset="0"/>
               </a:rPr>
-              <a:t>그다음 Right Wall 오브젝트와 Left Wall 오브젝트의 위치와 크기 값을 설정합니다.</a:t>
+              <a:t>Character</a:t>
+            </a:r>
+            <a:r>
+              <a:rPr sz="1800">
+                <a:latin typeface="맑은 고딕" charset="0"/>
+                <a:ea typeface="맑은 고딕" charset="0"/>
+              </a:rPr>
+              <a:t> 오브젝트에 Rigidbody 컴포넌트를 추가합니다.</a:t>
             </a:r>
             <a:endParaRPr lang="ko-KR" altLang="en-US" sz="1800">
               <a:latin typeface="맑은 고딕" charset="0"/>
               <a:ea typeface="맑은 고딕" charset="0"/>
             </a:endParaRPr>
           </a:p>
-          <a:p>
-            <a:pPr marL="0" indent="0" rtl="0" algn="l" defTabSz="914400" eaLnBrk="1" latinLnBrk="0" hangingPunct="1">
-              <a:buFontTx/>
-              <a:buNone/>
-            </a:pPr>
-            <a:endParaRPr lang="ko-KR" altLang="en-US" sz="1800">
-              <a:latin typeface="맑은 고딕" charset="0"/>
-              <a:ea typeface="맑은 고딕" charset="0"/>
-            </a:endParaRPr>
-          </a:p>
-          <a:p>
-            <a:pPr marL="0" indent="0" rtl="0" algn="l" defTabSz="914400" eaLnBrk="1" latinLnBrk="0" hangingPunct="1">
-              <a:buFontTx/>
-              <a:buNone/>
-            </a:pPr>
-            <a:r>
-              <a:rPr lang="ko-KR" sz="1800">
-                <a:latin typeface="맑은 고딕" charset="0"/>
-                <a:ea typeface="맑은 고딕" charset="0"/>
-              </a:rPr>
-              <a:t>마지막으로 Right Wall 오브젝트와 Left Wall 오브젝트에 Navigation Static을 선택합니다.</a:t>
-            </a:r>
-            <a:endParaRPr lang="ko-KR" altLang="en-US" sz="1800">
-              <a:latin typeface="맑은 고딕" charset="0"/>
-              <a:ea typeface="맑은 고딕" charset="0"/>
-            </a:endParaRPr>
-          </a:p>
-        </p:txBody>
-      </p:sp>
+        </p:txBody>
+      </p:sp>
+      <p:pic>
+        <p:nvPicPr>
+          <p:cNvPr id="1201" name="그림 30" descr="C:/Users/Admin1/AppData/Roaming/PolarisOffice/ETemp/7504_22066552/fImage57282885436.png"/>
+          <p:cNvPicPr>
+            <a:picLocks noChangeAspect="1"/>
+          </p:cNvPicPr>
+          <p:nvPr/>
+        </p:nvPicPr>
+        <p:blipFill rotWithShape="1">
+          <a:blip r:embed="rId16" cstate="hqprint">
+            <a:extLst>
+              <a:ext uri="{28A0092B-C50C-407E-A947-70E740481C1C}">
+                <a14:useLocalDpi xmlns:a14="http://schemas.microsoft.com/office/drawing/2010/main"/>
+              </a:ext>
+            </a:extLst>
+          </a:blip>
+          <a:stretch>
+            <a:fillRect/>
+          </a:stretch>
+        </p:blipFill>
+        <p:spPr>
+          <a:xfrm rot="0">
+            <a:off x="6832600" y="3931920"/>
+            <a:ext cx="4134485" cy="1411605"/>
+          </a:xfrm>
+          <a:prstGeom prst="roundRect"/>
+          <a:solidFill>
+            <a:srgbClr val="EDEDED"/>
+          </a:solidFill>
+        </p:spPr>
+      </p:pic>
     </p:spTree>
   </p:cSld>
   <p:clrMapOvr>
@@ -11307,8 +12129,8 @@
         </p:nvSpPr>
         <p:spPr>
           <a:xfrm rot="0">
-            <a:off x="4804410" y="346075"/>
-            <a:ext cx="2768600" cy="478155"/>
+            <a:off x="4467860" y="346075"/>
+            <a:ext cx="3265805" cy="478155"/>
           </a:xfrm>
           <a:prstGeom prst="rect"/>
           <a:noFill/>
@@ -11323,7 +12145,7 @@
           </a:bodyPr>
           <a:lstStyle/>
           <a:p>
-            <a:pPr marL="0" indent="0" algn="l" latinLnBrk="0">
+            <a:pPr marL="0" indent="0" algn="ctr" latinLnBrk="0">
               <a:buFontTx/>
               <a:buNone/>
             </a:pPr>
@@ -11335,7 +12157,17 @@
                 <a:latin typeface="나눔바른고딕" charset="0"/>
                 <a:ea typeface="나눔바른고딕" charset="0"/>
               </a:rPr>
-              <a:t>다섯 번째 튜토리얼</a:t>
+              <a:t>여섯</a:t>
+            </a:r>
+            <a:r>
+              <a:rPr lang="ko-KR" altLang="en-US" sz="2500" b="1">
+                <a:solidFill>
+                  <a:schemeClr val="tx1"/>
+                </a:solidFill>
+                <a:latin typeface="나눔바른고딕" charset="0"/>
+                <a:ea typeface="나눔바른고딕" charset="0"/>
+              </a:rPr>
+              <a:t> 번째 튜토리얼</a:t>
             </a:r>
             <a:endParaRPr lang="ko-KR" altLang="en-US" sz="2500" b="1">
               <a:solidFill>
@@ -11349,7 +12181,7 @@
       </p:sp>
       <p:sp>
         <p:nvSpPr>
-          <p:cNvPr id="1192" name="Rect 0"/>
+          <p:cNvPr id="1188" name="텍스트 상자 72"/>
           <p:cNvSpPr txBox="1">
             <a:spLocks/>
           </p:cNvSpPr>
@@ -11357,8 +12189,8 @@
         </p:nvSpPr>
         <p:spPr>
           <a:xfrm rot="0">
-            <a:off x="6838950" y="5332730"/>
-            <a:ext cx="4077335" cy="923925"/>
+            <a:off x="1247140" y="4699000"/>
+            <a:ext cx="4139565" cy="1477645"/>
           </a:xfrm>
           <a:prstGeom prst="rect"/>
           <a:noFill/>
@@ -11395,7 +12227,7 @@
                 <a:latin typeface="맑은 고딕" charset="0"/>
                 <a:ea typeface="맑은 고딕" charset="0"/>
               </a:rPr>
-              <a:t>9</a:t>
+              <a:t>6</a:t>
             </a:r>
             <a:r>
               <a:rPr sz="1800" b="1">
@@ -11419,25 +12251,94 @@
                 <a:latin typeface="맑은 고딕" charset="0"/>
                 <a:ea typeface="맑은 고딕" charset="0"/>
               </a:rPr>
-              <a:t>그다음 NavMeshAgent가 이동할 수 있는 범위를 설정한 상태에서 Bake를 선택합니다.</a:t>
+              <a:t>그</a:t>
+            </a:r>
+            <a:r>
+              <a:rPr lang="ko-KR" sz="1800">
+                <a:latin typeface="맑은 고딕" charset="0"/>
+                <a:ea typeface="맑은 고딕" charset="0"/>
+              </a:rPr>
+              <a:t>리고</a:t>
+            </a:r>
+            <a:r>
+              <a:rPr lang="ko-KR" sz="1800">
+                <a:latin typeface="맑은 고딕" charset="0"/>
+                <a:ea typeface="맑은 고딕" charset="0"/>
+              </a:rPr>
+              <a:t> 3D Object를 선택</a:t>
+            </a:r>
+            <a:r>
+              <a:rPr lang="ko-KR" sz="1800">
+                <a:latin typeface="맑은 고딕" charset="0"/>
+                <a:ea typeface="맑은 고딕" charset="0"/>
+              </a:rPr>
+              <a:t>한 다음</a:t>
+            </a:r>
+            <a:r>
+              <a:rPr lang="ko-KR" sz="1800">
+                <a:latin typeface="맑은 고딕" charset="0"/>
+                <a:ea typeface="맑은 고딕" charset="0"/>
+              </a:rPr>
+              <a:t> Cube를 2개 생성합니다.</a:t>
             </a:r>
             <a:endParaRPr lang="ko-KR" altLang="en-US" sz="1800">
               <a:latin typeface="맑은 고딕" charset="0"/>
               <a:ea typeface="맑은 고딕" charset="0"/>
             </a:endParaRPr>
           </a:p>
+          <a:p>
+            <a:pPr marL="0" indent="0" rtl="0" algn="l" defTabSz="914400" eaLnBrk="1" latinLnBrk="0" hangingPunct="1">
+              <a:buFontTx/>
+              <a:buNone/>
+            </a:pPr>
+            <a:endParaRPr lang="ko-KR" altLang="en-US" sz="1800">
+              <a:latin typeface="맑은 고딕" charset="0"/>
+              <a:ea typeface="맑은 고딕" charset="0"/>
+            </a:endParaRPr>
+          </a:p>
+          <a:p>
+            <a:pPr marL="0" indent="0" rtl="0" algn="l" defTabSz="914400" eaLnBrk="1" latinLnBrk="0" hangingPunct="1">
+              <a:buFontTx/>
+              <a:buNone/>
+            </a:pPr>
+            <a:r>
+              <a:rPr lang="ko-KR" sz="1800">
+                <a:latin typeface="맑은 고딕" charset="0"/>
+                <a:ea typeface="맑은 고딕" charset="0"/>
+              </a:rPr>
+              <a:t>그</a:t>
+            </a:r>
+            <a:r>
+              <a:rPr lang="ko-KR" sz="1800">
+                <a:latin typeface="맑은 고딕" charset="0"/>
+                <a:ea typeface="맑은 고딕" charset="0"/>
+              </a:rPr>
+              <a:t>런 다음</a:t>
+            </a:r>
+            <a:r>
+              <a:rPr lang="ko-KR" sz="1800">
+                <a:latin typeface="맑은 고딕" charset="0"/>
+                <a:ea typeface="맑은 고딕" charset="0"/>
+              </a:rPr>
+              <a:t> Right Wall과 Left Wall이라는 이름으로 정의합니다. </a:t>
+            </a:r>
+            <a:endParaRPr lang="ko-KR" altLang="en-US" sz="1800">
+              <a:latin typeface="맑은 고딕" charset="0"/>
+              <a:ea typeface="맑은 고딕" charset="0"/>
+            </a:endParaRPr>
+          </a:p>
         </p:txBody>
       </p:sp>
       <p:pic>
         <p:nvPicPr>
-          <p:cNvPr id="1199" name="그림 127" descr="C:/Users/Admin1/AppData/Roaming/PolarisOffice/ETemp/20556_22124416/fImage243783454827.png"/>
+          <p:cNvPr id="1190" name="그림 56" descr="C:/Users/Admin1/AppData/Roaming/PolarisOffice/ETemp/7504_22066552/fImage161052209961.png"/>
           <p:cNvPicPr>
             <a:picLocks noChangeAspect="1"/>
           </p:cNvPicPr>
           <p:nvPr/>
         </p:nvPicPr>
         <p:blipFill rotWithShape="1">
-          <a:blip r:embed="rId3" cstate="hqprint">
+          <a:blip r:embed="rId7" cstate="hqprint">
             <a:extLst>
               <a:ext uri="{28A0092B-C50C-407E-A947-70E740481C1C}">
                 <a14:useLocalDpi xmlns:a14="http://schemas.microsoft.com/office/drawing/2010/main"/>
@@ -11450,23 +12351,113 @@
         </p:blipFill>
         <p:spPr>
           <a:xfrm rot="0">
-            <a:off x="6838950" y="1329055"/>
-            <a:ext cx="4077335" cy="3900805"/>
+            <a:off x="1247140" y="1463675"/>
+            <a:ext cx="2650490" cy="3056890"/>
+          </a:xfrm>
+          <a:prstGeom prst="roundRect"/>
+          <a:solidFill>
+            <a:srgbClr val="EDEDED"/>
+          </a:solidFill>
+        </p:spPr>
+      </p:pic>
+      <p:sp>
+        <p:nvSpPr>
+          <p:cNvPr id="1194" name="텍스트 상자 88"/>
+          <p:cNvSpPr txBox="1">
+            <a:spLocks/>
+          </p:cNvSpPr>
+          <p:nvPr/>
+        </p:nvSpPr>
+        <p:spPr>
+          <a:xfrm rot="0">
+            <a:off x="6826250" y="3094990"/>
+            <a:ext cx="4136390" cy="647065"/>
           </a:xfrm>
           <a:prstGeom prst="rect"/>
           <a:noFill/>
-        </p:spPr>
-      </p:pic>
+          <a:ln w="0">
+            <a:noFill/>
+            <a:prstDash/>
+          </a:ln>
+        </p:spPr>
+        <p:txBody>
+          <a:bodyPr wrap="square" lIns="89535" tIns="46355" rIns="89535" bIns="46355" numCol="1" vert="horz" anchor="t">
+            <a:spAutoFit/>
+          </a:bodyPr>
+          <a:lstStyle/>
+          <a:p>
+            <a:pPr marL="0" indent="0" rtl="0" algn="l" defTabSz="914400" eaLnBrk="1" latinLnBrk="0" hangingPunct="1">
+              <a:buFontTx/>
+              <a:buNone/>
+            </a:pPr>
+            <a:r>
+              <a:rPr sz="1800" b="1">
+                <a:solidFill>
+                  <a:srgbClr val="0611F2"/>
+                </a:solidFill>
+                <a:latin typeface="맑은 고딕" charset="0"/>
+                <a:ea typeface="맑은 고딕" charset="0"/>
+              </a:rPr>
+              <a:t>1</a:t>
+            </a:r>
+            <a:r>
+              <a:rPr lang="ko-KR" sz="1800" b="1">
+                <a:solidFill>
+                  <a:srgbClr val="0611F2"/>
+                </a:solidFill>
+                <a:latin typeface="맑은 고딕" charset="0"/>
+                <a:ea typeface="맑은 고딕" charset="0"/>
+              </a:rPr>
+              <a:t>7</a:t>
+            </a:r>
+            <a:r>
+              <a:rPr sz="1800" b="1">
+                <a:solidFill>
+                  <a:srgbClr val="0611F2"/>
+                </a:solidFill>
+                <a:latin typeface="맑은 고딕" charset="0"/>
+                <a:ea typeface="맑은 고딕" charset="0"/>
+              </a:rPr>
+              <a:t>.</a:t>
+            </a:r>
+            <a:r>
+              <a:rPr sz="1800">
+                <a:latin typeface="맑은 고딕" charset="0"/>
+                <a:ea typeface="맑은 고딕" charset="0"/>
+              </a:rPr>
+              <a:t> </a:t>
+            </a:r>
+            <a:r>
+              <a:rPr lang="ko-KR" sz="1800">
+                <a:latin typeface="맑은 고딕" charset="0"/>
+                <a:ea typeface="맑은 고딕" charset="0"/>
+              </a:rPr>
+              <a:t>그다음</a:t>
+            </a:r>
+            <a:r>
+              <a:rPr lang="ko-KR" sz="1800">
+                <a:latin typeface="맑은 고딕" charset="0"/>
+                <a:ea typeface="맑은 고딕" charset="0"/>
+              </a:rPr>
+              <a:t>으로 Left Wall 오브젝트의 위치와 크기 값을 설정합니다.</a:t>
+            </a:r>
+            <a:endParaRPr lang="ko-KR" altLang="en-US" sz="1800">
+              <a:latin typeface="맑은 고딕" charset="0"/>
+              <a:ea typeface="맑은 고딕" charset="0"/>
+            </a:endParaRPr>
+          </a:p>
+        </p:txBody>
+      </p:sp>
       <p:pic>
         <p:nvPicPr>
-          <p:cNvPr id="1200" name="그림 110"/>
+          <p:cNvPr id="1195" name="그림 31" descr="C:/Users/Admin1/AppData/Roaming/PolarisOffice/ETemp/7504_22066552/fImage65793331478.png"/>
           <p:cNvPicPr>
             <a:picLocks noChangeAspect="1"/>
           </p:cNvPicPr>
           <p:nvPr/>
         </p:nvPicPr>
         <p:blipFill rotWithShape="1">
-          <a:blip r:embed="rId7" cstate="print">
+          <a:blip r:embed="rId10" cstate="print">
             <a:extLst>
               <a:ext uri="{28A0092B-C50C-407E-A947-70E740481C1C}">
                 <a14:useLocalDpi xmlns:a14="http://schemas.microsoft.com/office/drawing/2010/main" val="0"/>
@@ -11479,8 +12470,8 @@
         </p:blipFill>
         <p:spPr>
           <a:xfrm rot="0">
-            <a:off x="2661920" y="1333500"/>
-            <a:ext cx="2710815" cy="1200785"/>
+            <a:off x="4061460" y="2017395"/>
+            <a:ext cx="1325880" cy="1940560"/>
           </a:xfrm>
           <a:prstGeom prst="roundRect"/>
           <a:solidFill>
@@ -11490,14 +12481,14 @@
       </p:pic>
       <p:pic>
         <p:nvPicPr>
-          <p:cNvPr id="1201" name="그림 111"/>
+          <p:cNvPr id="1196" name="그림 40" descr="C:/Users/Admin1/AppData/Roaming/PolarisOffice/ETemp/7504_22066552/fImage118653389358.png"/>
           <p:cNvPicPr>
             <a:picLocks noChangeAspect="1"/>
           </p:cNvPicPr>
           <p:nvPr/>
         </p:nvPicPr>
         <p:blipFill rotWithShape="1">
-          <a:blip r:embed="rId8" cstate="print">
+          <a:blip r:embed="rId11" cstate="print">
             <a:extLst>
               <a:ext uri="{28A0092B-C50C-407E-A947-70E740481C1C}">
                 <a14:useLocalDpi xmlns:a14="http://schemas.microsoft.com/office/drawing/2010/main" val="0"/>
@@ -11510,8 +12501,8 @@
         </p:blipFill>
         <p:spPr>
           <a:xfrm rot="0">
-            <a:off x="1223645" y="1337945"/>
-            <a:ext cx="1310640" cy="1196340"/>
+            <a:off x="6817995" y="1452880"/>
+            <a:ext cx="4144010" cy="1532255"/>
           </a:xfrm>
           <a:prstGeom prst="roundRect"/>
           <a:solidFill>
@@ -11519,215 +12510,19 @@
           </a:solidFill>
         </p:spPr>
       </p:pic>
-      <p:sp>
-        <p:nvSpPr>
-          <p:cNvPr id="1202" name="텍스트 상자 112"/>
-          <p:cNvSpPr txBox="1">
-            <a:spLocks/>
-          </p:cNvSpPr>
-          <p:nvPr/>
-        </p:nvSpPr>
-        <p:spPr>
-          <a:xfrm>
-            <a:off x="1206500" y="2649220"/>
-            <a:ext cx="4166870" cy="1477645"/>
-          </a:xfrm>
-          <a:prstGeom prst="rect"/>
-          <a:noFill/>
-          <a:ln w="0">
-            <a:noFill/>
-            <a:prstDash/>
-          </a:ln>
-        </p:spPr>
-        <p:txBody>
-          <a:bodyPr wrap="square" lIns="89535" tIns="46355" rIns="89535" bIns="46355" numCol="1" vert="horz" anchor="t">
-            <a:spAutoFit/>
-          </a:bodyPr>
-          <a:lstStyle/>
-          <a:p>
-            <a:pPr marL="0" indent="0" rtl="0" algn="l" defTabSz="914400" eaLnBrk="1" latinLnBrk="0" hangingPunct="1">
-              <a:buFontTx/>
-              <a:buNone/>
-            </a:pPr>
-            <a:r>
-              <a:rPr lang="ko-KR" sz="1800" b="1">
-                <a:solidFill>
-                  <a:srgbClr val="0611F2"/>
-                </a:solidFill>
-                <a:latin typeface="맑은 고딕" charset="0"/>
-                <a:ea typeface="맑은 고딕" charset="0"/>
-              </a:rPr>
-              <a:t>1</a:t>
-            </a:r>
-            <a:r>
-              <a:rPr lang="ko-KR" sz="1800" b="1">
-                <a:solidFill>
-                  <a:srgbClr val="0611F2"/>
-                </a:solidFill>
-                <a:latin typeface="맑은 고딕" charset="0"/>
-                <a:ea typeface="맑은 고딕" charset="0"/>
-              </a:rPr>
-              <a:t>7</a:t>
-            </a:r>
-            <a:r>
-              <a:rPr sz="1800" b="1">
-                <a:solidFill>
-                  <a:srgbClr val="0611F2"/>
-                </a:solidFill>
-                <a:latin typeface="맑은 고딕" charset="0"/>
-                <a:ea typeface="맑은 고딕" charset="0"/>
-              </a:rPr>
-              <a:t>.</a:t>
-            </a:r>
-            <a:r>
-              <a:rPr sz="1800">
-                <a:latin typeface="맑은 고딕" charset="0"/>
-                <a:ea typeface="맑은 고딕" charset="0"/>
-              </a:rPr>
-              <a:t> </a:t>
-            </a:r>
-            <a:r>
-              <a:rPr lang="ko-KR" sz="1800">
-                <a:latin typeface="맑은 고딕" charset="0"/>
-                <a:ea typeface="맑은 고딕" charset="0"/>
-              </a:rPr>
-              <a:t>이제 Project 폴더에서 Texture에 Wood 텍스처를 선택합니다.</a:t>
-            </a:r>
-            <a:endParaRPr lang="ko-KR" altLang="en-US" sz="1800">
-              <a:latin typeface="맑은 고딕" charset="0"/>
-              <a:ea typeface="맑은 고딕" charset="0"/>
-            </a:endParaRPr>
-          </a:p>
-          <a:p>
-            <a:pPr marL="0" indent="0" rtl="0" algn="l" defTabSz="914400" eaLnBrk="1" latinLnBrk="0" hangingPunct="1">
-              <a:buFontTx/>
-              <a:buNone/>
-            </a:pPr>
-            <a:endParaRPr lang="ko-KR" altLang="en-US" sz="1800">
-              <a:latin typeface="맑은 고딕" charset="0"/>
-              <a:ea typeface="맑은 고딕" charset="0"/>
-            </a:endParaRPr>
-          </a:p>
-          <a:p>
-            <a:pPr marL="0" indent="0" rtl="0" algn="l" defTabSz="914400" eaLnBrk="1" latinLnBrk="0" hangingPunct="1">
-              <a:buFontTx/>
-              <a:buNone/>
-            </a:pPr>
-            <a:r>
-              <a:rPr lang="ko-KR" sz="1800">
-                <a:latin typeface="맑은 고딕" charset="0"/>
-                <a:ea typeface="맑은 고딕" charset="0"/>
-              </a:rPr>
-              <a:t>그리고 Right Wall 오브젝트와 Left Wall 오브젝트에 넣어줍니다.</a:t>
-            </a:r>
-            <a:endParaRPr lang="ko-KR" altLang="en-US" sz="1800">
-              <a:latin typeface="맑은 고딕" charset="0"/>
-              <a:ea typeface="맑은 고딕" charset="0"/>
-            </a:endParaRPr>
-          </a:p>
-        </p:txBody>
-      </p:sp>
-      <p:sp>
-        <p:nvSpPr>
-          <p:cNvPr id="1203" name="텍스트 상자 129"/>
-          <p:cNvSpPr txBox="1">
-            <a:spLocks/>
-          </p:cNvSpPr>
-          <p:nvPr/>
-        </p:nvSpPr>
-        <p:spPr>
-          <a:xfrm>
-            <a:off x="1223645" y="5589905"/>
-            <a:ext cx="3943985" cy="677545"/>
-          </a:xfrm>
-          <a:prstGeom prst="rect"/>
-          <a:noFill/>
-          <a:ln w="0">
-            <a:noFill/>
-            <a:prstDash/>
-          </a:ln>
-        </p:spPr>
-        <p:txBody>
-          <a:bodyPr wrap="square" lIns="89535" tIns="46355" rIns="89535" bIns="46355" numCol="1" vert="horz" anchor="t">
-            <a:spAutoFit/>
-          </a:bodyPr>
-          <a:lstStyle/>
-          <a:p>
-            <a:pPr marL="0" indent="0" rtl="0" algn="l" defTabSz="914400" eaLnBrk="1" latinLnBrk="0" hangingPunct="1">
-              <a:buFontTx/>
-              <a:buNone/>
-            </a:pPr>
-            <a:r>
-              <a:rPr sz="2000" b="1">
-                <a:solidFill>
-                  <a:srgbClr val="0611F2"/>
-                </a:solidFill>
-                <a:latin typeface="맑은 고딕" charset="0"/>
-                <a:ea typeface="맑은 고딕" charset="0"/>
-              </a:rPr>
-              <a:t>1</a:t>
-            </a:r>
-            <a:r>
-              <a:rPr sz="2000" b="1">
-                <a:solidFill>
-                  <a:srgbClr val="0611F2"/>
-                </a:solidFill>
-                <a:latin typeface="맑은 고딕" charset="0"/>
-                <a:ea typeface="맑은 고딕" charset="0"/>
-              </a:rPr>
-              <a:t>8</a:t>
-            </a:r>
-            <a:r>
-              <a:rPr sz="2000" b="1">
-                <a:solidFill>
-                  <a:srgbClr val="0611F2"/>
-                </a:solidFill>
-                <a:latin typeface="맑은 고딕" charset="0"/>
-                <a:ea typeface="맑은 고딕" charset="0"/>
-              </a:rPr>
-              <a:t>. </a:t>
-            </a:r>
-            <a:r>
-              <a:rPr sz="1800">
-                <a:latin typeface="맑은 고딕" charset="0"/>
-                <a:ea typeface="맑은 고딕" charset="0"/>
-              </a:rPr>
-              <a:t>그런 다음 </a:t>
-            </a:r>
-            <a:r>
-              <a:rPr lang="ko-KR" sz="1800">
-                <a:latin typeface="맑은 고딕" charset="0"/>
-                <a:ea typeface="맑은 고딕" charset="0"/>
-              </a:rPr>
-              <a:t>Character</a:t>
-            </a:r>
-            <a:r>
-              <a:rPr sz="1800">
-                <a:latin typeface="맑은 고딕" charset="0"/>
-                <a:ea typeface="맑은 고딕" charset="0"/>
-              </a:rPr>
-              <a:t> 오브젝트에 Rigidbody 컴포넌트를 추가합니다.</a:t>
-            </a:r>
-            <a:endParaRPr lang="ko-KR" altLang="en-US" sz="1800">
-              <a:latin typeface="맑은 고딕" charset="0"/>
-              <a:ea typeface="맑은 고딕" charset="0"/>
-            </a:endParaRPr>
-          </a:p>
-        </p:txBody>
-      </p:sp>
       <p:pic>
         <p:nvPicPr>
-          <p:cNvPr id="1204" name="그림 130" descr="C:/Users/Admin1/AppData/Roaming/PolarisOffice/ETemp/20556_22124416/fImage57282885436.png"/>
+          <p:cNvPr id="1197" name="그림 43" descr="C:/Users/Admin1/AppData/Roaming/PolarisOffice/ETemp/7504_22066552/fImage68473396962.png"/>
           <p:cNvPicPr>
             <a:picLocks noChangeAspect="1"/>
           </p:cNvPicPr>
           <p:nvPr/>
         </p:nvPicPr>
         <p:blipFill rotWithShape="1">
-          <a:blip r:embed="rId9" cstate="hqprint">
+          <a:blip r:embed="rId12" cstate="print">
             <a:extLst>
               <a:ext uri="{28A0092B-C50C-407E-A947-70E740481C1C}">
-                <a14:useLocalDpi xmlns:a14="http://schemas.microsoft.com/office/drawing/2010/main"/>
+                <a14:useLocalDpi xmlns:a14="http://schemas.microsoft.com/office/drawing/2010/main" val="0"/>
               </a:ext>
             </a:extLst>
           </a:blip>
@@ -11737,8 +12532,8 @@
         </p:blipFill>
         <p:spPr>
           <a:xfrm rot="0">
-            <a:off x="1229995" y="4304665"/>
-            <a:ext cx="4133850" cy="1168400"/>
+            <a:off x="8048625" y="3897630"/>
+            <a:ext cx="2905760" cy="1230630"/>
           </a:xfrm>
           <a:prstGeom prst="roundRect"/>
           <a:solidFill>
@@ -11746,16 +12541,47 @@
           </a:solidFill>
         </p:spPr>
       </p:pic>
+      <p:pic>
+        <p:nvPicPr>
+          <p:cNvPr id="1198" name="그림 46" descr="C:/Users/Admin1/AppData/Roaming/PolarisOffice/ETemp/7504_22066552/fImage58723414464.png"/>
+          <p:cNvPicPr>
+            <a:picLocks noChangeAspect="1"/>
+          </p:cNvPicPr>
+          <p:nvPr/>
+        </p:nvPicPr>
+        <p:blipFill rotWithShape="1">
+          <a:blip r:embed="rId13" cstate="print">
+            <a:extLst>
+              <a:ext uri="{28A0092B-C50C-407E-A947-70E740481C1C}">
+                <a14:useLocalDpi xmlns:a14="http://schemas.microsoft.com/office/drawing/2010/main" val="0"/>
+              </a:ext>
+            </a:extLst>
+          </a:blip>
+          <a:stretch>
+            <a:fillRect/>
+          </a:stretch>
+        </p:blipFill>
+        <p:spPr>
+          <a:xfrm rot="0">
+            <a:off x="6826250" y="3889375"/>
+            <a:ext cx="1096010" cy="1247140"/>
+          </a:xfrm>
+          <a:prstGeom prst="roundRect"/>
+          <a:solidFill>
+            <a:srgbClr val="EDEDED"/>
+          </a:solidFill>
+        </p:spPr>
+      </p:pic>
       <p:cxnSp>
         <p:nvCxnSpPr>
-          <p:cNvPr id="1205" name="도형 39"/>
+          <p:cNvPr id="1199" name="도형 49"/>
           <p:cNvCxnSpPr/>
           <p:nvPr/>
         </p:nvCxnSpPr>
         <p:spPr>
-          <a:xfrm rot="0" flipH="1">
-            <a:off x="2130425" y="1983105"/>
-            <a:ext cx="1368425" cy="243205"/>
+          <a:xfrm rot="0">
+            <a:off x="7667625" y="4683125"/>
+            <a:ext cx="3183255" cy="151765"/>
           </a:xfrm>
           <a:prstGeom prst="straightConnector1"/>
           <a:ln w="6350" cap="flat" cmpd="sng">
@@ -11779,39 +12605,94 @@
           </a:fontRef>
         </p:style>
       </p:cxnSp>
-      <p:cxnSp>
-        <p:nvCxnSpPr>
-          <p:cNvPr id="1206" name="도형 40"/>
-          <p:cNvCxnSpPr/>
+      <p:sp>
+        <p:nvSpPr>
+          <p:cNvPr id="1200" name="텍스트 상자 50"/>
+          <p:cNvSpPr txBox="1">
+            <a:spLocks/>
+          </p:cNvSpPr>
           <p:nvPr/>
-        </p:nvCxnSpPr>
-        <p:spPr>
-          <a:xfrm rot="0" flipH="1">
-            <a:off x="2052320" y="1983105"/>
-            <a:ext cx="1464310" cy="476885"/>
-          </a:xfrm>
-          <a:prstGeom prst="straightConnector1"/>
-          <a:ln w="6350" cap="flat" cmpd="sng">
+        </p:nvSpPr>
+        <p:spPr>
+          <a:xfrm rot="0">
+            <a:off x="6809740" y="5253990"/>
+            <a:ext cx="4152265" cy="923925"/>
+          </a:xfrm>
+          <a:prstGeom prst="rect"/>
+          <a:noFill/>
+          <a:ln w="0">
+            <a:noFill/>
             <a:prstDash/>
-            <a:headEnd type="none" w="med" len="med"/>
-            <a:tailEnd type="triangle" w="med" len="med"/>
           </a:ln>
         </p:spPr>
-        <p:style>
-          <a:lnRef idx="1">
-            <a:schemeClr val="accent1"/>
-          </a:lnRef>
-          <a:fillRef idx="0">
-            <a:schemeClr val="accent1"/>
-          </a:fillRef>
-          <a:effectRef idx="0">
-            <a:schemeClr val="accent1"/>
-          </a:effectRef>
-          <a:fontRef idx="minor">
-            <a:schemeClr val="tx1"/>
-          </a:fontRef>
-        </p:style>
-      </p:cxnSp>
+        <p:txBody>
+          <a:bodyPr wrap="square" lIns="89535" tIns="46355" rIns="89535" bIns="46355" numCol="1" vert="horz" anchor="t">
+            <a:spAutoFit/>
+          </a:bodyPr>
+          <a:lstStyle/>
+          <a:p>
+            <a:pPr marL="0" indent="0" rtl="0" algn="l" defTabSz="914400" eaLnBrk="1" latinLnBrk="0" hangingPunct="1">
+              <a:buFontTx/>
+              <a:buNone/>
+            </a:pPr>
+            <a:r>
+              <a:rPr sz="1800" b="1">
+                <a:solidFill>
+                  <a:srgbClr val="0611F2"/>
+                </a:solidFill>
+                <a:latin typeface="맑은 고딕" charset="0"/>
+                <a:ea typeface="맑은 고딕" charset="0"/>
+              </a:rPr>
+              <a:t>1</a:t>
+            </a:r>
+            <a:r>
+              <a:rPr lang="ko-KR" sz="1800" b="1">
+                <a:solidFill>
+                  <a:srgbClr val="0611F2"/>
+                </a:solidFill>
+                <a:latin typeface="맑은 고딕" charset="0"/>
+                <a:ea typeface="맑은 고딕" charset="0"/>
+              </a:rPr>
+              <a:t>8</a:t>
+            </a:r>
+            <a:r>
+              <a:rPr sz="1800" b="1">
+                <a:solidFill>
+                  <a:srgbClr val="0611F2"/>
+                </a:solidFill>
+                <a:latin typeface="맑은 고딕" charset="0"/>
+                <a:ea typeface="맑은 고딕" charset="0"/>
+              </a:rPr>
+              <a:t>.</a:t>
+            </a:r>
+            <a:r>
+              <a:rPr sz="1800">
+                <a:latin typeface="맑은 고딕" charset="0"/>
+                <a:ea typeface="맑은 고딕" charset="0"/>
+              </a:rPr>
+              <a:t> </a:t>
+            </a:r>
+            <a:r>
+              <a:rPr lang="ko-KR" sz="1800">
+                <a:latin typeface="맑은 고딕" charset="0"/>
+                <a:ea typeface="맑은 고딕" charset="0"/>
+              </a:rPr>
+              <a:t>그</a:t>
+            </a:r>
+            <a:r>
+              <a:rPr lang="ko-KR" sz="1800">
+                <a:latin typeface="맑은 고딕" charset="0"/>
+                <a:ea typeface="맑은 고딕" charset="0"/>
+              </a:rPr>
+              <a:t>러고 나서 Arrival 스크립트에 있는 Arrive 변수에 Arrive Point 오브젝트를 넣어줍니다.</a:t>
+            </a:r>
+            <a:endParaRPr lang="ko-KR" altLang="en-US" sz="1800">
+              <a:latin typeface="맑은 고딕" charset="0"/>
+              <a:ea typeface="맑은 고딕" charset="0"/>
+            </a:endParaRPr>
+          </a:p>
+        </p:txBody>
+      </p:sp>
     </p:spTree>
   </p:cSld>
   <p:clrMapOvr>
@@ -11862,8 +12743,8 @@
         </p:nvSpPr>
         <p:spPr>
           <a:xfrm rot="0">
-            <a:off x="4804410" y="346075"/>
-            <a:ext cx="2854325" cy="478155"/>
+            <a:off x="4425315" y="372110"/>
+            <a:ext cx="3347720" cy="478155"/>
           </a:xfrm>
           <a:prstGeom prst="rect"/>
           <a:noFill/>
@@ -11878,7 +12759,7 @@
           </a:bodyPr>
           <a:lstStyle/>
           <a:p>
-            <a:pPr marL="0" indent="0" algn="l" latinLnBrk="0">
+            <a:pPr marL="0" indent="0" algn="ctr" latinLnBrk="0">
               <a:buFontTx/>
               <a:buNone/>
             </a:pPr>
@@ -11890,7 +12771,17 @@
                 <a:latin typeface="나눔바른고딕" charset="0"/>
                 <a:ea typeface="나눔바른고딕" charset="0"/>
               </a:rPr>
-              <a:t>여섯 번째 튜토리얼</a:t>
+              <a:t>일곱</a:t>
+            </a:r>
+            <a:r>
+              <a:rPr lang="ko-KR" altLang="en-US" sz="2500" b="1">
+                <a:solidFill>
+                  <a:schemeClr val="tx1"/>
+                </a:solidFill>
+                <a:latin typeface="나눔바른고딕" charset="0"/>
+                <a:ea typeface="나눔바른고딕" charset="0"/>
+              </a:rPr>
+              <a:t> 번째 튜토리얼</a:t>
             </a:r>
             <a:endParaRPr lang="ko-KR" altLang="en-US" sz="2500" b="1">
               <a:solidFill>
@@ -11902,9 +12793,109 @@
           </a:p>
         </p:txBody>
       </p:sp>
+      <p:sp>
+        <p:nvSpPr>
+          <p:cNvPr id="1192" name="Rect 0"/>
+          <p:cNvSpPr txBox="1">
+            <a:spLocks/>
+          </p:cNvSpPr>
+          <p:nvPr/>
+        </p:nvSpPr>
+        <p:spPr>
+          <a:xfrm rot="0">
+            <a:off x="6829425" y="5275580"/>
+            <a:ext cx="4124325" cy="923925"/>
+          </a:xfrm>
+          <a:prstGeom prst="rect"/>
+          <a:noFill/>
+          <a:ln w="0">
+            <a:noFill/>
+            <a:prstDash/>
+          </a:ln>
+        </p:spPr>
+        <p:txBody>
+          <a:bodyPr wrap="square" lIns="89535" tIns="46355" rIns="89535" bIns="46355" numCol="1" vert="horz" anchor="t">
+            <a:spAutoFit/>
+          </a:bodyPr>
+          <a:lstStyle/>
+          <a:p>
+            <a:pPr marL="0" indent="0" rtl="0" algn="l" defTabSz="914400" eaLnBrk="1" latinLnBrk="0" hangingPunct="1">
+              <a:buFontTx/>
+              <a:buNone/>
+            </a:pPr>
+            <a:r>
+              <a:rPr sz="1800" b="1">
+                <a:solidFill>
+                  <a:srgbClr val="0611F2"/>
+                </a:solidFill>
+                <a:latin typeface="맑은 고딕" charset="0"/>
+                <a:ea typeface="맑은 고딕" charset="0"/>
+              </a:rPr>
+              <a:t>20</a:t>
+            </a:r>
+            <a:r>
+              <a:rPr sz="1800" b="1">
+                <a:solidFill>
+                  <a:srgbClr val="0611F2"/>
+                </a:solidFill>
+                <a:latin typeface="맑은 고딕" charset="0"/>
+                <a:ea typeface="맑은 고딕" charset="0"/>
+              </a:rPr>
+              <a:t>.</a:t>
+            </a:r>
+            <a:r>
+              <a:rPr sz="1800">
+                <a:latin typeface="맑은 고딕" charset="0"/>
+                <a:ea typeface="맑은 고딕" charset="0"/>
+              </a:rPr>
+              <a:t> </a:t>
+            </a:r>
+            <a:r>
+              <a:rPr lang="ko-KR" sz="1800">
+                <a:latin typeface="맑은 고딕" charset="0"/>
+                <a:ea typeface="맑은 고딕" charset="0"/>
+              </a:rPr>
+              <a:t>그다음 NavMeshAgent가 이동할 수 있는 범위를 설정한 상태에서 Bake를 선택합니다.</a:t>
+            </a:r>
+            <a:endParaRPr lang="ko-KR" altLang="en-US" sz="1800">
+              <a:latin typeface="맑은 고딕" charset="0"/>
+              <a:ea typeface="맑은 고딕" charset="0"/>
+            </a:endParaRPr>
+          </a:p>
+        </p:txBody>
+      </p:sp>
       <p:pic>
         <p:nvPicPr>
-          <p:cNvPr id="1207" name="그림 134" descr="C:/Users/Admin1/AppData/Roaming/PolarisOffice/ETemp/20556_22124416/fImage55542912391.png"/>
+          <p:cNvPr id="1199" name="그림 127" descr="C:/Users/Admin1/AppData/Roaming/PolarisOffice/ETemp/7504_22066552/fImage243783454827.png"/>
+          <p:cNvPicPr>
+            <a:picLocks noChangeAspect="1"/>
+          </p:cNvPicPr>
+          <p:nvPr/>
+        </p:nvPicPr>
+        <p:blipFill rotWithShape="1">
+          <a:blip r:embed="rId3" cstate="hqprint">
+            <a:extLst>
+              <a:ext uri="{28A0092B-C50C-407E-A947-70E740481C1C}">
+                <a14:useLocalDpi xmlns:a14="http://schemas.microsoft.com/office/drawing/2010/main"/>
+              </a:ext>
+            </a:extLst>
+          </a:blip>
+          <a:stretch>
+            <a:fillRect/>
+          </a:stretch>
+        </p:blipFill>
+        <p:spPr>
+          <a:xfrm rot="0">
+            <a:off x="6829425" y="1457325"/>
+            <a:ext cx="4124960" cy="3658235"/>
+          </a:xfrm>
+          <a:prstGeom prst="rect"/>
+          <a:noFill/>
+        </p:spPr>
+      </p:pic>
+      <p:pic>
+        <p:nvPicPr>
+          <p:cNvPr id="1200" name="그림 110" descr="C:/Users/Admin1/AppData/Roaming/PolarisOffice/ETemp/7504_22066552/fImage168522681942.png"/>
           <p:cNvPicPr>
             <a:picLocks noChangeAspect="1"/>
           </p:cNvPicPr>
@@ -11924,8 +12915,8 @@
         </p:blipFill>
         <p:spPr>
           <a:xfrm rot="0">
-            <a:off x="3790950" y="2943225"/>
-            <a:ext cx="1572895" cy="1372870"/>
+            <a:off x="2661920" y="1445895"/>
+            <a:ext cx="2711450" cy="1048385"/>
           </a:xfrm>
           <a:prstGeom prst="roundRect"/>
           <a:solidFill>
@@ -11935,16 +12926,16 @@
       </p:pic>
       <p:sp>
         <p:nvSpPr>
-          <p:cNvPr id="1208" name="텍스트 상자 137"/>
+          <p:cNvPr id="1202" name="텍스트 상자 112"/>
           <p:cNvSpPr txBox="1">
             <a:spLocks/>
           </p:cNvSpPr>
           <p:nvPr/>
         </p:nvSpPr>
         <p:spPr>
-          <a:xfrm>
-            <a:off x="1047750" y="4457065"/>
-            <a:ext cx="4316095" cy="1754505"/>
+          <a:xfrm rot="0">
+            <a:off x="1229995" y="2661285"/>
+            <a:ext cx="4139565" cy="1200785"/>
           </a:xfrm>
           <a:prstGeom prst="rect"/>
           <a:noFill/>
@@ -11964,6 +12955,26 @@
               <a:buNone/>
             </a:pPr>
             <a:r>
+              <a:rPr lang="ko-KR" sz="1800" b="1">
+                <a:solidFill>
+                  <a:srgbClr val="0611F2"/>
+                </a:solidFill>
+                <a:latin typeface="맑은 고딕" charset="0"/>
+                <a:ea typeface="맑은 고딕" charset="0"/>
+              </a:rPr>
+              <a:t>1</a:t>
+            </a:r>
+            <a:r>
+              <a:rPr lang="ko-KR" sz="1800" b="1">
+                <a:solidFill>
+                  <a:srgbClr val="0611F2"/>
+                </a:solidFill>
+                <a:latin typeface="맑은 고딕" charset="0"/>
+                <a:ea typeface="맑은 고딕" charset="0"/>
+              </a:rPr>
+              <a:t>8</a:t>
+            </a:r>
+            <a:r>
               <a:rPr sz="1800" b="1">
                 <a:solidFill>
                   <a:srgbClr val="0611F2"/>
@@ -11971,16 +12982,6 @@
                 <a:latin typeface="맑은 고딕" charset="0"/>
                 <a:ea typeface="맑은 고딕" charset="0"/>
               </a:rPr>
-              <a:t>20</a:t>
-            </a:r>
-            <a:r>
-              <a:rPr sz="1800" b="1">
-                <a:solidFill>
-                  <a:srgbClr val="0611F2"/>
-                </a:solidFill>
-                <a:latin typeface="맑은 고딕" charset="0"/>
-                <a:ea typeface="맑은 고딕" charset="0"/>
-              </a:rPr>
               <a:t>.</a:t>
             </a:r>
             <a:r>
@@ -11995,97 +12996,70 @@
                 <a:latin typeface="맑은 고딕" charset="0"/>
                 <a:ea typeface="맑은 고딕" charset="0"/>
               </a:rPr>
-              <a:t>그리고 </a:t>
-            </a:r>
-            <a:r>
-              <a:rPr sz="1800">
-                <a:latin typeface="맑은 고딕" charset="0"/>
-                <a:ea typeface="맑은 고딕" charset="0"/>
-              </a:rPr>
-              <a:t>3D Object를 선택한 다음 Capsule 게임 오브젝트</a:t>
+              <a:t>이제 Project 폴더</a:t>
             </a:r>
             <a:r>
               <a:rPr lang="ko-KR" sz="1800">
                 <a:latin typeface="맑은 고딕" charset="0"/>
                 <a:ea typeface="맑은 고딕" charset="0"/>
               </a:rPr>
-              <a:t>를</a:t>
-            </a:r>
-            <a:r>
-              <a:rPr sz="1800">
-                <a:latin typeface="맑은 고딕" charset="0"/>
-                <a:ea typeface="맑은 고딕" charset="0"/>
-              </a:rPr>
-              <a:t> 2</a:t>
+              <a:t> 아래에 있는</a:t>
             </a:r>
             <a:r>
               <a:rPr lang="ko-KR" sz="1800">
                 <a:latin typeface="맑은 고딕" charset="0"/>
                 <a:ea typeface="맑은 고딕" charset="0"/>
               </a:rPr>
-              <a:t>개</a:t>
-            </a:r>
-            <a:r>
-              <a:rPr sz="1800">
-                <a:latin typeface="맑은 고딕" charset="0"/>
-                <a:ea typeface="맑은 고딕" charset="0"/>
-              </a:rPr>
-              <a:t> 생성합니다.</a:t>
+              <a:t> Texture</a:t>
+            </a:r>
+            <a:r>
+              <a:rPr lang="ko-KR" sz="1800">
+                <a:latin typeface="맑은 고딕" charset="0"/>
+                <a:ea typeface="맑은 고딕" charset="0"/>
+              </a:rPr>
+              <a:t> 폴더</a:t>
+            </a:r>
+            <a:r>
+              <a:rPr lang="ko-KR" sz="1800">
+                <a:latin typeface="맑은 고딕" charset="0"/>
+                <a:ea typeface="맑은 고딕" charset="0"/>
+              </a:rPr>
+              <a:t>에 Wood 텍스처를 선택</a:t>
+            </a:r>
+            <a:r>
+              <a:rPr lang="ko-KR" sz="1800">
+                <a:latin typeface="맑은 고딕" charset="0"/>
+                <a:ea typeface="맑은 고딕" charset="0"/>
+              </a:rPr>
+              <a:t>하고 </a:t>
+            </a:r>
+            <a:r>
+              <a:rPr lang="ko-KR" sz="1800">
+                <a:latin typeface="맑은 고딕" charset="0"/>
+                <a:ea typeface="맑은 고딕" charset="0"/>
+              </a:rPr>
+              <a:t>Right Wall 오브젝트와 Left Wall 오브젝트에 넣어줍니다.</a:t>
             </a:r>
             <a:endParaRPr lang="ko-KR" altLang="en-US" sz="1800">
               <a:latin typeface="맑은 고딕" charset="0"/>
               <a:ea typeface="맑은 고딕" charset="0"/>
             </a:endParaRPr>
           </a:p>
-          <a:p>
-            <a:pPr marL="0" indent="0" rtl="0" algn="l" defTabSz="914400" eaLnBrk="1" latinLnBrk="0" hangingPunct="1">
-              <a:buFontTx/>
-              <a:buNone/>
-            </a:pPr>
-            <a:endParaRPr lang="ko-KR" altLang="en-US" sz="1800">
-              <a:latin typeface="맑은 고딕" charset="0"/>
-              <a:ea typeface="맑은 고딕" charset="0"/>
-            </a:endParaRPr>
-          </a:p>
-          <a:p>
-            <a:pPr marL="0" indent="0" rtl="0" algn="l" defTabSz="914400" eaLnBrk="1" latinLnBrk="0" hangingPunct="1">
-              <a:buFontTx/>
-              <a:buNone/>
-            </a:pPr>
-            <a:r>
-              <a:rPr sz="1800">
-                <a:latin typeface="맑은 고딕" charset="0"/>
-                <a:ea typeface="맑은 고딕" charset="0"/>
-              </a:rPr>
-              <a:t>그</a:t>
-            </a:r>
-            <a:r>
-              <a:rPr lang="ko-KR" sz="1800">
-                <a:latin typeface="맑은 고딕" charset="0"/>
-                <a:ea typeface="맑은 고딕" charset="0"/>
-              </a:rPr>
-              <a:t>다음 First Guard라는 이름과 Second Guard라는 이름으로 각각 정의합니다.</a:t>
-            </a:r>
-            <a:endParaRPr lang="ko-KR" altLang="en-US" sz="1800">
-              <a:latin typeface="맑은 고딕" charset="0"/>
-              <a:ea typeface="맑은 고딕" charset="0"/>
-            </a:endParaRPr>
-          </a:p>
         </p:txBody>
       </p:sp>
       <p:pic>
         <p:nvPicPr>
-          <p:cNvPr id="1209" name="그림 138" descr="C:/Users/Admin1/AppData/Roaming/PolarisOffice/ETemp/20556_22124416/fImage725725741.png"/>
+          <p:cNvPr id="1207" name="그림 34" descr="C:/Users/Admin1/AppData/Roaming/PolarisOffice/ETemp/7504_22066552/fImage65793345705.png"/>
           <p:cNvPicPr>
             <a:picLocks noChangeAspect="1"/>
           </p:cNvPicPr>
           <p:nvPr/>
         </p:nvPicPr>
         <p:blipFill rotWithShape="1">
-          <a:blip r:embed="rId8" cstate="hqprint">
+          <a:blip r:embed="rId10" cstate="print">
             <a:extLst>
               <a:ext uri="{28A0092B-C50C-407E-A947-70E740481C1C}">
-                <a14:useLocalDpi xmlns:a14="http://schemas.microsoft.com/office/drawing/2010/main"/>
+                <a14:useLocalDpi xmlns:a14="http://schemas.microsoft.com/office/drawing/2010/main" val="0"/>
               </a:ext>
             </a:extLst>
           </a:blip>
@@ -12095,8 +13069,8 @@
         </p:blipFill>
         <p:spPr>
           <a:xfrm rot="0">
-            <a:off x="1064895" y="1240790"/>
-            <a:ext cx="1804035" cy="3027680"/>
+            <a:off x="1238250" y="1445895"/>
+            <a:ext cx="1291590" cy="1048385"/>
           </a:xfrm>
           <a:prstGeom prst="roundRect"/>
           <a:solidFill>
@@ -12104,372 +13078,20 @@
           </a:solidFill>
         </p:spPr>
       </p:pic>
-      <p:pic>
-        <p:nvPicPr>
-          <p:cNvPr id="1210" name="그림 139" descr="C:/Users/Admin1/AppData/Roaming/PolarisOffice/ETemp/20556_22124416/fImage51372596334.png"/>
-          <p:cNvPicPr>
-            <a:picLocks noChangeAspect="1"/>
-          </p:cNvPicPr>
-          <p:nvPr/>
-        </p:nvPicPr>
-        <p:blipFill rotWithShape="1">
-          <a:blip r:embed="rId9" cstate="hqprint">
-            <a:extLst>
-              <a:ext uri="{28A0092B-C50C-407E-A947-70E740481C1C}">
-                <a14:useLocalDpi xmlns:a14="http://schemas.microsoft.com/office/drawing/2010/main"/>
-              </a:ext>
-            </a:extLst>
-          </a:blip>
-          <a:stretch>
-            <a:fillRect/>
-          </a:stretch>
-        </p:blipFill>
-        <p:spPr>
-          <a:xfrm rot="0">
-            <a:off x="3789045" y="1216025"/>
-            <a:ext cx="1574800" cy="1613535"/>
-          </a:xfrm>
-          <a:prstGeom prst="roundRect"/>
-          <a:solidFill>
-            <a:srgbClr val="EDEDED"/>
-          </a:solidFill>
-        </p:spPr>
-      </p:pic>
-      <p:pic>
-        <p:nvPicPr>
-          <p:cNvPr id="1211" name="그림 140" descr="C:/Users/Admin1/AppData/Roaming/PolarisOffice/ETemp/20556_22124416/fImage1437532588467.png"/>
-          <p:cNvPicPr>
-            <a:picLocks noChangeAspect="1"/>
-          </p:cNvPicPr>
-          <p:nvPr/>
-        </p:nvPicPr>
-        <p:blipFill rotWithShape="1">
-          <a:blip r:embed="rId10" cstate="hqprint">
-            <a:extLst>
-              <a:ext uri="{28A0092B-C50C-407E-A947-70E740481C1C}">
-                <a14:useLocalDpi xmlns:a14="http://schemas.microsoft.com/office/drawing/2010/main"/>
-              </a:ext>
-            </a:extLst>
-          </a:blip>
-          <a:stretch>
-            <a:fillRect/>
-          </a:stretch>
-        </p:blipFill>
-        <p:spPr>
-          <a:xfrm rot="0">
-            <a:off x="3061970" y="1851660"/>
-            <a:ext cx="521335" cy="350520"/>
-          </a:xfrm>
-          <a:prstGeom prst="rect"/>
-          <a:noFill/>
-        </p:spPr>
-      </p:pic>
-      <p:pic>
-        <p:nvPicPr>
-          <p:cNvPr id="1212" name="그림 141"/>
-          <p:cNvPicPr>
-            <a:picLocks noChangeAspect="1"/>
-          </p:cNvPicPr>
-          <p:nvPr/>
-        </p:nvPicPr>
-        <p:blipFill rotWithShape="1">
-          <a:blip r:embed="rId10" cstate="hqprint">
-            <a:extLst>
-              <a:ext uri="{28A0092B-C50C-407E-A947-70E740481C1C}">
-                <a14:useLocalDpi xmlns:a14="http://schemas.microsoft.com/office/drawing/2010/main"/>
-              </a:ext>
-            </a:extLst>
-          </a:blip>
-          <a:stretch>
-            <a:fillRect/>
-          </a:stretch>
-        </p:blipFill>
-        <p:spPr>
-          <a:xfrm rot="0">
-            <a:off x="3057525" y="3504565"/>
-            <a:ext cx="520700" cy="349885"/>
-          </a:xfrm>
-          <a:prstGeom prst="rect"/>
-          <a:noFill/>
-        </p:spPr>
-      </p:pic>
-      <p:sp>
-        <p:nvSpPr>
-          <p:cNvPr id="1213" name="텍스트 상자 142"/>
-          <p:cNvSpPr txBox="1">
-            <a:spLocks/>
-          </p:cNvSpPr>
-          <p:nvPr/>
-        </p:nvSpPr>
-        <p:spPr>
-          <a:xfrm>
-            <a:off x="6831965" y="2247265"/>
-            <a:ext cx="4037330" cy="923925"/>
-          </a:xfrm>
-          <a:prstGeom prst="rect"/>
-          <a:noFill/>
-          <a:ln w="0">
-            <a:noFill/>
-            <a:prstDash/>
-          </a:ln>
-        </p:spPr>
-        <p:txBody>
-          <a:bodyPr wrap="square" lIns="89535" tIns="46355" rIns="89535" bIns="46355" numCol="1" vert="horz" anchor="t">
-            <a:spAutoFit/>
-          </a:bodyPr>
-          <a:lstStyle/>
-          <a:p>
-            <a:pPr marL="0" indent="0" rtl="0" algn="l" defTabSz="914400" eaLnBrk="1" latinLnBrk="0" hangingPunct="1">
-              <a:buFontTx/>
-              <a:buNone/>
-            </a:pPr>
-            <a:r>
-              <a:rPr sz="1800" b="1">
-                <a:solidFill>
-                  <a:srgbClr val="0611F2"/>
-                </a:solidFill>
-                <a:latin typeface="맑은 고딕" charset="0"/>
-                <a:ea typeface="맑은 고딕" charset="0"/>
-              </a:rPr>
-              <a:t>21</a:t>
-            </a:r>
-            <a:r>
-              <a:rPr sz="1800" b="1">
-                <a:solidFill>
-                  <a:srgbClr val="0611F2"/>
-                </a:solidFill>
-                <a:latin typeface="맑은 고딕" charset="0"/>
-                <a:ea typeface="맑은 고딕" charset="0"/>
-              </a:rPr>
-              <a:t>.</a:t>
-            </a:r>
-            <a:r>
-              <a:rPr sz="1800">
-                <a:latin typeface="맑은 고딕" charset="0"/>
-                <a:ea typeface="맑은 고딕" charset="0"/>
-              </a:rPr>
-              <a:t> 그</a:t>
-            </a:r>
-            <a:r>
-              <a:rPr lang="ko-KR" sz="1800">
-                <a:latin typeface="맑은 고딕" charset="0"/>
-                <a:ea typeface="맑은 고딕" charset="0"/>
-              </a:rPr>
-              <a:t>런 다음 First Guard 오브젝트와 Second Guard 오브젝트에 Nav Mesh Agent 컴포넌트를 추가합니다.</a:t>
-            </a:r>
-            <a:endParaRPr lang="ko-KR" altLang="en-US" sz="1800">
-              <a:latin typeface="맑은 고딕" charset="0"/>
-              <a:ea typeface="맑은 고딕" charset="0"/>
-            </a:endParaRPr>
-          </a:p>
-        </p:txBody>
-      </p:sp>
-      <p:pic>
-        <p:nvPicPr>
-          <p:cNvPr id="1214" name="그림 143"/>
-          <p:cNvPicPr>
-            <a:picLocks noChangeAspect="1"/>
-          </p:cNvPicPr>
-          <p:nvPr/>
-        </p:nvPicPr>
-        <p:blipFill rotWithShape="1">
-          <a:blip r:embed="rId11" cstate="hqprint">
-            <a:extLst>
-              <a:ext uri="{28A0092B-C50C-407E-A947-70E740481C1C}">
-                <a14:useLocalDpi xmlns:a14="http://schemas.microsoft.com/office/drawing/2010/main"/>
-              </a:ext>
-            </a:extLst>
-          </a:blip>
-          <a:stretch>
-            <a:fillRect/>
-          </a:stretch>
-        </p:blipFill>
-        <p:spPr>
-          <a:xfrm rot="0">
-            <a:off x="6829425" y="1238250"/>
-            <a:ext cx="4020185" cy="924560"/>
-          </a:xfrm>
-          <a:prstGeom prst="roundRect"/>
-          <a:solidFill>
-            <a:srgbClr val="EDEDED"/>
-          </a:solidFill>
-        </p:spPr>
-      </p:pic>
-      <p:pic>
-        <p:nvPicPr>
-          <p:cNvPr id="1215" name="그림 144" descr="C:/Users/Admin1/AppData/Roaming/PolarisOffice/ETemp/20556_22124416/fImage169032994604.png"/>
-          <p:cNvPicPr>
-            <a:picLocks noChangeAspect="1"/>
-          </p:cNvPicPr>
-          <p:nvPr/>
-        </p:nvPicPr>
-        <p:blipFill rotWithShape="1">
-          <a:blip r:embed="rId12" cstate="hqprint">
-            <a:extLst>
-              <a:ext uri="{28A0092B-C50C-407E-A947-70E740481C1C}">
-                <a14:useLocalDpi xmlns:a14="http://schemas.microsoft.com/office/drawing/2010/main"/>
-              </a:ext>
-            </a:extLst>
-          </a:blip>
-          <a:stretch>
-            <a:fillRect/>
-          </a:stretch>
-        </p:blipFill>
-        <p:spPr>
-          <a:xfrm rot="0">
-            <a:off x="8343900" y="3324225"/>
-            <a:ext cx="2534920" cy="1010285"/>
-          </a:xfrm>
-          <a:prstGeom prst="roundRect"/>
-          <a:solidFill>
-            <a:srgbClr val="EDEDED"/>
-          </a:solidFill>
-        </p:spPr>
-      </p:pic>
-      <p:pic>
-        <p:nvPicPr>
-          <p:cNvPr id="1216" name="그림 147" descr="C:/Users/Admin1/AppData/Roaming/PolarisOffice/ETemp/20556_22124416/fImage55543003902.png"/>
-          <p:cNvPicPr>
-            <a:picLocks noChangeAspect="1"/>
-          </p:cNvPicPr>
-          <p:nvPr/>
-        </p:nvPicPr>
-        <p:blipFill rotWithShape="1">
-          <a:blip r:embed="rId13" cstate="hqprint">
-            <a:extLst>
-              <a:ext uri="{28A0092B-C50C-407E-A947-70E740481C1C}">
-                <a14:useLocalDpi xmlns:a14="http://schemas.microsoft.com/office/drawing/2010/main"/>
-              </a:ext>
-            </a:extLst>
-          </a:blip>
-          <a:stretch>
-            <a:fillRect/>
-          </a:stretch>
-        </p:blipFill>
-        <p:spPr>
-          <a:xfrm rot="0">
-            <a:off x="6824980" y="3319780"/>
-            <a:ext cx="1263015" cy="1005205"/>
-          </a:xfrm>
-          <a:prstGeom prst="roundRect"/>
-          <a:solidFill>
-            <a:srgbClr val="EDEDED"/>
-          </a:solidFill>
-        </p:spPr>
-      </p:pic>
-      <p:sp>
-        <p:nvSpPr>
-          <p:cNvPr id="1217" name="텍스트 상자 148"/>
-          <p:cNvSpPr txBox="1">
-            <a:spLocks/>
-          </p:cNvSpPr>
-          <p:nvPr/>
-        </p:nvSpPr>
-        <p:spPr>
-          <a:xfrm>
-            <a:off x="6827520" y="4452620"/>
-            <a:ext cx="4051300" cy="1754505"/>
-          </a:xfrm>
-          <a:prstGeom prst="rect"/>
-          <a:noFill/>
-          <a:ln w="0">
-            <a:noFill/>
-            <a:prstDash/>
-          </a:ln>
-        </p:spPr>
-        <p:txBody>
-          <a:bodyPr wrap="square" lIns="89535" tIns="46355" rIns="89535" bIns="46355" numCol="1" vert="horz" anchor="t">
-            <a:spAutoFit/>
-          </a:bodyPr>
-          <a:lstStyle/>
-          <a:p>
-            <a:pPr marL="0" indent="0" rtl="0" algn="l" defTabSz="914400" eaLnBrk="1" latinLnBrk="0" hangingPunct="1">
-              <a:buFontTx/>
-              <a:buNone/>
-            </a:pPr>
-            <a:r>
-              <a:rPr lang="ko-KR" sz="1800" b="1">
-                <a:solidFill>
-                  <a:srgbClr val="0611F2"/>
-                </a:solidFill>
-                <a:latin typeface="맑은 고딕" charset="0"/>
-                <a:ea typeface="맑은 고딕" charset="0"/>
-              </a:rPr>
-              <a:t>22</a:t>
-            </a:r>
-            <a:r>
-              <a:rPr sz="1800" b="1">
-                <a:solidFill>
-                  <a:srgbClr val="0611F2"/>
-                </a:solidFill>
-                <a:latin typeface="맑은 고딕" charset="0"/>
-                <a:ea typeface="맑은 고딕" charset="0"/>
-              </a:rPr>
-              <a:t>.</a:t>
-            </a:r>
-            <a:r>
-              <a:rPr sz="1800">
-                <a:latin typeface="맑은 고딕" charset="0"/>
-                <a:ea typeface="맑은 고딕" charset="0"/>
-              </a:rPr>
-              <a:t> </a:t>
-            </a:r>
-            <a:r>
-              <a:rPr lang="ko-KR" sz="1800">
-                <a:latin typeface="맑은 고딕" charset="0"/>
-                <a:ea typeface="맑은 고딕" charset="0"/>
-              </a:rPr>
-              <a:t>마지막으로 Project 폴더에서 Texture에 Panel_C 텍스처를 선택합니다.</a:t>
-            </a:r>
-            <a:endParaRPr lang="ko-KR" altLang="en-US" sz="1800">
-              <a:latin typeface="맑은 고딕" charset="0"/>
-              <a:ea typeface="맑은 고딕" charset="0"/>
-            </a:endParaRPr>
-          </a:p>
-          <a:p>
-            <a:pPr marL="0" indent="0" rtl="0" algn="l" defTabSz="914400" eaLnBrk="1" latinLnBrk="0" hangingPunct="1">
-              <a:buFontTx/>
-              <a:buNone/>
-            </a:pPr>
-            <a:endParaRPr lang="ko-KR" altLang="en-US" sz="1800">
-              <a:latin typeface="맑은 고딕" charset="0"/>
-              <a:ea typeface="맑은 고딕" charset="0"/>
-            </a:endParaRPr>
-          </a:p>
-          <a:p>
-            <a:pPr marL="0" indent="0" rtl="0" algn="l" defTabSz="914400" eaLnBrk="1" latinLnBrk="0" hangingPunct="1">
-              <a:buFontTx/>
-              <a:buNone/>
-            </a:pPr>
-            <a:r>
-              <a:rPr lang="ko-KR" sz="1800">
-                <a:latin typeface="맑은 고딕" charset="0"/>
-                <a:ea typeface="맑은 고딕" charset="0"/>
-              </a:rPr>
-              <a:t>이제 First Guard 오브젝트와 Second Guard 오브젝트에 넣어줍니다.</a:t>
-            </a:r>
-            <a:endParaRPr lang="ko-KR" altLang="en-US" sz="1800">
-              <a:latin typeface="맑은 고딕" charset="0"/>
-              <a:ea typeface="맑은 고딕" charset="0"/>
-            </a:endParaRPr>
-          </a:p>
-        </p:txBody>
-      </p:sp>
       <p:cxnSp>
         <p:nvCxnSpPr>
-          <p:cNvPr id="1218" name="도형 37"/>
+          <p:cNvPr id="1206" name="도형 40"/>
           <p:cNvCxnSpPr/>
           <p:nvPr/>
         </p:nvCxnSpPr>
         <p:spPr>
           <a:xfrm rot="0" flipH="1">
-            <a:off x="7781925" y="3955415"/>
-            <a:ext cx="686435" cy="150495"/>
+            <a:off x="2035175" y="1983105"/>
+            <a:ext cx="1482090" cy="441960"/>
           </a:xfrm>
           <a:prstGeom prst="straightConnector1"/>
           <a:ln w="6350" cap="flat" cmpd="sng">
             <a:prstDash/>
-            <a:headEnd type="none" w="med" len="med"/>
             <a:tailEnd type="triangle" w="med" len="med"/>
           </a:ln>
         </p:spPr>
@@ -12490,19 +13112,18 @@
       </p:cxnSp>
       <p:cxnSp>
         <p:nvCxnSpPr>
-          <p:cNvPr id="1219" name="도형 38"/>
+          <p:cNvPr id="1205" name="도형 39"/>
           <p:cNvCxnSpPr/>
           <p:nvPr/>
         </p:nvCxnSpPr>
         <p:spPr>
           <a:xfrm rot="0" flipH="1">
-            <a:off x="7950835" y="3955415"/>
-            <a:ext cx="522605" cy="281305"/>
+            <a:off x="2104390" y="1983105"/>
+            <a:ext cx="1395095" cy="303530"/>
           </a:xfrm>
           <a:prstGeom prst="straightConnector1"/>
           <a:ln w="6350" cap="flat" cmpd="sng">
             <a:prstDash/>
-            <a:headEnd type="none" w="med" len="med"/>
             <a:tailEnd type="triangle" w="med" len="med"/>
           </a:ln>
         </p:spPr>
@@ -12521,6 +13142,118 @@
           </a:fontRef>
         </p:style>
       </p:cxnSp>
+      <p:pic>
+        <p:nvPicPr>
+          <p:cNvPr id="1208" name="그림 51" descr="C:/Users/Admin1/AppData/Roaming/PolarisOffice/ETemp/7504_22066552/fImage119513448145.png"/>
+          <p:cNvPicPr>
+            <a:picLocks noChangeAspect="1"/>
+          </p:cNvPicPr>
+          <p:nvPr/>
+        </p:nvPicPr>
+        <p:blipFill rotWithShape="1">
+          <a:blip r:embed="rId11" cstate="print">
+            <a:extLst>
+              <a:ext uri="{28A0092B-C50C-407E-A947-70E740481C1C}">
+                <a14:useLocalDpi xmlns:a14="http://schemas.microsoft.com/office/drawing/2010/main" val="0"/>
+              </a:ext>
+            </a:extLst>
+          </a:blip>
+          <a:stretch>
+            <a:fillRect/>
+          </a:stretch>
+        </p:blipFill>
+        <p:spPr>
+          <a:xfrm rot="0">
+            <a:off x="1238250" y="3981450"/>
+            <a:ext cx="4131310" cy="1448435"/>
+          </a:xfrm>
+          <a:prstGeom prst="roundRect"/>
+          <a:solidFill>
+            <a:srgbClr val="EDEDED"/>
+          </a:solidFill>
+        </p:spPr>
+      </p:pic>
+      <p:sp>
+        <p:nvSpPr>
+          <p:cNvPr id="1209" name="텍스트 상자 54"/>
+          <p:cNvSpPr txBox="1">
+            <a:spLocks/>
+          </p:cNvSpPr>
+          <p:nvPr/>
+        </p:nvSpPr>
+        <p:spPr>
+          <a:xfrm rot="0">
+            <a:off x="1232535" y="5545455"/>
+            <a:ext cx="4140200" cy="647065"/>
+          </a:xfrm>
+          <a:prstGeom prst="rect"/>
+          <a:noFill/>
+          <a:ln w="0">
+            <a:noFill/>
+            <a:prstDash/>
+          </a:ln>
+        </p:spPr>
+        <p:txBody>
+          <a:bodyPr wrap="square" lIns="89535" tIns="46355" rIns="89535" bIns="46355" numCol="1" vert="horz" anchor="t">
+            <a:spAutoFit/>
+          </a:bodyPr>
+          <a:lstStyle/>
+          <a:p>
+            <a:pPr marL="0" indent="0" rtl="0" algn="l" defTabSz="914400" eaLnBrk="1" latinLnBrk="0" hangingPunct="1">
+              <a:buFontTx/>
+              <a:buNone/>
+            </a:pPr>
+            <a:r>
+              <a:rPr lang="ko-KR" sz="1800" b="1">
+                <a:solidFill>
+                  <a:srgbClr val="0611F2"/>
+                </a:solidFill>
+                <a:latin typeface="맑은 고딕" charset="0"/>
+                <a:ea typeface="맑은 고딕" charset="0"/>
+              </a:rPr>
+              <a:t>1</a:t>
+            </a:r>
+            <a:r>
+              <a:rPr lang="ko-KR" sz="1800" b="1">
+                <a:solidFill>
+                  <a:srgbClr val="0611F2"/>
+                </a:solidFill>
+                <a:latin typeface="맑은 고딕" charset="0"/>
+                <a:ea typeface="맑은 고딕" charset="0"/>
+              </a:rPr>
+              <a:t>9</a:t>
+            </a:r>
+            <a:r>
+              <a:rPr sz="1800" b="1">
+                <a:solidFill>
+                  <a:srgbClr val="0611F2"/>
+                </a:solidFill>
+                <a:latin typeface="맑은 고딕" charset="0"/>
+                <a:ea typeface="맑은 고딕" charset="0"/>
+              </a:rPr>
+              <a:t>.</a:t>
+            </a:r>
+            <a:r>
+              <a:rPr sz="1800">
+                <a:latin typeface="맑은 고딕" charset="0"/>
+                <a:ea typeface="맑은 고딕" charset="0"/>
+              </a:rPr>
+              <a:t> </a:t>
+            </a:r>
+            <a:r>
+              <a:rPr lang="ko-KR" sz="1800">
+                <a:latin typeface="맑은 고딕" charset="0"/>
+                <a:ea typeface="맑은 고딕" charset="0"/>
+              </a:rPr>
+              <a:t>그리고 Right Wall 오브젝트의 위치와 크기 값을 설정합니다.</a:t>
+            </a:r>
+            <a:endParaRPr lang="ko-KR" altLang="en-US" sz="1800">
+              <a:latin typeface="맑은 고딕" charset="0"/>
+              <a:ea typeface="맑은 고딕" charset="0"/>
+            </a:endParaRPr>
+          </a:p>
+        </p:txBody>
+      </p:sp>
     </p:spTree>
   </p:cSld>
   <p:clrMapOvr>
@@ -12563,7 +13296,7 @@
       </p:grpSpPr>
       <p:sp>
         <p:nvSpPr>
-          <p:cNvPr id="2" name="텍스트 상자 57"/>
+          <p:cNvPr id="1031" name="Rect 0"/>
           <p:cNvSpPr txBox="1">
             <a:spLocks/>
           </p:cNvSpPr>
@@ -12571,8 +13304,8 @@
         </p:nvSpPr>
         <p:spPr>
           <a:xfrm rot="0">
-            <a:off x="4318635" y="338455"/>
-            <a:ext cx="3631565" cy="554990"/>
+            <a:off x="4476115" y="346075"/>
+            <a:ext cx="3243580" cy="478155"/>
           </a:xfrm>
           <a:prstGeom prst="rect"/>
           <a:noFill/>
@@ -12587,50 +13320,403 @@
           </a:bodyPr>
           <a:lstStyle/>
           <a:p>
-            <a:pPr marL="0" indent="0" rtl="0" algn="l" defTabSz="914400" eaLnBrk="1" latinLnBrk="0" hangingPunct="1">
-              <a:buFontTx/>
-              <a:buNone/>
-            </a:pPr>
-            <a:r>
-              <a:rPr sz="3000" b="1">
+            <a:pPr marL="0" indent="0" algn="ctr" latinLnBrk="0">
+              <a:buFontTx/>
+              <a:buNone/>
+            </a:pPr>
+            <a:r>
+              <a:rPr lang="ko-KR" altLang="en-US" sz="2500" b="1">
                 <a:solidFill>
                   <a:schemeClr val="tx1"/>
                 </a:solidFill>
-                <a:latin typeface="맑은 고딕" charset="0"/>
-                <a:ea typeface="맑은 고딕" charset="0"/>
-              </a:rPr>
-              <a:t>일</a:t>
-            </a:r>
-            <a:r>
-              <a:rPr lang="ko-KR" sz="3000" b="1">
+                <a:latin typeface="나눔바른고딕" charset="0"/>
+                <a:ea typeface="나눔바른고딕" charset="0"/>
+              </a:rPr>
+              <a:t>여덟</a:t>
+            </a:r>
+            <a:r>
+              <a:rPr lang="ko-KR" altLang="en-US" sz="2500" b="1">
                 <a:solidFill>
                   <a:schemeClr val="tx1"/>
                 </a:solidFill>
-                <a:latin typeface="맑은 고딕" charset="0"/>
-                <a:ea typeface="맑은 고딕" charset="0"/>
-              </a:rPr>
-              <a:t>곱 번째 튜토리얼</a:t>
-            </a:r>
-            <a:endParaRPr lang="ko-KR" altLang="en-US" sz="3000" b="1">
+                <a:latin typeface="나눔바른고딕" charset="0"/>
+                <a:ea typeface="나눔바른고딕" charset="0"/>
+              </a:rPr>
+              <a:t> 번째 튜토리얼</a:t>
+            </a:r>
+            <a:endParaRPr lang="ko-KR" altLang="en-US" sz="2500" b="1">
               <a:solidFill>
                 <a:schemeClr val="tx1"/>
               </a:solidFill>
+              <a:latin typeface="나눔바른고딕" charset="0"/>
+              <a:ea typeface="나눔바른고딕" charset="0"/>
+            </a:endParaRPr>
+          </a:p>
+        </p:txBody>
+      </p:sp>
+      <p:sp>
+        <p:nvSpPr>
+          <p:cNvPr id="1208" name="텍스트 상자 137"/>
+          <p:cNvSpPr txBox="1">
+            <a:spLocks/>
+          </p:cNvSpPr>
+          <p:nvPr/>
+        </p:nvSpPr>
+        <p:spPr>
+          <a:xfrm rot="0">
+            <a:off x="1228725" y="4180840"/>
+            <a:ext cx="4131310" cy="2031365"/>
+          </a:xfrm>
+          <a:prstGeom prst="rect"/>
+          <a:noFill/>
+          <a:ln w="0">
+            <a:noFill/>
+            <a:prstDash/>
+          </a:ln>
+        </p:spPr>
+        <p:txBody>
+          <a:bodyPr wrap="square" lIns="89535" tIns="46355" rIns="89535" bIns="46355" numCol="1" vert="horz" anchor="t">
+            <a:spAutoFit/>
+          </a:bodyPr>
+          <a:lstStyle/>
+          <a:p>
+            <a:pPr marL="0" indent="0" rtl="0" algn="l" defTabSz="914400" eaLnBrk="1" latinLnBrk="0" hangingPunct="1">
+              <a:buFontTx/>
+              <a:buNone/>
+            </a:pPr>
+            <a:r>
+              <a:rPr sz="1800" b="1">
+                <a:solidFill>
+                  <a:srgbClr val="0611F2"/>
+                </a:solidFill>
+                <a:latin typeface="맑은 고딕" charset="0"/>
+                <a:ea typeface="맑은 고딕" charset="0"/>
+              </a:rPr>
+              <a:t>2</a:t>
+            </a:r>
+            <a:r>
+              <a:rPr sz="1800" b="1">
+                <a:solidFill>
+                  <a:srgbClr val="0611F2"/>
+                </a:solidFill>
+                <a:latin typeface="맑은 고딕" charset="0"/>
+                <a:ea typeface="맑은 고딕" charset="0"/>
+              </a:rPr>
+              <a:t>1</a:t>
+            </a:r>
+            <a:r>
+              <a:rPr sz="1800" b="1">
+                <a:solidFill>
+                  <a:srgbClr val="0611F2"/>
+                </a:solidFill>
+                <a:latin typeface="맑은 고딕" charset="0"/>
+                <a:ea typeface="맑은 고딕" charset="0"/>
+              </a:rPr>
+              <a:t>.</a:t>
+            </a:r>
+            <a:r>
+              <a:rPr sz="1800">
+                <a:latin typeface="맑은 고딕" charset="0"/>
+                <a:ea typeface="맑은 고딕" charset="0"/>
+              </a:rPr>
+              <a:t> </a:t>
+            </a:r>
+            <a:r>
+              <a:rPr lang="ko-KR" sz="1800">
+                <a:latin typeface="맑은 고딕" charset="0"/>
+                <a:ea typeface="맑은 고딕" charset="0"/>
+              </a:rPr>
+              <a:t>그</a:t>
+            </a:r>
+            <a:r>
+              <a:rPr lang="ko-KR" sz="1800">
+                <a:latin typeface="맑은 고딕" charset="0"/>
+                <a:ea typeface="맑은 고딕" charset="0"/>
+              </a:rPr>
+              <a:t>런 다음</a:t>
+            </a:r>
+            <a:r>
+              <a:rPr lang="ko-KR" sz="1800">
+                <a:latin typeface="맑은 고딕" charset="0"/>
+                <a:ea typeface="맑은 고딕" charset="0"/>
+              </a:rPr>
+              <a:t> </a:t>
+            </a:r>
+            <a:r>
+              <a:rPr sz="1800">
+                <a:latin typeface="맑은 고딕" charset="0"/>
+                <a:ea typeface="맑은 고딕" charset="0"/>
+              </a:rPr>
+              <a:t>3D Object를 선택한 다음 Capsule 게임 오브젝트</a:t>
+            </a:r>
+            <a:r>
+              <a:rPr lang="ko-KR" sz="1800">
+                <a:latin typeface="맑은 고딕" charset="0"/>
+                <a:ea typeface="맑은 고딕" charset="0"/>
+              </a:rPr>
+              <a:t>를</a:t>
+            </a:r>
+            <a:r>
+              <a:rPr sz="1800">
+                <a:latin typeface="맑은 고딕" charset="0"/>
+                <a:ea typeface="맑은 고딕" charset="0"/>
+              </a:rPr>
+              <a:t> 2</a:t>
+            </a:r>
+            <a:r>
+              <a:rPr lang="ko-KR" sz="1800">
+                <a:latin typeface="맑은 고딕" charset="0"/>
+                <a:ea typeface="맑은 고딕" charset="0"/>
+              </a:rPr>
+              <a:t>개</a:t>
+            </a:r>
+            <a:r>
+              <a:rPr sz="1800">
+                <a:latin typeface="맑은 고딕" charset="0"/>
+                <a:ea typeface="맑은 고딕" charset="0"/>
+              </a:rPr>
+              <a:t> 생성합니다.</a:t>
+            </a:r>
+            <a:endParaRPr lang="ko-KR" altLang="en-US" sz="1800">
               <a:latin typeface="맑은 고딕" charset="0"/>
               <a:ea typeface="맑은 고딕" charset="0"/>
             </a:endParaRPr>
           </a:p>
+          <a:p>
+            <a:pPr marL="0" indent="0" rtl="0" algn="l" defTabSz="914400" eaLnBrk="1" latinLnBrk="0" hangingPunct="1">
+              <a:buFontTx/>
+              <a:buNone/>
+            </a:pPr>
+            <a:endParaRPr lang="ko-KR" altLang="en-US" sz="1800">
+              <a:latin typeface="맑은 고딕" charset="0"/>
+              <a:ea typeface="맑은 고딕" charset="0"/>
+            </a:endParaRPr>
+          </a:p>
+          <a:p>
+            <a:pPr marL="0" indent="0" rtl="0" algn="l" defTabSz="914400" eaLnBrk="1" latinLnBrk="0" hangingPunct="1">
+              <a:buFontTx/>
+              <a:buNone/>
+            </a:pPr>
+            <a:r>
+              <a:rPr sz="1800">
+                <a:latin typeface="맑은 고딕" charset="0"/>
+                <a:ea typeface="맑은 고딕" charset="0"/>
+              </a:rPr>
+              <a:t>그</a:t>
+            </a:r>
+            <a:r>
+              <a:rPr lang="ko-KR" sz="1800">
+                <a:latin typeface="맑은 고딕" charset="0"/>
+                <a:ea typeface="맑은 고딕" charset="0"/>
+              </a:rPr>
+              <a:t>러고 나서</a:t>
+            </a:r>
+            <a:r>
+              <a:rPr lang="ko-KR" sz="1800">
+                <a:latin typeface="맑은 고딕" charset="0"/>
+                <a:ea typeface="맑은 고딕" charset="0"/>
+              </a:rPr>
+              <a:t> First Guard라는 이름과 Second Guard라는 이름으로 각각 정의합니다.</a:t>
+            </a:r>
+            <a:endParaRPr lang="ko-KR" altLang="en-US" sz="1800">
+              <a:latin typeface="맑은 고딕" charset="0"/>
+              <a:ea typeface="맑은 고딕" charset="0"/>
+            </a:endParaRPr>
+          </a:p>
         </p:txBody>
       </p:sp>
       <p:pic>
         <p:nvPicPr>
-          <p:cNvPr id="24" name="그림 41" descr="C:/Users/Admin1/AppData/Roaming/PolarisOffice/ETemp/20556_22124416/fImage125343059169.png"/>
+          <p:cNvPr id="1215" name="그림 144" descr="C:/Users/Admin1/AppData/Roaming/PolarisOffice/ETemp/7504_22066552/fImage169032994604.png"/>
           <p:cNvPicPr>
             <a:picLocks noChangeAspect="1"/>
           </p:cNvPicPr>
           <p:nvPr/>
         </p:nvPicPr>
         <p:blipFill rotWithShape="1">
-          <a:blip r:embed="rId13" cstate="print">
+          <a:blip r:embed="rId12" cstate="hqprint">
+            <a:extLst>
+              <a:ext uri="{28A0092B-C50C-407E-A947-70E740481C1C}">
+                <a14:useLocalDpi xmlns:a14="http://schemas.microsoft.com/office/drawing/2010/main"/>
+              </a:ext>
+            </a:extLst>
+          </a:blip>
+          <a:stretch>
+            <a:fillRect/>
+          </a:stretch>
+        </p:blipFill>
+        <p:spPr>
+          <a:xfrm rot="0">
+            <a:off x="8248650" y="1447800"/>
+            <a:ext cx="2705735" cy="1141730"/>
+          </a:xfrm>
+          <a:prstGeom prst="roundRect"/>
+          <a:solidFill>
+            <a:srgbClr val="EDEDED"/>
+          </a:solidFill>
+        </p:spPr>
+      </p:pic>
+      <p:sp>
+        <p:nvSpPr>
+          <p:cNvPr id="1217" name="텍스트 상자 148"/>
+          <p:cNvSpPr txBox="1">
+            <a:spLocks/>
+          </p:cNvSpPr>
+          <p:nvPr/>
+        </p:nvSpPr>
+        <p:spPr>
+          <a:xfrm rot="0">
+            <a:off x="6830060" y="2731770"/>
+            <a:ext cx="4124960" cy="1200785"/>
+          </a:xfrm>
+          <a:prstGeom prst="rect"/>
+          <a:noFill/>
+          <a:ln w="0">
+            <a:noFill/>
+            <a:prstDash/>
+          </a:ln>
+        </p:spPr>
+        <p:txBody>
+          <a:bodyPr wrap="square" lIns="89535" tIns="46355" rIns="89535" bIns="46355" numCol="1" vert="horz" anchor="t">
+            <a:spAutoFit/>
+          </a:bodyPr>
+          <a:lstStyle/>
+          <a:p>
+            <a:pPr marL="0" indent="0" rtl="0" algn="l" defTabSz="914400" eaLnBrk="1" latinLnBrk="0" hangingPunct="1">
+              <a:buFontTx/>
+              <a:buNone/>
+            </a:pPr>
+            <a:r>
+              <a:rPr lang="ko-KR" sz="1800" b="1">
+                <a:solidFill>
+                  <a:srgbClr val="0611F2"/>
+                </a:solidFill>
+                <a:latin typeface="맑은 고딕" charset="0"/>
+                <a:ea typeface="맑은 고딕" charset="0"/>
+              </a:rPr>
+              <a:t>22</a:t>
+            </a:r>
+            <a:r>
+              <a:rPr sz="1800" b="1">
+                <a:solidFill>
+                  <a:srgbClr val="0611F2"/>
+                </a:solidFill>
+                <a:latin typeface="맑은 고딕" charset="0"/>
+                <a:ea typeface="맑은 고딕" charset="0"/>
+              </a:rPr>
+              <a:t>.</a:t>
+            </a:r>
+            <a:r>
+              <a:rPr sz="1800">
+                <a:latin typeface="맑은 고딕" charset="0"/>
+                <a:ea typeface="맑은 고딕" charset="0"/>
+              </a:rPr>
+              <a:t> </a:t>
+            </a:r>
+            <a:r>
+              <a:rPr lang="ko-KR" sz="1800">
+                <a:latin typeface="맑은 고딕" charset="0"/>
+                <a:ea typeface="맑은 고딕" charset="0"/>
+              </a:rPr>
+              <a:t>이제</a:t>
+            </a:r>
+            <a:r>
+              <a:rPr lang="ko-KR" sz="1800">
+                <a:latin typeface="맑은 고딕" charset="0"/>
+                <a:ea typeface="맑은 고딕" charset="0"/>
+              </a:rPr>
+              <a:t> Project 폴더</a:t>
+            </a:r>
+            <a:r>
+              <a:rPr lang="ko-KR" sz="1800">
+                <a:latin typeface="맑은 고딕" charset="0"/>
+                <a:ea typeface="맑은 고딕" charset="0"/>
+              </a:rPr>
+              <a:t> 아래에 있는</a:t>
+            </a:r>
+            <a:r>
+              <a:rPr lang="ko-KR" sz="1800">
+                <a:latin typeface="맑은 고딕" charset="0"/>
+                <a:ea typeface="맑은 고딕" charset="0"/>
+              </a:rPr>
+              <a:t> Texture</a:t>
+            </a:r>
+            <a:r>
+              <a:rPr lang="ko-KR" sz="1800">
+                <a:latin typeface="맑은 고딕" charset="0"/>
+                <a:ea typeface="맑은 고딕" charset="0"/>
+              </a:rPr>
+              <a:t> 폴더</a:t>
+            </a:r>
+            <a:r>
+              <a:rPr lang="ko-KR" sz="1800">
+                <a:latin typeface="맑은 고딕" charset="0"/>
+                <a:ea typeface="맑은 고딕" charset="0"/>
+              </a:rPr>
+              <a:t>에 Panel_C 텍스처를 선택</a:t>
+            </a:r>
+            <a:r>
+              <a:rPr lang="ko-KR" sz="1800">
+                <a:latin typeface="맑은 고딕" charset="0"/>
+                <a:ea typeface="맑은 고딕" charset="0"/>
+              </a:rPr>
+              <a:t>한 다음 </a:t>
+            </a:r>
+            <a:r>
+              <a:rPr lang="ko-KR" sz="1800">
+                <a:latin typeface="맑은 고딕" charset="0"/>
+                <a:ea typeface="맑은 고딕" charset="0"/>
+              </a:rPr>
+              <a:t>First Guard 오브젝트와 Second Guard 오브젝트에 넣어줍니다.</a:t>
+            </a:r>
+            <a:endParaRPr lang="ko-KR" altLang="en-US" sz="1800">
+              <a:latin typeface="맑은 고딕" charset="0"/>
+              <a:ea typeface="맑은 고딕" charset="0"/>
+            </a:endParaRPr>
+          </a:p>
+        </p:txBody>
+      </p:sp>
+      <p:pic>
+        <p:nvPicPr>
+          <p:cNvPr id="1220" name="그림 35" descr="C:/Users/Admin1/AppData/Roaming/PolarisOffice/ETemp/7504_22066552/fImage182623353281.png"/>
+          <p:cNvPicPr>
+            <a:picLocks noChangeAspect="1"/>
+          </p:cNvPicPr>
+          <p:nvPr/>
+        </p:nvPicPr>
+        <p:blipFill rotWithShape="1">
+          <a:blip r:embed="rId14" cstate="hqprint">
+            <a:extLst>
+              <a:ext uri="{28A0092B-C50C-407E-A947-70E740481C1C}">
+                <a14:useLocalDpi xmlns:a14="http://schemas.microsoft.com/office/drawing/2010/main"/>
+              </a:ext>
+            </a:extLst>
+          </a:blip>
+          <a:stretch>
+            <a:fillRect/>
+          </a:stretch>
+        </p:blipFill>
+        <p:spPr>
+          <a:xfrm rot="0">
+            <a:off x="1228725" y="1445895"/>
+            <a:ext cx="2724785" cy="2536190"/>
+          </a:xfrm>
+          <a:prstGeom prst="roundRect"/>
+          <a:solidFill>
+            <a:srgbClr val="EDEDED"/>
+          </a:solidFill>
+        </p:spPr>
+      </p:pic>
+      <p:pic>
+        <p:nvPicPr>
+          <p:cNvPr id="1221" name="그림 36" descr="C:/Users/Admin1/AppData/Roaming/PolarisOffice/ETemp/7504_22066552/fImage78613366827.png"/>
+          <p:cNvPicPr>
+            <a:picLocks noChangeAspect="1"/>
+          </p:cNvPicPr>
+          <p:nvPr/>
+        </p:nvPicPr>
+        <p:blipFill rotWithShape="1">
+          <a:blip r:embed="rId15" cstate="print">
             <a:extLst>
               <a:ext uri="{28A0092B-C50C-407E-A947-70E740481C1C}">
                 <a14:useLocalDpi xmlns:a14="http://schemas.microsoft.com/office/drawing/2010/main" val="0"/>
@@ -12643,8 +13729,8 @@
         </p:blipFill>
         <p:spPr>
           <a:xfrm rot="0">
-            <a:off x="1437640" y="1342390"/>
-            <a:ext cx="3949065" cy="1767205"/>
+            <a:off x="4105275" y="1876425"/>
+            <a:ext cx="1267460" cy="1686560"/>
           </a:xfrm>
           <a:prstGeom prst="roundRect"/>
           <a:solidFill>
@@ -12654,171 +13740,7 @@
       </p:pic>
       <p:pic>
         <p:nvPicPr>
-          <p:cNvPr id="25" name="그림 42" descr="C:/Users/Admin1/AppData/Roaming/PolarisOffice/ETemp/20556_22124416/fImage128373065724.png"/>
-          <p:cNvPicPr>
-            <a:picLocks noChangeAspect="1"/>
-          </p:cNvPicPr>
-          <p:nvPr/>
-        </p:nvPicPr>
-        <p:blipFill rotWithShape="1">
-          <a:blip r:embed="rId14" cstate="print">
-            <a:extLst>
-              <a:ext uri="{28A0092B-C50C-407E-A947-70E740481C1C}">
-                <a14:useLocalDpi xmlns:a14="http://schemas.microsoft.com/office/drawing/2010/main" val="0"/>
-              </a:ext>
-            </a:extLst>
-          </a:blip>
-          <a:stretch>
-            <a:fillRect/>
-          </a:stretch>
-        </p:blipFill>
-        <p:spPr>
-          <a:xfrm rot="0">
-            <a:off x="1437005" y="3325495"/>
-            <a:ext cx="3950335" cy="1732915"/>
-          </a:xfrm>
-          <a:prstGeom prst="roundRect"/>
-          <a:solidFill>
-            <a:srgbClr val="EDEDED"/>
-          </a:solidFill>
-        </p:spPr>
-      </p:pic>
-      <p:sp>
-        <p:nvSpPr>
-          <p:cNvPr id="26" name="텍스트 상자 48"/>
-          <p:cNvSpPr txBox="1">
-            <a:spLocks/>
-          </p:cNvSpPr>
-          <p:nvPr/>
-        </p:nvSpPr>
-        <p:spPr>
-          <a:xfrm rot="0">
-            <a:off x="1449705" y="5219065"/>
-            <a:ext cx="3937000" cy="923925"/>
-          </a:xfrm>
-          <a:prstGeom prst="rect"/>
-          <a:noFill/>
-          <a:ln w="0">
-            <a:noFill/>
-            <a:prstDash/>
-          </a:ln>
-        </p:spPr>
-        <p:txBody>
-          <a:bodyPr wrap="square" lIns="89535" tIns="46355" rIns="89535" bIns="46355" numCol="1" vert="horz" anchor="t">
-            <a:spAutoFit/>
-          </a:bodyPr>
-          <a:lstStyle/>
-          <a:p>
-            <a:pPr marL="0" indent="0" rtl="0" algn="l" defTabSz="914400" eaLnBrk="1" latinLnBrk="0" hangingPunct="1">
-              <a:buFontTx/>
-              <a:buNone/>
-            </a:pPr>
-            <a:r>
-              <a:rPr lang="ko-KR" sz="1800" b="1">
-                <a:solidFill>
-                  <a:srgbClr val="0611F2"/>
-                </a:solidFill>
-                <a:latin typeface="맑은 고딕" charset="0"/>
-                <a:ea typeface="맑은 고딕" charset="0"/>
-              </a:rPr>
-              <a:t>2</a:t>
-            </a:r>
-            <a:r>
-              <a:rPr lang="ko-KR" sz="1800" b="1">
-                <a:solidFill>
-                  <a:srgbClr val="0611F2"/>
-                </a:solidFill>
-                <a:latin typeface="맑은 고딕" charset="0"/>
-                <a:ea typeface="맑은 고딕" charset="0"/>
-              </a:rPr>
-              <a:t>3</a:t>
-            </a:r>
-            <a:r>
-              <a:rPr sz="1800" b="1">
-                <a:solidFill>
-                  <a:srgbClr val="0611F2"/>
-                </a:solidFill>
-                <a:latin typeface="맑은 고딕" charset="0"/>
-                <a:ea typeface="맑은 고딕" charset="0"/>
-              </a:rPr>
-              <a:t>.</a:t>
-            </a:r>
-            <a:r>
-              <a:rPr sz="1800">
-                <a:latin typeface="맑은 고딕" charset="0"/>
-                <a:ea typeface="맑은 고딕" charset="0"/>
-              </a:rPr>
-              <a:t> </a:t>
-            </a:r>
-            <a:r>
-              <a:rPr lang="ko-KR" sz="1800">
-                <a:latin typeface="맑은 고딕" charset="0"/>
-                <a:ea typeface="맑은 고딕" charset="0"/>
-              </a:rPr>
-              <a:t>그</a:t>
-            </a:r>
-            <a:r>
-              <a:rPr lang="ko-KR" sz="1800">
-                <a:latin typeface="맑은 고딕" charset="0"/>
-                <a:ea typeface="맑은 고딕" charset="0"/>
-              </a:rPr>
-              <a:t>리고</a:t>
-            </a:r>
-            <a:r>
-              <a:rPr lang="ko-KR" sz="1800">
-                <a:latin typeface="맑은 고딕" charset="0"/>
-                <a:ea typeface="맑은 고딕" charset="0"/>
-              </a:rPr>
-              <a:t> </a:t>
-            </a:r>
-            <a:r>
-              <a:rPr lang="ko-KR" sz="1800">
-                <a:latin typeface="맑은 고딕" charset="0"/>
-                <a:ea typeface="맑은 고딕" charset="0"/>
-              </a:rPr>
-              <a:t>First Guard 오브젝트와 Second Guard 오브젝트의 위치를 설정합니다.</a:t>
-            </a:r>
-            <a:endParaRPr lang="ko-KR" altLang="en-US" sz="1800">
-              <a:latin typeface="맑은 고딕" charset="0"/>
-              <a:ea typeface="맑은 고딕" charset="0"/>
-            </a:endParaRPr>
-          </a:p>
-        </p:txBody>
-      </p:sp>
-      <p:pic>
-        <p:nvPicPr>
-          <p:cNvPr id="27" name="그림 49" descr="C:/Users/Admin1/AppData/Roaming/PolarisOffice/ETemp/20556_22124416/fImage161053175667.png"/>
-          <p:cNvPicPr>
-            <a:picLocks noChangeAspect="1"/>
-          </p:cNvPicPr>
-          <p:nvPr/>
-        </p:nvPicPr>
-        <p:blipFill rotWithShape="1">
-          <a:blip r:embed="rId15" cstate="hqprint">
-            <a:extLst>
-              <a:ext uri="{28A0092B-C50C-407E-A947-70E740481C1C}">
-                <a14:useLocalDpi xmlns:a14="http://schemas.microsoft.com/office/drawing/2010/main"/>
-              </a:ext>
-            </a:extLst>
-          </a:blip>
-          <a:stretch>
-            <a:fillRect/>
-          </a:stretch>
-        </p:blipFill>
-        <p:spPr>
-          <a:xfrm rot="0">
-            <a:off x="6814820" y="1333500"/>
-            <a:ext cx="2355850" cy="3715385"/>
-          </a:xfrm>
-          <a:prstGeom prst="roundRect"/>
-          <a:solidFill>
-            <a:srgbClr val="EDEDED"/>
-          </a:solidFill>
-        </p:spPr>
-      </p:pic>
-      <p:pic>
-        <p:nvPicPr>
-          <p:cNvPr id="28" name="그림 51" descr="C:/Users/Admin1/AppData/Roaming/PolarisOffice/ETemp/20556_22124416/fImage78673111478.png"/>
+          <p:cNvPr id="1222" name="그림 57" descr="C:/Users/Admin1/AppData/Roaming/PolarisOffice/ETemp/7504_22066552/fImage78613489961.png"/>
           <p:cNvPicPr>
             <a:picLocks noChangeAspect="1"/>
           </p:cNvPicPr>
@@ -12838,8 +13760,8 @@
         </p:blipFill>
         <p:spPr>
           <a:xfrm rot="0">
-            <a:off x="9332595" y="2051685"/>
-            <a:ext cx="1552575" cy="2131695"/>
+            <a:off x="6819900" y="1443355"/>
+            <a:ext cx="1329690" cy="1135380"/>
           </a:xfrm>
           <a:prstGeom prst="roundRect"/>
           <a:solidFill>
@@ -12847,9 +13769,104 @@
           </a:solidFill>
         </p:spPr>
       </p:pic>
-      <p:sp>
-        <p:nvSpPr>
-          <p:cNvPr id="29" name="텍스트 상자 54"/>
+      <p:cxnSp>
+        <p:nvCxnSpPr>
+          <p:cNvPr id="1218" name="도형 37"/>
+          <p:cNvCxnSpPr/>
+          <p:nvPr/>
+        </p:nvCxnSpPr>
+        <p:spPr>
+          <a:xfrm rot="0" flipH="1">
+            <a:off x="7810500" y="1990725"/>
+            <a:ext cx="572135" cy="381635"/>
+          </a:xfrm>
+          <a:prstGeom prst="straightConnector1"/>
+          <a:ln w="6350" cap="flat" cmpd="sng">
+            <a:prstDash/>
+            <a:tailEnd type="triangle" w="med" len="med"/>
+          </a:ln>
+        </p:spPr>
+        <p:style>
+          <a:lnRef idx="1">
+            <a:schemeClr val="accent1"/>
+          </a:lnRef>
+          <a:fillRef idx="0">
+            <a:schemeClr val="accent1"/>
+          </a:fillRef>
+          <a:effectRef idx="0">
+            <a:schemeClr val="accent1"/>
+          </a:effectRef>
+          <a:fontRef idx="minor">
+            <a:schemeClr val="tx1"/>
+          </a:fontRef>
+        </p:style>
+      </p:cxnSp>
+      <p:cxnSp>
+        <p:nvCxnSpPr>
+          <p:cNvPr id="1219" name="도형 38"/>
+          <p:cNvCxnSpPr/>
+          <p:nvPr/>
+        </p:nvCxnSpPr>
+        <p:spPr>
+          <a:xfrm rot="0" flipH="1">
+            <a:off x="7972425" y="2162175"/>
+            <a:ext cx="429260" cy="343535"/>
+          </a:xfrm>
+          <a:prstGeom prst="straightConnector1"/>
+          <a:ln w="6350" cap="flat" cmpd="sng">
+            <a:prstDash/>
+            <a:tailEnd type="triangle" w="med" len="med"/>
+          </a:ln>
+        </p:spPr>
+        <p:style>
+          <a:lnRef idx="1">
+            <a:schemeClr val="accent1"/>
+          </a:lnRef>
+          <a:fillRef idx="0">
+            <a:schemeClr val="accent1"/>
+          </a:fillRef>
+          <a:effectRef idx="0">
+            <a:schemeClr val="accent1"/>
+          </a:effectRef>
+          <a:fontRef idx="minor">
+            <a:schemeClr val="tx1"/>
+          </a:fontRef>
+        </p:style>
+      </p:cxnSp>
+      <p:pic>
+        <p:nvPicPr>
+          <p:cNvPr id="1223" name="그림 58" descr="C:/Users/Admin1/AppData/Roaming/PolarisOffice/ETemp/7504_22066552/fImage125343059169.png"/>
+          <p:cNvPicPr>
+            <a:picLocks noChangeAspect="1"/>
+          </p:cNvPicPr>
+          <p:nvPr/>
+        </p:nvPicPr>
+        <p:blipFill rotWithShape="1">
+          <a:blip r:embed="rId17" cstate="hqprint">
+            <a:extLst>
+              <a:ext uri="{28A0092B-C50C-407E-A947-70E740481C1C}">
+                <a14:useLocalDpi xmlns:a14="http://schemas.microsoft.com/office/drawing/2010/main"/>
+              </a:ext>
+            </a:extLst>
+          </a:blip>
+          <a:stretch>
+            <a:fillRect/>
+          </a:stretch>
+        </p:blipFill>
+        <p:spPr>
+          <a:xfrm rot="0">
+            <a:off x="6838315" y="4052570"/>
+            <a:ext cx="4116070" cy="1411605"/>
+          </a:xfrm>
+          <a:prstGeom prst="roundRect"/>
+          <a:solidFill>
+            <a:srgbClr val="EDEDED"/>
+          </a:solidFill>
+        </p:spPr>
+      </p:pic>
+      <p:sp>
+        <p:nvSpPr>
+          <p:cNvPr id="1224" name="텍스트 상자 59"/>
           <p:cNvSpPr txBox="1">
             <a:spLocks/>
           </p:cNvSpPr>
@@ -12857,15 +13874,19 @@
         </p:nvSpPr>
         <p:spPr>
           <a:xfrm rot="0">
-            <a:off x="6806565" y="5307965"/>
-            <a:ext cx="4079240" cy="831215"/>
+            <a:off x="6816090" y="5562600"/>
+            <a:ext cx="4129405" cy="647065"/>
           </a:xfrm>
           <a:prstGeom prst="rect"/>
           <a:noFill/>
-        </p:spPr>
-        <p:txBody>
-          <a:bodyPr wrap="square" lIns="0" tIns="0" rIns="0" bIns="0" vert="horz" anchor="t">
-            <a:noAutofit/>
+          <a:ln w="0">
+            <a:noFill/>
+            <a:prstDash/>
+          </a:ln>
+        </p:spPr>
+        <p:txBody>
+          <a:bodyPr wrap="square" lIns="89535" tIns="46355" rIns="89535" bIns="46355" numCol="1" vert="horz" anchor="t">
+            <a:spAutoFit/>
           </a:bodyPr>
           <a:lstStyle/>
           <a:p>
@@ -12873,6 +13894,26 @@
               <a:buFontTx/>
               <a:buNone/>
             </a:pPr>
+            <a:r>
+              <a:rPr lang="ko-KR" sz="1800" b="1">
+                <a:solidFill>
+                  <a:srgbClr val="0611F2"/>
+                </a:solidFill>
+                <a:latin typeface="맑은 고딕" charset="0"/>
+                <a:ea typeface="맑은 고딕" charset="0"/>
+              </a:rPr>
+              <a:t>2</a:t>
+            </a:r>
+            <a:r>
+              <a:rPr lang="ko-KR" sz="1800" b="1">
+                <a:solidFill>
+                  <a:srgbClr val="0611F2"/>
+                </a:solidFill>
+                <a:latin typeface="맑은 고딕" charset="0"/>
+                <a:ea typeface="맑은 고딕" charset="0"/>
+              </a:rPr>
+              <a:t>3</a:t>
+            </a:r>
             <a:r>
               <a:rPr sz="1800" b="1">
                 <a:solidFill>
@@ -12881,62 +13922,28 @@
                 <a:latin typeface="맑은 고딕" charset="0"/>
                 <a:ea typeface="맑은 고딕" charset="0"/>
               </a:rPr>
-              <a:t>2</a:t>
-            </a:r>
-            <a:r>
-              <a:rPr sz="1800" b="1">
-                <a:solidFill>
-                  <a:srgbClr val="0611F2"/>
-                </a:solidFill>
-                <a:latin typeface="맑은 고딕" charset="0"/>
-                <a:ea typeface="맑은 고딕" charset="0"/>
-              </a:rPr>
-              <a:t>4</a:t>
-            </a:r>
-            <a:r>
-              <a:rPr sz="1800" b="1">
-                <a:solidFill>
-                  <a:srgbClr val="0611F2"/>
-                </a:solidFill>
-                <a:latin typeface="맑은 고딕" charset="0"/>
-                <a:ea typeface="맑은 고딕" charset="0"/>
-              </a:rPr>
               <a:t>.</a:t>
             </a:r>
             <a:r>
+              <a:rPr sz="1800">
+                <a:latin typeface="맑은 고딕" charset="0"/>
+                <a:ea typeface="맑은 고딕" charset="0"/>
+              </a:rPr>
+              <a:t> </a:t>
+            </a:r>
+            <a:r>
               <a:rPr lang="ko-KR" sz="1800">
                 <a:latin typeface="맑은 고딕" charset="0"/>
                 <a:ea typeface="맑은 고딕" charset="0"/>
               </a:rPr>
-              <a:t> 그다음으로 3D Object로 Cube를 생성한 다음 Obstacle</a:t>
+              <a:t>그리고 First Guard 오브젝트의 위치 값을 설정합니다</a:t>
             </a:r>
             <a:r>
               <a:rPr lang="ko-KR" sz="1800">
                 <a:latin typeface="맑은 고딕" charset="0"/>
                 <a:ea typeface="맑은 고딕" charset="0"/>
               </a:rPr>
-              <a:t>이라는</a:t>
-            </a:r>
-            <a:r>
-              <a:rPr lang="ko-KR" sz="1800">
-                <a:latin typeface="맑은 고딕" charset="0"/>
-                <a:ea typeface="맑은 고딕" charset="0"/>
-              </a:rPr>
-              <a:t> 이름</a:t>
-            </a:r>
-            <a:r>
-              <a:rPr lang="ko-KR" sz="1800">
-                <a:latin typeface="맑은 고딕" charset="0"/>
-                <a:ea typeface="맑은 고딕" charset="0"/>
-              </a:rPr>
-              <a:t>으로</a:t>
-            </a:r>
-            <a:r>
-              <a:rPr lang="ko-KR" sz="1800">
-                <a:latin typeface="맑은 고딕" charset="0"/>
-                <a:ea typeface="맑은 고딕" charset="0"/>
-              </a:rPr>
-              <a:t> 정의합니다.</a:t>
+              <a:t>.</a:t>
             </a:r>
             <a:endParaRPr lang="ko-KR" altLang="en-US" sz="1800">
               <a:latin typeface="맑은 고딕" charset="0"/>
@@ -12985,19 +13992,89 @@
           <a:chExt cx="0" cy="0"/>
         </a:xfrm>
       </p:grpSpPr>
+      <p:sp>
+        <p:nvSpPr>
+          <p:cNvPr id="2" name="텍스트 상자 57"/>
+          <p:cNvSpPr txBox="1">
+            <a:spLocks/>
+          </p:cNvSpPr>
+          <p:nvPr/>
+        </p:nvSpPr>
+        <p:spPr>
+          <a:xfrm rot="0">
+            <a:off x="4438650" y="319405"/>
+            <a:ext cx="3324860" cy="478155"/>
+          </a:xfrm>
+          <a:prstGeom prst="rect"/>
+          <a:noFill/>
+          <a:ln w="0">
+            <a:noFill/>
+            <a:prstDash/>
+          </a:ln>
+        </p:spPr>
+        <p:txBody>
+          <a:bodyPr wrap="square" lIns="89535" tIns="46355" rIns="89535" bIns="46355" numCol="1" vert="horz" anchor="t">
+            <a:spAutoFit/>
+          </a:bodyPr>
+          <a:lstStyle/>
+          <a:p>
+            <a:pPr marL="0" indent="0" rtl="0" algn="ctr" defTabSz="914400" eaLnBrk="1" latinLnBrk="0" hangingPunct="1">
+              <a:buFontTx/>
+              <a:buNone/>
+            </a:pPr>
+            <a:r>
+              <a:rPr sz="2500" b="1">
+                <a:solidFill>
+                  <a:schemeClr val="tx1"/>
+                </a:solidFill>
+                <a:latin typeface="나눔바른고딕" charset="0"/>
+                <a:ea typeface="나눔바른고딕" charset="0"/>
+              </a:rPr>
+              <a:t>아</a:t>
+            </a:r>
+            <a:r>
+              <a:rPr lang="ko-KR" sz="2500" b="1">
+                <a:solidFill>
+                  <a:schemeClr val="tx1"/>
+                </a:solidFill>
+                <a:latin typeface="나눔바른고딕" charset="0"/>
+                <a:ea typeface="나눔바른고딕" charset="0"/>
+              </a:rPr>
+              <a:t>홉</a:t>
+            </a:r>
+            <a:r>
+              <a:rPr lang="ko-KR" sz="2500" b="1">
+                <a:solidFill>
+                  <a:schemeClr val="tx1"/>
+                </a:solidFill>
+                <a:latin typeface="나눔바른고딕" charset="0"/>
+                <a:ea typeface="나눔바른고딕" charset="0"/>
+              </a:rPr>
+              <a:t> 번째 튜토리얼</a:t>
+            </a:r>
+            <a:endParaRPr lang="ko-KR" altLang="en-US" sz="2500" b="1">
+              <a:solidFill>
+                <a:schemeClr val="tx1"/>
+              </a:solidFill>
+              <a:latin typeface="나눔바른고딕" charset="0"/>
+              <a:ea typeface="나눔바른고딕" charset="0"/>
+            </a:endParaRPr>
+          </a:p>
+        </p:txBody>
+      </p:sp>
       <p:pic>
         <p:nvPicPr>
-          <p:cNvPr id="22" name="그림 153"/>
+          <p:cNvPr id="25" name="그림 42"/>
           <p:cNvPicPr>
             <a:picLocks noChangeAspect="1"/>
           </p:cNvPicPr>
           <p:nvPr/>
         </p:nvPicPr>
         <p:blipFill rotWithShape="1">
-          <a:blip r:embed="rId7" cstate="print">
+          <a:blip r:embed="rId14" cstate="hqprint">
             <a:extLst>
               <a:ext uri="{28A0092B-C50C-407E-A947-70E740481C1C}">
-                <a14:useLocalDpi xmlns:a14="http://schemas.microsoft.com/office/drawing/2010/main" val="0"/>
+                <a14:useLocalDpi xmlns:a14="http://schemas.microsoft.com/office/drawing/2010/main"/>
               </a:ext>
             </a:extLst>
           </a:blip>
@@ -13007,16 +14084,18 @@
         </p:blipFill>
         <p:spPr>
           <a:xfrm rot="0">
-            <a:off x="8287385" y="1405255"/>
-            <a:ext cx="1081405" cy="1624330"/>
-          </a:xfrm>
-          <a:prstGeom prst="rect"/>
-          <a:noFill/>
+            <a:off x="1238250" y="1454785"/>
+            <a:ext cx="4140200" cy="1524635"/>
+          </a:xfrm>
+          <a:prstGeom prst="roundRect"/>
+          <a:solidFill>
+            <a:srgbClr val="EDEDED"/>
+          </a:solidFill>
         </p:spPr>
       </p:pic>
       <p:sp>
         <p:nvSpPr>
-          <p:cNvPr id="2" name="텍스트 상자 89"/>
+          <p:cNvPr id="26" name="텍스트 상자 48"/>
           <p:cNvSpPr txBox="1">
             <a:spLocks/>
           </p:cNvSpPr>
@@ -13024,8 +14103,8 @@
         </p:nvSpPr>
         <p:spPr>
           <a:xfrm rot="0">
-            <a:off x="4108450" y="509905"/>
-            <a:ext cx="3959860" cy="554990"/>
+            <a:off x="1238885" y="3055620"/>
+            <a:ext cx="4139565" cy="647065"/>
           </a:xfrm>
           <a:prstGeom prst="rect"/>
           <a:noFill/>
@@ -13035,7 +14114,7 @@
           </a:ln>
         </p:spPr>
         <p:txBody>
-          <a:bodyPr wrap="square" lIns="89535" tIns="46355" rIns="89535" bIns="46355" vert="horz" anchor="t">
+          <a:bodyPr wrap="square" lIns="89535" tIns="46355" rIns="89535" bIns="46355" numCol="1" vert="horz" anchor="t">
             <a:spAutoFit/>
           </a:bodyPr>
           <a:lstStyle/>
@@ -13045,61 +14124,55 @@
               <a:buNone/>
             </a:pPr>
             <a:r>
-              <a:rPr sz="3000" b="1">
+              <a:rPr lang="ko-KR" sz="1800" b="1">
                 <a:solidFill>
-                  <a:schemeClr val="tx1"/>
+                  <a:srgbClr val="0611F2"/>
                 </a:solidFill>
                 <a:latin typeface="맑은 고딕" charset="0"/>
                 <a:ea typeface="맑은 고딕" charset="0"/>
               </a:rPr>
-              <a:t>NavMesh Avoidance</a:t>
-            </a:r>
-            <a:endParaRPr lang="ko-KR" altLang="en-US" sz="3000" b="1">
-              <a:solidFill>
-                <a:schemeClr val="tx1"/>
-              </a:solidFill>
-              <a:latin typeface="맑은 고딕" charset="0"/>
-              <a:ea typeface="맑은 고딕" charset="0"/>
-            </a:endParaRPr>
-          </a:p>
-        </p:txBody>
-      </p:sp>
-      <p:sp>
-        <p:nvSpPr>
-          <p:cNvPr id="3" name="텍스트 상자 90"/>
-          <p:cNvSpPr txBox="1">
-            <a:spLocks/>
-          </p:cNvSpPr>
-          <p:nvPr/>
-        </p:nvSpPr>
-        <p:spPr>
-          <a:xfrm rot="0">
-            <a:off x="1114425" y="1405890"/>
-            <a:ext cx="4277360" cy="647065"/>
-          </a:xfrm>
-          <a:prstGeom prst="rect"/>
-          <a:noFill/>
-          <a:ln w="0">
-            <a:noFill/>
-            <a:prstDash/>
-          </a:ln>
-        </p:spPr>
-        <p:txBody>
-          <a:bodyPr wrap="square" lIns="89535" tIns="46355" rIns="89535" bIns="46355" vert="horz" anchor="t">
-            <a:spAutoFit/>
-          </a:bodyPr>
-          <a:lstStyle/>
-          <a:p>
-            <a:pPr marL="0" indent="0" rtl="0" algn="l" defTabSz="914400" eaLnBrk="1" latinLnBrk="0" hangingPunct="1">
-              <a:buFontTx/>
-              <a:buNone/>
-            </a:pPr>
+              <a:t>2</a:t>
+            </a:r>
+            <a:r>
+              <a:rPr lang="ko-KR" sz="1800" b="1">
+                <a:solidFill>
+                  <a:srgbClr val="0611F2"/>
+                </a:solidFill>
+                <a:latin typeface="맑은 고딕" charset="0"/>
+                <a:ea typeface="맑은 고딕" charset="0"/>
+              </a:rPr>
+              <a:t>4</a:t>
+            </a:r>
+            <a:r>
+              <a:rPr sz="1800" b="1">
+                <a:solidFill>
+                  <a:srgbClr val="0611F2"/>
+                </a:solidFill>
+                <a:latin typeface="맑은 고딕" charset="0"/>
+                <a:ea typeface="맑은 고딕" charset="0"/>
+              </a:rPr>
+              <a:t>.</a:t>
+            </a:r>
             <a:r>
               <a:rPr sz="1800">
                 <a:latin typeface="맑은 고딕" charset="0"/>
                 <a:ea typeface="맑은 고딕" charset="0"/>
               </a:rPr>
-              <a:t>NavMesh Avoidance : 장애물 회피와 관련된 컴포넌트입니다.</a:t>
+              <a:t> </a:t>
+            </a:r>
+            <a:r>
+              <a:rPr lang="ko-KR" sz="1800">
+                <a:latin typeface="맑은 고딕" charset="0"/>
+                <a:ea typeface="맑은 고딕" charset="0"/>
+              </a:rPr>
+              <a:t>그런 다음</a:t>
+            </a:r>
+            <a:r>
+              <a:rPr lang="ko-KR" sz="1800">
+                <a:latin typeface="맑은 고딕" charset="0"/>
+                <a:ea typeface="맑은 고딕" charset="0"/>
+              </a:rPr>
+              <a:t> Second Guard 오브젝트의 위치를 설정합니다.</a:t>
             </a:r>
             <a:endParaRPr lang="ko-KR" altLang="en-US" sz="1800">
               <a:latin typeface="맑은 고딕" charset="0"/>
@@ -13108,205 +14181,19 @@
           </a:p>
         </p:txBody>
       </p:sp>
-      <p:sp>
-        <p:nvSpPr>
-          <p:cNvPr id="4" name="텍스트 상자 91"/>
-          <p:cNvSpPr txBox="1">
-            <a:spLocks/>
-          </p:cNvSpPr>
-          <p:nvPr/>
-        </p:nvSpPr>
-        <p:spPr>
-          <a:xfrm rot="0">
-            <a:off x="6810375" y="3124835"/>
-            <a:ext cx="3924935" cy="3138805"/>
-          </a:xfrm>
-          <a:prstGeom prst="rect"/>
-          <a:noFill/>
-          <a:ln w="0">
-            <a:noFill/>
-            <a:prstDash/>
-          </a:ln>
-        </p:spPr>
-        <p:txBody>
-          <a:bodyPr wrap="square" lIns="89535" tIns="46355" rIns="89535" bIns="46355" vert="horz" anchor="t">
-            <a:spAutoFit/>
-          </a:bodyPr>
-          <a:lstStyle/>
-          <a:p>
-            <a:pPr marL="0" indent="0" rtl="0" algn="l" defTabSz="914400" eaLnBrk="1" latinLnBrk="0" hangingPunct="1">
-              <a:buFontTx/>
-              <a:buNone/>
-            </a:pPr>
-            <a:r>
-              <a:rPr sz="1800">
-                <a:latin typeface="맑은 고딕" charset="0"/>
-                <a:ea typeface="맑은 고딕" charset="0"/>
-              </a:rPr>
-              <a:t>Priority : 에이전트 간의 우선순위를 설정하며, 0~99 사이에 값을 설정할 수 있습니다.</a:t>
-            </a:r>
-            <a:endParaRPr lang="ko-KR" altLang="en-US" sz="1800">
-              <a:latin typeface="맑은 고딕" charset="0"/>
-              <a:ea typeface="맑은 고딕" charset="0"/>
-            </a:endParaRPr>
-          </a:p>
-          <a:p>
-            <a:pPr marL="0" indent="0" rtl="0" algn="l" defTabSz="914400" eaLnBrk="1" latinLnBrk="0" hangingPunct="1">
-              <a:buFontTx/>
-              <a:buNone/>
-            </a:pPr>
-            <a:endParaRPr lang="ko-KR" altLang="en-US" sz="1800">
-              <a:latin typeface="맑은 고딕" charset="0"/>
-              <a:ea typeface="맑은 고딕" charset="0"/>
-            </a:endParaRPr>
-          </a:p>
-          <a:p>
-            <a:pPr marL="0" indent="0" rtl="0" algn="l" defTabSz="914400" eaLnBrk="1" latinLnBrk="0" hangingPunct="1">
-              <a:buFontTx/>
-              <a:buNone/>
-            </a:pPr>
-            <a:r>
-              <a:rPr sz="1800">
-                <a:latin typeface="맑은 고딕" charset="0"/>
-                <a:ea typeface="맑은 고딕" charset="0"/>
-              </a:rPr>
-              <a:t>우선순위가 같다면 피해 가려는 움직임만 연출하고, 여의찮을 때 그대로 이동합니다.</a:t>
-            </a:r>
-            <a:endParaRPr lang="ko-KR" altLang="en-US" sz="1800">
-              <a:latin typeface="맑은 고딕" charset="0"/>
-              <a:ea typeface="맑은 고딕" charset="0"/>
-            </a:endParaRPr>
-          </a:p>
-          <a:p>
-            <a:pPr marL="0" indent="0" rtl="0" algn="l" defTabSz="914400" eaLnBrk="1" latinLnBrk="0" hangingPunct="1">
-              <a:buFontTx/>
-              <a:buNone/>
-            </a:pPr>
-            <a:endParaRPr lang="ko-KR" altLang="en-US" sz="1800">
-              <a:latin typeface="맑은 고딕" charset="0"/>
-              <a:ea typeface="맑은 고딕" charset="0"/>
-            </a:endParaRPr>
-          </a:p>
-          <a:p>
-            <a:pPr marL="0" indent="0" rtl="0" algn="l" defTabSz="914400" eaLnBrk="1" latinLnBrk="0" hangingPunct="1">
-              <a:buFontTx/>
-              <a:buNone/>
-            </a:pPr>
-            <a:r>
-              <a:rPr sz="1800">
-                <a:latin typeface="맑은 고딕" charset="0"/>
-                <a:ea typeface="맑은 고딕" charset="0"/>
-              </a:rPr>
-              <a:t>0이라는 값이 가장 큰 값을 의미하며, 99라는 값은 가장 작은 값을 의미합니다.</a:t>
-            </a:r>
-            <a:endParaRPr lang="ko-KR" altLang="en-US" sz="1800">
-              <a:latin typeface="맑은 고딕" charset="0"/>
-              <a:ea typeface="맑은 고딕" charset="0"/>
-            </a:endParaRPr>
-          </a:p>
-        </p:txBody>
-      </p:sp>
-      <p:sp>
-        <p:nvSpPr>
-          <p:cNvPr id="5" name="텍스트 상자 92"/>
-          <p:cNvSpPr txBox="1">
-            <a:spLocks/>
-          </p:cNvSpPr>
-          <p:nvPr/>
-        </p:nvSpPr>
-        <p:spPr>
-          <a:xfrm rot="0">
-            <a:off x="1104900" y="3354705"/>
-            <a:ext cx="4304030" cy="923925"/>
-          </a:xfrm>
-          <a:prstGeom prst="rect"/>
-          <a:noFill/>
-          <a:ln w="0">
-            <a:noFill/>
-            <a:prstDash/>
-          </a:ln>
-        </p:spPr>
-        <p:txBody>
-          <a:bodyPr wrap="square" lIns="89535" tIns="46355" rIns="89535" bIns="46355" vert="horz" anchor="t">
-            <a:spAutoFit/>
-          </a:bodyPr>
-          <a:lstStyle/>
-          <a:p>
-            <a:pPr marL="0" indent="0" rtl="0" algn="l" defTabSz="914400" eaLnBrk="1" latinLnBrk="0" hangingPunct="1">
-              <a:buFontTx/>
-              <a:buNone/>
-            </a:pPr>
-            <a:r>
-              <a:rPr sz="1800">
-                <a:latin typeface="맑은 고딕" charset="0"/>
-                <a:ea typeface="맑은 고딕" charset="0"/>
-              </a:rPr>
-              <a:t>Radius : 에이전트의 충돌 범위를 설정하며, 에이전트 컴포넌트를 가진 게임 오브젝트만 충돌됩니다.</a:t>
-            </a:r>
-            <a:endParaRPr lang="ko-KR" altLang="en-US" sz="1800">
-              <a:latin typeface="맑은 고딕" charset="0"/>
-              <a:ea typeface="맑은 고딕" charset="0"/>
-            </a:endParaRPr>
-          </a:p>
-        </p:txBody>
-      </p:sp>
-      <p:sp>
-        <p:nvSpPr>
-          <p:cNvPr id="6" name="텍스트 상자 93"/>
-          <p:cNvSpPr txBox="1">
-            <a:spLocks/>
-          </p:cNvSpPr>
-          <p:nvPr/>
-        </p:nvSpPr>
-        <p:spPr>
-          <a:xfrm rot="0">
-            <a:off x="1114425" y="5633720"/>
-            <a:ext cx="4293870" cy="647065"/>
-          </a:xfrm>
-          <a:prstGeom prst="rect"/>
-          <a:noFill/>
-          <a:ln w="0">
-            <a:noFill/>
-            <a:prstDash/>
-          </a:ln>
-        </p:spPr>
-        <p:txBody>
-          <a:bodyPr wrap="square" lIns="89535" tIns="46355" rIns="89535" bIns="46355" vert="horz" anchor="t">
-            <a:spAutoFit/>
-          </a:bodyPr>
-          <a:lstStyle/>
-          <a:p>
-            <a:pPr marL="0" indent="0" rtl="0" algn="l" defTabSz="914400" eaLnBrk="1" latinLnBrk="0" hangingPunct="1">
-              <a:buFontTx/>
-              <a:buNone/>
-            </a:pPr>
-            <a:r>
-              <a:rPr sz="1800">
-                <a:latin typeface="맑은 고딕" charset="0"/>
-                <a:ea typeface="맑은 고딕" charset="0"/>
-              </a:rPr>
-              <a:t>Quality : 에이전트와 에이전트간의 회피하는 품질을 설정합니다.</a:t>
-            </a:r>
-            <a:endParaRPr lang="ko-KR" altLang="en-US" sz="1800">
-              <a:latin typeface="맑은 고딕" charset="0"/>
-              <a:ea typeface="맑은 고딕" charset="0"/>
-            </a:endParaRPr>
-          </a:p>
-        </p:txBody>
-      </p:sp>
       <p:pic>
         <p:nvPicPr>
-          <p:cNvPr id="18" name="그림 149"/>
+          <p:cNvPr id="27" name="그림 49" descr="C:/Users/Admin1/AppData/Roaming/PolarisOffice/ETemp/11112_18352824/fImage161053175667.png"/>
           <p:cNvPicPr>
             <a:picLocks noChangeAspect="1"/>
           </p:cNvPicPr>
           <p:nvPr/>
         </p:nvPicPr>
         <p:blipFill rotWithShape="1">
-          <a:blip r:embed="rId8" cstate="print">
+          <a:blip r:embed="rId15" cstate="hqprint">
             <a:extLst>
               <a:ext uri="{28A0092B-C50C-407E-A947-70E740481C1C}">
-                <a14:useLocalDpi xmlns:a14="http://schemas.microsoft.com/office/drawing/2010/main" val="0"/>
+                <a14:useLocalDpi xmlns:a14="http://schemas.microsoft.com/office/drawing/2010/main"/>
               </a:ext>
             </a:extLst>
           </a:blip>
@@ -13316,126 +14203,28 @@
         </p:blipFill>
         <p:spPr>
           <a:xfrm rot="0">
-            <a:off x="6805930" y="1419225"/>
-            <a:ext cx="1081405" cy="1610360"/>
-          </a:xfrm>
-          <a:prstGeom prst="rect"/>
-          <a:noFill/>
+            <a:off x="6816725" y="1333500"/>
+            <a:ext cx="2477770" cy="3716020"/>
+          </a:xfrm>
+          <a:prstGeom prst="roundRect"/>
+          <a:solidFill>
+            <a:srgbClr val="EDEDED"/>
+          </a:solidFill>
         </p:spPr>
       </p:pic>
-      <p:sp>
-        <p:nvSpPr>
-          <p:cNvPr id="20" name="텍스트 상자 151"/>
-          <p:cNvSpPr txBox="1">
-            <a:spLocks/>
-          </p:cNvSpPr>
-          <p:nvPr/>
-        </p:nvSpPr>
-        <p:spPr>
-          <a:xfrm rot="0">
-            <a:off x="7205980" y="1491615"/>
-            <a:ext cx="290830" cy="478155"/>
-          </a:xfrm>
-          <a:prstGeom prst="rect"/>
-          <a:noFill/>
-          <a:ln w="0">
-            <a:noFill/>
-            <a:prstDash/>
-          </a:ln>
-        </p:spPr>
-        <p:txBody>
-          <a:bodyPr wrap="square" lIns="89535" tIns="46355" rIns="89535" bIns="46355" vert="horz" anchor="t">
-            <a:spAutoFit/>
-          </a:bodyPr>
-          <a:lstStyle/>
-          <a:p>
-            <a:pPr marL="0" indent="0" rtl="0" algn="ctr" defTabSz="914400" eaLnBrk="1" latinLnBrk="0" hangingPunct="1">
-              <a:buFontTx/>
-              <a:buNone/>
-            </a:pPr>
-            <a:r>
-              <a:rPr sz="2500" b="1">
-                <a:solidFill>
-                  <a:srgbClr val="FF0000"/>
-                </a:solidFill>
-                <a:latin typeface="맑은 고딕" charset="0"/>
-                <a:ea typeface="맑은 고딕" charset="0"/>
-              </a:rPr>
-              <a:t>0</a:t>
-            </a:r>
-            <a:endParaRPr lang="ko-KR" altLang="en-US" sz="2500" b="1">
-              <a:solidFill>
-                <a:srgbClr val="FF0000"/>
-              </a:solidFill>
-              <a:latin typeface="맑은 고딕" charset="0"/>
-              <a:ea typeface="맑은 고딕" charset="0"/>
-            </a:endParaRPr>
-          </a:p>
-        </p:txBody>
-      </p:sp>
-      <p:sp>
-        <p:nvSpPr>
-          <p:cNvPr id="21" name="텍스트 상자 152"/>
-          <p:cNvSpPr txBox="1">
-            <a:spLocks/>
-          </p:cNvSpPr>
-          <p:nvPr/>
-        </p:nvSpPr>
-        <p:spPr>
-          <a:xfrm rot="0">
-            <a:off x="8553450" y="1496695"/>
-            <a:ext cx="624840" cy="478155"/>
-          </a:xfrm>
-          <a:prstGeom prst="rect"/>
-          <a:noFill/>
-          <a:ln w="0">
-            <a:noFill/>
-            <a:prstDash/>
-          </a:ln>
-        </p:spPr>
-        <p:txBody>
-          <a:bodyPr wrap="square" lIns="89535" tIns="46355" rIns="89535" bIns="46355" vert="horz" anchor="t">
-            <a:spAutoFit/>
-          </a:bodyPr>
-          <a:lstStyle/>
-          <a:p>
-            <a:pPr marL="0" indent="0" rtl="0" algn="ctr" defTabSz="914400" eaLnBrk="1" latinLnBrk="0" hangingPunct="1">
-              <a:buFontTx/>
-              <a:buNone/>
-            </a:pPr>
-            <a:r>
-              <a:rPr lang="ko-KR" sz="2500" b="1">
-                <a:solidFill>
-                  <a:srgbClr val="FF0000"/>
-                </a:solidFill>
-                <a:latin typeface="맑은 고딕" charset="0"/>
-                <a:ea typeface="맑은 고딕" charset="0"/>
-              </a:rPr>
-              <a:t>99</a:t>
-            </a:r>
-            <a:endParaRPr lang="ko-KR" altLang="en-US" sz="2500" b="1">
-              <a:solidFill>
-                <a:srgbClr val="FF0000"/>
-              </a:solidFill>
-              <a:latin typeface="맑은 고딕" charset="0"/>
-              <a:ea typeface="맑은 고딕" charset="0"/>
-            </a:endParaRPr>
-          </a:p>
-        </p:txBody>
-      </p:sp>
       <p:pic>
         <p:nvPicPr>
-          <p:cNvPr id="23" name="그림 154"/>
+          <p:cNvPr id="28" name="그림 51" descr="C:/Users/Admin1/AppData/Roaming/PolarisOffice/ETemp/11112_18352824/fImage78673111478.png"/>
           <p:cNvPicPr>
             <a:picLocks noChangeAspect="1"/>
           </p:cNvPicPr>
           <p:nvPr/>
         </p:nvPicPr>
         <p:blipFill rotWithShape="1">
-          <a:blip r:embed="rId9" cstate="print">
+          <a:blip r:embed="rId16" cstate="hqprint">
             <a:extLst>
               <a:ext uri="{28A0092B-C50C-407E-A947-70E740481C1C}">
-                <a14:useLocalDpi xmlns:a14="http://schemas.microsoft.com/office/drawing/2010/main" val="0"/>
+                <a14:useLocalDpi xmlns:a14="http://schemas.microsoft.com/office/drawing/2010/main"/>
               </a:ext>
             </a:extLst>
           </a:blip>
@@ -13445,26 +14234,112 @@
         </p:blipFill>
         <p:spPr>
           <a:xfrm rot="0">
-            <a:off x="9772650" y="1409700"/>
-            <a:ext cx="962660" cy="1343660"/>
+            <a:off x="9476740" y="2051685"/>
+            <a:ext cx="1489075" cy="2132330"/>
+          </a:xfrm>
+          <a:prstGeom prst="roundRect"/>
+          <a:solidFill>
+            <a:srgbClr val="EDEDED"/>
+          </a:solidFill>
+        </p:spPr>
+      </p:pic>
+      <p:sp>
+        <p:nvSpPr>
+          <p:cNvPr id="29" name="텍스트 상자 54"/>
+          <p:cNvSpPr txBox="1">
+            <a:spLocks/>
+          </p:cNvSpPr>
+          <p:nvPr/>
+        </p:nvSpPr>
+        <p:spPr>
+          <a:xfrm rot="0">
+            <a:off x="6806565" y="5307965"/>
+            <a:ext cx="4159250" cy="831850"/>
           </a:xfrm>
           <a:prstGeom prst="rect"/>
           <a:noFill/>
         </p:spPr>
-      </p:pic>
+        <p:txBody>
+          <a:bodyPr wrap="square" lIns="0" tIns="0" rIns="0" bIns="0" numCol="1" vert="horz" anchor="t">
+            <a:noAutofit/>
+          </a:bodyPr>
+          <a:lstStyle/>
+          <a:p>
+            <a:pPr marL="0" indent="0" rtl="0" algn="l" defTabSz="914400" eaLnBrk="1" latinLnBrk="0" hangingPunct="1">
+              <a:buFontTx/>
+              <a:buNone/>
+            </a:pPr>
+            <a:r>
+              <a:rPr sz="1800" b="1">
+                <a:solidFill>
+                  <a:srgbClr val="0611F2"/>
+                </a:solidFill>
+                <a:latin typeface="맑은 고딕" charset="0"/>
+                <a:ea typeface="맑은 고딕" charset="0"/>
+              </a:rPr>
+              <a:t>2</a:t>
+            </a:r>
+            <a:r>
+              <a:rPr sz="1800" b="1">
+                <a:solidFill>
+                  <a:srgbClr val="0611F2"/>
+                </a:solidFill>
+                <a:latin typeface="맑은 고딕" charset="0"/>
+                <a:ea typeface="맑은 고딕" charset="0"/>
+              </a:rPr>
+              <a:t>6</a:t>
+            </a:r>
+            <a:r>
+              <a:rPr sz="1800" b="1">
+                <a:solidFill>
+                  <a:srgbClr val="0611F2"/>
+                </a:solidFill>
+                <a:latin typeface="맑은 고딕" charset="0"/>
+                <a:ea typeface="맑은 고딕" charset="0"/>
+              </a:rPr>
+              <a:t>.</a:t>
+            </a:r>
+            <a:r>
+              <a:rPr lang="ko-KR" sz="1800">
+                <a:latin typeface="맑은 고딕" charset="0"/>
+                <a:ea typeface="맑은 고딕" charset="0"/>
+              </a:rPr>
+              <a:t> 그</a:t>
+            </a:r>
+            <a:r>
+              <a:rPr lang="ko-KR" sz="1800">
+                <a:latin typeface="맑은 고딕" charset="0"/>
+                <a:ea typeface="맑은 고딕" charset="0"/>
+              </a:rPr>
+              <a:t>러고 나서</a:t>
+            </a:r>
+            <a:r>
+              <a:rPr lang="ko-KR" sz="1800">
+                <a:latin typeface="맑은 고딕" charset="0"/>
+                <a:ea typeface="맑은 고딕" charset="0"/>
+              </a:rPr>
+              <a:t> 3D Object로 Cube를 생성한 다음 Obstacle이라는 이름으로 정의합니다.</a:t>
+            </a:r>
+            <a:endParaRPr lang="ko-KR" altLang="en-US" sz="1800">
+              <a:latin typeface="맑은 고딕" charset="0"/>
+              <a:ea typeface="맑은 고딕" charset="0"/>
+            </a:endParaRPr>
+          </a:p>
+        </p:txBody>
+      </p:sp>
       <p:pic>
         <p:nvPicPr>
-          <p:cNvPr id="24" name="그림 155"/>
+          <p:cNvPr id="30" name="그림 55"/>
           <p:cNvPicPr>
             <a:picLocks noChangeAspect="1"/>
           </p:cNvPicPr>
           <p:nvPr/>
         </p:nvPicPr>
         <p:blipFill rotWithShape="1">
-          <a:blip r:embed="rId10" cstate="print">
+          <a:blip r:embed="rId17" cstate="hqprint">
             <a:extLst>
               <a:ext uri="{28A0092B-C50C-407E-A947-70E740481C1C}">
-                <a14:useLocalDpi xmlns:a14="http://schemas.microsoft.com/office/drawing/2010/main" val="0"/>
+                <a14:useLocalDpi xmlns:a14="http://schemas.microsoft.com/office/drawing/2010/main"/>
               </a:ext>
             </a:extLst>
           </a:blip>
@@ -13474,8 +14349,8 @@
         </p:blipFill>
         <p:spPr>
           <a:xfrm rot="0">
-            <a:off x="1114425" y="4429125"/>
-            <a:ext cx="4286885" cy="1067435"/>
+            <a:off x="1238250" y="3844925"/>
+            <a:ext cx="4148455" cy="1229995"/>
           </a:xfrm>
           <a:prstGeom prst="roundRect"/>
           <a:solidFill>
@@ -13483,37 +14358,67 @@
           </a:solidFill>
         </p:spPr>
       </p:pic>
-      <p:pic>
-        <p:nvPicPr>
-          <p:cNvPr id="25" name="그림 158"/>
-          <p:cNvPicPr>
-            <a:picLocks noChangeAspect="1"/>
-          </p:cNvPicPr>
+      <p:sp>
+        <p:nvSpPr>
+          <p:cNvPr id="31" name="텍스트 상자 56"/>
+          <p:cNvSpPr txBox="1">
+            <a:spLocks/>
+          </p:cNvSpPr>
           <p:nvPr/>
-        </p:nvPicPr>
-        <p:blipFill rotWithShape="1">
-          <a:blip r:embed="rId11" cstate="print">
-            <a:extLst>
-              <a:ext uri="{28A0092B-C50C-407E-A947-70E740481C1C}">
-                <a14:useLocalDpi xmlns:a14="http://schemas.microsoft.com/office/drawing/2010/main" val="0"/>
-              </a:ext>
-            </a:extLst>
-          </a:blip>
-          <a:stretch>
-            <a:fillRect/>
-          </a:stretch>
-        </p:blipFill>
-        <p:spPr>
-          <a:xfrm rot="0">
-            <a:off x="1114425" y="2223770"/>
-            <a:ext cx="4277360" cy="996315"/>
-          </a:xfrm>
-          <a:prstGeom prst="roundRect"/>
-          <a:solidFill>
-            <a:srgbClr val="EDEDED"/>
-          </a:solidFill>
-        </p:spPr>
-      </p:pic>
+        </p:nvSpPr>
+        <p:spPr>
+          <a:xfrm rot="0">
+            <a:off x="1237615" y="5231765"/>
+            <a:ext cx="4141470" cy="924560"/>
+          </a:xfrm>
+          <a:prstGeom prst="rect"/>
+          <a:noFill/>
+          <a:ln w="0">
+            <a:noFill/>
+            <a:prstDash/>
+          </a:ln>
+        </p:spPr>
+        <p:txBody>
+          <a:bodyPr wrap="square" lIns="89535" tIns="46355" rIns="89535" bIns="46355" numCol="1" vert="horz" anchor="t">
+            <a:spAutoFit/>
+          </a:bodyPr>
+          <a:lstStyle/>
+          <a:p>
+            <a:pPr marL="0" indent="0" rtl="0" algn="l" defTabSz="914400" eaLnBrk="1" latinLnBrk="0" hangingPunct="1">
+              <a:buFontTx/>
+              <a:buNone/>
+            </a:pPr>
+            <a:r>
+              <a:rPr sz="1800" b="1">
+                <a:solidFill>
+                  <a:srgbClr val="0611F2"/>
+                </a:solidFill>
+                <a:latin typeface="맑은 고딕" charset="0"/>
+                <a:ea typeface="맑은 고딕" charset="0"/>
+              </a:rPr>
+              <a:t>25.</a:t>
+            </a:r>
+            <a:r>
+              <a:rPr sz="1800">
+                <a:latin typeface="맑은 고딕" charset="0"/>
+                <a:ea typeface="맑은 고딕" charset="0"/>
+              </a:rPr>
+              <a:t> 그</a:t>
+            </a:r>
+            <a:r>
+              <a:rPr lang="ko-KR" sz="1800">
+                <a:latin typeface="맑은 고딕" charset="0"/>
+                <a:ea typeface="맑은 고딕" charset="0"/>
+              </a:rPr>
+              <a:t>다음 First Guard 오브젝트와 Second Guard 오브젝트에 Nav Mesh Agent 컴포넌트를 추가합니다.</a:t>
+            </a:r>
+            <a:endParaRPr lang="ko-KR" altLang="en-US" sz="1800">
+              <a:latin typeface="맑은 고딕" charset="0"/>
+              <a:ea typeface="맑은 고딕" charset="0"/>
+            </a:endParaRPr>
+          </a:p>
+        </p:txBody>
+      </p:sp>
     </p:spTree>
   </p:cSld>
   <p:clrMapOvr>
